--- a/PBL Presentation Format.pptx
+++ b/PBL Presentation Format.pptx
@@ -127,7 +127,7 @@
   </p:defaultTextStyle>
   <p:extLst>
     <p:ext uri="{EFAFB233-063F-42B5-8137-9DF3F51BA10A}">
-      <p15:sldGuideLst xmlns:p15="http://schemas.microsoft.com/office/powerpoint/2012/main" xmlns="">
+      <p15:sldGuideLst xmlns:p15="http://schemas.microsoft.com/office/powerpoint/2012/main">
         <p15:guide id="1" orient="horz" pos="2160">
           <p15:clr>
             <a:srgbClr val="A4A3A4"/>
@@ -194,10 +194,9 @@
           </a:lstStyle>
           <a:p>
             <a:r>
-              <a:rPr lang="en-US" smtClean="0"/>
+              <a:rPr lang="en-US"/>
               <a:t>Detection of shill reviews</a:t>
             </a:r>
-            <a:endParaRPr lang="en-US"/>
           </a:p>
         </p:txBody>
       </p:sp>
@@ -231,7 +230,7 @@
             <a:fld id="{332DA3EE-D654-4F9A-88A6-879917C71670}" type="datetimeFigureOut">
               <a:rPr lang="en-US" smtClean="0"/>
               <a:pPr/>
-              <a:t>29/05/2021</a:t>
+              <a:t>4/30/2022</a:t>
             </a:fld>
             <a:endParaRPr lang="en-US"/>
           </a:p>
@@ -265,10 +264,9 @@
           </a:lstStyle>
           <a:p>
             <a:r>
-              <a:rPr lang="en-US" smtClean="0"/>
+              <a:rPr lang="en-US"/>
               <a:t>DYPCOE</a:t>
             </a:r>
-            <a:endParaRPr lang="en-US"/>
           </a:p>
         </p:txBody>
       </p:sp>
@@ -370,7 +368,7 @@
           </a:lstStyle>
           <a:p>
             <a:r>
-              <a:rPr lang="en-US" smtClean="0"/>
+              <a:rPr lang="en-US"/>
               <a:t>Detection of shill reviews</a:t>
             </a:r>
             <a:endParaRPr lang="en-US" dirty="0"/>
@@ -407,7 +405,7 @@
             <a:fld id="{F278CB5B-F3CE-4FE9-9D28-2B934D73C3D6}" type="datetimeFigureOut">
               <a:rPr lang="en-US" smtClean="0"/>
               <a:pPr/>
-              <a:t>29/05/2021</a:t>
+              <a:t>4/30/2022</a:t>
             </a:fld>
             <a:endParaRPr lang="en-US" dirty="0"/>
           </a:p>
@@ -473,38 +471,37 @@
           <a:p>
             <a:pPr lvl="0"/>
             <a:r>
-              <a:rPr lang="en-US" smtClean="0"/>
+              <a:rPr lang="en-US"/>
               <a:t>Click to edit Master text styles</a:t>
             </a:r>
           </a:p>
           <a:p>
             <a:pPr lvl="1"/>
             <a:r>
-              <a:rPr lang="en-US" smtClean="0"/>
+              <a:rPr lang="en-US"/>
               <a:t>Second level</a:t>
             </a:r>
           </a:p>
           <a:p>
             <a:pPr lvl="2"/>
             <a:r>
-              <a:rPr lang="en-US" smtClean="0"/>
+              <a:rPr lang="en-US"/>
               <a:t>Third level</a:t>
             </a:r>
           </a:p>
           <a:p>
             <a:pPr lvl="3"/>
             <a:r>
-              <a:rPr lang="en-US" smtClean="0"/>
+              <a:rPr lang="en-US"/>
               <a:t>Fourth level</a:t>
             </a:r>
           </a:p>
           <a:p>
             <a:pPr lvl="4"/>
             <a:r>
-              <a:rPr lang="en-US" smtClean="0"/>
+              <a:rPr lang="en-US"/>
               <a:t>Fifth level</a:t>
             </a:r>
-            <a:endParaRPr lang="en-US"/>
           </a:p>
         </p:txBody>
       </p:sp>
@@ -536,7 +533,7 @@
           </a:lstStyle>
           <a:p>
             <a:r>
-              <a:rPr lang="en-US" smtClean="0"/>
+              <a:rPr lang="en-US"/>
               <a:t>DYPCOE</a:t>
             </a:r>
             <a:endParaRPr lang="en-US" dirty="0"/>
@@ -832,7 +829,7 @@
           <a:lstStyle/>
           <a:p>
             <a:r>
-              <a:rPr lang="en-US" smtClean="0"/>
+              <a:rPr lang="en-US"/>
               <a:t>Detection of shill reviews</a:t>
             </a:r>
             <a:endParaRPr lang="en-US" dirty="0"/>
@@ -855,7 +852,7 @@
           <a:lstStyle/>
           <a:p>
             <a:r>
-              <a:rPr lang="en-US" smtClean="0"/>
+              <a:rPr lang="en-US"/>
               <a:t>DYPCOE</a:t>
             </a:r>
             <a:endParaRPr lang="en-US" dirty="0"/>
@@ -963,7 +960,7 @@
           <a:lstStyle/>
           <a:p>
             <a:r>
-              <a:rPr lang="en-US" smtClean="0"/>
+              <a:rPr lang="en-US"/>
               <a:t>Detection of shill reviews</a:t>
             </a:r>
             <a:endParaRPr lang="en-US" dirty="0"/>
@@ -986,7 +983,7 @@
           <a:lstStyle/>
           <a:p>
             <a:r>
-              <a:rPr lang="en-US" smtClean="0"/>
+              <a:rPr lang="en-US"/>
               <a:t>DYPCOE</a:t>
             </a:r>
             <a:endParaRPr lang="en-US" dirty="0"/>
@@ -1094,7 +1091,7 @@
           <a:lstStyle/>
           <a:p>
             <a:r>
-              <a:rPr lang="en-US" smtClean="0"/>
+              <a:rPr lang="en-US"/>
               <a:t>Detection of shill reviews</a:t>
             </a:r>
             <a:endParaRPr lang="en-US" dirty="0"/>
@@ -1117,7 +1114,7 @@
           <a:lstStyle/>
           <a:p>
             <a:r>
-              <a:rPr lang="en-US" smtClean="0"/>
+              <a:rPr lang="en-US"/>
               <a:t>DYPCOE</a:t>
             </a:r>
             <a:endParaRPr lang="en-US" dirty="0"/>
@@ -1251,7 +1248,7 @@
           <a:lstStyle/>
           <a:p>
             <a:r>
-              <a:rPr lang="en-US" smtClean="0"/>
+              <a:rPr lang="en-US"/>
               <a:t>Detection of shill reviews</a:t>
             </a:r>
             <a:endParaRPr lang="en-US" dirty="0"/>
@@ -1274,7 +1271,7 @@
           <a:lstStyle/>
           <a:p>
             <a:r>
-              <a:rPr lang="en-US" smtClean="0"/>
+              <a:rPr lang="en-US"/>
               <a:t>DYPCOE</a:t>
             </a:r>
             <a:endParaRPr lang="en-US" dirty="0"/>
@@ -1358,7 +1355,7 @@
           <a:lstStyle/>
           <a:p>
             <a:r>
-              <a:rPr lang="en-US" smtClean="0"/>
+              <a:rPr lang="en-US"/>
               <a:t>Detection of shill reviews</a:t>
             </a:r>
             <a:endParaRPr lang="en-US" dirty="0"/>
@@ -1381,7 +1378,7 @@
           <a:lstStyle/>
           <a:p>
             <a:r>
-              <a:rPr lang="en-US" smtClean="0"/>
+              <a:rPr lang="en-US"/>
               <a:t>DYPCOE</a:t>
             </a:r>
             <a:endParaRPr lang="en-US" dirty="0"/>
@@ -1491,7 +1488,7 @@
           <a:lstStyle/>
           <a:p>
             <a:r>
-              <a:rPr lang="en-US" smtClean="0"/>
+              <a:rPr lang="en-US"/>
               <a:t>Detection of shill reviews</a:t>
             </a:r>
             <a:endParaRPr lang="en-US" dirty="0"/>
@@ -1538,7 +1535,7 @@
           <a:lstStyle/>
           <a:p>
             <a:r>
-              <a:rPr lang="en-US" smtClean="0"/>
+              <a:rPr lang="en-US"/>
               <a:t>DYPCOE</a:t>
             </a:r>
             <a:endParaRPr lang="en-US" dirty="0"/>
@@ -1622,7 +1619,7 @@
           <a:lstStyle/>
           <a:p>
             <a:r>
-              <a:rPr lang="en-US" smtClean="0"/>
+              <a:rPr lang="en-US"/>
               <a:t>Detection of shill reviews</a:t>
             </a:r>
             <a:endParaRPr lang="en-US" dirty="0"/>
@@ -1645,7 +1642,7 @@
           <a:lstStyle/>
           <a:p>
             <a:r>
-              <a:rPr lang="en-US" smtClean="0"/>
+              <a:rPr lang="en-US"/>
               <a:t>DYPCOE</a:t>
             </a:r>
             <a:endParaRPr lang="en-US" dirty="0"/>
@@ -1753,7 +1750,7 @@
           <a:lstStyle/>
           <a:p>
             <a:r>
-              <a:rPr lang="en-US" smtClean="0"/>
+              <a:rPr lang="en-US"/>
               <a:t>Detection of shill reviews</a:t>
             </a:r>
             <a:endParaRPr lang="en-US" dirty="0"/>
@@ -1776,7 +1773,7 @@
           <a:lstStyle/>
           <a:p>
             <a:r>
-              <a:rPr lang="en-US" smtClean="0"/>
+              <a:rPr lang="en-US"/>
               <a:t>DYPCOE</a:t>
             </a:r>
             <a:endParaRPr lang="en-US" dirty="0"/>
@@ -2009,10 +2006,9 @@
           </a:lstStyle>
           <a:p>
             <a:r>
-              <a:rPr kumimoji="0" lang="en-US" smtClean="0"/>
+              <a:rPr kumimoji="0" lang="en-US"/>
               <a:t>Click to edit Master title style</a:t>
             </a:r>
-            <a:endParaRPr kumimoji="0" lang="en-US"/>
           </a:p>
         </p:txBody>
       </p:sp>
@@ -2072,10 +2068,9 @@
           </a:lstStyle>
           <a:p>
             <a:r>
-              <a:rPr kumimoji="0" lang="en-US" smtClean="0"/>
+              <a:rPr kumimoji="0" lang="en-US"/>
               <a:t>Click to edit Master subtitle style</a:t>
             </a:r>
-            <a:endParaRPr kumimoji="0" lang="en-US"/>
           </a:p>
         </p:txBody>
       </p:sp>
@@ -2112,7 +2107,7 @@
             <a:fld id="{10584F5C-4138-4343-93C5-0A76D68DA832}" type="datetime1">
               <a:rPr lang="en-US" smtClean="0"/>
               <a:pPr/>
-              <a:t>29/05/2021</a:t>
+              <a:t>4/30/2022</a:t>
             </a:fld>
             <a:endParaRPr lang="en-US" dirty="0"/>
           </a:p>
@@ -2147,7 +2142,7 @@
           </a:lstStyle>
           <a:p>
             <a:r>
-              <a:rPr lang="en-IN" smtClean="0"/>
+              <a:rPr lang="en-IN"/>
               <a:t>Playing Subset of Lecture Videos by Comparing Text Query with Associated Slides</a:t>
             </a:r>
             <a:endParaRPr lang="en-US" dirty="0"/>
@@ -2196,13 +2191,6 @@
   <p:clrMapOvr>
     <a:overrideClrMapping bg1="dk1" tx1="lt1" bg2="dk2" tx2="lt2" accent1="accent1" accent2="accent2" accent3="accent3" accent4="accent4" accent5="accent5" accent6="accent6" hlink="hlink" folHlink="folHlink"/>
   </p:clrMapOvr>
-  <p:timing>
-    <p:tnLst>
-      <p:par>
-        <p:cTn id="1" dur="indefinite" restart="never" nodeType="tmRoot"/>
-      </p:par>
-    </p:tnLst>
-  </p:timing>
 </p:sldLayout>
 </file>
 
@@ -2239,10 +2227,9 @@
           <a:lstStyle/>
           <a:p>
             <a:r>
-              <a:rPr kumimoji="0" lang="en-US" smtClean="0"/>
+              <a:rPr kumimoji="0" lang="en-US"/>
               <a:t>Click to edit Master title style</a:t>
             </a:r>
-            <a:endParaRPr kumimoji="0" lang="en-US"/>
           </a:p>
         </p:txBody>
       </p:sp>
@@ -2263,35 +2250,35 @@
           <a:p>
             <a:pPr lvl="0" eaLnBrk="1" latinLnBrk="0" hangingPunct="1"/>
             <a:r>
-              <a:rPr lang="en-US" smtClean="0"/>
+              <a:rPr lang="en-US"/>
               <a:t>Click to edit Master text styles</a:t>
             </a:r>
           </a:p>
           <a:p>
             <a:pPr lvl="1" eaLnBrk="1" latinLnBrk="0" hangingPunct="1"/>
             <a:r>
-              <a:rPr lang="en-US" smtClean="0"/>
+              <a:rPr lang="en-US"/>
               <a:t>Second level</a:t>
             </a:r>
           </a:p>
           <a:p>
             <a:pPr lvl="2" eaLnBrk="1" latinLnBrk="0" hangingPunct="1"/>
             <a:r>
-              <a:rPr lang="en-US" smtClean="0"/>
+              <a:rPr lang="en-US"/>
               <a:t>Third level</a:t>
             </a:r>
           </a:p>
           <a:p>
             <a:pPr lvl="3" eaLnBrk="1" latinLnBrk="0" hangingPunct="1"/>
             <a:r>
-              <a:rPr lang="en-US" smtClean="0"/>
+              <a:rPr lang="en-US"/>
               <a:t>Fourth level</a:t>
             </a:r>
           </a:p>
           <a:p>
             <a:pPr lvl="4" eaLnBrk="1" latinLnBrk="0" hangingPunct="1"/>
             <a:r>
-              <a:rPr lang="en-US" smtClean="0"/>
+              <a:rPr lang="en-US"/>
               <a:t>Fifth level</a:t>
             </a:r>
             <a:endParaRPr kumimoji="0" lang="en-US"/>
@@ -2316,7 +2303,7 @@
             <a:fld id="{7043F687-6054-4761-B0E2-16F499847317}" type="datetime1">
               <a:rPr lang="en-US" smtClean="0"/>
               <a:pPr/>
-              <a:t>29/05/2021</a:t>
+              <a:t>4/30/2022</a:t>
             </a:fld>
             <a:endParaRPr lang="en-US" dirty="0"/>
           </a:p>
@@ -2338,7 +2325,7 @@
           <a:lstStyle/>
           <a:p>
             <a:r>
-              <a:rPr lang="en-IN" smtClean="0"/>
+              <a:rPr lang="en-IN"/>
               <a:t>Playing Subset of Lecture Videos by Comparing Text Query with Associated Slides</a:t>
             </a:r>
             <a:endParaRPr lang="en-US" dirty="0"/>
@@ -2374,13 +2361,6 @@
   <p:clrMapOvr>
     <a:masterClrMapping/>
   </p:clrMapOvr>
-  <p:timing>
-    <p:tnLst>
-      <p:par>
-        <p:cTn id="1" dur="indefinite" restart="never" nodeType="tmRoot"/>
-      </p:par>
-    </p:tnLst>
-  </p:timing>
 </p:sldLayout>
 </file>
 
@@ -2427,10 +2407,9 @@
           <a:lstStyle/>
           <a:p>
             <a:r>
-              <a:rPr kumimoji="0" lang="en-US" smtClean="0"/>
+              <a:rPr kumimoji="0" lang="en-US"/>
               <a:t>Click to edit Master title style</a:t>
             </a:r>
-            <a:endParaRPr kumimoji="0" lang="en-US"/>
           </a:p>
         </p:txBody>
       </p:sp>
@@ -2456,35 +2435,35 @@
           <a:p>
             <a:pPr lvl="0" eaLnBrk="1" latinLnBrk="0" hangingPunct="1"/>
             <a:r>
-              <a:rPr lang="en-US" smtClean="0"/>
+              <a:rPr lang="en-US"/>
               <a:t>Click to edit Master text styles</a:t>
             </a:r>
           </a:p>
           <a:p>
             <a:pPr lvl="1" eaLnBrk="1" latinLnBrk="0" hangingPunct="1"/>
             <a:r>
-              <a:rPr lang="en-US" smtClean="0"/>
+              <a:rPr lang="en-US"/>
               <a:t>Second level</a:t>
             </a:r>
           </a:p>
           <a:p>
             <a:pPr lvl="2" eaLnBrk="1" latinLnBrk="0" hangingPunct="1"/>
             <a:r>
-              <a:rPr lang="en-US" smtClean="0"/>
+              <a:rPr lang="en-US"/>
               <a:t>Third level</a:t>
             </a:r>
           </a:p>
           <a:p>
             <a:pPr lvl="3" eaLnBrk="1" latinLnBrk="0" hangingPunct="1"/>
             <a:r>
-              <a:rPr lang="en-US" smtClean="0"/>
+              <a:rPr lang="en-US"/>
               <a:t>Fourth level</a:t>
             </a:r>
           </a:p>
           <a:p>
             <a:pPr lvl="4" eaLnBrk="1" latinLnBrk="0" hangingPunct="1"/>
             <a:r>
-              <a:rPr lang="en-US" smtClean="0"/>
+              <a:rPr lang="en-US"/>
               <a:t>Fifth level</a:t>
             </a:r>
             <a:endParaRPr kumimoji="0" lang="en-US"/>
@@ -2514,7 +2493,7 @@
             <a:fld id="{69137519-BE30-46D8-B560-1D46F1068F1A}" type="datetime1">
               <a:rPr lang="en-US" smtClean="0"/>
               <a:pPr/>
-              <a:t>29/05/2021</a:t>
+              <a:t>4/30/2022</a:t>
             </a:fld>
             <a:endParaRPr lang="en-US" dirty="0"/>
           </a:p>
@@ -2541,7 +2520,7 @@
           <a:lstStyle/>
           <a:p>
             <a:r>
-              <a:rPr lang="en-IN" smtClean="0"/>
+              <a:rPr lang="en-IN"/>
               <a:t>Playing Subset of Lecture Videos by Comparing Text Query with Associated Slides</a:t>
             </a:r>
             <a:endParaRPr lang="en-US" dirty="0"/>
@@ -2717,13 +2696,6 @@
   <p:clrMapOvr>
     <a:overrideClrMapping bg1="lt1" tx1="dk1" bg2="lt2" tx2="dk2" accent1="accent1" accent2="accent2" accent3="accent3" accent4="accent4" accent5="accent5" accent6="accent6" hlink="hlink" folHlink="folHlink"/>
   </p:clrMapOvr>
-  <p:timing>
-    <p:tnLst>
-      <p:par>
-        <p:cTn id="1" dur="indefinite" restart="never" nodeType="tmRoot"/>
-      </p:par>
-    </p:tnLst>
-  </p:timing>
 </p:sldLayout>
 </file>
 
@@ -2770,10 +2742,9 @@
           </a:lstStyle>
           <a:p>
             <a:r>
-              <a:rPr lang="en-US" dirty="0" smtClean="0"/>
+              <a:rPr lang="en-US" dirty="0"/>
               <a:t>Outline</a:t>
             </a:r>
-            <a:endParaRPr lang="en-US" dirty="0"/>
           </a:p>
         </p:txBody>
       </p:sp>
@@ -2839,7 +2810,7 @@
               <a:defRPr/>
             </a:pPr>
             <a:r>
-              <a:rPr kumimoji="0" lang="en-US" sz="2800" b="0" i="0" u="none" strike="noStrike" kern="1200" cap="none" spc="0" normalizeH="0" baseline="0" noProof="0" dirty="0" smtClean="0">
+              <a:rPr kumimoji="0" lang="en-US" sz="2800" b="0" i="0" u="none" strike="noStrike" kern="1200" cap="none" spc="0" normalizeH="0" baseline="0" noProof="0" dirty="0">
                 <a:ln>
                   <a:noFill/>
                 </a:ln>
@@ -2872,7 +2843,7 @@
               <a:defRPr/>
             </a:pPr>
             <a:r>
-              <a:rPr kumimoji="0" lang="en-US" sz="2800" b="0" i="0" u="none" strike="noStrike" kern="1200" cap="none" spc="0" normalizeH="0" baseline="0" noProof="0" dirty="0" smtClean="0">
+              <a:rPr kumimoji="0" lang="en-US" sz="2800" b="0" i="0" u="none" strike="noStrike" kern="1200" cap="none" spc="0" normalizeH="0" baseline="0" noProof="0" dirty="0">
                 <a:ln>
                   <a:noFill/>
                 </a:ln>
@@ -2905,7 +2876,7 @@
               <a:defRPr/>
             </a:pPr>
             <a:r>
-              <a:rPr kumimoji="0" lang="en-US" sz="2800" b="0" i="0" u="none" strike="noStrike" kern="1200" cap="none" spc="0" normalizeH="0" baseline="0" noProof="0" dirty="0" smtClean="0">
+              <a:rPr kumimoji="0" lang="en-US" sz="2800" b="0" i="0" u="none" strike="noStrike" kern="1200" cap="none" spc="0" normalizeH="0" baseline="0" noProof="0" dirty="0">
                 <a:ln>
                   <a:noFill/>
                 </a:ln>
@@ -2938,7 +2909,7 @@
               <a:defRPr/>
             </a:pPr>
             <a:r>
-              <a:rPr kumimoji="0" lang="en-US" sz="2800" b="0" i="0" u="none" strike="noStrike" kern="1200" cap="none" spc="0" normalizeH="0" baseline="0" noProof="0" dirty="0" smtClean="0">
+              <a:rPr kumimoji="0" lang="en-US" sz="2800" b="0" i="0" u="none" strike="noStrike" kern="1200" cap="none" spc="0" normalizeH="0" baseline="0" noProof="0" dirty="0">
                 <a:ln>
                   <a:noFill/>
                 </a:ln>
@@ -2971,7 +2942,7 @@
               <a:defRPr/>
             </a:pPr>
             <a:r>
-              <a:rPr kumimoji="0" lang="en-US" sz="2800" b="0" i="0" u="none" strike="noStrike" kern="1200" cap="none" spc="0" normalizeH="0" baseline="0" noProof="0" dirty="0" smtClean="0">
+              <a:rPr kumimoji="0" lang="en-US" sz="2800" b="0" i="0" u="none" strike="noStrike" kern="1200" cap="none" spc="0" normalizeH="0" baseline="0" noProof="0" dirty="0">
                 <a:ln>
                   <a:noFill/>
                 </a:ln>
@@ -3004,7 +2975,7 @@
               <a:defRPr/>
             </a:pPr>
             <a:r>
-              <a:rPr kumimoji="0" lang="en-US" sz="2800" b="0" i="0" u="none" strike="noStrike" kern="1200" cap="none" spc="0" normalizeH="0" baseline="0" noProof="0" dirty="0" smtClean="0">
+              <a:rPr kumimoji="0" lang="en-US" sz="2800" b="0" i="0" u="none" strike="noStrike" kern="1200" cap="none" spc="0" normalizeH="0" baseline="0" noProof="0" dirty="0">
                 <a:ln>
                   <a:noFill/>
                 </a:ln>
@@ -3037,7 +3008,7 @@
               <a:defRPr/>
             </a:pPr>
             <a:r>
-              <a:rPr kumimoji="0" lang="en-US" sz="2800" b="0" i="0" u="none" strike="noStrike" kern="1200" cap="none" spc="0" normalizeH="0" baseline="0" noProof="0" dirty="0" smtClean="0">
+              <a:rPr kumimoji="0" lang="en-US" sz="2800" b="0" i="0" u="none" strike="noStrike" kern="1200" cap="none" spc="0" normalizeH="0" baseline="0" noProof="0" dirty="0">
                 <a:ln>
                   <a:noFill/>
                 </a:ln>
@@ -3088,7 +3059,7 @@
             <a:fld id="{397EC67F-B312-45BF-8EBA-3BFE3C676468}" type="datetime1">
               <a:rPr lang="en-US" smtClean="0"/>
               <a:pPr/>
-              <a:t>29/05/2021</a:t>
+              <a:t>4/30/2022</a:t>
             </a:fld>
             <a:endParaRPr lang="en-US" dirty="0"/>
           </a:p>
@@ -3125,7 +3096,7 @@
           </a:lstStyle>
           <a:p>
             <a:r>
-              <a:rPr lang="en-IN" smtClean="0"/>
+              <a:rPr lang="en-IN"/>
               <a:t>Playing Subset of Lecture Videos by Comparing Text Query with Associated Slides</a:t>
             </a:r>
             <a:endParaRPr lang="en-US" dirty="0"/>
@@ -3224,26 +3195,25 @@
           <a:p>
             <a:pPr lvl="0"/>
             <a:r>
-              <a:rPr lang="en-US" dirty="0" smtClean="0"/>
+              <a:rPr lang="en-US" dirty="0"/>
               <a:t>Department of Computer </a:t>
             </a:r>
             <a:r>
-              <a:rPr lang="en-US" dirty="0" err="1" smtClean="0"/>
+              <a:rPr lang="en-US" dirty="0" err="1"/>
               <a:t>Engg</a:t>
             </a:r>
             <a:r>
-              <a:rPr lang="en-US" dirty="0" smtClean="0"/>
+              <a:rPr lang="en-US" dirty="0"/>
               <a:t>., DYPCOE, </a:t>
             </a:r>
             <a:r>
-              <a:rPr lang="en-US" dirty="0" err="1" smtClean="0"/>
+              <a:rPr lang="en-US" dirty="0" err="1"/>
               <a:t>Akurdi</a:t>
             </a:r>
             <a:r>
-              <a:rPr lang="en-US" dirty="0" smtClean="0"/>
+              <a:rPr lang="en-US" dirty="0"/>
               <a:t>.</a:t>
             </a:r>
-            <a:endParaRPr lang="en-US" dirty="0"/>
           </a:p>
         </p:txBody>
       </p:sp>
@@ -3279,10 +3249,9 @@
           </a:lstStyle>
           <a:p>
             <a:r>
-              <a:rPr lang="en-US" dirty="0" smtClean="0"/>
+              <a:rPr lang="en-US" dirty="0"/>
               <a:t>                           </a:t>
             </a:r>
-            <a:endParaRPr lang="en-US" dirty="0"/>
           </a:p>
         </p:txBody>
       </p:sp>
@@ -3296,13 +3265,6 @@
   <p:clrMapOvr>
     <a:masterClrMapping/>
   </p:clrMapOvr>
-  <p:timing>
-    <p:tnLst>
-      <p:par>
-        <p:cTn id="1" dur="indefinite" restart="never" nodeType="tmRoot"/>
-      </p:par>
-    </p:tnLst>
-  </p:timing>
 </p:sldLayout>
 </file>
 
@@ -3349,10 +3311,9 @@
           </a:lstStyle>
           <a:p>
             <a:r>
-              <a:rPr lang="en-US" dirty="0" smtClean="0"/>
+              <a:rPr lang="en-US" dirty="0"/>
               <a:t>Outline</a:t>
             </a:r>
-            <a:endParaRPr lang="en-US" dirty="0"/>
           </a:p>
         </p:txBody>
       </p:sp>
@@ -3418,7 +3379,7 @@
               <a:defRPr/>
             </a:pPr>
             <a:r>
-              <a:rPr kumimoji="0" lang="en-US" sz="2800" b="0" i="0" u="none" strike="noStrike" kern="1200" cap="none" spc="0" normalizeH="0" baseline="0" noProof="0" dirty="0" smtClean="0">
+              <a:rPr kumimoji="0" lang="en-US" sz="2800" b="0" i="0" u="none" strike="noStrike" kern="1200" cap="none" spc="0" normalizeH="0" baseline="0" noProof="0" dirty="0">
                 <a:ln>
                   <a:noFill/>
                 </a:ln>
@@ -3451,7 +3412,7 @@
               <a:defRPr/>
             </a:pPr>
             <a:r>
-              <a:rPr kumimoji="0" lang="en-US" sz="2800" b="0" i="0" u="none" strike="noStrike" kern="1200" cap="none" spc="0" normalizeH="0" baseline="0" noProof="0" dirty="0" smtClean="0">
+              <a:rPr kumimoji="0" lang="en-US" sz="2800" b="0" i="0" u="none" strike="noStrike" kern="1200" cap="none" spc="0" normalizeH="0" baseline="0" noProof="0" dirty="0">
                 <a:ln>
                   <a:noFill/>
                 </a:ln>
@@ -3484,7 +3445,7 @@
               <a:defRPr/>
             </a:pPr>
             <a:r>
-              <a:rPr kumimoji="0" lang="en-US" sz="2800" b="0" i="0" u="none" strike="noStrike" kern="1200" cap="none" spc="0" normalizeH="0" baseline="0" noProof="0" dirty="0" smtClean="0">
+              <a:rPr kumimoji="0" lang="en-US" sz="2800" b="0" i="0" u="none" strike="noStrike" kern="1200" cap="none" spc="0" normalizeH="0" baseline="0" noProof="0" dirty="0">
                 <a:ln>
                   <a:noFill/>
                 </a:ln>
@@ -3517,7 +3478,7 @@
               <a:defRPr/>
             </a:pPr>
             <a:r>
-              <a:rPr kumimoji="0" lang="en-US" sz="2800" b="0" i="0" u="none" strike="noStrike" kern="1200" cap="none" spc="0" normalizeH="0" baseline="0" noProof="0" dirty="0" smtClean="0">
+              <a:rPr kumimoji="0" lang="en-US" sz="2800" b="0" i="0" u="none" strike="noStrike" kern="1200" cap="none" spc="0" normalizeH="0" baseline="0" noProof="0" dirty="0">
                 <a:ln>
                   <a:noFill/>
                 </a:ln>
@@ -3550,7 +3511,7 @@
               <a:defRPr/>
             </a:pPr>
             <a:r>
-              <a:rPr kumimoji="0" lang="en-US" sz="2800" b="0" i="0" u="none" strike="noStrike" kern="1200" cap="none" spc="0" normalizeH="0" baseline="0" noProof="0" dirty="0" smtClean="0">
+              <a:rPr kumimoji="0" lang="en-US" sz="2800" b="0" i="0" u="none" strike="noStrike" kern="1200" cap="none" spc="0" normalizeH="0" baseline="0" noProof="0" dirty="0">
                 <a:ln>
                   <a:noFill/>
                 </a:ln>
@@ -3583,7 +3544,7 @@
               <a:defRPr/>
             </a:pPr>
             <a:r>
-              <a:rPr kumimoji="0" lang="en-US" sz="2800" b="0" i="0" u="none" strike="noStrike" kern="1200" cap="none" spc="0" normalizeH="0" baseline="0" noProof="0" dirty="0" smtClean="0">
+              <a:rPr kumimoji="0" lang="en-US" sz="2800" b="0" i="0" u="none" strike="noStrike" kern="1200" cap="none" spc="0" normalizeH="0" baseline="0" noProof="0" dirty="0">
                 <a:ln>
                   <a:noFill/>
                 </a:ln>
@@ -3616,7 +3577,7 @@
               <a:defRPr/>
             </a:pPr>
             <a:r>
-              <a:rPr kumimoji="0" lang="en-US" sz="2800" b="0" i="0" u="none" strike="noStrike" kern="1200" cap="none" spc="0" normalizeH="0" baseline="0" noProof="0" dirty="0" smtClean="0">
+              <a:rPr kumimoji="0" lang="en-US" sz="2800" b="0" i="0" u="none" strike="noStrike" kern="1200" cap="none" spc="0" normalizeH="0" baseline="0" noProof="0" dirty="0">
                 <a:ln>
                   <a:noFill/>
                 </a:ln>
@@ -3667,7 +3628,7 @@
             <a:fld id="{8FF100CC-2628-4FCA-852E-B9F2891AA2DE}" type="datetime1">
               <a:rPr lang="en-US" smtClean="0"/>
               <a:pPr/>
-              <a:t>29/05/2021</a:t>
+              <a:t>4/30/2022</a:t>
             </a:fld>
             <a:endParaRPr lang="en-US" dirty="0"/>
           </a:p>
@@ -3704,7 +3665,7 @@
           </a:lstStyle>
           <a:p>
             <a:r>
-              <a:rPr lang="en-IN" dirty="0" smtClean="0"/>
+              <a:rPr lang="en-IN" dirty="0"/>
               <a:t>Playing Subset of Lecture Videos by Comparing Text Query with Associated Slides</a:t>
             </a:r>
             <a:endParaRPr lang="en-US" dirty="0"/>
@@ -3838,10 +3799,9 @@
           </a:lstStyle>
           <a:p>
             <a:r>
-              <a:rPr lang="en-US" dirty="0" smtClean="0"/>
+              <a:rPr lang="en-US" dirty="0"/>
               <a:t>                           </a:t>
             </a:r>
-            <a:endParaRPr lang="en-US" dirty="0"/>
           </a:p>
         </p:txBody>
       </p:sp>
@@ -3855,13 +3815,6 @@
   <p:clrMapOvr>
     <a:masterClrMapping/>
   </p:clrMapOvr>
-  <p:timing>
-    <p:tnLst>
-      <p:par>
-        <p:cTn id="1" dur="indefinite" restart="never" nodeType="tmRoot"/>
-      </p:par>
-    </p:tnLst>
-  </p:timing>
 </p:sldLayout>
 </file>
 
@@ -3907,7 +3860,7 @@
           </a:lstStyle>
           <a:p>
             <a:r>
-              <a:rPr lang="en-US" smtClean="0"/>
+              <a:rPr lang="en-US"/>
               <a:t>Click to edit Master title style</a:t>
             </a:r>
             <a:endParaRPr lang="en-IN"/>
@@ -3972,7 +3925,7 @@
           </a:lstStyle>
           <a:p>
             <a:r>
-              <a:rPr lang="en-US" smtClean="0"/>
+              <a:rPr lang="en-US"/>
               <a:t>Click to edit Master subtitle style</a:t>
             </a:r>
             <a:endParaRPr lang="en-IN"/>
@@ -3997,7 +3950,7 @@
             <a:fld id="{F0E7EDD7-8317-4AB7-BF35-0B87B1769DC5}" type="datetime1">
               <a:rPr lang="en-US" smtClean="0"/>
               <a:pPr/>
-              <a:t>29/05/2021</a:t>
+              <a:t>4/30/2022</a:t>
             </a:fld>
             <a:endParaRPr lang="en-IN"/>
           </a:p>
@@ -4019,10 +3972,9 @@
           <a:lstStyle/>
           <a:p>
             <a:r>
-              <a:rPr lang="en-IN" smtClean="0"/>
+              <a:rPr lang="en-IN"/>
               <a:t>Playing Subset of Lecture Videos by Comparing Text Query with Associated Slides</a:t>
             </a:r>
-            <a:endParaRPr lang="en-IN"/>
           </a:p>
         </p:txBody>
       </p:sp>
@@ -4096,7 +4048,7 @@
           <a:lstStyle/>
           <a:p>
             <a:r>
-              <a:rPr lang="en-US" smtClean="0"/>
+              <a:rPr lang="en-US"/>
               <a:t>Click to edit Master title style</a:t>
             </a:r>
             <a:endParaRPr lang="en-IN"/>
@@ -4120,35 +4072,35 @@
           <a:p>
             <a:pPr lvl="0"/>
             <a:r>
-              <a:rPr lang="en-US" smtClean="0"/>
+              <a:rPr lang="en-US"/>
               <a:t>Click to edit Master text styles</a:t>
             </a:r>
           </a:p>
           <a:p>
             <a:pPr lvl="1"/>
             <a:r>
-              <a:rPr lang="en-US" smtClean="0"/>
+              <a:rPr lang="en-US"/>
               <a:t>Second level</a:t>
             </a:r>
           </a:p>
           <a:p>
             <a:pPr lvl="2"/>
             <a:r>
-              <a:rPr lang="en-US" smtClean="0"/>
+              <a:rPr lang="en-US"/>
               <a:t>Third level</a:t>
             </a:r>
           </a:p>
           <a:p>
             <a:pPr lvl="3"/>
             <a:r>
-              <a:rPr lang="en-US" smtClean="0"/>
+              <a:rPr lang="en-US"/>
               <a:t>Fourth level</a:t>
             </a:r>
           </a:p>
           <a:p>
             <a:pPr lvl="4"/>
             <a:r>
-              <a:rPr lang="en-US" smtClean="0"/>
+              <a:rPr lang="en-US"/>
               <a:t>Fifth level</a:t>
             </a:r>
             <a:endParaRPr lang="en-IN"/>
@@ -4173,7 +4125,7 @@
             <a:fld id="{37617CD7-EF94-4689-A2B0-2E7BD8C091A1}" type="datetime1">
               <a:rPr lang="en-US" smtClean="0"/>
               <a:pPr/>
-              <a:t>29/05/2021</a:t>
+              <a:t>4/30/2022</a:t>
             </a:fld>
             <a:endParaRPr lang="en-IN"/>
           </a:p>
@@ -4195,10 +4147,9 @@
           <a:lstStyle/>
           <a:p>
             <a:r>
-              <a:rPr lang="en-IN" smtClean="0"/>
+              <a:rPr lang="en-IN"/>
               <a:t>Playing Subset of Lecture Videos by Comparing Text Query with Associated Slides</a:t>
             </a:r>
-            <a:endParaRPr lang="en-IN"/>
           </a:p>
         </p:txBody>
       </p:sp>
@@ -4281,7 +4232,7 @@
           </a:lstStyle>
           <a:p>
             <a:r>
-              <a:rPr lang="en-US" smtClean="0"/>
+              <a:rPr lang="en-US"/>
               <a:t>Click to edit Master title style</a:t>
             </a:r>
             <a:endParaRPr lang="en-IN"/>
@@ -4401,7 +4352,7 @@
           <a:p>
             <a:pPr lvl="0"/>
             <a:r>
-              <a:rPr lang="en-US" smtClean="0"/>
+              <a:rPr lang="en-US"/>
               <a:t>Click to edit Master text styles</a:t>
             </a:r>
           </a:p>
@@ -4425,7 +4376,7 @@
             <a:fld id="{71AA873C-1C42-458A-B3B6-E59C060D775B}" type="datetime1">
               <a:rPr lang="en-US" smtClean="0"/>
               <a:pPr/>
-              <a:t>29/05/2021</a:t>
+              <a:t>4/30/2022</a:t>
             </a:fld>
             <a:endParaRPr lang="en-IN"/>
           </a:p>
@@ -4447,10 +4398,9 @@
           <a:lstStyle/>
           <a:p>
             <a:r>
-              <a:rPr lang="en-IN" smtClean="0"/>
+              <a:rPr lang="en-IN"/>
               <a:t>Playing Subset of Lecture Videos by Comparing Text Query with Associated Slides</a:t>
             </a:r>
-            <a:endParaRPr lang="en-IN"/>
           </a:p>
         </p:txBody>
       </p:sp>
@@ -4524,7 +4474,7 @@
           <a:lstStyle/>
           <a:p>
             <a:r>
-              <a:rPr lang="en-US" smtClean="0"/>
+              <a:rPr lang="en-US"/>
               <a:t>Click to edit Master title style</a:t>
             </a:r>
             <a:endParaRPr lang="en-IN"/>
@@ -4553,35 +4503,35 @@
           <a:p>
             <a:pPr lvl="0"/>
             <a:r>
-              <a:rPr lang="en-US" smtClean="0"/>
+              <a:rPr lang="en-US"/>
               <a:t>Click to edit Master text styles</a:t>
             </a:r>
           </a:p>
           <a:p>
             <a:pPr lvl="1"/>
             <a:r>
-              <a:rPr lang="en-US" smtClean="0"/>
+              <a:rPr lang="en-US"/>
               <a:t>Second level</a:t>
             </a:r>
           </a:p>
           <a:p>
             <a:pPr lvl="2"/>
             <a:r>
-              <a:rPr lang="en-US" smtClean="0"/>
+              <a:rPr lang="en-US"/>
               <a:t>Third level</a:t>
             </a:r>
           </a:p>
           <a:p>
             <a:pPr lvl="3"/>
             <a:r>
-              <a:rPr lang="en-US" smtClean="0"/>
+              <a:rPr lang="en-US"/>
               <a:t>Fourth level</a:t>
             </a:r>
           </a:p>
           <a:p>
             <a:pPr lvl="4"/>
             <a:r>
-              <a:rPr lang="en-US" smtClean="0"/>
+              <a:rPr lang="en-US"/>
               <a:t>Fifth level</a:t>
             </a:r>
             <a:endParaRPr lang="en-IN"/>
@@ -4610,35 +4560,35 @@
           <a:p>
             <a:pPr lvl="0"/>
             <a:r>
-              <a:rPr lang="en-US" smtClean="0"/>
+              <a:rPr lang="en-US"/>
               <a:t>Click to edit Master text styles</a:t>
             </a:r>
           </a:p>
           <a:p>
             <a:pPr lvl="1"/>
             <a:r>
-              <a:rPr lang="en-US" smtClean="0"/>
+              <a:rPr lang="en-US"/>
               <a:t>Second level</a:t>
             </a:r>
           </a:p>
           <a:p>
             <a:pPr lvl="2"/>
             <a:r>
-              <a:rPr lang="en-US" smtClean="0"/>
+              <a:rPr lang="en-US"/>
               <a:t>Third level</a:t>
             </a:r>
           </a:p>
           <a:p>
             <a:pPr lvl="3"/>
             <a:r>
-              <a:rPr lang="en-US" smtClean="0"/>
+              <a:rPr lang="en-US"/>
               <a:t>Fourth level</a:t>
             </a:r>
           </a:p>
           <a:p>
             <a:pPr lvl="4"/>
             <a:r>
-              <a:rPr lang="en-US" smtClean="0"/>
+              <a:rPr lang="en-US"/>
               <a:t>Fifth level</a:t>
             </a:r>
             <a:endParaRPr lang="en-IN"/>
@@ -4663,7 +4613,7 @@
             <a:fld id="{084A5AEB-314C-474A-9003-54A39EF0BFDB}" type="datetime1">
               <a:rPr lang="en-US" smtClean="0"/>
               <a:pPr/>
-              <a:t>29/05/2021</a:t>
+              <a:t>4/30/2022</a:t>
             </a:fld>
             <a:endParaRPr lang="en-IN"/>
           </a:p>
@@ -4685,10 +4635,9 @@
           <a:lstStyle/>
           <a:p>
             <a:r>
-              <a:rPr lang="en-IN" smtClean="0"/>
+              <a:rPr lang="en-IN"/>
               <a:t>Playing Subset of Lecture Videos by Comparing Text Query with Associated Slides</a:t>
             </a:r>
-            <a:endParaRPr lang="en-IN"/>
           </a:p>
         </p:txBody>
       </p:sp>
@@ -4767,7 +4716,7 @@
           <a:lstStyle/>
           <a:p>
             <a:r>
-              <a:rPr lang="en-US" smtClean="0"/>
+              <a:rPr lang="en-US"/>
               <a:t>Click to edit Master title style</a:t>
             </a:r>
             <a:endParaRPr lang="en-IN"/>
@@ -4833,7 +4782,7 @@
           <a:p>
             <a:pPr lvl="0"/>
             <a:r>
-              <a:rPr lang="en-US" smtClean="0"/>
+              <a:rPr lang="en-US"/>
               <a:t>Click to edit Master text styles</a:t>
             </a:r>
           </a:p>
@@ -4861,35 +4810,35 @@
           <a:p>
             <a:pPr lvl="0"/>
             <a:r>
-              <a:rPr lang="en-US" smtClean="0"/>
+              <a:rPr lang="en-US"/>
               <a:t>Click to edit Master text styles</a:t>
             </a:r>
           </a:p>
           <a:p>
             <a:pPr lvl="1"/>
             <a:r>
-              <a:rPr lang="en-US" smtClean="0"/>
+              <a:rPr lang="en-US"/>
               <a:t>Second level</a:t>
             </a:r>
           </a:p>
           <a:p>
             <a:pPr lvl="2"/>
             <a:r>
-              <a:rPr lang="en-US" smtClean="0"/>
+              <a:rPr lang="en-US"/>
               <a:t>Third level</a:t>
             </a:r>
           </a:p>
           <a:p>
             <a:pPr lvl="3"/>
             <a:r>
-              <a:rPr lang="en-US" smtClean="0"/>
+              <a:rPr lang="en-US"/>
               <a:t>Fourth level</a:t>
             </a:r>
           </a:p>
           <a:p>
             <a:pPr lvl="4"/>
             <a:r>
-              <a:rPr lang="en-US" smtClean="0"/>
+              <a:rPr lang="en-US"/>
               <a:t>Fifth level</a:t>
             </a:r>
             <a:endParaRPr lang="en-IN"/>
@@ -4955,7 +4904,7 @@
           <a:p>
             <a:pPr lvl="0"/>
             <a:r>
-              <a:rPr lang="en-US" smtClean="0"/>
+              <a:rPr lang="en-US"/>
               <a:t>Click to edit Master text styles</a:t>
             </a:r>
           </a:p>
@@ -4983,35 +4932,35 @@
           <a:p>
             <a:pPr lvl="0"/>
             <a:r>
-              <a:rPr lang="en-US" smtClean="0"/>
+              <a:rPr lang="en-US"/>
               <a:t>Click to edit Master text styles</a:t>
             </a:r>
           </a:p>
           <a:p>
             <a:pPr lvl="1"/>
             <a:r>
-              <a:rPr lang="en-US" smtClean="0"/>
+              <a:rPr lang="en-US"/>
               <a:t>Second level</a:t>
             </a:r>
           </a:p>
           <a:p>
             <a:pPr lvl="2"/>
             <a:r>
-              <a:rPr lang="en-US" smtClean="0"/>
+              <a:rPr lang="en-US"/>
               <a:t>Third level</a:t>
             </a:r>
           </a:p>
           <a:p>
             <a:pPr lvl="3"/>
             <a:r>
-              <a:rPr lang="en-US" smtClean="0"/>
+              <a:rPr lang="en-US"/>
               <a:t>Fourth level</a:t>
             </a:r>
           </a:p>
           <a:p>
             <a:pPr lvl="4"/>
             <a:r>
-              <a:rPr lang="en-US" smtClean="0"/>
+              <a:rPr lang="en-US"/>
               <a:t>Fifth level</a:t>
             </a:r>
             <a:endParaRPr lang="en-IN"/>
@@ -5036,7 +4985,7 @@
             <a:fld id="{28D12269-6F6F-4844-97A1-1F18EF393900}" type="datetime1">
               <a:rPr lang="en-US" smtClean="0"/>
               <a:pPr/>
-              <a:t>29/05/2021</a:t>
+              <a:t>4/30/2022</a:t>
             </a:fld>
             <a:endParaRPr lang="en-IN"/>
           </a:p>
@@ -5058,10 +5007,9 @@
           <a:lstStyle/>
           <a:p>
             <a:r>
-              <a:rPr lang="en-IN" smtClean="0"/>
+              <a:rPr lang="en-IN"/>
               <a:t>Playing Subset of Lecture Videos by Comparing Text Query with Associated Slides</a:t>
             </a:r>
-            <a:endParaRPr lang="en-IN"/>
           </a:p>
         </p:txBody>
       </p:sp>
@@ -5135,7 +5083,7 @@
           <a:lstStyle/>
           <a:p>
             <a:r>
-              <a:rPr lang="en-US" smtClean="0"/>
+              <a:rPr lang="en-US"/>
               <a:t>Click to edit Master title style</a:t>
             </a:r>
             <a:endParaRPr lang="en-IN"/>
@@ -5160,7 +5108,7 @@
             <a:fld id="{0E98BCC2-C6F7-42F5-9CDF-AB16E7422C71}" type="datetime1">
               <a:rPr lang="en-US" smtClean="0"/>
               <a:pPr/>
-              <a:t>29/05/2021</a:t>
+              <a:t>4/30/2022</a:t>
             </a:fld>
             <a:endParaRPr lang="en-IN"/>
           </a:p>
@@ -5182,10 +5130,9 @@
           <a:lstStyle/>
           <a:p>
             <a:r>
-              <a:rPr lang="en-IN" smtClean="0"/>
+              <a:rPr lang="en-IN"/>
               <a:t>Playing Subset of Lecture Videos by Comparing Text Query with Associated Slides</a:t>
             </a:r>
-            <a:endParaRPr lang="en-IN"/>
           </a:p>
         </p:txBody>
       </p:sp>
@@ -5264,10 +5211,9 @@
           <a:lstStyle/>
           <a:p>
             <a:r>
-              <a:rPr kumimoji="0" lang="en-US" dirty="0" smtClean="0"/>
+              <a:rPr kumimoji="0" lang="en-US" dirty="0"/>
               <a:t>Click to edit Master title style</a:t>
             </a:r>
-            <a:endParaRPr kumimoji="0" lang="en-US" dirty="0"/>
           </a:p>
         </p:txBody>
       </p:sp>
@@ -5293,35 +5239,35 @@
           <a:p>
             <a:pPr lvl="0" eaLnBrk="1" latinLnBrk="0" hangingPunct="1"/>
             <a:r>
-              <a:rPr lang="en-US" smtClean="0"/>
+              <a:rPr lang="en-US"/>
               <a:t>Click to edit Master text styles</a:t>
             </a:r>
           </a:p>
           <a:p>
             <a:pPr lvl="1" eaLnBrk="1" latinLnBrk="0" hangingPunct="1"/>
             <a:r>
-              <a:rPr lang="en-US" smtClean="0"/>
+              <a:rPr lang="en-US"/>
               <a:t>Second level</a:t>
             </a:r>
           </a:p>
           <a:p>
             <a:pPr lvl="2" eaLnBrk="1" latinLnBrk="0" hangingPunct="1"/>
             <a:r>
-              <a:rPr lang="en-US" smtClean="0"/>
+              <a:rPr lang="en-US"/>
               <a:t>Third level</a:t>
             </a:r>
           </a:p>
           <a:p>
             <a:pPr lvl="3" eaLnBrk="1" latinLnBrk="0" hangingPunct="1"/>
             <a:r>
-              <a:rPr lang="en-US" smtClean="0"/>
+              <a:rPr lang="en-US"/>
               <a:t>Fourth level</a:t>
             </a:r>
           </a:p>
           <a:p>
             <a:pPr lvl="4" eaLnBrk="1" latinLnBrk="0" hangingPunct="1"/>
             <a:r>
-              <a:rPr lang="en-US" smtClean="0"/>
+              <a:rPr lang="en-US"/>
               <a:t>Fifth level</a:t>
             </a:r>
             <a:endParaRPr kumimoji="0" lang="en-US"/>
@@ -5351,7 +5297,7 @@
             <a:fld id="{E3F3D2C4-B264-461B-BA60-3413D14760D1}" type="datetime1">
               <a:rPr lang="en-US" smtClean="0"/>
               <a:pPr/>
-              <a:t>29/05/2021</a:t>
+              <a:t>4/30/2022</a:t>
             </a:fld>
             <a:endParaRPr lang="en-US" dirty="0"/>
           </a:p>
@@ -5385,7 +5331,7 @@
           </a:lstStyle>
           <a:p>
             <a:r>
-              <a:rPr lang="en-IN" dirty="0" smtClean="0"/>
+              <a:rPr lang="en-IN" dirty="0"/>
               <a:t>Playing Subset of Lecture Videos by Comparing Text Query with Associated Slides</a:t>
             </a:r>
             <a:endParaRPr lang="en-US" dirty="0"/>
@@ -5438,35 +5384,35 @@
           <a:p>
             <a:pPr lvl="0"/>
             <a:r>
-              <a:rPr lang="en-US" smtClean="0"/>
+              <a:rPr lang="en-US"/>
               <a:t>Click to edit Master text styles</a:t>
             </a:r>
           </a:p>
           <a:p>
             <a:pPr lvl="1"/>
             <a:r>
-              <a:rPr lang="en-US" smtClean="0"/>
+              <a:rPr lang="en-US"/>
               <a:t>Second level</a:t>
             </a:r>
           </a:p>
           <a:p>
             <a:pPr lvl="2"/>
             <a:r>
-              <a:rPr lang="en-US" smtClean="0"/>
+              <a:rPr lang="en-US"/>
               <a:t>Third level</a:t>
             </a:r>
           </a:p>
           <a:p>
             <a:pPr lvl="3"/>
             <a:r>
-              <a:rPr lang="en-US" smtClean="0"/>
+              <a:rPr lang="en-US"/>
               <a:t>Fourth level</a:t>
             </a:r>
           </a:p>
           <a:p>
             <a:pPr lvl="4"/>
             <a:r>
-              <a:rPr lang="en-US" smtClean="0"/>
+              <a:rPr lang="en-US"/>
               <a:t>Fifth level</a:t>
             </a:r>
             <a:endParaRPr lang="en-IN"/>
@@ -5478,13 +5424,6 @@
   <p:clrMapOvr>
     <a:masterClrMapping/>
   </p:clrMapOvr>
-  <p:timing>
-    <p:tnLst>
-      <p:par>
-        <p:cTn id="1" dur="indefinite" restart="never" nodeType="tmRoot"/>
-      </p:par>
-    </p:tnLst>
-  </p:timing>
 </p:sldLayout>
 </file>
 
@@ -5523,7 +5462,7 @@
             <a:fld id="{FB35FDA6-6C5F-4E0F-85C9-0BD69F705BF1}" type="datetime1">
               <a:rPr lang="en-US" smtClean="0"/>
               <a:pPr/>
-              <a:t>29/05/2021</a:t>
+              <a:t>4/30/2022</a:t>
             </a:fld>
             <a:endParaRPr lang="en-IN"/>
           </a:p>
@@ -5545,10 +5484,9 @@
           <a:lstStyle/>
           <a:p>
             <a:r>
-              <a:rPr lang="en-IN" smtClean="0"/>
+              <a:rPr lang="en-IN"/>
               <a:t>Playing Subset of Lecture Videos by Comparing Text Query with Associated Slides</a:t>
             </a:r>
-            <a:endParaRPr lang="en-IN"/>
           </a:p>
         </p:txBody>
       </p:sp>
@@ -5631,7 +5569,7 @@
           </a:lstStyle>
           <a:p>
             <a:r>
-              <a:rPr lang="en-US" smtClean="0"/>
+              <a:rPr lang="en-US"/>
               <a:t>Click to edit Master title style</a:t>
             </a:r>
             <a:endParaRPr lang="en-IN"/>
@@ -5688,35 +5626,35 @@
           <a:p>
             <a:pPr lvl="0"/>
             <a:r>
-              <a:rPr lang="en-US" smtClean="0"/>
+              <a:rPr lang="en-US"/>
               <a:t>Click to edit Master text styles</a:t>
             </a:r>
           </a:p>
           <a:p>
             <a:pPr lvl="1"/>
             <a:r>
-              <a:rPr lang="en-US" smtClean="0"/>
+              <a:rPr lang="en-US"/>
               <a:t>Second level</a:t>
             </a:r>
           </a:p>
           <a:p>
             <a:pPr lvl="2"/>
             <a:r>
-              <a:rPr lang="en-US" smtClean="0"/>
+              <a:rPr lang="en-US"/>
               <a:t>Third level</a:t>
             </a:r>
           </a:p>
           <a:p>
             <a:pPr lvl="3"/>
             <a:r>
-              <a:rPr lang="en-US" smtClean="0"/>
+              <a:rPr lang="en-US"/>
               <a:t>Fourth level</a:t>
             </a:r>
           </a:p>
           <a:p>
             <a:pPr lvl="4"/>
             <a:r>
-              <a:rPr lang="en-US" smtClean="0"/>
+              <a:rPr lang="en-US"/>
               <a:t>Fifth level</a:t>
             </a:r>
             <a:endParaRPr lang="en-IN"/>
@@ -5782,7 +5720,7 @@
           <a:p>
             <a:pPr lvl="0"/>
             <a:r>
-              <a:rPr lang="en-US" smtClean="0"/>
+              <a:rPr lang="en-US"/>
               <a:t>Click to edit Master text styles</a:t>
             </a:r>
           </a:p>
@@ -5806,7 +5744,7 @@
             <a:fld id="{31DDC787-FDF7-4154-BE1E-F0F6A5E710F3}" type="datetime1">
               <a:rPr lang="en-US" smtClean="0"/>
               <a:pPr/>
-              <a:t>29/05/2021</a:t>
+              <a:t>4/30/2022</a:t>
             </a:fld>
             <a:endParaRPr lang="en-IN"/>
           </a:p>
@@ -5828,10 +5766,9 @@
           <a:lstStyle/>
           <a:p>
             <a:r>
-              <a:rPr lang="en-IN" smtClean="0"/>
+              <a:rPr lang="en-IN"/>
               <a:t>Playing Subset of Lecture Videos by Comparing Text Query with Associated Slides</a:t>
             </a:r>
-            <a:endParaRPr lang="en-IN"/>
           </a:p>
         </p:txBody>
       </p:sp>
@@ -5914,7 +5851,7 @@
           </a:lstStyle>
           <a:p>
             <a:r>
-              <a:rPr lang="en-US" smtClean="0"/>
+              <a:rPr lang="en-US"/>
               <a:t>Click to edit Master title style</a:t>
             </a:r>
             <a:endParaRPr lang="en-IN"/>
@@ -6041,7 +5978,7 @@
           <a:p>
             <a:pPr lvl="0"/>
             <a:r>
-              <a:rPr lang="en-US" smtClean="0"/>
+              <a:rPr lang="en-US"/>
               <a:t>Click to edit Master text styles</a:t>
             </a:r>
           </a:p>
@@ -6065,7 +6002,7 @@
             <a:fld id="{4E1012BB-7191-4F82-8046-957AA9DABD49}" type="datetime1">
               <a:rPr lang="en-US" smtClean="0"/>
               <a:pPr/>
-              <a:t>29/05/2021</a:t>
+              <a:t>4/30/2022</a:t>
             </a:fld>
             <a:endParaRPr lang="en-IN"/>
           </a:p>
@@ -6087,10 +6024,9 @@
           <a:lstStyle/>
           <a:p>
             <a:r>
-              <a:rPr lang="en-IN" smtClean="0"/>
+              <a:rPr lang="en-IN"/>
               <a:t>Playing Subset of Lecture Videos by Comparing Text Query with Associated Slides</a:t>
             </a:r>
-            <a:endParaRPr lang="en-IN"/>
           </a:p>
         </p:txBody>
       </p:sp>
@@ -6164,7 +6100,7 @@
           <a:lstStyle/>
           <a:p>
             <a:r>
-              <a:rPr lang="en-US" smtClean="0"/>
+              <a:rPr lang="en-US"/>
               <a:t>Click to edit Master title style</a:t>
             </a:r>
             <a:endParaRPr lang="en-IN"/>
@@ -6188,35 +6124,35 @@
           <a:p>
             <a:pPr lvl="0"/>
             <a:r>
-              <a:rPr lang="en-US" smtClean="0"/>
+              <a:rPr lang="en-US"/>
               <a:t>Click to edit Master text styles</a:t>
             </a:r>
           </a:p>
           <a:p>
             <a:pPr lvl="1"/>
             <a:r>
-              <a:rPr lang="en-US" smtClean="0"/>
+              <a:rPr lang="en-US"/>
               <a:t>Second level</a:t>
             </a:r>
           </a:p>
           <a:p>
             <a:pPr lvl="2"/>
             <a:r>
-              <a:rPr lang="en-US" smtClean="0"/>
+              <a:rPr lang="en-US"/>
               <a:t>Third level</a:t>
             </a:r>
           </a:p>
           <a:p>
             <a:pPr lvl="3"/>
             <a:r>
-              <a:rPr lang="en-US" smtClean="0"/>
+              <a:rPr lang="en-US"/>
               <a:t>Fourth level</a:t>
             </a:r>
           </a:p>
           <a:p>
             <a:pPr lvl="4"/>
             <a:r>
-              <a:rPr lang="en-US" smtClean="0"/>
+              <a:rPr lang="en-US"/>
               <a:t>Fifth level</a:t>
             </a:r>
             <a:endParaRPr lang="en-IN"/>
@@ -6241,7 +6177,7 @@
             <a:fld id="{B0C8E792-DEE8-4430-9E0C-D7E90FC0E117}" type="datetime1">
               <a:rPr lang="en-US" smtClean="0"/>
               <a:pPr/>
-              <a:t>29/05/2021</a:t>
+              <a:t>4/30/2022</a:t>
             </a:fld>
             <a:endParaRPr lang="en-IN"/>
           </a:p>
@@ -6263,10 +6199,9 @@
           <a:lstStyle/>
           <a:p>
             <a:r>
-              <a:rPr lang="en-IN" smtClean="0"/>
+              <a:rPr lang="en-IN"/>
               <a:t>Playing Subset of Lecture Videos by Comparing Text Query with Associated Slides</a:t>
             </a:r>
-            <a:endParaRPr lang="en-IN"/>
           </a:p>
         </p:txBody>
       </p:sp>
@@ -6345,7 +6280,7 @@
           <a:lstStyle/>
           <a:p>
             <a:r>
-              <a:rPr lang="en-US" smtClean="0"/>
+              <a:rPr lang="en-US"/>
               <a:t>Click to edit Master title style</a:t>
             </a:r>
             <a:endParaRPr lang="en-IN"/>
@@ -6374,35 +6309,35 @@
           <a:p>
             <a:pPr lvl="0"/>
             <a:r>
-              <a:rPr lang="en-US" smtClean="0"/>
+              <a:rPr lang="en-US"/>
               <a:t>Click to edit Master text styles</a:t>
             </a:r>
           </a:p>
           <a:p>
             <a:pPr lvl="1"/>
             <a:r>
-              <a:rPr lang="en-US" smtClean="0"/>
+              <a:rPr lang="en-US"/>
               <a:t>Second level</a:t>
             </a:r>
           </a:p>
           <a:p>
             <a:pPr lvl="2"/>
             <a:r>
-              <a:rPr lang="en-US" smtClean="0"/>
+              <a:rPr lang="en-US"/>
               <a:t>Third level</a:t>
             </a:r>
           </a:p>
           <a:p>
             <a:pPr lvl="3"/>
             <a:r>
-              <a:rPr lang="en-US" smtClean="0"/>
+              <a:rPr lang="en-US"/>
               <a:t>Fourth level</a:t>
             </a:r>
           </a:p>
           <a:p>
             <a:pPr lvl="4"/>
             <a:r>
-              <a:rPr lang="en-US" smtClean="0"/>
+              <a:rPr lang="en-US"/>
               <a:t>Fifth level</a:t>
             </a:r>
             <a:endParaRPr lang="en-IN"/>
@@ -6427,7 +6362,7 @@
             <a:fld id="{0914688E-CA47-4402-B983-853973939A24}" type="datetime1">
               <a:rPr lang="en-US" smtClean="0"/>
               <a:pPr/>
-              <a:t>29/05/2021</a:t>
+              <a:t>4/30/2022</a:t>
             </a:fld>
             <a:endParaRPr lang="en-IN"/>
           </a:p>
@@ -6449,10 +6384,9 @@
           <a:lstStyle/>
           <a:p>
             <a:r>
-              <a:rPr lang="en-IN" smtClean="0"/>
+              <a:rPr lang="en-IN"/>
               <a:t>Playing Subset of Lecture Videos by Comparing Text Query with Associated Slides</a:t>
             </a:r>
-            <a:endParaRPr lang="en-IN"/>
           </a:p>
         </p:txBody>
       </p:sp>
@@ -6535,7 +6469,7 @@
           </a:lstStyle>
           <a:p>
             <a:r>
-              <a:rPr lang="en-US" smtClean="0"/>
+              <a:rPr lang="en-US"/>
               <a:t>Click to edit Master title style</a:t>
             </a:r>
             <a:endParaRPr lang="en-IN"/>
@@ -6600,7 +6534,7 @@
           </a:lstStyle>
           <a:p>
             <a:r>
-              <a:rPr lang="en-US" smtClean="0"/>
+              <a:rPr lang="en-US"/>
               <a:t>Click to edit Master subtitle style</a:t>
             </a:r>
             <a:endParaRPr lang="en-IN"/>
@@ -6625,7 +6559,7 @@
             <a:fld id="{D0A58D4A-610F-4122-92FF-7E2622D960DF}" type="datetime1">
               <a:rPr lang="en-US" smtClean="0"/>
               <a:pPr/>
-              <a:t>29/05/2021</a:t>
+              <a:t>4/30/2022</a:t>
             </a:fld>
             <a:endParaRPr lang="en-IN"/>
           </a:p>
@@ -6647,10 +6581,9 @@
           <a:lstStyle/>
           <a:p>
             <a:r>
-              <a:rPr lang="en-IN" smtClean="0"/>
+              <a:rPr lang="en-IN"/>
               <a:t>Playing Subset of Lecture Videos by Comparing Text Query with Associated Slides</a:t>
             </a:r>
-            <a:endParaRPr lang="en-IN"/>
           </a:p>
         </p:txBody>
       </p:sp>
@@ -6724,7 +6657,7 @@
           <a:lstStyle/>
           <a:p>
             <a:r>
-              <a:rPr lang="en-US" smtClean="0"/>
+              <a:rPr lang="en-US"/>
               <a:t>Click to edit Master title style</a:t>
             </a:r>
             <a:endParaRPr lang="en-IN"/>
@@ -6748,35 +6681,35 @@
           <a:p>
             <a:pPr lvl="0"/>
             <a:r>
-              <a:rPr lang="en-US" smtClean="0"/>
+              <a:rPr lang="en-US"/>
               <a:t>Click to edit Master text styles</a:t>
             </a:r>
           </a:p>
           <a:p>
             <a:pPr lvl="1"/>
             <a:r>
-              <a:rPr lang="en-US" smtClean="0"/>
+              <a:rPr lang="en-US"/>
               <a:t>Second level</a:t>
             </a:r>
           </a:p>
           <a:p>
             <a:pPr lvl="2"/>
             <a:r>
-              <a:rPr lang="en-US" smtClean="0"/>
+              <a:rPr lang="en-US"/>
               <a:t>Third level</a:t>
             </a:r>
           </a:p>
           <a:p>
             <a:pPr lvl="3"/>
             <a:r>
-              <a:rPr lang="en-US" smtClean="0"/>
+              <a:rPr lang="en-US"/>
               <a:t>Fourth level</a:t>
             </a:r>
           </a:p>
           <a:p>
             <a:pPr lvl="4"/>
             <a:r>
-              <a:rPr lang="en-US" smtClean="0"/>
+              <a:rPr lang="en-US"/>
               <a:t>Fifth level</a:t>
             </a:r>
             <a:endParaRPr lang="en-IN"/>
@@ -6801,7 +6734,7 @@
             <a:fld id="{939B0815-2E77-4E24-9554-61629A781DE0}" type="datetime1">
               <a:rPr lang="en-US" smtClean="0"/>
               <a:pPr/>
-              <a:t>29/05/2021</a:t>
+              <a:t>4/30/2022</a:t>
             </a:fld>
             <a:endParaRPr lang="en-IN"/>
           </a:p>
@@ -6823,10 +6756,9 @@
           <a:lstStyle/>
           <a:p>
             <a:r>
-              <a:rPr lang="en-IN" smtClean="0"/>
+              <a:rPr lang="en-IN"/>
               <a:t>Playing Subset of Lecture Videos by Comparing Text Query with Associated Slides</a:t>
             </a:r>
-            <a:endParaRPr lang="en-IN"/>
           </a:p>
         </p:txBody>
       </p:sp>
@@ -6909,7 +6841,7 @@
           </a:lstStyle>
           <a:p>
             <a:r>
-              <a:rPr lang="en-US" smtClean="0"/>
+              <a:rPr lang="en-US"/>
               <a:t>Click to edit Master title style</a:t>
             </a:r>
             <a:endParaRPr lang="en-IN"/>
@@ -7029,7 +6961,7 @@
           <a:p>
             <a:pPr lvl="0"/>
             <a:r>
-              <a:rPr lang="en-US" smtClean="0"/>
+              <a:rPr lang="en-US"/>
               <a:t>Click to edit Master text styles</a:t>
             </a:r>
           </a:p>
@@ -7053,7 +6985,7 @@
             <a:fld id="{F6B95B5E-DA6D-4907-83B3-5841D124DDEA}" type="datetime1">
               <a:rPr lang="en-US" smtClean="0"/>
               <a:pPr/>
-              <a:t>29/05/2021</a:t>
+              <a:t>4/30/2022</a:t>
             </a:fld>
             <a:endParaRPr lang="en-IN"/>
           </a:p>
@@ -7075,10 +7007,9 @@
           <a:lstStyle/>
           <a:p>
             <a:r>
-              <a:rPr lang="en-IN" smtClean="0"/>
+              <a:rPr lang="en-IN"/>
               <a:t>Playing Subset of Lecture Videos by Comparing Text Query with Associated Slides</a:t>
             </a:r>
-            <a:endParaRPr lang="en-IN"/>
           </a:p>
         </p:txBody>
       </p:sp>
@@ -7152,7 +7083,7 @@
           <a:lstStyle/>
           <a:p>
             <a:r>
-              <a:rPr lang="en-US" smtClean="0"/>
+              <a:rPr lang="en-US"/>
               <a:t>Click to edit Master title style</a:t>
             </a:r>
             <a:endParaRPr lang="en-IN"/>
@@ -7181,35 +7112,35 @@
           <a:p>
             <a:pPr lvl="0"/>
             <a:r>
-              <a:rPr lang="en-US" smtClean="0"/>
+              <a:rPr lang="en-US"/>
               <a:t>Click to edit Master text styles</a:t>
             </a:r>
           </a:p>
           <a:p>
             <a:pPr lvl="1"/>
             <a:r>
-              <a:rPr lang="en-US" smtClean="0"/>
+              <a:rPr lang="en-US"/>
               <a:t>Second level</a:t>
             </a:r>
           </a:p>
           <a:p>
             <a:pPr lvl="2"/>
             <a:r>
-              <a:rPr lang="en-US" smtClean="0"/>
+              <a:rPr lang="en-US"/>
               <a:t>Third level</a:t>
             </a:r>
           </a:p>
           <a:p>
             <a:pPr lvl="3"/>
             <a:r>
-              <a:rPr lang="en-US" smtClean="0"/>
+              <a:rPr lang="en-US"/>
               <a:t>Fourth level</a:t>
             </a:r>
           </a:p>
           <a:p>
             <a:pPr lvl="4"/>
             <a:r>
-              <a:rPr lang="en-US" smtClean="0"/>
+              <a:rPr lang="en-US"/>
               <a:t>Fifth level</a:t>
             </a:r>
             <a:endParaRPr lang="en-IN"/>
@@ -7238,35 +7169,35 @@
           <a:p>
             <a:pPr lvl="0"/>
             <a:r>
-              <a:rPr lang="en-US" smtClean="0"/>
+              <a:rPr lang="en-US"/>
               <a:t>Click to edit Master text styles</a:t>
             </a:r>
           </a:p>
           <a:p>
             <a:pPr lvl="1"/>
             <a:r>
-              <a:rPr lang="en-US" smtClean="0"/>
+              <a:rPr lang="en-US"/>
               <a:t>Second level</a:t>
             </a:r>
           </a:p>
           <a:p>
             <a:pPr lvl="2"/>
             <a:r>
-              <a:rPr lang="en-US" smtClean="0"/>
+              <a:rPr lang="en-US"/>
               <a:t>Third level</a:t>
             </a:r>
           </a:p>
           <a:p>
             <a:pPr lvl="3"/>
             <a:r>
-              <a:rPr lang="en-US" smtClean="0"/>
+              <a:rPr lang="en-US"/>
               <a:t>Fourth level</a:t>
             </a:r>
           </a:p>
           <a:p>
             <a:pPr lvl="4"/>
             <a:r>
-              <a:rPr lang="en-US" smtClean="0"/>
+              <a:rPr lang="en-US"/>
               <a:t>Fifth level</a:t>
             </a:r>
             <a:endParaRPr lang="en-IN"/>
@@ -7291,7 +7222,7 @@
             <a:fld id="{9407EBE1-8390-4F17-88EA-FF9185DC1AF7}" type="datetime1">
               <a:rPr lang="en-US" smtClean="0"/>
               <a:pPr/>
-              <a:t>29/05/2021</a:t>
+              <a:t>4/30/2022</a:t>
             </a:fld>
             <a:endParaRPr lang="en-IN"/>
           </a:p>
@@ -7313,10 +7244,9 @@
           <a:lstStyle/>
           <a:p>
             <a:r>
-              <a:rPr lang="en-IN" smtClean="0"/>
+              <a:rPr lang="en-IN"/>
               <a:t>Playing Subset of Lecture Videos by Comparing Text Query with Associated Slides</a:t>
             </a:r>
-            <a:endParaRPr lang="en-IN"/>
           </a:p>
         </p:txBody>
       </p:sp>
@@ -7395,7 +7325,7 @@
           <a:lstStyle/>
           <a:p>
             <a:r>
-              <a:rPr lang="en-US" smtClean="0"/>
+              <a:rPr lang="en-US"/>
               <a:t>Click to edit Master title style</a:t>
             </a:r>
             <a:endParaRPr lang="en-IN"/>
@@ -7461,7 +7391,7 @@
           <a:p>
             <a:pPr lvl="0"/>
             <a:r>
-              <a:rPr lang="en-US" smtClean="0"/>
+              <a:rPr lang="en-US"/>
               <a:t>Click to edit Master text styles</a:t>
             </a:r>
           </a:p>
@@ -7489,35 +7419,35 @@
           <a:p>
             <a:pPr lvl="0"/>
             <a:r>
-              <a:rPr lang="en-US" smtClean="0"/>
+              <a:rPr lang="en-US"/>
               <a:t>Click to edit Master text styles</a:t>
             </a:r>
           </a:p>
           <a:p>
             <a:pPr lvl="1"/>
             <a:r>
-              <a:rPr lang="en-US" smtClean="0"/>
+              <a:rPr lang="en-US"/>
               <a:t>Second level</a:t>
             </a:r>
           </a:p>
           <a:p>
             <a:pPr lvl="2"/>
             <a:r>
-              <a:rPr lang="en-US" smtClean="0"/>
+              <a:rPr lang="en-US"/>
               <a:t>Third level</a:t>
             </a:r>
           </a:p>
           <a:p>
             <a:pPr lvl="3"/>
             <a:r>
-              <a:rPr lang="en-US" smtClean="0"/>
+              <a:rPr lang="en-US"/>
               <a:t>Fourth level</a:t>
             </a:r>
           </a:p>
           <a:p>
             <a:pPr lvl="4"/>
             <a:r>
-              <a:rPr lang="en-US" smtClean="0"/>
+              <a:rPr lang="en-US"/>
               <a:t>Fifth level</a:t>
             </a:r>
             <a:endParaRPr lang="en-IN"/>
@@ -7583,7 +7513,7 @@
           <a:p>
             <a:pPr lvl="0"/>
             <a:r>
-              <a:rPr lang="en-US" smtClean="0"/>
+              <a:rPr lang="en-US"/>
               <a:t>Click to edit Master text styles</a:t>
             </a:r>
           </a:p>
@@ -7611,35 +7541,35 @@
           <a:p>
             <a:pPr lvl="0"/>
             <a:r>
-              <a:rPr lang="en-US" smtClean="0"/>
+              <a:rPr lang="en-US"/>
               <a:t>Click to edit Master text styles</a:t>
             </a:r>
           </a:p>
           <a:p>
             <a:pPr lvl="1"/>
             <a:r>
-              <a:rPr lang="en-US" smtClean="0"/>
+              <a:rPr lang="en-US"/>
               <a:t>Second level</a:t>
             </a:r>
           </a:p>
           <a:p>
             <a:pPr lvl="2"/>
             <a:r>
-              <a:rPr lang="en-US" smtClean="0"/>
+              <a:rPr lang="en-US"/>
               <a:t>Third level</a:t>
             </a:r>
           </a:p>
           <a:p>
             <a:pPr lvl="3"/>
             <a:r>
-              <a:rPr lang="en-US" smtClean="0"/>
+              <a:rPr lang="en-US"/>
               <a:t>Fourth level</a:t>
             </a:r>
           </a:p>
           <a:p>
             <a:pPr lvl="4"/>
             <a:r>
-              <a:rPr lang="en-US" smtClean="0"/>
+              <a:rPr lang="en-US"/>
               <a:t>Fifth level</a:t>
             </a:r>
             <a:endParaRPr lang="en-IN"/>
@@ -7664,7 +7594,7 @@
             <a:fld id="{EA498D89-525D-4622-879C-5FEE1DAF7D6B}" type="datetime1">
               <a:rPr lang="en-US" smtClean="0"/>
               <a:pPr/>
-              <a:t>29/05/2021</a:t>
+              <a:t>4/30/2022</a:t>
             </a:fld>
             <a:endParaRPr lang="en-IN"/>
           </a:p>
@@ -7686,10 +7616,9 @@
           <a:lstStyle/>
           <a:p>
             <a:r>
-              <a:rPr lang="en-IN" smtClean="0"/>
+              <a:rPr lang="en-IN"/>
               <a:t>Playing Subset of Lecture Videos by Comparing Text Query with Associated Slides</a:t>
             </a:r>
-            <a:endParaRPr lang="en-IN"/>
           </a:p>
         </p:txBody>
       </p:sp>
@@ -7823,7 +7752,7 @@
           <a:p>
             <a:pPr lvl="0" eaLnBrk="1" latinLnBrk="0" hangingPunct="1"/>
             <a:r>
-              <a:rPr kumimoji="0" lang="en-US" smtClean="0"/>
+              <a:rPr kumimoji="0" lang="en-US"/>
               <a:t>Click to edit Master text styles</a:t>
             </a:r>
           </a:p>
@@ -8001,10 +7930,9 @@
           </a:lstStyle>
           <a:p>
             <a:r>
-              <a:rPr kumimoji="0" lang="en-US" dirty="0" smtClean="0"/>
+              <a:rPr kumimoji="0" lang="en-US" dirty="0"/>
               <a:t>Click to edit Master title style</a:t>
             </a:r>
-            <a:endParaRPr kumimoji="0" lang="en-US" dirty="0"/>
           </a:p>
         </p:txBody>
       </p:sp>
@@ -8026,7 +7954,7 @@
             <a:fld id="{E8744240-3047-4315-AA56-14891332084D}" type="datetime1">
               <a:rPr lang="en-US" smtClean="0"/>
               <a:pPr/>
-              <a:t>29/05/2021</a:t>
+              <a:t>4/30/2022</a:t>
             </a:fld>
             <a:endParaRPr lang="en-US" dirty="0"/>
           </a:p>
@@ -8087,7 +8015,7 @@
           <a:lstStyle/>
           <a:p>
             <a:r>
-              <a:rPr lang="en-IN" smtClean="0"/>
+              <a:rPr lang="en-IN"/>
               <a:t>Playing Subset of Lecture Videos by Comparing Text Query with Associated Slides</a:t>
             </a:r>
             <a:endParaRPr lang="en-US" dirty="0"/>
@@ -8099,13 +8027,6 @@
   <p:clrMapOvr>
     <a:overrideClrMapping bg1="lt1" tx1="dk1" bg2="lt2" tx2="dk2" accent1="accent1" accent2="accent2" accent3="accent3" accent4="accent4" accent5="accent5" accent6="accent6" hlink="hlink" folHlink="folHlink"/>
   </p:clrMapOvr>
-  <p:timing>
-    <p:tnLst>
-      <p:par>
-        <p:cTn id="1" dur="indefinite" restart="never" nodeType="tmRoot"/>
-      </p:par>
-    </p:tnLst>
-  </p:timing>
 </p:sldLayout>
 </file>
 
@@ -8142,7 +8063,7 @@
           <a:lstStyle/>
           <a:p>
             <a:r>
-              <a:rPr lang="en-US" smtClean="0"/>
+              <a:rPr lang="en-US"/>
               <a:t>Click to edit Master title style</a:t>
             </a:r>
             <a:endParaRPr lang="en-IN"/>
@@ -8167,7 +8088,7 @@
             <a:fld id="{DA8583DF-A4FF-47F9-A51E-3E4F38485EEA}" type="datetime1">
               <a:rPr lang="en-US" smtClean="0"/>
               <a:pPr/>
-              <a:t>29/05/2021</a:t>
+              <a:t>4/30/2022</a:t>
             </a:fld>
             <a:endParaRPr lang="en-IN"/>
           </a:p>
@@ -8189,10 +8110,9 @@
           <a:lstStyle/>
           <a:p>
             <a:r>
-              <a:rPr lang="en-IN" smtClean="0"/>
+              <a:rPr lang="en-IN"/>
               <a:t>Playing Subset of Lecture Videos by Comparing Text Query with Associated Slides</a:t>
             </a:r>
-            <a:endParaRPr lang="en-IN"/>
           </a:p>
         </p:txBody>
       </p:sp>
@@ -8268,7 +8188,7 @@
             <a:fld id="{3006FCBF-C042-43E0-8432-5506E43FED44}" type="datetime1">
               <a:rPr lang="en-US" smtClean="0"/>
               <a:pPr/>
-              <a:t>29/05/2021</a:t>
+              <a:t>4/30/2022</a:t>
             </a:fld>
             <a:endParaRPr lang="en-IN"/>
           </a:p>
@@ -8290,10 +8210,9 @@
           <a:lstStyle/>
           <a:p>
             <a:r>
-              <a:rPr lang="en-IN" smtClean="0"/>
+              <a:rPr lang="en-IN"/>
               <a:t>Playing Subset of Lecture Videos by Comparing Text Query with Associated Slides</a:t>
             </a:r>
-            <a:endParaRPr lang="en-IN"/>
           </a:p>
         </p:txBody>
       </p:sp>
@@ -8376,7 +8295,7 @@
           </a:lstStyle>
           <a:p>
             <a:r>
-              <a:rPr lang="en-US" smtClean="0"/>
+              <a:rPr lang="en-US"/>
               <a:t>Click to edit Master title style</a:t>
             </a:r>
             <a:endParaRPr lang="en-IN"/>
@@ -8433,35 +8352,35 @@
           <a:p>
             <a:pPr lvl="0"/>
             <a:r>
-              <a:rPr lang="en-US" smtClean="0"/>
+              <a:rPr lang="en-US"/>
               <a:t>Click to edit Master text styles</a:t>
             </a:r>
           </a:p>
           <a:p>
             <a:pPr lvl="1"/>
             <a:r>
-              <a:rPr lang="en-US" smtClean="0"/>
+              <a:rPr lang="en-US"/>
               <a:t>Second level</a:t>
             </a:r>
           </a:p>
           <a:p>
             <a:pPr lvl="2"/>
             <a:r>
-              <a:rPr lang="en-US" smtClean="0"/>
+              <a:rPr lang="en-US"/>
               <a:t>Third level</a:t>
             </a:r>
           </a:p>
           <a:p>
             <a:pPr lvl="3"/>
             <a:r>
-              <a:rPr lang="en-US" smtClean="0"/>
+              <a:rPr lang="en-US"/>
               <a:t>Fourth level</a:t>
             </a:r>
           </a:p>
           <a:p>
             <a:pPr lvl="4"/>
             <a:r>
-              <a:rPr lang="en-US" smtClean="0"/>
+              <a:rPr lang="en-US"/>
               <a:t>Fifth level</a:t>
             </a:r>
             <a:endParaRPr lang="en-IN"/>
@@ -8527,7 +8446,7 @@
           <a:p>
             <a:pPr lvl="0"/>
             <a:r>
-              <a:rPr lang="en-US" smtClean="0"/>
+              <a:rPr lang="en-US"/>
               <a:t>Click to edit Master text styles</a:t>
             </a:r>
           </a:p>
@@ -8551,7 +8470,7 @@
             <a:fld id="{00797B92-834C-4D0A-9523-F44DD3F91E5A}" type="datetime1">
               <a:rPr lang="en-US" smtClean="0"/>
               <a:pPr/>
-              <a:t>29/05/2021</a:t>
+              <a:t>4/30/2022</a:t>
             </a:fld>
             <a:endParaRPr lang="en-IN"/>
           </a:p>
@@ -8573,10 +8492,9 @@
           <a:lstStyle/>
           <a:p>
             <a:r>
-              <a:rPr lang="en-IN" smtClean="0"/>
+              <a:rPr lang="en-IN"/>
               <a:t>Playing Subset of Lecture Videos by Comparing Text Query with Associated Slides</a:t>
             </a:r>
-            <a:endParaRPr lang="en-IN"/>
           </a:p>
         </p:txBody>
       </p:sp>
@@ -8659,7 +8577,7 @@
           </a:lstStyle>
           <a:p>
             <a:r>
-              <a:rPr lang="en-US" smtClean="0"/>
+              <a:rPr lang="en-US"/>
               <a:t>Click to edit Master title style</a:t>
             </a:r>
             <a:endParaRPr lang="en-IN"/>
@@ -8786,7 +8704,7 @@
           <a:p>
             <a:pPr lvl="0"/>
             <a:r>
-              <a:rPr lang="en-US" smtClean="0"/>
+              <a:rPr lang="en-US"/>
               <a:t>Click to edit Master text styles</a:t>
             </a:r>
           </a:p>
@@ -8810,7 +8728,7 @@
             <a:fld id="{B5681F9D-A23D-44D8-A9D9-D98A7D65F367}" type="datetime1">
               <a:rPr lang="en-US" smtClean="0"/>
               <a:pPr/>
-              <a:t>29/05/2021</a:t>
+              <a:t>4/30/2022</a:t>
             </a:fld>
             <a:endParaRPr lang="en-IN"/>
           </a:p>
@@ -8832,10 +8750,9 @@
           <a:lstStyle/>
           <a:p>
             <a:r>
-              <a:rPr lang="en-IN" smtClean="0"/>
+              <a:rPr lang="en-IN"/>
               <a:t>Playing Subset of Lecture Videos by Comparing Text Query with Associated Slides</a:t>
             </a:r>
-            <a:endParaRPr lang="en-IN"/>
           </a:p>
         </p:txBody>
       </p:sp>
@@ -8909,7 +8826,7 @@
           <a:lstStyle/>
           <a:p>
             <a:r>
-              <a:rPr lang="en-US" smtClean="0"/>
+              <a:rPr lang="en-US"/>
               <a:t>Click to edit Master title style</a:t>
             </a:r>
             <a:endParaRPr lang="en-IN"/>
@@ -8933,35 +8850,35 @@
           <a:p>
             <a:pPr lvl="0"/>
             <a:r>
-              <a:rPr lang="en-US" smtClean="0"/>
+              <a:rPr lang="en-US"/>
               <a:t>Click to edit Master text styles</a:t>
             </a:r>
           </a:p>
           <a:p>
             <a:pPr lvl="1"/>
             <a:r>
-              <a:rPr lang="en-US" smtClean="0"/>
+              <a:rPr lang="en-US"/>
               <a:t>Second level</a:t>
             </a:r>
           </a:p>
           <a:p>
             <a:pPr lvl="2"/>
             <a:r>
-              <a:rPr lang="en-US" smtClean="0"/>
+              <a:rPr lang="en-US"/>
               <a:t>Third level</a:t>
             </a:r>
           </a:p>
           <a:p>
             <a:pPr lvl="3"/>
             <a:r>
-              <a:rPr lang="en-US" smtClean="0"/>
+              <a:rPr lang="en-US"/>
               <a:t>Fourth level</a:t>
             </a:r>
           </a:p>
           <a:p>
             <a:pPr lvl="4"/>
             <a:r>
-              <a:rPr lang="en-US" smtClean="0"/>
+              <a:rPr lang="en-US"/>
               <a:t>Fifth level</a:t>
             </a:r>
             <a:endParaRPr lang="en-IN"/>
@@ -8986,7 +8903,7 @@
             <a:fld id="{2F65FD45-0B78-4F6B-86DC-C980709345A1}" type="datetime1">
               <a:rPr lang="en-US" smtClean="0"/>
               <a:pPr/>
-              <a:t>29/05/2021</a:t>
+              <a:t>4/30/2022</a:t>
             </a:fld>
             <a:endParaRPr lang="en-IN"/>
           </a:p>
@@ -9008,10 +8925,9 @@
           <a:lstStyle/>
           <a:p>
             <a:r>
-              <a:rPr lang="en-IN" smtClean="0"/>
+              <a:rPr lang="en-IN"/>
               <a:t>Playing Subset of Lecture Videos by Comparing Text Query with Associated Slides</a:t>
             </a:r>
-            <a:endParaRPr lang="en-IN"/>
           </a:p>
         </p:txBody>
       </p:sp>
@@ -9090,7 +9006,7 @@
           <a:lstStyle/>
           <a:p>
             <a:r>
-              <a:rPr lang="en-US" smtClean="0"/>
+              <a:rPr lang="en-US"/>
               <a:t>Click to edit Master title style</a:t>
             </a:r>
             <a:endParaRPr lang="en-IN"/>
@@ -9119,35 +9035,35 @@
           <a:p>
             <a:pPr lvl="0"/>
             <a:r>
-              <a:rPr lang="en-US" smtClean="0"/>
+              <a:rPr lang="en-US"/>
               <a:t>Click to edit Master text styles</a:t>
             </a:r>
           </a:p>
           <a:p>
             <a:pPr lvl="1"/>
             <a:r>
-              <a:rPr lang="en-US" smtClean="0"/>
+              <a:rPr lang="en-US"/>
               <a:t>Second level</a:t>
             </a:r>
           </a:p>
           <a:p>
             <a:pPr lvl="2"/>
             <a:r>
-              <a:rPr lang="en-US" smtClean="0"/>
+              <a:rPr lang="en-US"/>
               <a:t>Third level</a:t>
             </a:r>
           </a:p>
           <a:p>
             <a:pPr lvl="3"/>
             <a:r>
-              <a:rPr lang="en-US" smtClean="0"/>
+              <a:rPr lang="en-US"/>
               <a:t>Fourth level</a:t>
             </a:r>
           </a:p>
           <a:p>
             <a:pPr lvl="4"/>
             <a:r>
-              <a:rPr lang="en-US" smtClean="0"/>
+              <a:rPr lang="en-US"/>
               <a:t>Fifth level</a:t>
             </a:r>
             <a:endParaRPr lang="en-IN"/>
@@ -9172,7 +9088,7 @@
             <a:fld id="{526C3861-7385-4160-BC36-24D4FB3B8FA7}" type="datetime1">
               <a:rPr lang="en-US" smtClean="0"/>
               <a:pPr/>
-              <a:t>29/05/2021</a:t>
+              <a:t>4/30/2022</a:t>
             </a:fld>
             <a:endParaRPr lang="en-IN"/>
           </a:p>
@@ -9194,10 +9110,9 @@
           <a:lstStyle/>
           <a:p>
             <a:r>
-              <a:rPr lang="en-IN" smtClean="0"/>
+              <a:rPr lang="en-IN"/>
               <a:t>Playing Subset of Lecture Videos by Comparing Text Query with Associated Slides</a:t>
             </a:r>
-            <a:endParaRPr lang="en-IN"/>
           </a:p>
         </p:txBody>
       </p:sp>
@@ -9271,10 +9186,9 @@
           <a:lstStyle/>
           <a:p>
             <a:r>
-              <a:rPr kumimoji="0" lang="en-US" smtClean="0"/>
+              <a:rPr kumimoji="0" lang="en-US"/>
               <a:t>Click to edit Master title style</a:t>
             </a:r>
-            <a:endParaRPr kumimoji="0" lang="en-US"/>
           </a:p>
         </p:txBody>
       </p:sp>
@@ -9300,35 +9214,35 @@
           <a:p>
             <a:pPr lvl="0" eaLnBrk="1" latinLnBrk="0" hangingPunct="1"/>
             <a:r>
-              <a:rPr lang="en-US" smtClean="0"/>
+              <a:rPr lang="en-US"/>
               <a:t>Click to edit Master text styles</a:t>
             </a:r>
           </a:p>
           <a:p>
             <a:pPr lvl="1" eaLnBrk="1" latinLnBrk="0" hangingPunct="1"/>
             <a:r>
-              <a:rPr lang="en-US" smtClean="0"/>
+              <a:rPr lang="en-US"/>
               <a:t>Second level</a:t>
             </a:r>
           </a:p>
           <a:p>
             <a:pPr lvl="2" eaLnBrk="1" latinLnBrk="0" hangingPunct="1"/>
             <a:r>
-              <a:rPr lang="en-US" smtClean="0"/>
+              <a:rPr lang="en-US"/>
               <a:t>Third level</a:t>
             </a:r>
           </a:p>
           <a:p>
             <a:pPr lvl="3" eaLnBrk="1" latinLnBrk="0" hangingPunct="1"/>
             <a:r>
-              <a:rPr lang="en-US" smtClean="0"/>
+              <a:rPr lang="en-US"/>
               <a:t>Fourth level</a:t>
             </a:r>
           </a:p>
           <a:p>
             <a:pPr lvl="4" eaLnBrk="1" latinLnBrk="0" hangingPunct="1"/>
             <a:r>
-              <a:rPr lang="en-US" smtClean="0"/>
+              <a:rPr lang="en-US"/>
               <a:t>Fifth level</a:t>
             </a:r>
             <a:endParaRPr kumimoji="0" lang="en-US"/>
@@ -9357,35 +9271,35 @@
           <a:p>
             <a:pPr lvl="0" eaLnBrk="1" latinLnBrk="0" hangingPunct="1"/>
             <a:r>
-              <a:rPr lang="en-US" smtClean="0"/>
+              <a:rPr lang="en-US"/>
               <a:t>Click to edit Master text styles</a:t>
             </a:r>
           </a:p>
           <a:p>
             <a:pPr lvl="1" eaLnBrk="1" latinLnBrk="0" hangingPunct="1"/>
             <a:r>
-              <a:rPr lang="en-US" smtClean="0"/>
+              <a:rPr lang="en-US"/>
               <a:t>Second level</a:t>
             </a:r>
           </a:p>
           <a:p>
             <a:pPr lvl="2" eaLnBrk="1" latinLnBrk="0" hangingPunct="1"/>
             <a:r>
-              <a:rPr lang="en-US" smtClean="0"/>
+              <a:rPr lang="en-US"/>
               <a:t>Third level</a:t>
             </a:r>
           </a:p>
           <a:p>
             <a:pPr lvl="3" eaLnBrk="1" latinLnBrk="0" hangingPunct="1"/>
             <a:r>
-              <a:rPr lang="en-US" smtClean="0"/>
+              <a:rPr lang="en-US"/>
               <a:t>Fourth level</a:t>
             </a:r>
           </a:p>
           <a:p>
             <a:pPr lvl="4" eaLnBrk="1" latinLnBrk="0" hangingPunct="1"/>
             <a:r>
-              <a:rPr lang="en-US" smtClean="0"/>
+              <a:rPr lang="en-US"/>
               <a:t>Fifth level</a:t>
             </a:r>
             <a:endParaRPr kumimoji="0" lang="en-US"/>
@@ -9410,7 +9324,7 @@
             <a:fld id="{10796235-1DC1-4C5A-BDC4-D6F3C44B9858}" type="datetime1">
               <a:rPr lang="en-US" smtClean="0"/>
               <a:pPr/>
-              <a:t>29/05/2021</a:t>
+              <a:t>4/30/2022</a:t>
             </a:fld>
             <a:endParaRPr lang="en-US" dirty="0"/>
           </a:p>
@@ -9456,7 +9370,7 @@
           <a:lstStyle/>
           <a:p>
             <a:r>
-              <a:rPr lang="en-IN" smtClean="0"/>
+              <a:rPr lang="en-IN"/>
               <a:t>Playing Subset of Lecture Videos by Comparing Text Query with Associated Slides</a:t>
             </a:r>
             <a:endParaRPr lang="en-US" dirty="0"/>
@@ -9468,13 +9382,6 @@
   <p:clrMapOvr>
     <a:masterClrMapping/>
   </p:clrMapOvr>
-  <p:timing>
-    <p:tnLst>
-      <p:par>
-        <p:cTn id="1" dur="indefinite" restart="never" nodeType="tmRoot"/>
-      </p:par>
-    </p:tnLst>
-  </p:timing>
 </p:sldLayout>
 </file>
 
@@ -9520,10 +9427,9 @@
           </a:lstStyle>
           <a:p>
             <a:r>
-              <a:rPr kumimoji="0" lang="en-US" smtClean="0"/>
+              <a:rPr kumimoji="0" lang="en-US"/>
               <a:t>Click to edit Master title style</a:t>
             </a:r>
-            <a:endParaRPr kumimoji="0" lang="en-US"/>
           </a:p>
         </p:txBody>
       </p:sp>
@@ -9549,35 +9455,35 @@
           <a:p>
             <a:pPr lvl="0" eaLnBrk="1" latinLnBrk="0" hangingPunct="1"/>
             <a:r>
-              <a:rPr lang="en-US" smtClean="0"/>
+              <a:rPr lang="en-US"/>
               <a:t>Click to edit Master text styles</a:t>
             </a:r>
           </a:p>
           <a:p>
             <a:pPr lvl="1" eaLnBrk="1" latinLnBrk="0" hangingPunct="1"/>
             <a:r>
-              <a:rPr lang="en-US" smtClean="0"/>
+              <a:rPr lang="en-US"/>
               <a:t>Second level</a:t>
             </a:r>
           </a:p>
           <a:p>
             <a:pPr lvl="2" eaLnBrk="1" latinLnBrk="0" hangingPunct="1"/>
             <a:r>
-              <a:rPr lang="en-US" smtClean="0"/>
+              <a:rPr lang="en-US"/>
               <a:t>Third level</a:t>
             </a:r>
           </a:p>
           <a:p>
             <a:pPr lvl="3" eaLnBrk="1" latinLnBrk="0" hangingPunct="1"/>
             <a:r>
-              <a:rPr lang="en-US" smtClean="0"/>
+              <a:rPr lang="en-US"/>
               <a:t>Fourth level</a:t>
             </a:r>
           </a:p>
           <a:p>
             <a:pPr lvl="4" eaLnBrk="1" latinLnBrk="0" hangingPunct="1"/>
             <a:r>
-              <a:rPr lang="en-US" smtClean="0"/>
+              <a:rPr lang="en-US"/>
               <a:t>Fifth level</a:t>
             </a:r>
             <a:endParaRPr kumimoji="0" lang="en-US"/>
@@ -9606,35 +9512,35 @@
           <a:p>
             <a:pPr lvl="0" eaLnBrk="1" latinLnBrk="0" hangingPunct="1"/>
             <a:r>
-              <a:rPr lang="en-US" smtClean="0"/>
+              <a:rPr lang="en-US"/>
               <a:t>Click to edit Master text styles</a:t>
             </a:r>
           </a:p>
           <a:p>
             <a:pPr lvl="1" eaLnBrk="1" latinLnBrk="0" hangingPunct="1"/>
             <a:r>
-              <a:rPr lang="en-US" smtClean="0"/>
+              <a:rPr lang="en-US"/>
               <a:t>Second level</a:t>
             </a:r>
           </a:p>
           <a:p>
             <a:pPr lvl="2" eaLnBrk="1" latinLnBrk="0" hangingPunct="1"/>
             <a:r>
-              <a:rPr lang="en-US" smtClean="0"/>
+              <a:rPr lang="en-US"/>
               <a:t>Third level</a:t>
             </a:r>
           </a:p>
           <a:p>
             <a:pPr lvl="3" eaLnBrk="1" latinLnBrk="0" hangingPunct="1"/>
             <a:r>
-              <a:rPr lang="en-US" smtClean="0"/>
+              <a:rPr lang="en-US"/>
               <a:t>Fourth level</a:t>
             </a:r>
           </a:p>
           <a:p>
             <a:pPr lvl="4" eaLnBrk="1" latinLnBrk="0" hangingPunct="1"/>
             <a:r>
-              <a:rPr lang="en-US" smtClean="0"/>
+              <a:rPr lang="en-US"/>
               <a:t>Fifth level</a:t>
             </a:r>
             <a:endParaRPr kumimoji="0" lang="en-US"/>
@@ -9659,7 +9565,7 @@
             <a:fld id="{D3965C1E-479D-4552-B93A-ED01A5B1440F}" type="datetime1">
               <a:rPr lang="en-US" smtClean="0"/>
               <a:pPr/>
-              <a:t>29/05/2021</a:t>
+              <a:t>4/30/2022</a:t>
             </a:fld>
             <a:endParaRPr lang="en-US" dirty="0"/>
           </a:p>
@@ -9711,7 +9617,7 @@
           <a:lstStyle/>
           <a:p>
             <a:r>
-              <a:rPr lang="en-IN" smtClean="0"/>
+              <a:rPr lang="en-IN"/>
               <a:t>Playing Subset of Lecture Videos by Comparing Text Query with Associated Slides</a:t>
             </a:r>
             <a:endParaRPr lang="en-US" dirty="0"/>
@@ -9755,7 +9661,7 @@
           <a:p>
             <a:pPr lvl="0" eaLnBrk="1" latinLnBrk="0" hangingPunct="1"/>
             <a:r>
-              <a:rPr kumimoji="0" lang="en-US" smtClean="0"/>
+              <a:rPr kumimoji="0" lang="en-US"/>
               <a:t>Click to edit Master text styles</a:t>
             </a:r>
           </a:p>
@@ -9798,7 +9704,7 @@
           <a:p>
             <a:pPr lvl="0" eaLnBrk="1" latinLnBrk="0" hangingPunct="1"/>
             <a:r>
-              <a:rPr kumimoji="0" lang="en-US" dirty="0" smtClean="0"/>
+              <a:rPr kumimoji="0" lang="en-US" dirty="0"/>
               <a:t>Click to edit Master text styles</a:t>
             </a:r>
           </a:p>
@@ -9809,13 +9715,6 @@
   <p:clrMapOvr>
     <a:masterClrMapping/>
   </p:clrMapOvr>
-  <p:timing>
-    <p:tnLst>
-      <p:par>
-        <p:cTn id="1" dur="indefinite" restart="never" nodeType="tmRoot"/>
-      </p:par>
-    </p:tnLst>
-  </p:timing>
 </p:sldLayout>
 </file>
 
@@ -9852,10 +9751,9 @@
           <a:lstStyle/>
           <a:p>
             <a:r>
-              <a:rPr kumimoji="0" lang="en-US" smtClean="0"/>
+              <a:rPr kumimoji="0" lang="en-US"/>
               <a:t>Click to edit Master title style</a:t>
             </a:r>
-            <a:endParaRPr kumimoji="0" lang="en-US"/>
           </a:p>
         </p:txBody>
       </p:sp>
@@ -9877,7 +9775,7 @@
             <a:fld id="{A1B88777-1028-4FBD-A500-A6F87F8D7DB8}" type="datetime1">
               <a:rPr lang="en-US" smtClean="0"/>
               <a:pPr/>
-              <a:t>29/05/2021</a:t>
+              <a:t>4/30/2022</a:t>
             </a:fld>
             <a:endParaRPr lang="en-US" dirty="0"/>
           </a:p>
@@ -9899,7 +9797,7 @@
           <a:lstStyle/>
           <a:p>
             <a:r>
-              <a:rPr lang="en-IN" smtClean="0"/>
+              <a:rPr lang="en-IN"/>
               <a:t>Playing Subset of Lecture Videos by Comparing Text Query with Associated Slides</a:t>
             </a:r>
             <a:endParaRPr lang="en-US" dirty="0"/>
@@ -9961,23 +9859,19 @@
           <a:lstStyle/>
           <a:p>
             <a:r>
-              <a:rPr lang="en-IN" sz="1600" dirty="0" err="1" smtClean="0">
+              <a:rPr lang="en-IN" sz="1600" dirty="0" err="1">
                 <a:latin typeface="Times New Roman" panose="02020603050405020304" pitchFamily="18" charset="0"/>
                 <a:cs typeface="Times New Roman" panose="02020603050405020304" pitchFamily="18" charset="0"/>
               </a:rPr>
               <a:t>cPGCON</a:t>
             </a:r>
             <a:r>
-              <a:rPr lang="en-IN" sz="1600" dirty="0" smtClean="0">
+              <a:rPr lang="en-IN" sz="1600" dirty="0">
                 <a:latin typeface="Times New Roman" panose="02020603050405020304" pitchFamily="18" charset="0"/>
                 <a:cs typeface="Times New Roman" panose="02020603050405020304" pitchFamily="18" charset="0"/>
               </a:rPr>
               <a:t> 2015 Presentation</a:t>
             </a:r>
-            <a:endParaRPr lang="en-IN" sz="1600" dirty="0">
-              <a:latin typeface="Times New Roman" panose="02020603050405020304" pitchFamily="18" charset="0"/>
-              <a:cs typeface="Times New Roman" panose="02020603050405020304" pitchFamily="18" charset="0"/>
-            </a:endParaRPr>
           </a:p>
         </p:txBody>
       </p:sp>
@@ -9986,13 +9880,6 @@
   <p:clrMapOvr>
     <a:masterClrMapping/>
   </p:clrMapOvr>
-  <p:timing>
-    <p:tnLst>
-      <p:par>
-        <p:cTn id="1" dur="indefinite" restart="never" nodeType="tmRoot"/>
-      </p:par>
-    </p:tnLst>
-  </p:timing>
 </p:sldLayout>
 </file>
 
@@ -10031,7 +9918,7 @@
             <a:fld id="{D2FF1AC1-DDE1-4B2C-AB3A-600197A159C3}" type="datetime1">
               <a:rPr lang="en-US" smtClean="0"/>
               <a:pPr/>
-              <a:t>29/05/2021</a:t>
+              <a:t>4/30/2022</a:t>
             </a:fld>
             <a:endParaRPr lang="en-US" dirty="0"/>
           </a:p>
@@ -10053,7 +9940,7 @@
           <a:lstStyle/>
           <a:p>
             <a:r>
-              <a:rPr lang="en-IN" smtClean="0"/>
+              <a:rPr lang="en-IN"/>
               <a:t>Playing Subset of Lecture Videos by Comparing Text Query with Associated Slides</a:t>
             </a:r>
             <a:endParaRPr lang="en-US" dirty="0"/>
@@ -10102,13 +9989,6 @@
   <p:clrMapOvr>
     <a:masterClrMapping/>
   </p:clrMapOvr>
-  <p:timing>
-    <p:tnLst>
-      <p:par>
-        <p:cTn id="1" dur="indefinite" restart="never" nodeType="tmRoot"/>
-      </p:par>
-    </p:tnLst>
-  </p:timing>
 </p:sldLayout>
 </file>
 
@@ -10155,10 +10035,9 @@
           </a:lstStyle>
           <a:p>
             <a:r>
-              <a:rPr kumimoji="0" lang="en-US" smtClean="0"/>
+              <a:rPr kumimoji="0" lang="en-US"/>
               <a:t>Click to edit Master title style</a:t>
             </a:r>
-            <a:endParaRPr kumimoji="0" lang="en-US"/>
           </a:p>
         </p:txBody>
       </p:sp>
@@ -10180,7 +10059,7 @@
             <a:fld id="{4DBB1CA7-EB32-4D19-9B10-85DE260AC6BE}" type="datetime1">
               <a:rPr lang="en-US" smtClean="0"/>
               <a:pPr/>
-              <a:t>29/05/2021</a:t>
+              <a:t>4/30/2022</a:t>
             </a:fld>
             <a:endParaRPr lang="en-US" dirty="0"/>
           </a:p>
@@ -10202,7 +10081,7 @@
           <a:lstStyle/>
           <a:p>
             <a:r>
-              <a:rPr lang="en-IN" smtClean="0"/>
+              <a:rPr lang="en-IN"/>
               <a:t>Playing Subset of Lecture Videos by Comparing Text Query with Associated Slides</a:t>
             </a:r>
             <a:endParaRPr lang="en-US" dirty="0"/>
@@ -10309,7 +10188,7 @@
           <a:p>
             <a:pPr lvl="0" eaLnBrk="1" latinLnBrk="0" hangingPunct="1"/>
             <a:r>
-              <a:rPr kumimoji="0" lang="en-US" smtClean="0"/>
+              <a:rPr kumimoji="0" lang="en-US"/>
               <a:t>Click to edit Master text styles</a:t>
             </a:r>
           </a:p>
@@ -10337,35 +10216,35 @@
           <a:p>
             <a:pPr lvl="0" eaLnBrk="1" latinLnBrk="0" hangingPunct="1"/>
             <a:r>
-              <a:rPr lang="en-US" smtClean="0"/>
+              <a:rPr lang="en-US"/>
               <a:t>Click to edit Master text styles</a:t>
             </a:r>
           </a:p>
           <a:p>
             <a:pPr lvl="1" eaLnBrk="1" latinLnBrk="0" hangingPunct="1"/>
             <a:r>
-              <a:rPr lang="en-US" smtClean="0"/>
+              <a:rPr lang="en-US"/>
               <a:t>Second level</a:t>
             </a:r>
           </a:p>
           <a:p>
             <a:pPr lvl="2" eaLnBrk="1" latinLnBrk="0" hangingPunct="1"/>
             <a:r>
-              <a:rPr lang="en-US" smtClean="0"/>
+              <a:rPr lang="en-US"/>
               <a:t>Third level</a:t>
             </a:r>
           </a:p>
           <a:p>
             <a:pPr lvl="3" eaLnBrk="1" latinLnBrk="0" hangingPunct="1"/>
             <a:r>
-              <a:rPr lang="en-US" smtClean="0"/>
+              <a:rPr lang="en-US"/>
               <a:t>Fourth level</a:t>
             </a:r>
           </a:p>
           <a:p>
             <a:pPr lvl="4" eaLnBrk="1" latinLnBrk="0" hangingPunct="1"/>
             <a:r>
-              <a:rPr lang="en-US" smtClean="0"/>
+              <a:rPr lang="en-US"/>
               <a:t>Fifth level</a:t>
             </a:r>
             <a:endParaRPr kumimoji="0" lang="en-US"/>
@@ -10377,13 +10256,6 @@
   <p:clrMapOvr>
     <a:masterClrMapping/>
   </p:clrMapOvr>
-  <p:timing>
-    <p:tnLst>
-      <p:par>
-        <p:cTn id="1" dur="indefinite" restart="never" nodeType="tmRoot"/>
-      </p:par>
-    </p:tnLst>
-  </p:timing>
 </p:sldLayout>
 </file>
 
@@ -10457,7 +10329,7 @@
           <a:p>
             <a:pPr lvl="0" eaLnBrk="1" latinLnBrk="0" hangingPunct="1"/>
             <a:r>
-              <a:rPr kumimoji="0" lang="en-US" smtClean="0"/>
+              <a:rPr kumimoji="0" lang="en-US"/>
               <a:t>Click to edit Master text styles</a:t>
             </a:r>
           </a:p>
@@ -10635,10 +10507,9 @@
           </a:lstStyle>
           <a:p>
             <a:r>
-              <a:rPr kumimoji="0" lang="en-US" smtClean="0"/>
+              <a:rPr kumimoji="0" lang="en-US"/>
               <a:t>Click to edit Master title style</a:t>
             </a:r>
-            <a:endParaRPr kumimoji="0" lang="en-US"/>
           </a:p>
         </p:txBody>
       </p:sp>
@@ -10711,7 +10582,7 @@
             <a:fld id="{852CA255-7297-4248-9C5C-63039D04F3EF}" type="datetime1">
               <a:rPr lang="en-US" smtClean="0"/>
               <a:pPr/>
-              <a:t>29/05/2021</a:t>
+              <a:t>4/30/2022</a:t>
             </a:fld>
             <a:endParaRPr lang="en-US" dirty="0"/>
           </a:p>
@@ -10771,7 +10642,7 @@
           <a:lstStyle/>
           <a:p>
             <a:r>
-              <a:rPr lang="en-IN" smtClean="0"/>
+              <a:rPr lang="en-IN"/>
               <a:t>Playing Subset of Lecture Videos by Comparing Text Query with Associated Slides</a:t>
             </a:r>
             <a:endParaRPr lang="en-US" dirty="0"/>
@@ -10812,7 +10683,7 @@
           </a:lstStyle>
           <a:p>
             <a:r>
-              <a:rPr kumimoji="0" lang="en-US" smtClean="0"/>
+              <a:rPr kumimoji="0" lang="en-US"/>
               <a:t>Click icon to add picture</a:t>
             </a:r>
             <a:endParaRPr kumimoji="0" lang="en-US" dirty="0"/>
@@ -10824,13 +10695,6 @@
   <p:clrMapOvr>
     <a:overrideClrMapping bg1="lt1" tx1="dk1" bg2="lt2" tx2="dk2" accent1="accent1" accent2="accent2" accent3="accent3" accent4="accent4" accent5="accent5" accent6="accent6" hlink="hlink" folHlink="folHlink"/>
   </p:clrMapOvr>
-  <p:timing>
-    <p:tnLst>
-      <p:par>
-        <p:cTn id="1" dur="indefinite" restart="never" nodeType="tmRoot"/>
-      </p:par>
-    </p:tnLst>
-  </p:timing>
 </p:sldLayout>
 </file>
 
@@ -10882,10 +10746,9 @@
           <a:lstStyle/>
           <a:p>
             <a:r>
-              <a:rPr kumimoji="0" lang="en-US" smtClean="0"/>
+              <a:rPr kumimoji="0" lang="en-US"/>
               <a:t>Click to edit Master title style</a:t>
             </a:r>
-            <a:endParaRPr kumimoji="0" lang="en-US"/>
           </a:p>
         </p:txBody>
       </p:sp>
@@ -10916,38 +10779,37 @@
           <a:p>
             <a:pPr lvl="0" eaLnBrk="1" latinLnBrk="0" hangingPunct="1"/>
             <a:r>
-              <a:rPr kumimoji="0" lang="en-US" smtClean="0"/>
+              <a:rPr kumimoji="0" lang="en-US"/>
               <a:t>Click to edit Master text styles</a:t>
             </a:r>
           </a:p>
           <a:p>
             <a:pPr lvl="1" eaLnBrk="1" latinLnBrk="0" hangingPunct="1"/>
             <a:r>
-              <a:rPr kumimoji="0" lang="en-US" smtClean="0"/>
+              <a:rPr kumimoji="0" lang="en-US"/>
               <a:t>Second level</a:t>
             </a:r>
           </a:p>
           <a:p>
             <a:pPr lvl="2" eaLnBrk="1" latinLnBrk="0" hangingPunct="1"/>
             <a:r>
-              <a:rPr kumimoji="0" lang="en-US" smtClean="0"/>
+              <a:rPr kumimoji="0" lang="en-US"/>
               <a:t>Third level</a:t>
             </a:r>
           </a:p>
           <a:p>
             <a:pPr lvl="3" eaLnBrk="1" latinLnBrk="0" hangingPunct="1"/>
             <a:r>
-              <a:rPr kumimoji="0" lang="en-US" smtClean="0"/>
+              <a:rPr kumimoji="0" lang="en-US"/>
               <a:t>Fourth level</a:t>
             </a:r>
           </a:p>
           <a:p>
             <a:pPr lvl="4" eaLnBrk="1" latinLnBrk="0" hangingPunct="1"/>
             <a:r>
-              <a:rPr kumimoji="0" lang="en-US" smtClean="0"/>
+              <a:rPr kumimoji="0" lang="en-US"/>
               <a:t>Fifth level</a:t>
             </a:r>
-            <a:endParaRPr kumimoji="0" lang="en-US"/>
           </a:p>
         </p:txBody>
       </p:sp>
@@ -10985,7 +10847,7 @@
             <a:fld id="{E88E5910-4132-4CC5-8FFF-E568F915E17D}" type="datetime1">
               <a:rPr lang="en-US" smtClean="0"/>
               <a:pPr/>
-              <a:t>29/05/2021</a:t>
+              <a:t>4/30/2022</a:t>
             </a:fld>
             <a:endParaRPr lang="en-US" dirty="0"/>
           </a:p>
@@ -11023,7 +10885,7 @@
           </a:lstStyle>
           <a:p>
             <a:r>
-              <a:rPr lang="en-IN" smtClean="0"/>
+              <a:rPr lang="en-IN"/>
               <a:t>Playing Subset of Lecture Videos by Comparing Text Query with Associated Slides</a:t>
             </a:r>
             <a:endParaRPr lang="en-US" dirty="0"/>
@@ -11232,13 +11094,6 @@
     <p:sldLayoutId id="2147483732" r:id="rId12"/>
     <p:sldLayoutId id="2147483733" r:id="rId13"/>
   </p:sldLayoutIdLst>
-  <p:timing>
-    <p:tnLst>
-      <p:par>
-        <p:cTn id="1" dur="indefinite" restart="never" nodeType="tmRoot"/>
-      </p:par>
-    </p:tnLst>
-  </p:timing>
   <p:hf hdr="0"/>
   <p:txStyles>
     <p:titleStyle>
@@ -11570,7 +11425,7 @@
           <a:lstStyle/>
           <a:p>
             <a:r>
-              <a:rPr lang="en-US" smtClean="0"/>
+              <a:rPr lang="en-US"/>
               <a:t>Click to edit Master title style</a:t>
             </a:r>
             <a:endParaRPr lang="en-IN"/>
@@ -11604,35 +11459,35 @@
           <a:p>
             <a:pPr lvl="0"/>
             <a:r>
-              <a:rPr lang="en-US" smtClean="0"/>
+              <a:rPr lang="en-US"/>
               <a:t>Click to edit Master text styles</a:t>
             </a:r>
           </a:p>
           <a:p>
             <a:pPr lvl="1"/>
             <a:r>
-              <a:rPr lang="en-US" smtClean="0"/>
+              <a:rPr lang="en-US"/>
               <a:t>Second level</a:t>
             </a:r>
           </a:p>
           <a:p>
             <a:pPr lvl="2"/>
             <a:r>
-              <a:rPr lang="en-US" smtClean="0"/>
+              <a:rPr lang="en-US"/>
               <a:t>Third level</a:t>
             </a:r>
           </a:p>
           <a:p>
             <a:pPr lvl="3"/>
             <a:r>
-              <a:rPr lang="en-US" smtClean="0"/>
+              <a:rPr lang="en-US"/>
               <a:t>Fourth level</a:t>
             </a:r>
           </a:p>
           <a:p>
             <a:pPr lvl="4"/>
             <a:r>
-              <a:rPr lang="en-US" smtClean="0"/>
+              <a:rPr lang="en-US"/>
               <a:t>Fifth level</a:t>
             </a:r>
             <a:endParaRPr lang="en-IN"/>
@@ -11675,7 +11530,7 @@
             <a:fld id="{6C90E5CD-4670-46BC-B506-1DA4E882E822}" type="datetime1">
               <a:rPr lang="en-US" smtClean="0"/>
               <a:pPr/>
-              <a:t>29/05/2021</a:t>
+              <a:t>4/30/2022</a:t>
             </a:fld>
             <a:endParaRPr lang="en-IN"/>
           </a:p>
@@ -11715,10 +11570,9 @@
           </a:lstStyle>
           <a:p>
             <a:r>
-              <a:rPr lang="en-IN" smtClean="0"/>
+              <a:rPr lang="en-IN"/>
               <a:t>Playing Subset of Lecture Videos by Comparing Text Query with Associated Slides</a:t>
             </a:r>
-            <a:endParaRPr lang="en-IN"/>
           </a:p>
         </p:txBody>
       </p:sp>
@@ -12117,7 +11971,7 @@
           <a:lstStyle/>
           <a:p>
             <a:r>
-              <a:rPr lang="en-US" smtClean="0"/>
+              <a:rPr lang="en-US"/>
               <a:t>Click to edit Master title style</a:t>
             </a:r>
             <a:endParaRPr lang="en-IN"/>
@@ -12151,35 +12005,35 @@
           <a:p>
             <a:pPr lvl="0"/>
             <a:r>
-              <a:rPr lang="en-US" smtClean="0"/>
+              <a:rPr lang="en-US"/>
               <a:t>Click to edit Master text styles</a:t>
             </a:r>
           </a:p>
           <a:p>
             <a:pPr lvl="1"/>
             <a:r>
-              <a:rPr lang="en-US" smtClean="0"/>
+              <a:rPr lang="en-US"/>
               <a:t>Second level</a:t>
             </a:r>
           </a:p>
           <a:p>
             <a:pPr lvl="2"/>
             <a:r>
-              <a:rPr lang="en-US" smtClean="0"/>
+              <a:rPr lang="en-US"/>
               <a:t>Third level</a:t>
             </a:r>
           </a:p>
           <a:p>
             <a:pPr lvl="3"/>
             <a:r>
-              <a:rPr lang="en-US" smtClean="0"/>
+              <a:rPr lang="en-US"/>
               <a:t>Fourth level</a:t>
             </a:r>
           </a:p>
           <a:p>
             <a:pPr lvl="4"/>
             <a:r>
-              <a:rPr lang="en-US" smtClean="0"/>
+              <a:rPr lang="en-US"/>
               <a:t>Fifth level</a:t>
             </a:r>
             <a:endParaRPr lang="en-IN"/>
@@ -12222,7 +12076,7 @@
             <a:fld id="{43F89F02-4EB9-4739-ADF1-E7F46F5808AF}" type="datetime1">
               <a:rPr lang="en-US" smtClean="0"/>
               <a:pPr/>
-              <a:t>29/05/2021</a:t>
+              <a:t>4/30/2022</a:t>
             </a:fld>
             <a:endParaRPr lang="en-IN"/>
           </a:p>
@@ -12262,10 +12116,9 @@
           </a:lstStyle>
           <a:p>
             <a:r>
-              <a:rPr lang="en-IN" smtClean="0"/>
+              <a:rPr lang="en-IN"/>
               <a:t>Playing Subset of Lecture Videos by Comparing Text Query with Associated Slides</a:t>
             </a:r>
-            <a:endParaRPr lang="en-IN"/>
           </a:p>
         </p:txBody>
       </p:sp>
@@ -12332,13 +12185,6 @@
     <p:sldLayoutId id="2147483744" r:id="rId10"/>
     <p:sldLayoutId id="2147483745" r:id="rId11"/>
   </p:sldLayoutIdLst>
-  <p:timing>
-    <p:tnLst>
-      <p:par>
-        <p:cTn id="1" dur="indefinite" restart="never" nodeType="tmRoot"/>
-      </p:par>
-    </p:tnLst>
-  </p:timing>
   <p:hf hdr="0"/>
   <p:txStyles>
     <p:titleStyle>
@@ -12674,7 +12520,7 @@
               <a:defRPr/>
             </a:pPr>
             <a:r>
-              <a:rPr lang="en-US" sz="2400" kern="0" dirty="0" smtClean="0">
+              <a:rPr lang="en-US" sz="2400" kern="0" dirty="0">
                 <a:solidFill>
                   <a:srgbClr val="09096D"/>
                 </a:solidFill>
@@ -12684,7 +12530,7 @@
               <a:t>    	  </a:t>
             </a:r>
             <a:r>
-              <a:rPr lang="en-US" sz="2000" kern="0" dirty="0" smtClean="0">
+              <a:rPr lang="en-US" sz="2000" kern="0" dirty="0">
                 <a:solidFill>
                   <a:srgbClr val="09096D"/>
                 </a:solidFill>
@@ -12708,27 +12554,17 @@
               <a:defRPr/>
             </a:pPr>
             <a:r>
-              <a:rPr lang="en-US" sz="2000" kern="0" dirty="0" smtClean="0">
+              <a:rPr lang="en-US" sz="2000" kern="0" dirty="0">
                 <a:solidFill>
                   <a:srgbClr val="09096D"/>
                 </a:solidFill>
                 <a:latin typeface="Times New Roman" pitchFamily="18" charset="0"/>
                 <a:cs typeface="Times New Roman" pitchFamily="18" charset="0"/>
               </a:rPr>
-              <a:t>   </a:t>
-            </a:r>
-            <a:r>
-              <a:rPr lang="en-US" sz="2000" kern="0" dirty="0" smtClean="0">
-                <a:solidFill>
-                  <a:srgbClr val="09096D"/>
-                </a:solidFill>
-                <a:latin typeface="Times New Roman" pitchFamily="18" charset="0"/>
-                <a:cs typeface="Times New Roman" pitchFamily="18" charset="0"/>
-              </a:rPr>
-              <a:t>    Guide Name</a:t>
-            </a:r>
-            <a:r>
-              <a:rPr lang="en-US" sz="2400" kern="0" dirty="0" smtClean="0">
+              <a:t>       Guide Name</a:t>
+            </a:r>
+            <a:r>
+              <a:rPr lang="en-US" sz="2400" kern="0" dirty="0">
                 <a:solidFill>
                   <a:srgbClr val="09096D"/>
                 </a:solidFill>
@@ -12737,13 +12573,6 @@
               </a:rPr>
               <a:t>	</a:t>
             </a:r>
-            <a:endParaRPr lang="en-US" sz="2400" kern="0" dirty="0">
-              <a:solidFill>
-                <a:srgbClr val="09096D"/>
-              </a:solidFill>
-              <a:latin typeface="Times New Roman" pitchFamily="18" charset="0"/>
-              <a:cs typeface="Times New Roman" pitchFamily="18" charset="0"/>
-            </a:endParaRPr>
           </a:p>
           <a:p>
             <a:pPr marL="342900" indent="-342900" algn="ctr">
@@ -12782,7 +12611,7 @@
               <a:defRPr/>
             </a:pPr>
             <a:r>
-              <a:rPr lang="en-US" sz="2400" kern="0" dirty="0" smtClean="0">
+              <a:rPr lang="en-US" sz="2400" kern="0" dirty="0">
                 <a:solidFill>
                   <a:srgbClr val="09096D"/>
                 </a:solidFill>
@@ -12791,13 +12620,6 @@
               </a:rPr>
               <a:t>   </a:t>
             </a:r>
-            <a:endParaRPr lang="en-US" sz="2400" kern="0" dirty="0">
-              <a:solidFill>
-                <a:srgbClr val="09096D"/>
-              </a:solidFill>
-              <a:latin typeface="Times New Roman" pitchFamily="18" charset="0"/>
-              <a:cs typeface="Times New Roman" pitchFamily="18" charset="0"/>
-            </a:endParaRPr>
           </a:p>
         </p:txBody>
       </p:sp>
@@ -12904,7 +12726,7 @@
           </a:lstStyle>
           <a:p>
             <a:r>
-              <a:rPr lang="en-US" sz="3200" dirty="0" smtClean="0">
+              <a:rPr lang="en-US" sz="3200" dirty="0">
                 <a:solidFill>
                   <a:srgbClr val="09096D"/>
                 </a:solidFill>
@@ -12912,12 +12734,6 @@
               </a:rPr>
               <a:t>Project Based Learning(PBL) Presentation</a:t>
             </a:r>
-            <a:endParaRPr lang="en-US" sz="3200" dirty="0" smtClean="0">
-              <a:solidFill>
-                <a:srgbClr val="09096D"/>
-              </a:solidFill>
-              <a:latin typeface="Times New Roman" pitchFamily="18" charset="0"/>
-            </a:endParaRPr>
           </a:p>
           <a:p>
             <a:r>
@@ -12927,21 +12743,12 @@
                 </a:solidFill>
                 <a:latin typeface="Times New Roman" pitchFamily="18" charset="0"/>
               </a:rPr>
-              <a:t>o</a:t>
-            </a:r>
-            <a:r>
-              <a:rPr lang="en-US" sz="3200" dirty="0" smtClean="0">
-                <a:solidFill>
-                  <a:srgbClr val="09096D"/>
-                </a:solidFill>
-                <a:latin typeface="Times New Roman" pitchFamily="18" charset="0"/>
-              </a:rPr>
-              <a:t>n</a:t>
-            </a:r>
-          </a:p>
-          <a:p>
-            <a:r>
-              <a:rPr lang="en-US" sz="3200" dirty="0" smtClean="0">
+              <a:t>on</a:t>
+            </a:r>
+          </a:p>
+          <a:p>
+            <a:r>
+              <a:rPr lang="en-US" sz="3200" dirty="0">
                 <a:solidFill>
                   <a:srgbClr val="C00000"/>
                 </a:solidFill>
@@ -12949,12 +12756,6 @@
               </a:rPr>
               <a:t>Title</a:t>
             </a:r>
-            <a:endParaRPr lang="en-US" sz="3200" dirty="0" smtClean="0">
-              <a:solidFill>
-                <a:srgbClr val="C00000"/>
-              </a:solidFill>
-              <a:latin typeface="Times New Roman" pitchFamily="18" charset="0"/>
-            </a:endParaRPr>
           </a:p>
         </p:txBody>
       </p:sp>
@@ -13017,16 +12818,6 @@
               <a:defRPr/>
             </a:pPr>
             <a:r>
-              <a:rPr lang="en-IN" sz="2000" kern="0" dirty="0" smtClean="0">
-                <a:solidFill>
-                  <a:srgbClr val="09096D"/>
-                </a:solidFill>
-                <a:latin typeface="Times New Roman" pitchFamily="18" charset="0"/>
-                <a:cs typeface="Times New Roman" pitchFamily="18" charset="0"/>
-              </a:rPr>
-              <a:t>   Presented </a:t>
-            </a:r>
-            <a:r>
               <a:rPr lang="en-IN" sz="2000" kern="0" dirty="0">
                 <a:solidFill>
                   <a:srgbClr val="09096D"/>
@@ -13034,7 +12825,7 @@
                 <a:latin typeface="Times New Roman" pitchFamily="18" charset="0"/>
                 <a:cs typeface="Times New Roman" pitchFamily="18" charset="0"/>
               </a:rPr>
-              <a:t>By:</a:t>
+              <a:t>   Presented By:</a:t>
             </a:r>
           </a:p>
           <a:p>
@@ -13051,32 +12842,15 @@
               <a:defRPr/>
             </a:pPr>
             <a:r>
-              <a:rPr lang="en-IN" sz="2000" kern="0" dirty="0" smtClean="0">
+              <a:rPr lang="en-IN" sz="2000" kern="0" dirty="0">
                 <a:solidFill>
                   <a:srgbClr val="09096D"/>
                 </a:solidFill>
                 <a:latin typeface="Times New Roman" pitchFamily="18" charset="0"/>
                 <a:cs typeface="Times New Roman" pitchFamily="18" charset="0"/>
               </a:rPr>
-              <a:t> </a:t>
-            </a:r>
-            <a:r>
-              <a:rPr lang="en-IN" sz="2000" kern="0" dirty="0" smtClean="0">
-                <a:solidFill>
-                  <a:srgbClr val="09096D"/>
-                </a:solidFill>
-                <a:latin typeface="Times New Roman" pitchFamily="18" charset="0"/>
-                <a:cs typeface="Times New Roman" pitchFamily="18" charset="0"/>
-              </a:rPr>
-              <a:t>Name</a:t>
-            </a:r>
-            <a:endParaRPr lang="en-IN" sz="2000" kern="0" dirty="0">
-              <a:solidFill>
-                <a:srgbClr val="09096D"/>
-              </a:solidFill>
-              <a:latin typeface="Times New Roman" pitchFamily="18" charset="0"/>
-              <a:cs typeface="Times New Roman" pitchFamily="18" charset="0"/>
-            </a:endParaRPr>
+              <a:t> Name</a:t>
+            </a:r>
           </a:p>
           <a:p>
             <a:pPr marL="342900" indent="-342900">
@@ -13092,42 +12866,15 @@
               <a:defRPr/>
             </a:pPr>
             <a:r>
-              <a:rPr lang="en-IN" sz="2000" kern="0" dirty="0" smtClean="0">
+              <a:rPr lang="en-IN" sz="2000" kern="0" dirty="0">
                 <a:solidFill>
                   <a:srgbClr val="09096D"/>
                 </a:solidFill>
                 <a:latin typeface="Times New Roman" pitchFamily="18" charset="0"/>
                 <a:cs typeface="Times New Roman" pitchFamily="18" charset="0"/>
               </a:rPr>
-              <a:t> </a:t>
-            </a:r>
-            <a:r>
-              <a:rPr lang="en-IN" sz="2000" kern="0" dirty="0" smtClean="0">
-                <a:solidFill>
-                  <a:srgbClr val="09096D"/>
-                </a:solidFill>
-                <a:latin typeface="Times New Roman" pitchFamily="18" charset="0"/>
-                <a:cs typeface="Times New Roman" pitchFamily="18" charset="0"/>
-              </a:rPr>
-              <a:t>Seat</a:t>
-            </a:r>
-            <a:r>
-              <a:rPr lang="en-IN" sz="2000" kern="0" dirty="0" smtClean="0">
-                <a:solidFill>
-                  <a:srgbClr val="09096D"/>
-                </a:solidFill>
-                <a:latin typeface="Times New Roman" pitchFamily="18" charset="0"/>
-                <a:cs typeface="Times New Roman" pitchFamily="18" charset="0"/>
-              </a:rPr>
-              <a:t> No</a:t>
-            </a:r>
-            <a:endParaRPr lang="en-IN" sz="2000" kern="0" dirty="0">
-              <a:solidFill>
-                <a:srgbClr val="09096D"/>
-              </a:solidFill>
-              <a:latin typeface="Times New Roman" pitchFamily="18" charset="0"/>
-              <a:cs typeface="Times New Roman" pitchFamily="18" charset="0"/>
-            </a:endParaRPr>
+              <a:t> Seat No</a:t>
+            </a:r>
           </a:p>
         </p:txBody>
       </p:sp>
@@ -13244,13 +12991,6 @@
   <p:clrMapOvr>
     <a:masterClrMapping/>
   </p:clrMapOvr>
-  <p:timing>
-    <p:tnLst>
-      <p:par>
-        <p:cTn id="1" dur="indefinite" restart="never" nodeType="tmRoot"/>
-      </p:par>
-    </p:tnLst>
-  </p:timing>
 </p:sld>
 </file>
 
@@ -13289,23 +13029,12 @@
           <a:lstStyle/>
           <a:p>
             <a:r>
-              <a:rPr lang="en-IN" sz="3600" dirty="0" smtClean="0">
+              <a:rPr lang="en-IN" sz="3600" dirty="0">
                 <a:latin typeface="Times New Roman" panose="02020603050405020304" pitchFamily="18" charset="0"/>
                 <a:cs typeface="Times New Roman" panose="02020603050405020304" pitchFamily="18" charset="0"/>
               </a:rPr>
-              <a:t>   </a:t>
-            </a:r>
-            <a:r>
-              <a:rPr lang="en-IN" sz="3600" dirty="0" smtClean="0">
-                <a:latin typeface="Times New Roman" panose="02020603050405020304" pitchFamily="18" charset="0"/>
-                <a:cs typeface="Times New Roman" panose="02020603050405020304" pitchFamily="18" charset="0"/>
-              </a:rPr>
-              <a:t>Data Flow Diagram/ER Diagram</a:t>
-            </a:r>
-            <a:endParaRPr lang="en-IN" sz="3600" dirty="0">
-              <a:latin typeface="Times New Roman" panose="02020603050405020304" pitchFamily="18" charset="0"/>
-              <a:cs typeface="Times New Roman" panose="02020603050405020304" pitchFamily="18" charset="0"/>
-            </a:endParaRPr>
+              <a:t>   Data Flow Diagram/ER Diagram</a:t>
+            </a:r>
           </a:p>
         </p:txBody>
       </p:sp>
@@ -13330,13 +13059,13 @@
           <a:lstStyle/>
           <a:p>
             <a:r>
-              <a:rPr lang="en-US" dirty="0" smtClean="0"/>
+              <a:rPr lang="en-US" dirty="0"/>
               <a:t>                                  </a:t>
             </a:r>
             <a:fld id="{58E1DC1D-91A1-4139-BC08-1203120DC967}" type="datetime1">
               <a:rPr lang="en-US" smtClean="0"/>
               <a:pPr/>
-              <a:t>29/05/2021</a:t>
+              <a:t>4/30/2022</a:t>
             </a:fld>
             <a:endParaRPr lang="en-US" dirty="0"/>
           </a:p>
@@ -13363,7 +13092,7 @@
           <a:lstStyle/>
           <a:p>
             <a:r>
-              <a:rPr lang="en-IN" dirty="0" smtClean="0">
+              <a:rPr lang="en-IN" dirty="0">
                 <a:latin typeface="Times New Roman" panose="02020603050405020304" pitchFamily="18" charset="0"/>
                 <a:cs typeface="Times New Roman" panose="02020603050405020304" pitchFamily="18" charset="0"/>
               </a:rPr>
@@ -13432,13 +13161,13 @@
             <a:pPr marL="0" indent="0">
               <a:buNone/>
             </a:pPr>
-            <a:endParaRPr lang="en-IN" sz="2400" dirty="0" smtClean="0">
+            <a:endParaRPr lang="en-IN" sz="2400" dirty="0">
               <a:latin typeface="Times New Roman" panose="02020603050405020304" pitchFamily="18" charset="0"/>
               <a:cs typeface="Times New Roman" panose="02020603050405020304" pitchFamily="18" charset="0"/>
             </a:endParaRPr>
           </a:p>
           <a:p>
-            <a:endParaRPr lang="en-IN" sz="2400" dirty="0" smtClean="0">
+            <a:endParaRPr lang="en-IN" sz="2400" dirty="0">
               <a:latin typeface="Times New Roman" panose="02020603050405020304" pitchFamily="18" charset="0"/>
               <a:cs typeface="Times New Roman" panose="02020603050405020304" pitchFamily="18" charset="0"/>
             </a:endParaRPr>
@@ -13457,7 +13186,7 @@
               <a:buNone/>
             </a:pPr>
             <a:r>
-              <a:rPr lang="en-IN" sz="2400" dirty="0" smtClean="0">
+              <a:rPr lang="en-IN" sz="2400" dirty="0">
                 <a:latin typeface="Times New Roman" panose="02020603050405020304" pitchFamily="18" charset="0"/>
                 <a:cs typeface="Times New Roman" panose="02020603050405020304" pitchFamily="18" charset="0"/>
               </a:rPr>
@@ -13520,6 +13249,36 @@
           </a:extLst>
         </p:spPr>
       </p:pic>
+      <p:pic>
+        <p:nvPicPr>
+          <p:cNvPr id="9" name="Picture 8">
+            <a:extLst>
+              <a:ext uri="{FF2B5EF4-FFF2-40B4-BE49-F238E27FC236}">
+                <a16:creationId xmlns:a16="http://schemas.microsoft.com/office/drawing/2014/main" id="{D4846630-8D2B-494C-8B42-16541B41B26B}"/>
+              </a:ext>
+            </a:extLst>
+          </p:cNvPr>
+          <p:cNvPicPr>
+            <a:picLocks noChangeAspect="1"/>
+          </p:cNvPicPr>
+          <p:nvPr/>
+        </p:nvPicPr>
+        <p:blipFill>
+          <a:blip r:embed="rId3"/>
+          <a:stretch>
+            <a:fillRect/>
+          </a:stretch>
+        </p:blipFill>
+        <p:spPr>
+          <a:xfrm>
+            <a:off x="1397995" y="1086366"/>
+            <a:ext cx="6348010" cy="5235394"/>
+          </a:xfrm>
+          <a:prstGeom prst="rect">
+            <a:avLst/>
+          </a:prstGeom>
+        </p:spPr>
+      </p:pic>
     </p:spTree>
     <p:extLst>
       <p:ext uri="{BB962C8B-B14F-4D97-AF65-F5344CB8AC3E}">
@@ -13530,13 +13289,6 @@
   <p:clrMapOvr>
     <a:masterClrMapping/>
   </p:clrMapOvr>
-  <p:timing>
-    <p:tnLst>
-      <p:par>
-        <p:cTn id="1" dur="indefinite" restart="never" nodeType="tmRoot"/>
-      </p:par>
-    </p:tnLst>
-  </p:timing>
 </p:sld>
 </file>
 
@@ -13575,16 +13327,12 @@
           <a:lstStyle/>
           <a:p>
             <a:r>
-              <a:rPr lang="en-IN" sz="3600" dirty="0" smtClean="0">
+              <a:rPr lang="en-IN" sz="3600" dirty="0">
                 <a:latin typeface="Times New Roman" panose="02020603050405020304" pitchFamily="18" charset="0"/>
                 <a:cs typeface="Times New Roman" panose="02020603050405020304" pitchFamily="18" charset="0"/>
               </a:rPr>
               <a:t>   Implementation Details</a:t>
             </a:r>
-            <a:endParaRPr lang="en-IN" sz="3600" dirty="0">
-              <a:latin typeface="Times New Roman" panose="02020603050405020304" pitchFamily="18" charset="0"/>
-              <a:cs typeface="Times New Roman" panose="02020603050405020304" pitchFamily="18" charset="0"/>
-            </a:endParaRPr>
           </a:p>
         </p:txBody>
       </p:sp>
@@ -13609,13 +13357,13 @@
           <a:lstStyle/>
           <a:p>
             <a:r>
-              <a:rPr lang="en-US" dirty="0" smtClean="0"/>
+              <a:rPr lang="en-US" dirty="0"/>
               <a:t>                                  </a:t>
             </a:r>
             <a:fld id="{58E1DC1D-91A1-4139-BC08-1203120DC967}" type="datetime1">
               <a:rPr lang="en-US" smtClean="0"/>
               <a:pPr/>
-              <a:t>29/05/2021</a:t>
+              <a:t>4/30/2022</a:t>
             </a:fld>
             <a:endParaRPr lang="en-US" dirty="0"/>
           </a:p>
@@ -13642,7 +13390,7 @@
           <a:lstStyle/>
           <a:p>
             <a:r>
-              <a:rPr lang="en-IN" dirty="0" smtClean="0">
+              <a:rPr lang="en-IN" dirty="0">
                 <a:latin typeface="Times New Roman" panose="02020603050405020304" pitchFamily="18" charset="0"/>
                 <a:cs typeface="Times New Roman" panose="02020603050405020304" pitchFamily="18" charset="0"/>
               </a:rPr>
@@ -13706,7 +13454,7 @@
             <a:pPr marL="0" indent="0" algn="just">
               <a:buNone/>
             </a:pPr>
-            <a:endParaRPr lang="en-IN" sz="2000" b="1" dirty="0" smtClean="0">
+            <a:endParaRPr lang="en-IN" sz="2000" b="1" dirty="0">
               <a:latin typeface="Times New Roman" panose="02020603050405020304" pitchFamily="18" charset="0"/>
               <a:cs typeface="Times New Roman" panose="02020603050405020304" pitchFamily="18" charset="0"/>
             </a:endParaRPr>
@@ -13716,7 +13464,7 @@
               <a:buNone/>
             </a:pPr>
             <a:r>
-              <a:rPr lang="en-IN" sz="2400" dirty="0" smtClean="0">
+              <a:rPr lang="en-IN" sz="2400" dirty="0">
                 <a:latin typeface="Times New Roman" panose="02020603050405020304" pitchFamily="18" charset="0"/>
                 <a:cs typeface="Times New Roman" panose="02020603050405020304" pitchFamily="18" charset="0"/>
               </a:rPr>
@@ -13779,6 +13527,152 @@
           </a:extLst>
         </p:spPr>
       </p:pic>
+      <p:sp>
+        <p:nvSpPr>
+          <p:cNvPr id="9" name="TextBox 8">
+            <a:extLst>
+              <a:ext uri="{FF2B5EF4-FFF2-40B4-BE49-F238E27FC236}">
+                <a16:creationId xmlns:a16="http://schemas.microsoft.com/office/drawing/2014/main" id="{0C317FC0-3BC7-44B7-81B9-AE33939A7DA8}"/>
+              </a:ext>
+            </a:extLst>
+          </p:cNvPr>
+          <p:cNvSpPr txBox="1"/>
+          <p:nvPr/>
+        </p:nvSpPr>
+        <p:spPr>
+          <a:xfrm>
+            <a:off x="295503" y="1497205"/>
+            <a:ext cx="6480048" cy="4524315"/>
+          </a:xfrm>
+          <a:prstGeom prst="rect">
+            <a:avLst/>
+          </a:prstGeom>
+          <a:noFill/>
+        </p:spPr>
+        <p:txBody>
+          <a:bodyPr wrap="square">
+            <a:spAutoFit/>
+          </a:bodyPr>
+          <a:lstStyle/>
+          <a:p>
+            <a:pPr algn="l" fontAlgn="base"/>
+            <a:r>
+              <a:rPr lang="en-IN" b="0" i="0" dirty="0">
+                <a:solidFill>
+                  <a:srgbClr val="333333"/>
+                </a:solidFill>
+                <a:effectLst/>
+                <a:latin typeface="Gotham Narrow Medium"/>
+              </a:rPr>
+              <a:t>Strategy</a:t>
+            </a:r>
+          </a:p>
+          <a:p>
+            <a:pPr algn="l"/>
+            <a:r>
+              <a:rPr lang="en-IN" b="0" i="0" dirty="0">
+                <a:solidFill>
+                  <a:srgbClr val="333333"/>
+                </a:solidFill>
+                <a:effectLst/>
+                <a:latin typeface="Gotham Narrow Book"/>
+              </a:rPr>
+              <a:t>Planting trees and ensuring that the survival rate is high is one of the responsibilities that The Art of Living takes seriously. The trees we have planted have a 90% survival rate. This has been possible because of our 3- step strategy:</a:t>
+            </a:r>
+          </a:p>
+          <a:p>
+            <a:pPr algn="l" fontAlgn="base">
+              <a:buFont typeface="Arial" panose="020B0604020202020204" pitchFamily="34" charset="0"/>
+              <a:buChar char="•"/>
+            </a:pPr>
+            <a:r>
+              <a:rPr lang="en-IN" b="0" i="0" dirty="0">
+                <a:solidFill>
+                  <a:srgbClr val="333333"/>
+                </a:solidFill>
+                <a:effectLst/>
+                <a:latin typeface="Gotham Narrow Book"/>
+              </a:rPr>
+              <a:t>Planting saplings and plants and using drip irrigation</a:t>
+            </a:r>
+          </a:p>
+          <a:p>
+            <a:pPr algn="l" fontAlgn="base">
+              <a:buFont typeface="Arial" panose="020B0604020202020204" pitchFamily="34" charset="0"/>
+              <a:buChar char="•"/>
+            </a:pPr>
+            <a:r>
+              <a:rPr lang="en-IN" b="0" i="0" dirty="0">
+                <a:solidFill>
+                  <a:srgbClr val="333333"/>
+                </a:solidFill>
+                <a:effectLst/>
+                <a:latin typeface="Gotham Narrow Book"/>
+              </a:rPr>
+              <a:t>Digging deep trenches to protect from animals</a:t>
+            </a:r>
+          </a:p>
+          <a:p>
+            <a:pPr algn="l" fontAlgn="base">
+              <a:buFont typeface="Arial" panose="020B0604020202020204" pitchFamily="34" charset="0"/>
+              <a:buChar char="•"/>
+            </a:pPr>
+            <a:r>
+              <a:rPr lang="en-IN" b="0" i="0" dirty="0">
+                <a:solidFill>
+                  <a:srgbClr val="333333"/>
+                </a:solidFill>
+                <a:effectLst/>
+                <a:latin typeface="Gotham Narrow Book"/>
+              </a:rPr>
+              <a:t>Daily monitoring to avoid unforeseen mishaps</a:t>
+            </a:r>
+          </a:p>
+          <a:p>
+            <a:pPr algn="l"/>
+            <a:r>
+              <a:rPr lang="en-IN" b="0" i="0" dirty="0">
+                <a:solidFill>
+                  <a:srgbClr val="333333"/>
+                </a:solidFill>
+                <a:effectLst/>
+                <a:latin typeface="Gotham Narrow Book"/>
+              </a:rPr>
+              <a:t>Drip irrigation systems bring down water footprint and thereby maintenance costs significantly. Creation of deep trenches helps in reducing sapling protection costs significantly as compared to building individual tree guards around each sapling to protect them from being local cattle. These trenches help in harvesting rainwater and thereby keeping soil moisture content high season, which is very critical for the high survival rate of saplings.</a:t>
+            </a:r>
+          </a:p>
+        </p:txBody>
+      </p:sp>
+      <p:pic>
+        <p:nvPicPr>
+          <p:cNvPr id="11" name="Picture 10">
+            <a:extLst>
+              <a:ext uri="{FF2B5EF4-FFF2-40B4-BE49-F238E27FC236}">
+                <a16:creationId xmlns:a16="http://schemas.microsoft.com/office/drawing/2014/main" id="{D24C9476-3401-4165-9050-D042423A7B5C}"/>
+              </a:ext>
+            </a:extLst>
+          </p:cNvPr>
+          <p:cNvPicPr>
+            <a:picLocks noChangeAspect="1"/>
+          </p:cNvPicPr>
+          <p:nvPr/>
+        </p:nvPicPr>
+        <p:blipFill>
+          <a:blip r:embed="rId3"/>
+          <a:stretch>
+            <a:fillRect/>
+          </a:stretch>
+        </p:blipFill>
+        <p:spPr>
+          <a:xfrm>
+            <a:off x="4036611" y="859198"/>
+            <a:ext cx="5342083" cy="4320914"/>
+          </a:xfrm>
+          <a:prstGeom prst="rect">
+            <a:avLst/>
+          </a:prstGeom>
+        </p:spPr>
+      </p:pic>
     </p:spTree>
     <p:extLst>
       <p:ext uri="{BB962C8B-B14F-4D97-AF65-F5344CB8AC3E}">
@@ -13789,13 +13683,6 @@
   <p:clrMapOvr>
     <a:masterClrMapping/>
   </p:clrMapOvr>
-  <p:timing>
-    <p:tnLst>
-      <p:par>
-        <p:cTn id="1" dur="indefinite" restart="never" nodeType="tmRoot"/>
-      </p:par>
-    </p:tnLst>
-  </p:timing>
 </p:sld>
 </file>
 
@@ -13834,23 +13721,12 @@
           <a:lstStyle/>
           <a:p>
             <a:r>
-              <a:rPr lang="en-IN" sz="3600" dirty="0" smtClean="0">
+              <a:rPr lang="en-IN" sz="3600" dirty="0">
                 <a:latin typeface="Times New Roman" panose="02020603050405020304" pitchFamily="18" charset="0"/>
                 <a:cs typeface="Times New Roman" panose="02020603050405020304" pitchFamily="18" charset="0"/>
               </a:rPr>
-              <a:t>   </a:t>
-            </a:r>
-            <a:r>
-              <a:rPr lang="en-IN" sz="3600" dirty="0" smtClean="0">
-                <a:latin typeface="Times New Roman" panose="02020603050405020304" pitchFamily="18" charset="0"/>
-                <a:cs typeface="Times New Roman" panose="02020603050405020304" pitchFamily="18" charset="0"/>
-              </a:rPr>
-              <a:t>Conclusion</a:t>
-            </a:r>
-            <a:endParaRPr lang="en-IN" sz="3600" dirty="0">
-              <a:latin typeface="Times New Roman" panose="02020603050405020304" pitchFamily="18" charset="0"/>
-              <a:cs typeface="Times New Roman" panose="02020603050405020304" pitchFamily="18" charset="0"/>
-            </a:endParaRPr>
+              <a:t>   Conclusion</a:t>
+            </a:r>
           </a:p>
         </p:txBody>
       </p:sp>
@@ -13875,7 +13751,7 @@
           <a:lstStyle/>
           <a:p>
             <a:r>
-              <a:rPr lang="en-IN" dirty="0" smtClean="0"/>
+              <a:rPr lang="en-IN" dirty="0"/>
               <a:t>Playing Subset of Lecture Videos by Comparing Text Query with Associated Slides</a:t>
             </a:r>
             <a:endParaRPr lang="en-US" dirty="0"/>
@@ -13933,97 +13809,6 @@
             <a:pPr marL="0" indent="0" algn="just">
               <a:buNone/>
             </a:pPr>
-            <a:r>
-              <a:rPr lang="en-IN" sz="1900" dirty="0" smtClean="0">
-                <a:latin typeface="Times New Roman" panose="02020603050405020304" pitchFamily="18" charset="0"/>
-                <a:cs typeface="Times New Roman" panose="02020603050405020304" pitchFamily="18" charset="0"/>
-              </a:rPr>
-              <a:t>Example:</a:t>
-            </a:r>
-          </a:p>
-          <a:p>
-            <a:pPr algn="just">
-              <a:buFont typeface="Wingdings" panose="05000000000000000000" pitchFamily="2" charset="2"/>
-              <a:buChar char="q"/>
-            </a:pPr>
-            <a:endParaRPr lang="en-IN" sz="1900" dirty="0">
-              <a:latin typeface="Times New Roman" panose="02020603050405020304" pitchFamily="18" charset="0"/>
-              <a:cs typeface="Times New Roman" panose="02020603050405020304" pitchFamily="18" charset="0"/>
-            </a:endParaRPr>
-          </a:p>
-          <a:p>
-            <a:pPr algn="just">
-              <a:buFont typeface="Wingdings" panose="05000000000000000000" pitchFamily="2" charset="2"/>
-              <a:buChar char="q"/>
-            </a:pPr>
-            <a:r>
-              <a:rPr lang="en-IN" sz="1900" dirty="0" smtClean="0">
-                <a:latin typeface="Times New Roman" panose="02020603050405020304" pitchFamily="18" charset="0"/>
-                <a:cs typeface="Times New Roman" panose="02020603050405020304" pitchFamily="18" charset="0"/>
-              </a:rPr>
-              <a:t>Presented </a:t>
-            </a:r>
-            <a:r>
-              <a:rPr lang="en-IN" sz="1900" dirty="0">
-                <a:latin typeface="Times New Roman" panose="02020603050405020304" pitchFamily="18" charset="0"/>
-                <a:cs typeface="Times New Roman" panose="02020603050405020304" pitchFamily="18" charset="0"/>
-              </a:rPr>
-              <a:t>an approach for content-based lecture video indexing and retrieval </a:t>
-            </a:r>
-            <a:r>
-              <a:rPr lang="en-IN" sz="1900" dirty="0" smtClean="0">
-                <a:latin typeface="Times New Roman" panose="02020603050405020304" pitchFamily="18" charset="0"/>
-                <a:cs typeface="Times New Roman" panose="02020603050405020304" pitchFamily="18" charset="0"/>
-              </a:rPr>
-              <a:t>in </a:t>
-            </a:r>
-            <a:r>
-              <a:rPr lang="en-IN" sz="1900" dirty="0">
-                <a:latin typeface="Times New Roman" panose="02020603050405020304" pitchFamily="18" charset="0"/>
-                <a:cs typeface="Times New Roman" panose="02020603050405020304" pitchFamily="18" charset="0"/>
-              </a:rPr>
-              <a:t>lecture video </a:t>
-            </a:r>
-            <a:r>
-              <a:rPr lang="en-IN" sz="1900" dirty="0" smtClean="0">
-                <a:latin typeface="Times New Roman" panose="02020603050405020304" pitchFamily="18" charset="0"/>
-                <a:cs typeface="Times New Roman" panose="02020603050405020304" pitchFamily="18" charset="0"/>
-              </a:rPr>
-              <a:t>archives. </a:t>
-            </a:r>
-          </a:p>
-          <a:p>
-            <a:pPr algn="just">
-              <a:buFont typeface="Wingdings" panose="05000000000000000000" pitchFamily="2" charset="2"/>
-              <a:buChar char="q"/>
-            </a:pPr>
-            <a:r>
-              <a:rPr lang="en-IN" sz="1900" dirty="0" smtClean="0">
-                <a:latin typeface="Times New Roman" panose="02020603050405020304" pitchFamily="18" charset="0"/>
-                <a:cs typeface="Times New Roman" panose="02020603050405020304" pitchFamily="18" charset="0"/>
-              </a:rPr>
-              <a:t>We have proposed a method of textual metadata</a:t>
-            </a:r>
-            <a:r>
-              <a:rPr lang="en-IN" sz="1900" dirty="0">
-                <a:latin typeface="Times New Roman" panose="02020603050405020304" pitchFamily="18" charset="0"/>
-                <a:cs typeface="Times New Roman" panose="02020603050405020304" pitchFamily="18" charset="0"/>
-              </a:rPr>
-              <a:t> </a:t>
-            </a:r>
-            <a:r>
-              <a:rPr lang="en-IN" sz="1900" dirty="0" smtClean="0">
-                <a:latin typeface="Times New Roman" panose="02020603050405020304" pitchFamily="18" charset="0"/>
-                <a:cs typeface="Times New Roman" panose="02020603050405020304" pitchFamily="18" charset="0"/>
-              </a:rPr>
-              <a:t>extraction from slide frames through analysis technique.</a:t>
-            </a:r>
-          </a:p>
-          <a:p>
-            <a:r>
-              <a:rPr lang="en-IN" dirty="0" smtClean="0"/>
-              <a:t>……</a:t>
-            </a:r>
             <a:endParaRPr lang="en-IN" dirty="0"/>
           </a:p>
         </p:txBody>
@@ -14049,13 +13834,13 @@
           <a:lstStyle/>
           <a:p>
             <a:r>
-              <a:rPr lang="en-US" dirty="0" smtClean="0"/>
+              <a:rPr lang="en-US" dirty="0"/>
               <a:t>                                  </a:t>
             </a:r>
             <a:fld id="{2D739922-1A12-4CE3-9A0E-8E44DFA7D15A}" type="datetime1">
               <a:rPr lang="en-US" smtClean="0"/>
               <a:pPr/>
-              <a:t>29/05/2021</a:t>
+              <a:t>4/30/2022</a:t>
             </a:fld>
             <a:endParaRPr lang="en-US" dirty="0"/>
           </a:p>
@@ -14125,13 +13910,6 @@
   <p:clrMapOvr>
     <a:masterClrMapping/>
   </p:clrMapOvr>
-  <p:timing>
-    <p:tnLst>
-      <p:par>
-        <p:cTn id="1" dur="indefinite" restart="never" nodeType="tmRoot"/>
-      </p:par>
-    </p:tnLst>
-  </p:timing>
 </p:sld>
 </file>
 
@@ -14174,28 +13952,20 @@
           </a:bodyPr>
           <a:lstStyle/>
           <a:p>
-            <a:r>
-              <a:rPr lang="en-US" dirty="0" smtClean="0"/>
-              <a:t/>
-            </a:r>
             <a:br>
-              <a:rPr lang="en-US" dirty="0" smtClean="0"/>
+              <a:rPr lang="en-US" dirty="0"/>
             </a:br>
             <a:r>
-              <a:rPr lang="en-US" dirty="0" smtClean="0"/>
+              <a:rPr lang="en-US" dirty="0"/>
               <a:t>     </a:t>
             </a:r>
             <a:r>
-              <a:rPr lang="en-US" sz="4000" dirty="0" smtClean="0">
+              <a:rPr lang="en-US" sz="4000" dirty="0">
                 <a:latin typeface="Times New Roman" panose="02020603050405020304" pitchFamily="18" charset="0"/>
                 <a:cs typeface="Times New Roman" panose="02020603050405020304" pitchFamily="18" charset="0"/>
               </a:rPr>
               <a:t>References</a:t>
             </a:r>
-            <a:endParaRPr lang="en-US" sz="4000" dirty="0">
-              <a:latin typeface="Times New Roman" panose="02020603050405020304" pitchFamily="18" charset="0"/>
-              <a:cs typeface="Times New Roman" panose="02020603050405020304" pitchFamily="18" charset="0"/>
-            </a:endParaRPr>
           </a:p>
         </p:txBody>
       </p:sp>
@@ -14220,7 +13990,7 @@
           <a:lstStyle/>
           <a:p>
             <a:r>
-              <a:rPr lang="en-IN" dirty="0" smtClean="0"/>
+              <a:rPr lang="en-IN" dirty="0"/>
               <a:t>Playing Subset of Lecture Videos by Comparing Text Query with Associated Slides</a:t>
             </a:r>
             <a:endParaRPr lang="en-US" dirty="0"/>
@@ -14283,7 +14053,7 @@
             <a:pPr>
               <a:buNone/>
             </a:pPr>
-            <a:endParaRPr lang="en-US" sz="1800" dirty="0" smtClean="0">
+            <a:endParaRPr lang="en-US" sz="1800" dirty="0">
               <a:latin typeface="+mj-lt"/>
               <a:cs typeface="Aharoni" pitchFamily="2" charset="-79"/>
             </a:endParaRPr>
@@ -14292,7 +14062,7 @@
             <a:pPr>
               <a:buNone/>
             </a:pPr>
-            <a:endParaRPr lang="en-US" sz="1800" dirty="0" smtClean="0">
+            <a:endParaRPr lang="en-US" sz="1800" dirty="0">
               <a:latin typeface="+mj-lt"/>
               <a:cs typeface="Aharoni" pitchFamily="2" charset="-79"/>
             </a:endParaRPr>
@@ -14301,182 +14071,24 @@
             <a:pPr algn="just">
               <a:buNone/>
             </a:pPr>
-            <a:endParaRPr lang="en-US" sz="1800" dirty="0" smtClean="0">
+            <a:endParaRPr lang="en-US" sz="1800" dirty="0">
               <a:latin typeface="+mj-lt"/>
               <a:cs typeface="Aharoni" pitchFamily="2" charset="-79"/>
             </a:endParaRPr>
           </a:p>
           <a:p>
-            <a:pPr algn="just">
+            <a:pPr>
               <a:buNone/>
             </a:pPr>
             <a:r>
-              <a:rPr lang="en-US" sz="1600" dirty="0" smtClean="0">
-                <a:latin typeface="Times New Roman" panose="02020603050405020304" pitchFamily="18" charset="0"/>
-                <a:cs typeface="Times New Roman" panose="02020603050405020304" pitchFamily="18" charset="0"/>
+              <a:rPr lang="en-US" sz="1800" dirty="0">
+                <a:latin typeface="+mj-lt"/>
+                <a:cs typeface="Aharoni" pitchFamily="2" charset="-79"/>
+                <a:hlinkClick r:id="rId2"/>
               </a:rPr>
-              <a:t>For Example:</a:t>
-            </a:r>
-            <a:endParaRPr lang="en-US" sz="1600" dirty="0" smtClean="0">
-              <a:latin typeface="Times New Roman" panose="02020603050405020304" pitchFamily="18" charset="0"/>
-              <a:cs typeface="Times New Roman" panose="02020603050405020304" pitchFamily="18" charset="0"/>
-            </a:endParaRPr>
-          </a:p>
-          <a:p>
-            <a:pPr algn="just">
-              <a:buNone/>
-            </a:pPr>
-            <a:r>
-              <a:rPr lang="en-US" sz="1600" dirty="0" smtClean="0">
-                <a:latin typeface="Times New Roman" panose="02020603050405020304" pitchFamily="18" charset="0"/>
-                <a:cs typeface="Times New Roman" panose="02020603050405020304" pitchFamily="18" charset="0"/>
-              </a:rPr>
-              <a:t>[1</a:t>
-            </a:r>
-            <a:r>
-              <a:rPr lang="en-US" sz="1600" dirty="0" smtClean="0">
-                <a:latin typeface="Times New Roman" panose="02020603050405020304" pitchFamily="18" charset="0"/>
-                <a:cs typeface="Times New Roman" panose="02020603050405020304" pitchFamily="18" charset="0"/>
-              </a:rPr>
-              <a:t>] </a:t>
-            </a:r>
-            <a:r>
-              <a:rPr lang="en-US" sz="1600" dirty="0" err="1">
-                <a:latin typeface="Times New Roman" panose="02020603050405020304" pitchFamily="18" charset="0"/>
-                <a:cs typeface="Times New Roman" panose="02020603050405020304" pitchFamily="18" charset="0"/>
-              </a:rPr>
-              <a:t>Xiaoyin</a:t>
-            </a:r>
-            <a:r>
-              <a:rPr lang="en-US" sz="1600" dirty="0">
-                <a:latin typeface="Times New Roman" panose="02020603050405020304" pitchFamily="18" charset="0"/>
-                <a:cs typeface="Times New Roman" panose="02020603050405020304" pitchFamily="18" charset="0"/>
-              </a:rPr>
-              <a:t> </a:t>
-            </a:r>
-            <a:r>
-              <a:rPr lang="en-US" sz="1600" dirty="0" err="1">
-                <a:latin typeface="Times New Roman" panose="02020603050405020304" pitchFamily="18" charset="0"/>
-                <a:cs typeface="Times New Roman" panose="02020603050405020304" pitchFamily="18" charset="0"/>
-              </a:rPr>
-              <a:t>Che</a:t>
-            </a:r>
-            <a:r>
-              <a:rPr lang="en-US" sz="1600" dirty="0">
-                <a:latin typeface="Times New Roman" panose="02020603050405020304" pitchFamily="18" charset="0"/>
-                <a:cs typeface="Times New Roman" panose="02020603050405020304" pitchFamily="18" charset="0"/>
-              </a:rPr>
-              <a:t>, </a:t>
-            </a:r>
-            <a:r>
-              <a:rPr lang="en-US" sz="1600" dirty="0" err="1">
-                <a:latin typeface="Times New Roman" panose="02020603050405020304" pitchFamily="18" charset="0"/>
-                <a:cs typeface="Times New Roman" panose="02020603050405020304" pitchFamily="18" charset="0"/>
-              </a:rPr>
-              <a:t>Haojin</a:t>
-            </a:r>
-            <a:r>
-              <a:rPr lang="en-US" sz="1600" dirty="0">
-                <a:latin typeface="Times New Roman" panose="02020603050405020304" pitchFamily="18" charset="0"/>
-                <a:cs typeface="Times New Roman" panose="02020603050405020304" pitchFamily="18" charset="0"/>
-              </a:rPr>
-              <a:t> Yang, and </a:t>
-            </a:r>
-            <a:r>
-              <a:rPr lang="en-US" sz="1600" dirty="0" err="1">
-                <a:latin typeface="Times New Roman" panose="02020603050405020304" pitchFamily="18" charset="0"/>
-                <a:cs typeface="Times New Roman" panose="02020603050405020304" pitchFamily="18" charset="0"/>
-              </a:rPr>
-              <a:t>Christoph</a:t>
-            </a:r>
-            <a:r>
-              <a:rPr lang="en-US" sz="1600" dirty="0">
-                <a:latin typeface="Times New Roman" panose="02020603050405020304" pitchFamily="18" charset="0"/>
-                <a:cs typeface="Times New Roman" panose="02020603050405020304" pitchFamily="18" charset="0"/>
-              </a:rPr>
-              <a:t> </a:t>
-            </a:r>
-            <a:r>
-              <a:rPr lang="en-US" sz="1600" dirty="0" err="1">
-                <a:latin typeface="Times New Roman" panose="02020603050405020304" pitchFamily="18" charset="0"/>
-                <a:cs typeface="Times New Roman" panose="02020603050405020304" pitchFamily="18" charset="0"/>
-              </a:rPr>
-              <a:t>Meinel</a:t>
-            </a:r>
-            <a:r>
-              <a:rPr lang="en-US" sz="1600" dirty="0">
-                <a:latin typeface="Times New Roman" panose="02020603050405020304" pitchFamily="18" charset="0"/>
-                <a:cs typeface="Times New Roman" panose="02020603050405020304" pitchFamily="18" charset="0"/>
-              </a:rPr>
-              <a:t>. Lecture video segmentation by automatically analyzing the synchronized slides. In Proceedings of the 21st ACM international conference on Multimedia, pages 345–348. ACM, 2013.</a:t>
-            </a:r>
-          </a:p>
-          <a:p>
-            <a:pPr algn="just">
-              <a:buNone/>
-            </a:pPr>
-            <a:r>
-              <a:rPr lang="en-US" sz="1600" dirty="0" smtClean="0">
-                <a:latin typeface="Times New Roman" panose="02020603050405020304" pitchFamily="18" charset="0"/>
-                <a:cs typeface="Times New Roman" panose="02020603050405020304" pitchFamily="18" charset="0"/>
-              </a:rPr>
-              <a:t>[2] </a:t>
-            </a:r>
-            <a:r>
-              <a:rPr lang="en-US" sz="1600" dirty="0">
-                <a:latin typeface="Times New Roman" panose="02020603050405020304" pitchFamily="18" charset="0"/>
-                <a:cs typeface="Times New Roman" panose="02020603050405020304" pitchFamily="18" charset="0"/>
-              </a:rPr>
-              <a:t>Boris </a:t>
-            </a:r>
-            <a:r>
-              <a:rPr lang="en-US" sz="1600" dirty="0" err="1">
-                <a:latin typeface="Times New Roman" panose="02020603050405020304" pitchFamily="18" charset="0"/>
-                <a:cs typeface="Times New Roman" panose="02020603050405020304" pitchFamily="18" charset="0"/>
-              </a:rPr>
-              <a:t>Epshtein</a:t>
-            </a:r>
-            <a:r>
-              <a:rPr lang="en-US" sz="1600" dirty="0">
-                <a:latin typeface="Times New Roman" panose="02020603050405020304" pitchFamily="18" charset="0"/>
-                <a:cs typeface="Times New Roman" panose="02020603050405020304" pitchFamily="18" charset="0"/>
-              </a:rPr>
-              <a:t>, </a:t>
-            </a:r>
-            <a:r>
-              <a:rPr lang="en-US" sz="1600" dirty="0" err="1">
-                <a:latin typeface="Times New Roman" panose="02020603050405020304" pitchFamily="18" charset="0"/>
-                <a:cs typeface="Times New Roman" panose="02020603050405020304" pitchFamily="18" charset="0"/>
-              </a:rPr>
-              <a:t>Eyal</a:t>
-            </a:r>
-            <a:r>
-              <a:rPr lang="en-US" sz="1600" dirty="0">
-                <a:latin typeface="Times New Roman" panose="02020603050405020304" pitchFamily="18" charset="0"/>
-                <a:cs typeface="Times New Roman" panose="02020603050405020304" pitchFamily="18" charset="0"/>
-              </a:rPr>
-              <a:t> </a:t>
-            </a:r>
-            <a:r>
-              <a:rPr lang="en-US" sz="1600" dirty="0" err="1">
-                <a:latin typeface="Times New Roman" panose="02020603050405020304" pitchFamily="18" charset="0"/>
-                <a:cs typeface="Times New Roman" panose="02020603050405020304" pitchFamily="18" charset="0"/>
-              </a:rPr>
-              <a:t>Ofek</a:t>
-            </a:r>
-            <a:r>
-              <a:rPr lang="en-US" sz="1600" dirty="0">
-                <a:latin typeface="Times New Roman" panose="02020603050405020304" pitchFamily="18" charset="0"/>
-                <a:cs typeface="Times New Roman" panose="02020603050405020304" pitchFamily="18" charset="0"/>
-              </a:rPr>
-              <a:t>, and Yonatan Wexler. Detecting text in natural scenes with stroke width transform. In Computer Vision and Pattern Recognition (CVPR), 2010 IEEE Conference on, pages 2963–2970. IEEE, 2010.</a:t>
-            </a:r>
-          </a:p>
-          <a:p>
-            <a:pPr>
-              <a:buNone/>
-            </a:pPr>
-            <a:endParaRPr lang="en-US" sz="1800" dirty="0" smtClean="0">
+              <a:t>https://www.nelda.org.in/</a:t>
+            </a:r>
+            <a:endParaRPr lang="en-US" sz="1800" dirty="0">
               <a:latin typeface="+mj-lt"/>
               <a:cs typeface="Aharoni" pitchFamily="2" charset="-79"/>
             </a:endParaRPr>
@@ -14486,7 +14098,153 @@
               <a:buNone/>
             </a:pPr>
             <a:r>
-              <a:rPr lang="en-US" sz="1800" dirty="0" smtClean="0">
+              <a:rPr lang="en-US" sz="1800" dirty="0">
+                <a:latin typeface="+mj-lt"/>
+                <a:cs typeface="Aharoni" pitchFamily="2" charset="-79"/>
+                <a:hlinkClick r:id="rId3"/>
+              </a:rPr>
+              <a:t>https://sankalptaru.org/</a:t>
+            </a:r>
+            <a:endParaRPr lang="en-US" sz="1800" dirty="0">
+              <a:latin typeface="+mj-lt"/>
+              <a:cs typeface="Aharoni" pitchFamily="2" charset="-79"/>
+            </a:endParaRPr>
+          </a:p>
+          <a:p>
+            <a:pPr>
+              <a:buNone/>
+            </a:pPr>
+            <a:r>
+              <a:rPr lang="en-US" sz="1800" dirty="0">
+                <a:latin typeface="+mj-lt"/>
+                <a:cs typeface="Aharoni" pitchFamily="2" charset="-79"/>
+                <a:hlinkClick r:id="rId4"/>
+              </a:rPr>
+              <a:t>https://catchfoundation.in/plantenance/</a:t>
+            </a:r>
+            <a:endParaRPr lang="en-US" sz="1800" dirty="0">
+              <a:latin typeface="+mj-lt"/>
+              <a:cs typeface="Aharoni" pitchFamily="2" charset="-79"/>
+            </a:endParaRPr>
+          </a:p>
+          <a:p>
+            <a:pPr>
+              <a:buNone/>
+            </a:pPr>
+            <a:r>
+              <a:rPr lang="en-US" sz="1800" dirty="0">
+                <a:latin typeface="+mj-lt"/>
+                <a:cs typeface="Aharoni" pitchFamily="2" charset="-79"/>
+                <a:hlinkClick r:id="rId5"/>
+              </a:rPr>
+              <a:t>https://en.wikipedia.org/wiki/Tree_planting</a:t>
+            </a:r>
+            <a:endParaRPr lang="en-US" sz="1800" dirty="0">
+              <a:latin typeface="+mj-lt"/>
+              <a:cs typeface="Aharoni" pitchFamily="2" charset="-79"/>
+            </a:endParaRPr>
+          </a:p>
+          <a:p>
+            <a:pPr>
+              <a:buNone/>
+            </a:pPr>
+            <a:r>
+              <a:rPr lang="en-US" sz="1800" dirty="0">
+                <a:latin typeface="+mj-lt"/>
+                <a:cs typeface="Aharoni" pitchFamily="2" charset="-79"/>
+                <a:hlinkClick r:id="rId6"/>
+              </a:rPr>
+              <a:t>https://treesisters.org/blog/how-to-start-your-own-tree-planting-project</a:t>
+            </a:r>
+            <a:endParaRPr lang="en-US" sz="1800" dirty="0">
+              <a:latin typeface="+mj-lt"/>
+              <a:cs typeface="Aharoni" pitchFamily="2" charset="-79"/>
+            </a:endParaRPr>
+          </a:p>
+          <a:p>
+            <a:pPr>
+              <a:buNone/>
+            </a:pPr>
+            <a:r>
+              <a:rPr lang="en-US" sz="1800" dirty="0">
+                <a:latin typeface="+mj-lt"/>
+                <a:cs typeface="Aharoni" pitchFamily="2" charset="-79"/>
+                <a:hlinkClick r:id="rId7"/>
+              </a:rPr>
+              <a:t>https://www.artofliving.org/in-en/projects/tree-planting</a:t>
+            </a:r>
+            <a:endParaRPr lang="en-US" sz="1800" dirty="0">
+              <a:latin typeface="+mj-lt"/>
+              <a:cs typeface="Aharoni" pitchFamily="2" charset="-79"/>
+            </a:endParaRPr>
+          </a:p>
+          <a:p>
+            <a:pPr>
+              <a:buNone/>
+            </a:pPr>
+            <a:r>
+              <a:rPr lang="en-US" sz="1800" dirty="0">
+                <a:latin typeface="+mj-lt"/>
+                <a:cs typeface="Aharoni" pitchFamily="2" charset="-79"/>
+                <a:hlinkClick r:id="rId8"/>
+              </a:rPr>
+              <a:t>http://www.cmseducation.org/environment/treeplantation.html</a:t>
+            </a:r>
+            <a:endParaRPr lang="en-US" sz="1800" dirty="0">
+              <a:latin typeface="+mj-lt"/>
+              <a:cs typeface="Aharoni" pitchFamily="2" charset="-79"/>
+            </a:endParaRPr>
+          </a:p>
+          <a:p>
+            <a:pPr>
+              <a:buNone/>
+            </a:pPr>
+            <a:r>
+              <a:rPr lang="en-US" sz="1800" dirty="0">
+                <a:latin typeface="+mj-lt"/>
+                <a:cs typeface="Aharoni" pitchFamily="2" charset="-79"/>
+                <a:hlinkClick r:id="rId9"/>
+              </a:rPr>
+              <a:t>https://www.grow-trees.com/projects.php</a:t>
+            </a:r>
+            <a:endParaRPr lang="en-US" sz="1800" dirty="0">
+              <a:latin typeface="+mj-lt"/>
+              <a:cs typeface="Aharoni" pitchFamily="2" charset="-79"/>
+            </a:endParaRPr>
+          </a:p>
+          <a:p>
+            <a:pPr>
+              <a:buNone/>
+            </a:pPr>
+            <a:endParaRPr lang="en-US" sz="1800" dirty="0">
+              <a:latin typeface="+mj-lt"/>
+              <a:cs typeface="Aharoni" pitchFamily="2" charset="-79"/>
+            </a:endParaRPr>
+          </a:p>
+          <a:p>
+            <a:pPr>
+              <a:buNone/>
+            </a:pPr>
+            <a:endParaRPr lang="en-US" sz="1800" dirty="0">
+              <a:latin typeface="+mj-lt"/>
+              <a:cs typeface="Aharoni" pitchFamily="2" charset="-79"/>
+            </a:endParaRPr>
+          </a:p>
+          <a:p>
+            <a:pPr>
+              <a:buNone/>
+            </a:pPr>
+            <a:endParaRPr lang="en-US" sz="1800" dirty="0">
+              <a:latin typeface="+mj-lt"/>
+              <a:cs typeface="Aharoni" pitchFamily="2" charset="-79"/>
+            </a:endParaRPr>
+          </a:p>
+          <a:p>
+            <a:pPr>
+              <a:buNone/>
+            </a:pPr>
+            <a:r>
+              <a:rPr lang="en-US" sz="1800" dirty="0">
                 <a:latin typeface="+mj-lt"/>
                 <a:cs typeface="Aharoni" pitchFamily="2" charset="-79"/>
               </a:rPr>
@@ -14516,13 +14274,13 @@
           <a:lstStyle/>
           <a:p>
             <a:r>
-              <a:rPr lang="en-US" dirty="0" smtClean="0"/>
+              <a:rPr lang="en-US" dirty="0"/>
               <a:t>                                  </a:t>
             </a:r>
             <a:fld id="{A7155BC5-7D3D-481F-AB77-8C8C82728F9D}" type="datetime1">
               <a:rPr lang="en-US" smtClean="0"/>
               <a:pPr/>
-              <a:t>29/05/2021</a:t>
+              <a:t>4/30/2022</a:t>
             </a:fld>
             <a:endParaRPr lang="en-US" dirty="0"/>
           </a:p>
@@ -14537,7 +14295,7 @@
           <p:nvPr/>
         </p:nvPicPr>
         <p:blipFill>
-          <a:blip r:embed="rId2">
+          <a:blip r:embed="rId10">
             <a:extLst>
               <a:ext uri="{28A0092B-C50C-407E-A947-70E740481C1C}">
                 <a14:useLocalDpi xmlns:a14="http://schemas.microsoft.com/office/drawing/2010/main" val="0"/>
@@ -14587,13 +14345,6 @@
   <p:clrMapOvr>
     <a:masterClrMapping/>
   </p:clrMapOvr>
-  <p:timing>
-    <p:tnLst>
-      <p:par>
-        <p:cTn id="1" dur="indefinite" restart="never" nodeType="tmRoot"/>
-      </p:par>
-    </p:tnLst>
-  </p:timing>
 </p:sld>
 </file>
 
@@ -14632,7 +14383,7 @@
             <a:fld id="{B400A168-683F-4263-B414-CA79180743C9}" type="datetime1">
               <a:rPr lang="en-US" smtClean="0"/>
               <a:pPr/>
-              <a:t>29/05/2021</a:t>
+              <a:t>4/30/2022</a:t>
             </a:fld>
             <a:endParaRPr lang="en-US" dirty="0"/>
           </a:p>
@@ -14659,7 +14410,7 @@
           <a:lstStyle/>
           <a:p>
             <a:r>
-              <a:rPr lang="en-IN" dirty="0" smtClean="0"/>
+              <a:rPr lang="en-IN" dirty="0"/>
               <a:t>Playing Subset of Lecture Videos by Comparing Text Query with Associated Slides</a:t>
             </a:r>
             <a:endParaRPr lang="en-US" dirty="0"/>
@@ -14808,7 +14559,7 @@
           <a:lstStyle/>
           <a:p>
             <a:r>
-              <a:rPr lang="en-IN" sz="3600" b="1" i="1" dirty="0" smtClean="0">
+              <a:rPr lang="en-IN" sz="3600" b="1" i="1" dirty="0">
                 <a:ln w="22225">
                   <a:solidFill>
                     <a:schemeClr val="accent2"/>
@@ -14843,13 +14594,6 @@
   <p:clrMapOvr>
     <a:masterClrMapping/>
   </p:clrMapOvr>
-  <p:timing>
-    <p:tnLst>
-      <p:par>
-        <p:cTn id="1" dur="indefinite" restart="never" nodeType="tmRoot"/>
-      </p:par>
-    </p:tnLst>
-  </p:timing>
 </p:sld>
 </file>
 
@@ -14888,16 +14632,12 @@
           <a:lstStyle/>
           <a:p>
             <a:r>
-              <a:rPr lang="en-IN" sz="3600" dirty="0" smtClean="0">
+              <a:rPr lang="en-IN" sz="3600" dirty="0">
                 <a:latin typeface="Times New Roman" panose="02020603050405020304" pitchFamily="18" charset="0"/>
                 <a:cs typeface="Times New Roman" panose="02020603050405020304" pitchFamily="18" charset="0"/>
               </a:rPr>
               <a:t>   Overview</a:t>
             </a:r>
-            <a:endParaRPr lang="en-IN" sz="3600" dirty="0">
-              <a:latin typeface="Times New Roman" panose="02020603050405020304" pitchFamily="18" charset="0"/>
-              <a:cs typeface="Times New Roman" panose="02020603050405020304" pitchFamily="18" charset="0"/>
-            </a:endParaRPr>
           </a:p>
         </p:txBody>
       </p:sp>
@@ -14922,7 +14662,7 @@
           <a:lstStyle/>
           <a:p>
             <a:r>
-              <a:rPr lang="en-IN" dirty="0" smtClean="0">
+              <a:rPr lang="en-IN" dirty="0">
                 <a:latin typeface="Times New Roman" panose="02020603050405020304" pitchFamily="18" charset="0"/>
                 <a:cs typeface="Times New Roman" panose="02020603050405020304" pitchFamily="18" charset="0"/>
               </a:rPr>
@@ -14989,7 +14729,7 @@
           <a:lstStyle/>
           <a:p>
             <a:r>
-              <a:rPr lang="en-IN" sz="1800" dirty="0" smtClean="0">
+              <a:rPr lang="en-IN" sz="1800" dirty="0">
                 <a:latin typeface="Times New Roman" panose="02020603050405020304" pitchFamily="18" charset="0"/>
                 <a:cs typeface="Times New Roman" panose="02020603050405020304" pitchFamily="18" charset="0"/>
               </a:rPr>
@@ -14998,7 +14738,7 @@
           </a:p>
           <a:p>
             <a:r>
-              <a:rPr lang="en-IN" sz="1800" dirty="0" smtClean="0">
+              <a:rPr lang="en-IN" sz="1800" dirty="0">
                 <a:latin typeface="Times New Roman" panose="02020603050405020304" pitchFamily="18" charset="0"/>
                 <a:cs typeface="Times New Roman" panose="02020603050405020304" pitchFamily="18" charset="0"/>
               </a:rPr>
@@ -15007,7 +14747,7 @@
           </a:p>
           <a:p>
             <a:r>
-              <a:rPr lang="en-IN" sz="1800" dirty="0" smtClean="0">
+              <a:rPr lang="en-IN" sz="1800" dirty="0">
                 <a:latin typeface="Times New Roman" panose="02020603050405020304" pitchFamily="18" charset="0"/>
                 <a:cs typeface="Times New Roman" panose="02020603050405020304" pitchFamily="18" charset="0"/>
               </a:rPr>
@@ -15016,7 +14756,7 @@
           </a:p>
           <a:p>
             <a:r>
-              <a:rPr lang="en-IN" sz="1800" dirty="0" smtClean="0">
+              <a:rPr lang="en-IN" sz="1800" dirty="0">
                 <a:latin typeface="Times New Roman" panose="02020603050405020304" pitchFamily="18" charset="0"/>
                 <a:cs typeface="Times New Roman" panose="02020603050405020304" pitchFamily="18" charset="0"/>
               </a:rPr>
@@ -15031,17 +14771,6 @@
               </a:rPr>
               <a:t> </a:t>
             </a:r>
-            <a:r>
-              <a:rPr lang="en-IN" sz="1800" dirty="0" smtClean="0">
-                <a:latin typeface="Times New Roman" panose="02020603050405020304" pitchFamily="18" charset="0"/>
-                <a:cs typeface="Times New Roman" panose="02020603050405020304" pitchFamily="18" charset="0"/>
-              </a:rPr>
-              <a:t>…….</a:t>
-            </a:r>
-            <a:endParaRPr lang="en-IN" sz="1800" dirty="0" smtClean="0">
-              <a:latin typeface="Times New Roman" panose="02020603050405020304" pitchFamily="18" charset="0"/>
-              <a:cs typeface="Times New Roman" panose="02020603050405020304" pitchFamily="18" charset="0"/>
-            </a:endParaRPr>
           </a:p>
         </p:txBody>
       </p:sp>
@@ -15066,14 +14795,9 @@
           <a:lstStyle/>
           <a:p>
             <a:r>
-              <a:rPr lang="en-US" dirty="0" smtClean="0"/>
-              <a:t>                                             </a:t>
-            </a:r>
-            <a:r>
-              <a:rPr lang="en-US" dirty="0" smtClean="0"/>
-              <a:t>Date</a:t>
-            </a:r>
-            <a:endParaRPr lang="en-US" dirty="0"/>
+              <a:rPr lang="en-US" dirty="0"/>
+              <a:t>                                             Date</a:t>
+            </a:r>
           </a:p>
         </p:txBody>
       </p:sp>
@@ -15141,13 +14865,6 @@
   <p:clrMapOvr>
     <a:masterClrMapping/>
   </p:clrMapOvr>
-  <p:timing>
-    <p:tnLst>
-      <p:par>
-        <p:cTn id="1" dur="indefinite" restart="never" nodeType="tmRoot"/>
-      </p:par>
-    </p:tnLst>
-  </p:timing>
 </p:sld>
 </file>
 
@@ -15189,7 +14906,7 @@
           <a:lstStyle/>
           <a:p>
             <a:r>
-              <a:rPr lang="en-IN" dirty="0" smtClean="0">
+              <a:rPr lang="en-IN" dirty="0">
                 <a:latin typeface="Times New Roman" panose="02020603050405020304" pitchFamily="18" charset="0"/>
                 <a:cs typeface="Times New Roman" panose="02020603050405020304" pitchFamily="18" charset="0"/>
               </a:rPr>
@@ -15254,63 +14971,100 @@
               <a:buNone/>
             </a:pPr>
             <a:r>
-              <a:rPr lang="en-US" altLang="ko-KR" sz="2000" b="1" dirty="0" smtClean="0">
-                <a:latin typeface="Times New Roman" panose="02020603050405020304" pitchFamily="18" charset="0"/>
-                <a:ea typeface="굴림" charset="-127"/>
-                <a:cs typeface="Times New Roman" panose="02020603050405020304" pitchFamily="18" charset="0"/>
-              </a:rPr>
-              <a:t>For Example:</a:t>
-            </a:r>
-          </a:p>
-          <a:p>
-            <a:pPr>
-              <a:buFont typeface="Wingdings" panose="05000000000000000000" pitchFamily="2" charset="2"/>
-              <a:buChar char="q"/>
-            </a:pPr>
-            <a:r>
-              <a:rPr lang="en-US" altLang="ko-KR" sz="2000" dirty="0" smtClean="0">
-                <a:latin typeface="Times New Roman" panose="02020603050405020304" pitchFamily="18" charset="0"/>
-                <a:ea typeface="굴림" charset="-127"/>
-                <a:cs typeface="Times New Roman" panose="02020603050405020304" pitchFamily="18" charset="0"/>
-              </a:rPr>
-              <a:t>Speedy </a:t>
-            </a:r>
-            <a:r>
-              <a:rPr lang="en-US" altLang="ko-KR" sz="2000" dirty="0" smtClean="0">
-                <a:latin typeface="Times New Roman" panose="02020603050405020304" pitchFamily="18" charset="0"/>
-                <a:ea typeface="굴림" charset="-127"/>
-                <a:cs typeface="Times New Roman" panose="02020603050405020304" pitchFamily="18" charset="0"/>
-              </a:rPr>
-              <a:t>growth in the amount of generating e-learning data.</a:t>
-            </a:r>
-          </a:p>
-          <a:p>
-            <a:pPr>
-              <a:buFont typeface="Wingdings" panose="05000000000000000000" pitchFamily="2" charset="2"/>
-              <a:buChar char="q"/>
-            </a:pPr>
-            <a:r>
               <a:rPr lang="en-US" altLang="ko-KR" sz="2000" dirty="0">
                 <a:latin typeface="Times New Roman" panose="02020603050405020304" pitchFamily="18" charset="0"/>
                 <a:ea typeface="굴림" charset="-127"/>
                 <a:cs typeface="Times New Roman" panose="02020603050405020304" pitchFamily="18" charset="0"/>
               </a:rPr>
-              <a:t>Time Consuming Process</a:t>
-            </a:r>
-          </a:p>
-          <a:p>
-            <a:pPr>
-              <a:buFont typeface="Wingdings" panose="05000000000000000000" pitchFamily="2" charset="2"/>
-              <a:buChar char="q"/>
+              <a:t>Mission:</a:t>
+            </a:r>
+          </a:p>
+          <a:p>
+            <a:pPr marL="0" indent="0">
+              <a:buNone/>
             </a:pPr>
             <a:r>
-              <a:rPr lang="en-US" altLang="ko-KR" sz="2000" dirty="0" smtClean="0">
-                <a:latin typeface="Times New Roman" panose="02020603050405020304" pitchFamily="18" charset="0"/>
-                <a:ea typeface="굴림" charset="-127"/>
-                <a:cs typeface="Times New Roman" panose="02020603050405020304" pitchFamily="18" charset="0"/>
+              <a:rPr lang="en-IN" sz="1200" b="1" i="0" dirty="0">
+                <a:solidFill>
+                  <a:srgbClr val="4A4A4A"/>
+                </a:solidFill>
+                <a:effectLst/>
+                <a:latin typeface="Merriweather-Bold"/>
               </a:rPr>
-              <a:t>Content based Retrieval</a:t>
-            </a:r>
+              <a:t>Our Mission</a:t>
+            </a:r>
+          </a:p>
+          <a:p>
+            <a:r>
+              <a:rPr lang="en-IN" sz="1800" b="0" i="0" dirty="0">
+                <a:solidFill>
+                  <a:srgbClr val="4A4A4A"/>
+                </a:solidFill>
+                <a:effectLst/>
+                <a:latin typeface="LucidaGrande"/>
+              </a:rPr>
+              <a:t>We are on the mission to create a healthy, green and clean planet through tree plantation. Along with our diligent greening efforts, we strive to uplift and assist the rural communities, while promoting extensive agriculture across the nation and making it a happy-green paradise.</a:t>
+            </a:r>
+          </a:p>
+          <a:p>
+            <a:endParaRPr lang="en-IN" sz="1800" dirty="0">
+              <a:solidFill>
+                <a:srgbClr val="4A4A4A"/>
+              </a:solidFill>
+              <a:latin typeface="LucidaGrande"/>
+            </a:endParaRPr>
+          </a:p>
+          <a:p>
+            <a:endParaRPr lang="en-IN" sz="1800" b="0" i="0" dirty="0">
+              <a:solidFill>
+                <a:srgbClr val="4A4A4A"/>
+              </a:solidFill>
+              <a:effectLst/>
+              <a:latin typeface="LucidaGrande"/>
+            </a:endParaRPr>
+          </a:p>
+          <a:p>
+            <a:r>
+              <a:rPr lang="en-IN" sz="1100" b="1" i="0" dirty="0">
+                <a:solidFill>
+                  <a:srgbClr val="4A4A4A"/>
+                </a:solidFill>
+                <a:effectLst/>
+                <a:latin typeface="Merriweather-Bold"/>
+              </a:rPr>
+              <a:t>Our Vision</a:t>
+            </a:r>
+          </a:p>
+          <a:p>
+            <a:r>
+              <a:rPr lang="en-IN" sz="1400" b="0" i="0" dirty="0">
+                <a:solidFill>
+                  <a:srgbClr val="4A4A4A"/>
+                </a:solidFill>
+                <a:effectLst/>
+                <a:latin typeface="LucidaGrande"/>
+              </a:rPr>
+              <a:t>We work with a vision of developing lush-green and bio-diverse sustainable world for the future generations by igniting a huge environmental revolution through trees. With our each healthy sapling, we intend to create a repository for a rich ecological bio diverse planet.</a:t>
+            </a:r>
+          </a:p>
+          <a:p>
+            <a:endParaRPr lang="en-IN" sz="1800" b="0" i="0" dirty="0">
+              <a:solidFill>
+                <a:srgbClr val="4A4A4A"/>
+              </a:solidFill>
+              <a:effectLst/>
+              <a:latin typeface="LucidaGrande"/>
+            </a:endParaRPr>
+          </a:p>
+          <a:p>
+            <a:pPr marL="0" indent="0">
+              <a:buNone/>
+            </a:pPr>
+            <a:endParaRPr lang="en-US" altLang="ko-KR" sz="2000" dirty="0">
+              <a:latin typeface="Times New Roman" panose="02020603050405020304" pitchFamily="18" charset="0"/>
+              <a:ea typeface="굴림" charset="-127"/>
+              <a:cs typeface="Times New Roman" panose="02020603050405020304" pitchFamily="18" charset="0"/>
+            </a:endParaRPr>
           </a:p>
         </p:txBody>
       </p:sp>
@@ -15332,7 +15086,7 @@
           <a:lstStyle/>
           <a:p>
             <a:r>
-              <a:rPr lang="en-US" sz="3600" dirty="0" smtClean="0">
+              <a:rPr lang="en-US" sz="3600" dirty="0">
                 <a:latin typeface="Times New Roman" panose="02020603050405020304" pitchFamily="18" charset="0"/>
                 <a:ea typeface="굴림" charset="-127"/>
                 <a:cs typeface="Times New Roman" panose="02020603050405020304" pitchFamily="18" charset="0"/>
@@ -15367,13 +15121,13 @@
           <a:lstStyle/>
           <a:p>
             <a:r>
-              <a:rPr lang="en-US" smtClean="0"/>
+              <a:rPr lang="en-US"/>
               <a:t>                                  </a:t>
             </a:r>
             <a:fld id="{BB1F038C-35AA-4562-B12B-3A8619885937}" type="datetime1">
               <a:rPr lang="en-US" smtClean="0"/>
               <a:pPr/>
-              <a:t>29/05/2021</a:t>
+              <a:t>4/30/2022</a:t>
             </a:fld>
             <a:endParaRPr lang="en-US" dirty="0"/>
           </a:p>
@@ -15438,13 +15192,6 @@
   <p:clrMapOvr>
     <a:masterClrMapping/>
   </p:clrMapOvr>
-  <p:timing>
-    <p:tnLst>
-      <p:par>
-        <p:cTn id="1" dur="indefinite" restart="never" nodeType="tmRoot"/>
-      </p:par>
-    </p:tnLst>
-  </p:timing>
 </p:sld>
 </file>
 
@@ -15483,23 +15230,12 @@
           <a:lstStyle/>
           <a:p>
             <a:r>
-              <a:rPr lang="en-IN" sz="3600" dirty="0" smtClean="0">
+              <a:rPr lang="en-IN" sz="3600" dirty="0">
                 <a:latin typeface="Times New Roman" panose="02020603050405020304" pitchFamily="18" charset="0"/>
                 <a:cs typeface="Times New Roman" panose="02020603050405020304" pitchFamily="18" charset="0"/>
               </a:rPr>
-              <a:t>   </a:t>
-            </a:r>
-            <a:r>
-              <a:rPr lang="en-IN" sz="3600" dirty="0" smtClean="0">
-                <a:latin typeface="Times New Roman" panose="02020603050405020304" pitchFamily="18" charset="0"/>
-                <a:cs typeface="Times New Roman" panose="02020603050405020304" pitchFamily="18" charset="0"/>
-              </a:rPr>
-              <a:t>Objective</a:t>
-            </a:r>
-            <a:endParaRPr lang="en-IN" sz="3600" dirty="0">
-              <a:latin typeface="Times New Roman" panose="02020603050405020304" pitchFamily="18" charset="0"/>
-              <a:cs typeface="Times New Roman" panose="02020603050405020304" pitchFamily="18" charset="0"/>
-            </a:endParaRPr>
+              <a:t>   Objective</a:t>
+            </a:r>
           </a:p>
         </p:txBody>
       </p:sp>
@@ -15524,7 +15260,7 @@
           <a:lstStyle/>
           <a:p>
             <a:r>
-              <a:rPr lang="en-IN" dirty="0" smtClean="0">
+              <a:rPr lang="en-IN" dirty="0">
                 <a:latin typeface="Times New Roman" panose="02020603050405020304" pitchFamily="18" charset="0"/>
                 <a:cs typeface="Times New Roman" panose="02020603050405020304" pitchFamily="18" charset="0"/>
               </a:rPr>
@@ -15589,13 +15325,13 @@
           <a:lstStyle/>
           <a:p>
             <a:r>
-              <a:rPr lang="en-US" smtClean="0"/>
+              <a:rPr lang="en-US"/>
               <a:t>                                             </a:t>
             </a:r>
             <a:fld id="{D91455EF-DF09-4351-A64D-FFE571EDA9B9}" type="datetime1">
               <a:rPr lang="en-US" smtClean="0"/>
               <a:pPr/>
-              <a:t>29/05/2021</a:t>
+              <a:t>4/30/2022</a:t>
             </a:fld>
             <a:endParaRPr lang="en-US" dirty="0"/>
           </a:p>
@@ -15670,7 +15406,45 @@
           <a:bodyPr/>
           <a:lstStyle/>
           <a:p>
-            <a:endParaRPr lang="en-US"/>
+            <a:r>
+              <a:rPr lang="en-US" dirty="0"/>
+              <a:t>Our moto:</a:t>
+            </a:r>
+          </a:p>
+          <a:p>
+            <a:pPr algn="ctr"/>
+            <a:r>
+              <a:rPr lang="en-IN" b="1" i="0" dirty="0">
+                <a:solidFill>
+                  <a:srgbClr val="FF0000"/>
+                </a:solidFill>
+                <a:effectLst/>
+                <a:latin typeface="Merriweather-Bold"/>
+              </a:rPr>
+              <a:t>We are crazy nature-centric enthusiasts,</a:t>
+            </a:r>
+            <a:br>
+              <a:rPr lang="en-IN" b="1" i="0" dirty="0">
+                <a:solidFill>
+                  <a:srgbClr val="FF0000"/>
+                </a:solidFill>
+                <a:effectLst/>
+                <a:latin typeface="Merriweather-Bold"/>
+              </a:rPr>
+            </a:br>
+            <a:r>
+              <a:rPr lang="en-IN" b="1" i="0" dirty="0">
+                <a:solidFill>
+                  <a:srgbClr val="FF0000"/>
+                </a:solidFill>
+                <a:effectLst/>
+                <a:latin typeface="Merriweather-Bold"/>
+              </a:rPr>
+              <a:t>planting trees for the people, by the people!</a:t>
+            </a:r>
+          </a:p>
+          <a:p>
+            <a:endParaRPr lang="en-US" dirty="0"/>
           </a:p>
         </p:txBody>
       </p:sp>
@@ -15684,13 +15458,6 @@
   <p:clrMapOvr>
     <a:masterClrMapping/>
   </p:clrMapOvr>
-  <p:timing>
-    <p:tnLst>
-      <p:par>
-        <p:cTn id="1" dur="indefinite" restart="never" nodeType="tmRoot"/>
-      </p:par>
-    </p:tnLst>
-  </p:timing>
 </p:sld>
 </file>
 
@@ -15727,7 +15494,7 @@
           <a:lstStyle/>
           <a:p>
             <a:r>
-              <a:rPr lang="en-US" dirty="0" smtClean="0">
+              <a:rPr lang="en-US" dirty="0">
                 <a:latin typeface="Times New Roman" panose="02020603050405020304" pitchFamily="18" charset="0"/>
                 <a:ea typeface="굴림" charset="-127"/>
                 <a:cs typeface="Times New Roman" panose="02020603050405020304" pitchFamily="18" charset="0"/>
@@ -15762,7 +15529,7 @@
           <a:lstStyle/>
           <a:p>
             <a:r>
-              <a:rPr lang="en-IN" dirty="0" smtClean="0">
+              <a:rPr lang="en-IN" dirty="0">
                 <a:latin typeface="Times New Roman" panose="02020603050405020304" pitchFamily="18" charset="0"/>
                 <a:cs typeface="Times New Roman" panose="02020603050405020304" pitchFamily="18" charset="0"/>
               </a:rPr>
@@ -15824,181 +15591,222 @@
         </p:spPr>
         <p:txBody>
           <a:bodyPr>
-            <a:normAutofit/>
+            <a:noAutofit/>
           </a:bodyPr>
           <a:lstStyle/>
           <a:p>
-            <a:pPr marL="0" indent="0">
+            <a:pPr lvl="1">
               <a:buNone/>
             </a:pPr>
             <a:r>
-              <a:rPr lang="en-IN" altLang="ko-KR" sz="2000" b="1" dirty="0" smtClean="0">
+              <a:rPr lang="en-US" altLang="ko-KR" sz="1000" dirty="0">
                 <a:latin typeface="Times New Roman" panose="02020603050405020304" pitchFamily="18" charset="0"/>
                 <a:ea typeface="굴림" charset="-127"/>
                 <a:cs typeface="Times New Roman" panose="02020603050405020304" pitchFamily="18" charset="0"/>
               </a:rPr>
-              <a:t>Example Data:</a:t>
-            </a:r>
-          </a:p>
-          <a:p>
-            <a:pPr>
-              <a:buFont typeface="Wingdings" panose="05000000000000000000" pitchFamily="2" charset="2"/>
-              <a:buChar char="q"/>
-            </a:pPr>
-            <a:endParaRPr lang="en-IN" altLang="ko-KR" sz="2000" b="1" dirty="0">
+              <a:t>Why Trees?</a:t>
+            </a:r>
+          </a:p>
+          <a:p>
+            <a:pPr algn="l"/>
+            <a:r>
+              <a:rPr lang="en-IN" sz="900" b="1" i="0" dirty="0">
+                <a:solidFill>
+                  <a:srgbClr val="2F3039"/>
+                </a:solidFill>
+                <a:effectLst/>
+                <a:latin typeface="Open Sans" panose="020B0606030504020204" pitchFamily="34" charset="0"/>
+              </a:rPr>
+              <a:t>The Generosity of Trees</a:t>
+            </a:r>
+          </a:p>
+          <a:p>
+            <a:pPr algn="l"/>
+            <a:r>
+              <a:rPr lang="en-IN" sz="900" b="0" i="0" dirty="0">
+                <a:solidFill>
+                  <a:srgbClr val="2F3039"/>
+                </a:solidFill>
+                <a:effectLst/>
+                <a:latin typeface="Open Sans" panose="020B0606030504020204" pitchFamily="34" charset="0"/>
+              </a:rPr>
+              <a:t>Trees filter our air and keep it fresh by absorbing carbon dioxide and producing oxygen.</a:t>
+            </a:r>
+          </a:p>
+          <a:p>
+            <a:pPr algn="l"/>
+            <a:r>
+              <a:rPr lang="en-IN" sz="900" b="0" i="0" dirty="0">
+                <a:solidFill>
+                  <a:srgbClr val="2F3039"/>
+                </a:solidFill>
+                <a:effectLst/>
+                <a:latin typeface="Open Sans" panose="020B0606030504020204" pitchFamily="34" charset="0"/>
+              </a:rPr>
+              <a:t>Tree roots stabilize the soil and prevent erosion.</a:t>
+            </a:r>
+          </a:p>
+          <a:p>
+            <a:pPr algn="l"/>
+            <a:r>
+              <a:rPr lang="en-IN" sz="900" b="0" i="0" dirty="0">
+                <a:solidFill>
+                  <a:srgbClr val="2F3039"/>
+                </a:solidFill>
+                <a:effectLst/>
+                <a:latin typeface="Open Sans" panose="020B0606030504020204" pitchFamily="34" charset="0"/>
+              </a:rPr>
+              <a:t>Trees improve water quality by slowing and filtering rain water as well as protect aquifers and watersheds.</a:t>
+            </a:r>
+          </a:p>
+          <a:p>
+            <a:pPr algn="l"/>
+            <a:r>
+              <a:rPr lang="en-IN" sz="900" b="0" i="0" dirty="0">
+                <a:solidFill>
+                  <a:srgbClr val="2F3039"/>
+                </a:solidFill>
+                <a:effectLst/>
+                <a:latin typeface="Open Sans" panose="020B0606030504020204" pitchFamily="34" charset="0"/>
+              </a:rPr>
+              <a:t>Trees are carbon sinks, accumulating carbon as they grow and acting as stable carbon stores upon maturity</a:t>
+            </a:r>
+          </a:p>
+          <a:p>
+            <a:pPr algn="l"/>
+            <a:r>
+              <a:rPr lang="en-IN" sz="900" b="0" i="0" dirty="0">
+                <a:solidFill>
+                  <a:srgbClr val="2F3039"/>
+                </a:solidFill>
+                <a:effectLst/>
+                <a:latin typeface="Open Sans" panose="020B0606030504020204" pitchFamily="34" charset="0"/>
+              </a:rPr>
+              <a:t>Three-quarters of the world's people rely on wood as their main source of energy.</a:t>
+            </a:r>
+          </a:p>
+          <a:p>
+            <a:pPr algn="l"/>
+            <a:r>
+              <a:rPr lang="en-IN" sz="900" b="0" i="0" dirty="0">
+                <a:solidFill>
+                  <a:srgbClr val="2F3039"/>
+                </a:solidFill>
+                <a:effectLst/>
+                <a:latin typeface="Open Sans" panose="020B0606030504020204" pitchFamily="34" charset="0"/>
+              </a:rPr>
+              <a:t>Thousand of things are made from trees such as furniture, books, newspapers, houses, hockey sticks, guitars, pencils, fences, milk cartons, even nail polish and toothpaste.</a:t>
+            </a:r>
+          </a:p>
+          <a:p>
+            <a:pPr algn="l"/>
+            <a:r>
+              <a:rPr lang="en-IN" sz="900" b="0" i="0" dirty="0">
+                <a:solidFill>
+                  <a:srgbClr val="2F3039"/>
+                </a:solidFill>
+                <a:effectLst/>
+                <a:latin typeface="Open Sans" panose="020B0606030504020204" pitchFamily="34" charset="0"/>
+              </a:rPr>
+              <a:t>Trees lower air temperature and induce rainfall by evaporating water from their leaves.</a:t>
+            </a:r>
+          </a:p>
+          <a:p>
+            <a:pPr algn="l"/>
+            <a:r>
+              <a:rPr lang="en-IN" sz="900" b="0" i="0" dirty="0">
+                <a:solidFill>
+                  <a:srgbClr val="2F3039"/>
+                </a:solidFill>
+                <a:effectLst/>
+                <a:latin typeface="Open Sans" panose="020B0606030504020204" pitchFamily="34" charset="0"/>
+              </a:rPr>
+              <a:t>Trees provide food, shade and shelter to humans and wildlife.</a:t>
+            </a:r>
+          </a:p>
+          <a:p>
+            <a:pPr algn="l"/>
+            <a:r>
+              <a:rPr lang="en-IN" sz="900" b="0" i="0" dirty="0">
+                <a:solidFill>
+                  <a:srgbClr val="2F3039"/>
+                </a:solidFill>
+                <a:effectLst/>
+                <a:latin typeface="Open Sans" panose="020B0606030504020204" pitchFamily="34" charset="0"/>
+              </a:rPr>
+              <a:t>Trees offer protection from the downward fall of rain, sleet and hail as well as reduce storm run-off and the possibility of flooding.</a:t>
+            </a:r>
+          </a:p>
+          <a:p>
+            <a:pPr algn="l"/>
+            <a:r>
+              <a:rPr lang="en-IN" sz="900" b="0" i="0" dirty="0">
+                <a:solidFill>
+                  <a:srgbClr val="2F3039"/>
+                </a:solidFill>
+                <a:effectLst/>
+                <a:latin typeface="Open Sans" panose="020B0606030504020204" pitchFamily="34" charset="0"/>
+              </a:rPr>
+              <a:t>Trees act as sound barriers to reduce noise pollution.</a:t>
+            </a:r>
+          </a:p>
+          <a:p>
+            <a:pPr algn="l"/>
+            <a:r>
+              <a:rPr lang="en-IN" sz="900" b="0" i="0" dirty="0">
+                <a:solidFill>
+                  <a:srgbClr val="2F3039"/>
+                </a:solidFill>
+                <a:effectLst/>
+                <a:latin typeface="Open Sans" panose="020B0606030504020204" pitchFamily="34" charset="0"/>
+              </a:rPr>
+              <a:t>Trees play a major role in helping to conserve the intensity of the Earth's magnetic field.</a:t>
+            </a:r>
+          </a:p>
+          <a:p>
+            <a:pPr algn="l"/>
+            <a:r>
+              <a:rPr lang="en-IN" sz="900" b="0" i="0" u="none" strike="noStrike" dirty="0">
+                <a:solidFill>
+                  <a:srgbClr val="2F3039"/>
+                </a:solidFill>
+                <a:effectLst/>
+                <a:latin typeface="Open Sans" panose="020B0606030504020204" pitchFamily="34" charset="0"/>
+              </a:rPr>
+              <a:t>Trees beautify the landscape.</a:t>
+            </a:r>
+          </a:p>
+          <a:p>
+            <a:br>
+              <a:rPr lang="en-IN" sz="100" dirty="0"/>
+            </a:br>
+            <a:endParaRPr lang="en-US" altLang="ko-KR" sz="100" dirty="0">
               <a:latin typeface="Times New Roman" panose="02020603050405020304" pitchFamily="18" charset="0"/>
               <a:ea typeface="굴림" charset="-127"/>
               <a:cs typeface="Times New Roman" panose="02020603050405020304" pitchFamily="18" charset="0"/>
             </a:endParaRPr>
           </a:p>
           <a:p>
-            <a:pPr>
-              <a:buFont typeface="Wingdings" panose="05000000000000000000" pitchFamily="2" charset="2"/>
-              <a:buChar char="q"/>
+            <a:pPr marL="0" indent="0">
+              <a:buNone/>
             </a:pPr>
-            <a:r>
-              <a:rPr lang="en-IN" altLang="ko-KR" sz="2000" b="1" dirty="0" smtClean="0">
-                <a:latin typeface="Times New Roman" panose="02020603050405020304" pitchFamily="18" charset="0"/>
-                <a:ea typeface="굴림" charset="-127"/>
-                <a:cs typeface="Times New Roman" panose="02020603050405020304" pitchFamily="18" charset="0"/>
-              </a:rPr>
-              <a:t>Digital </a:t>
-            </a:r>
-            <a:r>
-              <a:rPr lang="en-IN" altLang="ko-KR" sz="2000" b="1" dirty="0">
-                <a:latin typeface="Times New Roman" panose="02020603050405020304" pitchFamily="18" charset="0"/>
-                <a:ea typeface="굴림" charset="-127"/>
-                <a:cs typeface="Times New Roman" panose="02020603050405020304" pitchFamily="18" charset="0"/>
-              </a:rPr>
-              <a:t>video </a:t>
-            </a:r>
-            <a:r>
-              <a:rPr lang="en-IN" altLang="ko-KR" sz="2000" dirty="0">
-                <a:latin typeface="Times New Roman" panose="02020603050405020304" pitchFamily="18" charset="0"/>
-                <a:ea typeface="굴림" charset="-127"/>
-                <a:cs typeface="Times New Roman" panose="02020603050405020304" pitchFamily="18" charset="0"/>
-              </a:rPr>
-              <a:t>has become a popular storage and exchange </a:t>
-            </a:r>
-            <a:r>
-              <a:rPr lang="en-IN" altLang="ko-KR" sz="2000" dirty="0" smtClean="0">
-                <a:latin typeface="Times New Roman" panose="02020603050405020304" pitchFamily="18" charset="0"/>
-                <a:ea typeface="굴림" charset="-127"/>
-                <a:cs typeface="Times New Roman" panose="02020603050405020304" pitchFamily="18" charset="0"/>
-              </a:rPr>
-              <a:t>medium.</a:t>
-            </a:r>
+            <a:endParaRPr lang="en-US" altLang="ko-KR" sz="100" dirty="0">
+              <a:latin typeface="Times New Roman" panose="02020603050405020304" pitchFamily="18" charset="0"/>
+              <a:ea typeface="굴림" charset="-127"/>
+              <a:cs typeface="Times New Roman" panose="02020603050405020304" pitchFamily="18" charset="0"/>
+            </a:endParaRPr>
           </a:p>
           <a:p>
             <a:pPr lvl="1">
               <a:buFont typeface="Wingdings" panose="05000000000000000000" pitchFamily="2" charset="2"/>
               <a:buChar char="q"/>
             </a:pPr>
-            <a:r>
-              <a:rPr lang="en-IN" altLang="ko-KR" sz="1700" dirty="0">
-                <a:latin typeface="Times New Roman" panose="02020603050405020304" pitchFamily="18" charset="0"/>
-                <a:ea typeface="굴림" charset="-127"/>
-                <a:cs typeface="Times New Roman" panose="02020603050405020304" pitchFamily="18" charset="0"/>
-              </a:rPr>
-              <a:t>R</a:t>
-            </a:r>
-            <a:r>
-              <a:rPr lang="en-IN" altLang="ko-KR" sz="1700" dirty="0" smtClean="0">
-                <a:latin typeface="Times New Roman" panose="02020603050405020304" pitchFamily="18" charset="0"/>
-                <a:ea typeface="굴림" charset="-127"/>
-                <a:cs typeface="Times New Roman" panose="02020603050405020304" pitchFamily="18" charset="0"/>
-              </a:rPr>
-              <a:t>ecording Technology</a:t>
-            </a:r>
-          </a:p>
-          <a:p>
-            <a:pPr lvl="1">
-              <a:buFont typeface="Wingdings" panose="05000000000000000000" pitchFamily="2" charset="2"/>
-              <a:buChar char="q"/>
-            </a:pPr>
-            <a:r>
-              <a:rPr lang="en-IN" altLang="ko-KR" sz="1700" dirty="0">
-                <a:latin typeface="Times New Roman" panose="02020603050405020304" pitchFamily="18" charset="0"/>
-                <a:ea typeface="굴림" charset="-127"/>
-                <a:cs typeface="Times New Roman" panose="02020603050405020304" pitchFamily="18" charset="0"/>
-              </a:rPr>
-              <a:t>I</a:t>
-            </a:r>
-            <a:r>
-              <a:rPr lang="en-IN" altLang="ko-KR" sz="1700" dirty="0" smtClean="0">
-                <a:latin typeface="Times New Roman" panose="02020603050405020304" pitchFamily="18" charset="0"/>
-                <a:ea typeface="굴림" charset="-127"/>
-                <a:cs typeface="Times New Roman" panose="02020603050405020304" pitchFamily="18" charset="0"/>
-              </a:rPr>
-              <a:t>mproved </a:t>
-            </a:r>
-            <a:r>
-              <a:rPr lang="en-IN" altLang="ko-KR" sz="1700" dirty="0">
-                <a:latin typeface="Times New Roman" panose="02020603050405020304" pitchFamily="18" charset="0"/>
-                <a:ea typeface="굴림" charset="-127"/>
-                <a:cs typeface="Times New Roman" panose="02020603050405020304" pitchFamily="18" charset="0"/>
-              </a:rPr>
-              <a:t>video compression techniques </a:t>
-            </a:r>
-          </a:p>
-          <a:p>
-            <a:pPr lvl="1">
-              <a:buFont typeface="Wingdings" panose="05000000000000000000" pitchFamily="2" charset="2"/>
-              <a:buChar char="q"/>
-            </a:pPr>
-            <a:r>
-              <a:rPr lang="en-IN" altLang="ko-KR" sz="1700" dirty="0">
-                <a:latin typeface="Times New Roman" panose="02020603050405020304" pitchFamily="18" charset="0"/>
-                <a:ea typeface="굴림" charset="-127"/>
-                <a:cs typeface="Times New Roman" panose="02020603050405020304" pitchFamily="18" charset="0"/>
-              </a:rPr>
-              <a:t>H</a:t>
-            </a:r>
-            <a:r>
-              <a:rPr lang="en-IN" altLang="ko-KR" sz="1700" dirty="0" smtClean="0">
-                <a:latin typeface="Times New Roman" panose="02020603050405020304" pitchFamily="18" charset="0"/>
-                <a:ea typeface="굴림" charset="-127"/>
-                <a:cs typeface="Times New Roman" panose="02020603050405020304" pitchFamily="18" charset="0"/>
-              </a:rPr>
-              <a:t>igh-speed networks</a:t>
-            </a:r>
-            <a:endParaRPr lang="en-US" altLang="ko-KR" sz="1700" dirty="0" smtClean="0">
+            <a:endParaRPr lang="en-US" altLang="ko-KR" sz="100" dirty="0">
               <a:latin typeface="Times New Roman" panose="02020603050405020304" pitchFamily="18" charset="0"/>
               <a:ea typeface="굴림" charset="-127"/>
               <a:cs typeface="Times New Roman" panose="02020603050405020304" pitchFamily="18" charset="0"/>
             </a:endParaRPr>
           </a:p>
-          <a:p>
-            <a:pPr lvl="1">
-              <a:buNone/>
-            </a:pPr>
-            <a:endParaRPr lang="en-US" altLang="ko-KR" sz="2000" dirty="0">
-              <a:latin typeface="Times New Roman" panose="02020603050405020304" pitchFamily="18" charset="0"/>
-              <a:ea typeface="굴림" charset="-127"/>
-              <a:cs typeface="Times New Roman" panose="02020603050405020304" pitchFamily="18" charset="0"/>
-            </a:endParaRPr>
-          </a:p>
-          <a:p>
-            <a:pPr marL="0" indent="0">
-              <a:buNone/>
-            </a:pPr>
-            <a:endParaRPr lang="en-US" altLang="ko-KR" sz="2000" dirty="0">
-              <a:latin typeface="Times New Roman" panose="02020603050405020304" pitchFamily="18" charset="0"/>
-              <a:ea typeface="굴림" charset="-127"/>
-              <a:cs typeface="Times New Roman" panose="02020603050405020304" pitchFamily="18" charset="0"/>
-            </a:endParaRPr>
-          </a:p>
-          <a:p>
-            <a:pPr lvl="1">
-              <a:buFont typeface="Wingdings" panose="05000000000000000000" pitchFamily="2" charset="2"/>
-              <a:buChar char="q"/>
-            </a:pPr>
-            <a:endParaRPr lang="en-US" altLang="ko-KR" sz="2000" dirty="0" smtClean="0">
-              <a:latin typeface="Times New Roman" panose="02020603050405020304" pitchFamily="18" charset="0"/>
-              <a:ea typeface="굴림" charset="-127"/>
-              <a:cs typeface="Times New Roman" panose="02020603050405020304" pitchFamily="18" charset="0"/>
-            </a:endParaRPr>
-          </a:p>
         </p:txBody>
       </p:sp>
       <p:sp>
@@ -16022,13 +15830,13 @@
           <a:lstStyle/>
           <a:p>
             <a:r>
-              <a:rPr lang="en-US" dirty="0" smtClean="0"/>
+              <a:rPr lang="en-US" dirty="0"/>
               <a:t>                                  </a:t>
             </a:r>
             <a:fld id="{290CB63E-C0FB-4A32-872C-EFA18DE8454D}" type="datetime1">
               <a:rPr lang="en-US" smtClean="0"/>
               <a:pPr/>
-              <a:t>29/05/2021</a:t>
+              <a:t>4/30/2022</a:t>
             </a:fld>
             <a:endParaRPr lang="en-US" dirty="0"/>
           </a:p>
@@ -16093,13 +15901,6 @@
   <p:clrMapOvr>
     <a:masterClrMapping/>
   </p:clrMapOvr>
-  <p:timing>
-    <p:tnLst>
-      <p:par>
-        <p:cTn id="1" dur="indefinite" restart="never" nodeType="tmRoot"/>
-      </p:par>
-    </p:tnLst>
-  </p:timing>
 </p:sld>
 </file>
 
@@ -16138,18 +15939,11 @@
           <a:lstStyle/>
           <a:p>
             <a:r>
-              <a:rPr lang="en-IN" sz="3600" dirty="0" smtClean="0">
+              <a:rPr lang="en-IN" sz="3600" dirty="0">
                 <a:latin typeface="Times New Roman" panose="02020603050405020304" pitchFamily="18" charset="0"/>
                 <a:cs typeface="Times New Roman" panose="02020603050405020304" pitchFamily="18" charset="0"/>
               </a:rPr>
-              <a:t>   </a:t>
-            </a:r>
-            <a:r>
-              <a:rPr lang="en-IN" sz="3600" dirty="0" smtClean="0">
-                <a:latin typeface="Times New Roman" panose="02020603050405020304" pitchFamily="18" charset="0"/>
-                <a:cs typeface="Times New Roman" panose="02020603050405020304" pitchFamily="18" charset="0"/>
-              </a:rPr>
-              <a:t>Literature Survey</a:t>
+              <a:t>   Literature Survey</a:t>
             </a:r>
             <a:endParaRPr lang="en-IN" sz="2800" dirty="0">
               <a:latin typeface="Times New Roman" panose="02020603050405020304" pitchFamily="18" charset="0"/>
@@ -16179,13 +15973,13 @@
           <a:lstStyle/>
           <a:p>
             <a:r>
-              <a:rPr lang="en-US" smtClean="0"/>
+              <a:rPr lang="en-US"/>
               <a:t>                                  </a:t>
             </a:r>
             <a:fld id="{3A9BC858-ACB1-4E44-8086-23DD406869B0}" type="datetime1">
               <a:rPr lang="en-US" smtClean="0"/>
               <a:pPr/>
-              <a:t>29/05/2021</a:t>
+              <a:t>4/30/2022</a:t>
             </a:fld>
             <a:endParaRPr lang="en-US" dirty="0"/>
           </a:p>
@@ -16212,7 +16006,7 @@
           <a:lstStyle/>
           <a:p>
             <a:r>
-              <a:rPr lang="en-IN" dirty="0" smtClean="0">
+              <a:rPr lang="en-IN" dirty="0">
                 <a:latin typeface="Times New Roman" panose="02020603050405020304" pitchFamily="18" charset="0"/>
                 <a:cs typeface="Times New Roman" panose="02020603050405020304" pitchFamily="18" charset="0"/>
               </a:rPr>
@@ -16279,1237 +16073,248 @@
           </a:extLst>
         </p:spPr>
       </p:pic>
-      <p:graphicFrame>
-        <p:nvGraphicFramePr>
-          <p:cNvPr id="18" name="Table 17"/>
-          <p:cNvGraphicFramePr>
-            <a:graphicFrameLocks noGrp="1"/>
-          </p:cNvGraphicFramePr>
-          <p:nvPr>
-            <p:extLst>
-              <p:ext uri="{D42A27DB-BD31-4B8C-83A1-F6EECF244321}">
-                <p14:modId xmlns:p14="http://schemas.microsoft.com/office/powerpoint/2010/main" val="1030199471"/>
-              </p:ext>
-            </p:extLst>
-          </p:nvPr>
-        </p:nvGraphicFramePr>
-        <p:xfrm>
-          <a:off x="251520" y="1839011"/>
-          <a:ext cx="8496944" cy="3434413"/>
-        </p:xfrm>
-        <a:graphic>
-          <a:graphicData uri="http://schemas.openxmlformats.org/drawingml/2006/table">
-            <a:tbl>
-              <a:tblPr firstRow="1" bandRow="1">
-                <a:tableStyleId>{5C22544A-7EE6-4342-B048-85BDC9FD1C3A}</a:tableStyleId>
-              </a:tblPr>
-              <a:tblGrid>
-                <a:gridCol w="481265"/>
-                <a:gridCol w="1894999"/>
-                <a:gridCol w="2232248"/>
-                <a:gridCol w="1944216"/>
-                <a:gridCol w="1944216"/>
-              </a:tblGrid>
-              <a:tr h="334458">
-                <a:tc>
-                  <a:txBody>
-                    <a:bodyPr/>
-                    <a:lstStyle/>
-                    <a:p>
-                      <a:r>
-                        <a:rPr lang="en-US" sz="1400" dirty="0" smtClean="0">
-                          <a:solidFill>
-                            <a:schemeClr val="tx1"/>
-                          </a:solidFill>
-                          <a:latin typeface="Times New Roman" pitchFamily="18" charset="0"/>
-                          <a:cs typeface="Times New Roman" pitchFamily="18" charset="0"/>
-                        </a:rPr>
-                        <a:t>No</a:t>
-                      </a:r>
-                      <a:endParaRPr lang="en-US" sz="1400" dirty="0">
-                        <a:solidFill>
-                          <a:schemeClr val="tx1"/>
-                        </a:solidFill>
-                        <a:latin typeface="Times New Roman" pitchFamily="18" charset="0"/>
-                        <a:cs typeface="Times New Roman" pitchFamily="18" charset="0"/>
-                      </a:endParaRPr>
-                    </a:p>
-                  </a:txBody>
-                  <a:tcPr>
-                    <a:lnL w="12700" cap="flat" cmpd="sng" algn="ctr">
-                      <a:solidFill>
-                        <a:schemeClr val="tx1"/>
-                      </a:solidFill>
-                      <a:prstDash val="solid"/>
-                      <a:round/>
-                      <a:headEnd type="none" w="med" len="med"/>
-                      <a:tailEnd type="none" w="med" len="med"/>
-                    </a:lnL>
-                    <a:lnR w="12700" cap="flat" cmpd="sng" algn="ctr">
-                      <a:solidFill>
-                        <a:schemeClr val="tx1"/>
-                      </a:solidFill>
-                      <a:prstDash val="solid"/>
-                      <a:round/>
-                      <a:headEnd type="none" w="med" len="med"/>
-                      <a:tailEnd type="none" w="med" len="med"/>
-                    </a:lnR>
-                    <a:lnT w="12700" cap="flat" cmpd="sng" algn="ctr">
-                      <a:solidFill>
-                        <a:schemeClr val="tx1"/>
-                      </a:solidFill>
-                      <a:prstDash val="solid"/>
-                      <a:round/>
-                      <a:headEnd type="none" w="med" len="med"/>
-                      <a:tailEnd type="none" w="med" len="med"/>
-                    </a:lnT>
-                    <a:lnB w="12700" cap="flat" cmpd="sng" algn="ctr">
-                      <a:solidFill>
-                        <a:schemeClr val="tx1"/>
-                      </a:solidFill>
-                      <a:prstDash val="solid"/>
-                      <a:round/>
-                      <a:headEnd type="none" w="med" len="med"/>
-                      <a:tailEnd type="none" w="med" len="med"/>
-                    </a:lnB>
-                    <a:noFill/>
-                  </a:tcPr>
-                </a:tc>
-                <a:tc>
-                  <a:txBody>
-                    <a:bodyPr/>
-                    <a:lstStyle/>
-                    <a:p>
-                      <a:r>
-                        <a:rPr lang="en-US" sz="1400" dirty="0" smtClean="0">
-                          <a:solidFill>
-                            <a:schemeClr val="tx1"/>
-                          </a:solidFill>
-                          <a:latin typeface="Times New Roman" pitchFamily="18" charset="0"/>
-                          <a:cs typeface="Times New Roman" pitchFamily="18" charset="0"/>
-                        </a:rPr>
-                        <a:t>Title</a:t>
-                      </a:r>
-                      <a:endParaRPr lang="en-US" sz="1400" dirty="0">
-                        <a:solidFill>
-                          <a:schemeClr val="tx1"/>
-                        </a:solidFill>
-                        <a:latin typeface="Times New Roman" pitchFamily="18" charset="0"/>
-                        <a:cs typeface="Times New Roman" pitchFamily="18" charset="0"/>
-                      </a:endParaRPr>
-                    </a:p>
-                  </a:txBody>
-                  <a:tcPr>
-                    <a:lnL w="12700" cap="flat" cmpd="sng" algn="ctr">
-                      <a:solidFill>
-                        <a:schemeClr val="tx1"/>
-                      </a:solidFill>
-                      <a:prstDash val="solid"/>
-                      <a:round/>
-                      <a:headEnd type="none" w="med" len="med"/>
-                      <a:tailEnd type="none" w="med" len="med"/>
-                    </a:lnL>
-                    <a:lnR w="12700" cap="flat" cmpd="sng" algn="ctr">
-                      <a:solidFill>
-                        <a:schemeClr val="tx1"/>
-                      </a:solidFill>
-                      <a:prstDash val="solid"/>
-                      <a:round/>
-                      <a:headEnd type="none" w="med" len="med"/>
-                      <a:tailEnd type="none" w="med" len="med"/>
-                    </a:lnR>
-                    <a:lnT w="12700" cap="flat" cmpd="sng" algn="ctr">
-                      <a:solidFill>
-                        <a:schemeClr val="tx1"/>
-                      </a:solidFill>
-                      <a:prstDash val="solid"/>
-                      <a:round/>
-                      <a:headEnd type="none" w="med" len="med"/>
-                      <a:tailEnd type="none" w="med" len="med"/>
-                    </a:lnT>
-                    <a:lnB w="12700" cap="flat" cmpd="sng" algn="ctr">
-                      <a:solidFill>
-                        <a:schemeClr val="tx1"/>
-                      </a:solidFill>
-                      <a:prstDash val="solid"/>
-                      <a:round/>
-                      <a:headEnd type="none" w="med" len="med"/>
-                      <a:tailEnd type="none" w="med" len="med"/>
-                    </a:lnB>
-                    <a:noFill/>
-                  </a:tcPr>
-                </a:tc>
-                <a:tc>
-                  <a:txBody>
-                    <a:bodyPr/>
-                    <a:lstStyle/>
-                    <a:p>
-                      <a:r>
-                        <a:rPr lang="en-US" sz="1400" dirty="0" smtClean="0">
-                          <a:solidFill>
-                            <a:schemeClr val="tx1"/>
-                          </a:solidFill>
-                          <a:latin typeface="Times New Roman" pitchFamily="18" charset="0"/>
-                          <a:cs typeface="Times New Roman" pitchFamily="18" charset="0"/>
-                        </a:rPr>
-                        <a:t>Author</a:t>
-                      </a:r>
-                      <a:endParaRPr lang="en-US" sz="1400" dirty="0">
-                        <a:solidFill>
-                          <a:schemeClr val="tx1"/>
-                        </a:solidFill>
-                        <a:latin typeface="Times New Roman" pitchFamily="18" charset="0"/>
-                        <a:cs typeface="Times New Roman" pitchFamily="18" charset="0"/>
-                      </a:endParaRPr>
-                    </a:p>
-                  </a:txBody>
-                  <a:tcPr>
-                    <a:lnL w="12700" cap="flat" cmpd="sng" algn="ctr">
-                      <a:solidFill>
-                        <a:schemeClr val="tx1"/>
-                      </a:solidFill>
-                      <a:prstDash val="solid"/>
-                      <a:round/>
-                      <a:headEnd type="none" w="med" len="med"/>
-                      <a:tailEnd type="none" w="med" len="med"/>
-                    </a:lnL>
-                    <a:lnR w="12700" cap="flat" cmpd="sng" algn="ctr">
-                      <a:solidFill>
-                        <a:schemeClr val="tx1"/>
-                      </a:solidFill>
-                      <a:prstDash val="solid"/>
-                      <a:round/>
-                      <a:headEnd type="none" w="med" len="med"/>
-                      <a:tailEnd type="none" w="med" len="med"/>
-                    </a:lnR>
-                    <a:lnT w="12700" cap="flat" cmpd="sng" algn="ctr">
-                      <a:solidFill>
-                        <a:schemeClr val="tx1"/>
-                      </a:solidFill>
-                      <a:prstDash val="solid"/>
-                      <a:round/>
-                      <a:headEnd type="none" w="med" len="med"/>
-                      <a:tailEnd type="none" w="med" len="med"/>
-                    </a:lnT>
-                    <a:lnB w="12700" cap="flat" cmpd="sng" algn="ctr">
-                      <a:solidFill>
-                        <a:schemeClr val="tx1"/>
-                      </a:solidFill>
-                      <a:prstDash val="solid"/>
-                      <a:round/>
-                      <a:headEnd type="none" w="med" len="med"/>
-                      <a:tailEnd type="none" w="med" len="med"/>
-                    </a:lnB>
-                    <a:noFill/>
-                  </a:tcPr>
-                </a:tc>
-                <a:tc>
-                  <a:txBody>
-                    <a:bodyPr/>
-                    <a:lstStyle/>
-                    <a:p>
-                      <a:r>
-                        <a:rPr lang="en-US" sz="1400" dirty="0" smtClean="0">
-                          <a:solidFill>
-                            <a:schemeClr val="tx1"/>
-                          </a:solidFill>
-                          <a:latin typeface="Times New Roman" pitchFamily="18" charset="0"/>
-                          <a:cs typeface="Times New Roman" pitchFamily="18" charset="0"/>
-                        </a:rPr>
-                        <a:t>Journal</a:t>
-                      </a:r>
-                      <a:endParaRPr lang="en-US" sz="1400" dirty="0">
-                        <a:solidFill>
-                          <a:schemeClr val="tx1"/>
-                        </a:solidFill>
-                        <a:latin typeface="Times New Roman" pitchFamily="18" charset="0"/>
-                        <a:cs typeface="Times New Roman" pitchFamily="18" charset="0"/>
-                      </a:endParaRPr>
-                    </a:p>
-                  </a:txBody>
-                  <a:tcPr>
-                    <a:lnL w="12700" cap="flat" cmpd="sng" algn="ctr">
-                      <a:solidFill>
-                        <a:schemeClr val="tx1"/>
-                      </a:solidFill>
-                      <a:prstDash val="solid"/>
-                      <a:round/>
-                      <a:headEnd type="none" w="med" len="med"/>
-                      <a:tailEnd type="none" w="med" len="med"/>
-                    </a:lnL>
-                    <a:lnR w="12700" cap="flat" cmpd="sng" algn="ctr">
-                      <a:solidFill>
-                        <a:schemeClr val="tx1"/>
-                      </a:solidFill>
-                      <a:prstDash val="solid"/>
-                      <a:round/>
-                      <a:headEnd type="none" w="med" len="med"/>
-                      <a:tailEnd type="none" w="med" len="med"/>
-                    </a:lnR>
-                    <a:lnT w="12700" cap="flat" cmpd="sng" algn="ctr">
-                      <a:solidFill>
-                        <a:schemeClr val="tx1"/>
-                      </a:solidFill>
-                      <a:prstDash val="solid"/>
-                      <a:round/>
-                      <a:headEnd type="none" w="med" len="med"/>
-                      <a:tailEnd type="none" w="med" len="med"/>
-                    </a:lnT>
-                    <a:lnB w="12700" cap="flat" cmpd="sng" algn="ctr">
-                      <a:solidFill>
-                        <a:schemeClr val="tx1"/>
-                      </a:solidFill>
-                      <a:prstDash val="solid"/>
-                      <a:round/>
-                      <a:headEnd type="none" w="med" len="med"/>
-                      <a:tailEnd type="none" w="med" len="med"/>
-                    </a:lnB>
-                    <a:noFill/>
-                  </a:tcPr>
-                </a:tc>
-                <a:tc>
-                  <a:txBody>
-                    <a:bodyPr/>
-                    <a:lstStyle/>
-                    <a:p>
-                      <a:r>
-                        <a:rPr lang="en-US" sz="1400" dirty="0" smtClean="0">
-                          <a:solidFill>
-                            <a:schemeClr val="tx1"/>
-                          </a:solidFill>
-                          <a:latin typeface="Times New Roman" pitchFamily="18" charset="0"/>
-                          <a:cs typeface="Times New Roman" pitchFamily="18" charset="0"/>
-                        </a:rPr>
-                        <a:t>Description</a:t>
-                      </a:r>
-                      <a:endParaRPr lang="en-US" sz="1400" dirty="0">
-                        <a:solidFill>
-                          <a:schemeClr val="tx1"/>
-                        </a:solidFill>
-                        <a:latin typeface="Times New Roman" pitchFamily="18" charset="0"/>
-                        <a:cs typeface="Times New Roman" pitchFamily="18" charset="0"/>
-                      </a:endParaRPr>
-                    </a:p>
-                  </a:txBody>
-                  <a:tcPr>
-                    <a:lnL w="12700" cap="flat" cmpd="sng" algn="ctr">
-                      <a:solidFill>
-                        <a:schemeClr val="tx1"/>
-                      </a:solidFill>
-                      <a:prstDash val="solid"/>
-                      <a:round/>
-                      <a:headEnd type="none" w="med" len="med"/>
-                      <a:tailEnd type="none" w="med" len="med"/>
-                    </a:lnL>
-                    <a:lnR w="12700" cap="flat" cmpd="sng" algn="ctr">
-                      <a:solidFill>
-                        <a:schemeClr val="tx1"/>
-                      </a:solidFill>
-                      <a:prstDash val="solid"/>
-                      <a:round/>
-                      <a:headEnd type="none" w="med" len="med"/>
-                      <a:tailEnd type="none" w="med" len="med"/>
-                    </a:lnR>
-                    <a:lnT w="12700" cap="flat" cmpd="sng" algn="ctr">
-                      <a:solidFill>
-                        <a:schemeClr val="tx1"/>
-                      </a:solidFill>
-                      <a:prstDash val="solid"/>
-                      <a:round/>
-                      <a:headEnd type="none" w="med" len="med"/>
-                      <a:tailEnd type="none" w="med" len="med"/>
-                    </a:lnT>
-                    <a:lnB w="12700" cap="flat" cmpd="sng" algn="ctr">
-                      <a:solidFill>
-                        <a:schemeClr val="tx1"/>
-                      </a:solidFill>
-                      <a:prstDash val="solid"/>
-                      <a:round/>
-                      <a:headEnd type="none" w="med" len="med"/>
-                      <a:tailEnd type="none" w="med" len="med"/>
-                    </a:lnB>
-                    <a:noFill/>
-                  </a:tcPr>
-                </a:tc>
-              </a:tr>
-              <a:tr h="960942">
-                <a:tc>
-                  <a:txBody>
-                    <a:bodyPr/>
-                    <a:lstStyle/>
-                    <a:p>
-                      <a:r>
-                        <a:rPr lang="en-US" sz="1400" dirty="0" smtClean="0">
-                          <a:latin typeface="Times New Roman" pitchFamily="18" charset="0"/>
-                          <a:cs typeface="Times New Roman" pitchFamily="18" charset="0"/>
-                        </a:rPr>
-                        <a:t>1</a:t>
-                      </a:r>
-                      <a:endParaRPr lang="en-US" sz="1400" dirty="0">
-                        <a:latin typeface="Times New Roman" pitchFamily="18" charset="0"/>
-                        <a:cs typeface="Times New Roman" pitchFamily="18" charset="0"/>
-                      </a:endParaRPr>
-                    </a:p>
-                  </a:txBody>
-                  <a:tcPr>
-                    <a:lnL w="12700" cap="flat" cmpd="sng" algn="ctr">
-                      <a:solidFill>
-                        <a:schemeClr val="tx1"/>
-                      </a:solidFill>
-                      <a:prstDash val="solid"/>
-                      <a:round/>
-                      <a:headEnd type="none" w="med" len="med"/>
-                      <a:tailEnd type="none" w="med" len="med"/>
-                    </a:lnL>
-                    <a:lnR w="12700" cap="flat" cmpd="sng" algn="ctr">
-                      <a:solidFill>
-                        <a:schemeClr val="tx1"/>
-                      </a:solidFill>
-                      <a:prstDash val="solid"/>
-                      <a:round/>
-                      <a:headEnd type="none" w="med" len="med"/>
-                      <a:tailEnd type="none" w="med" len="med"/>
-                    </a:lnR>
-                    <a:lnT w="12700" cap="flat" cmpd="sng" algn="ctr">
-                      <a:solidFill>
-                        <a:schemeClr val="tx1"/>
-                      </a:solidFill>
-                      <a:prstDash val="solid"/>
-                      <a:round/>
-                      <a:headEnd type="none" w="med" len="med"/>
-                      <a:tailEnd type="none" w="med" len="med"/>
-                    </a:lnT>
-                    <a:lnB w="12700" cap="flat" cmpd="sng" algn="ctr">
-                      <a:solidFill>
-                        <a:schemeClr val="tx1"/>
-                      </a:solidFill>
-                      <a:prstDash val="solid"/>
-                      <a:round/>
-                      <a:headEnd type="none" w="med" len="med"/>
-                      <a:tailEnd type="none" w="med" len="med"/>
-                    </a:lnB>
-                  </a:tcPr>
-                </a:tc>
-                <a:tc>
-                  <a:txBody>
-                    <a:bodyPr/>
-                    <a:lstStyle/>
-                    <a:p>
-                      <a:r>
-                        <a:rPr lang="en-IN" sz="1400" dirty="0" smtClean="0">
-                          <a:latin typeface="Times New Roman" pitchFamily="18" charset="0"/>
-                          <a:cs typeface="Times New Roman" pitchFamily="18" charset="0"/>
-                        </a:rPr>
-                        <a:t>Example: </a:t>
-                      </a:r>
-                    </a:p>
-                    <a:p>
-                      <a:r>
-                        <a:rPr lang="en-IN" sz="1400" dirty="0" smtClean="0">
-                          <a:latin typeface="Times New Roman" pitchFamily="18" charset="0"/>
-                          <a:cs typeface="Times New Roman" pitchFamily="18" charset="0"/>
-                        </a:rPr>
-                        <a:t>Content </a:t>
-                      </a:r>
-                      <a:r>
-                        <a:rPr lang="en-IN" sz="1400" dirty="0" smtClean="0">
-                          <a:latin typeface="Times New Roman" pitchFamily="18" charset="0"/>
-                          <a:cs typeface="Times New Roman" pitchFamily="18" charset="0"/>
-                        </a:rPr>
-                        <a:t>Based Lecture Video Retrieval Using Speech and Video Text Information</a:t>
-                      </a:r>
-                      <a:endParaRPr lang="en-US" sz="1400" dirty="0">
-                        <a:latin typeface="Times New Roman" pitchFamily="18" charset="0"/>
-                        <a:cs typeface="Times New Roman" pitchFamily="18" charset="0"/>
-                      </a:endParaRPr>
-                    </a:p>
-                  </a:txBody>
-                  <a:tcPr>
-                    <a:lnL w="12700" cap="flat" cmpd="sng" algn="ctr">
-                      <a:solidFill>
-                        <a:schemeClr val="tx1"/>
-                      </a:solidFill>
-                      <a:prstDash val="solid"/>
-                      <a:round/>
-                      <a:headEnd type="none" w="med" len="med"/>
-                      <a:tailEnd type="none" w="med" len="med"/>
-                    </a:lnL>
-                    <a:lnR w="12700" cap="flat" cmpd="sng" algn="ctr">
-                      <a:solidFill>
-                        <a:schemeClr val="tx1"/>
-                      </a:solidFill>
-                      <a:prstDash val="solid"/>
-                      <a:round/>
-                      <a:headEnd type="none" w="med" len="med"/>
-                      <a:tailEnd type="none" w="med" len="med"/>
-                    </a:lnR>
-                    <a:lnT w="12700" cap="flat" cmpd="sng" algn="ctr">
-                      <a:solidFill>
-                        <a:schemeClr val="tx1"/>
-                      </a:solidFill>
-                      <a:prstDash val="solid"/>
-                      <a:round/>
-                      <a:headEnd type="none" w="med" len="med"/>
-                      <a:tailEnd type="none" w="med" len="med"/>
-                    </a:lnT>
-                    <a:lnB w="12700" cap="flat" cmpd="sng" algn="ctr">
-                      <a:solidFill>
-                        <a:schemeClr val="tx1"/>
-                      </a:solidFill>
-                      <a:prstDash val="solid"/>
-                      <a:round/>
-                      <a:headEnd type="none" w="med" len="med"/>
-                      <a:tailEnd type="none" w="med" len="med"/>
-                    </a:lnB>
-                  </a:tcPr>
-                </a:tc>
-                <a:tc>
-                  <a:txBody>
-                    <a:bodyPr/>
-                    <a:lstStyle/>
-                    <a:p>
-                      <a:r>
-                        <a:rPr lang="en-IN" sz="1400" dirty="0" err="1" smtClean="0">
-                          <a:latin typeface="Times New Roman" pitchFamily="18" charset="0"/>
-                          <a:cs typeface="Times New Roman" pitchFamily="18" charset="0"/>
-                        </a:rPr>
-                        <a:t>Haojin</a:t>
-                      </a:r>
-                      <a:r>
-                        <a:rPr lang="en-IN" sz="1400" dirty="0" smtClean="0">
-                          <a:latin typeface="Times New Roman" pitchFamily="18" charset="0"/>
-                          <a:cs typeface="Times New Roman" pitchFamily="18" charset="0"/>
-                        </a:rPr>
-                        <a:t> Yang and </a:t>
-                      </a:r>
-                      <a:r>
-                        <a:rPr lang="en-IN" sz="1400" dirty="0" err="1" smtClean="0">
-                          <a:latin typeface="Times New Roman" pitchFamily="18" charset="0"/>
-                          <a:cs typeface="Times New Roman" pitchFamily="18" charset="0"/>
-                        </a:rPr>
-                        <a:t>Christoph</a:t>
-                      </a:r>
-                      <a:r>
-                        <a:rPr lang="en-IN" sz="1400" dirty="0" smtClean="0">
-                          <a:latin typeface="Times New Roman" pitchFamily="18" charset="0"/>
-                          <a:cs typeface="Times New Roman" pitchFamily="18" charset="0"/>
-                        </a:rPr>
-                        <a:t> </a:t>
-                      </a:r>
-                      <a:r>
-                        <a:rPr lang="en-IN" sz="1400" dirty="0" err="1" smtClean="0">
-                          <a:latin typeface="Times New Roman" pitchFamily="18" charset="0"/>
-                          <a:cs typeface="Times New Roman" pitchFamily="18" charset="0"/>
-                        </a:rPr>
-                        <a:t>Meinel</a:t>
-                      </a:r>
-                      <a:r>
-                        <a:rPr lang="en-IN" sz="1400" dirty="0" smtClean="0">
-                          <a:latin typeface="Times New Roman" pitchFamily="18" charset="0"/>
-                          <a:cs typeface="Times New Roman" pitchFamily="18" charset="0"/>
-                        </a:rPr>
-                        <a:t>, Member.</a:t>
-                      </a:r>
-                    </a:p>
-                    <a:p>
-                      <a:endParaRPr lang="en-US" sz="1400" dirty="0">
-                        <a:latin typeface="Times New Roman" pitchFamily="18" charset="0"/>
-                        <a:cs typeface="Times New Roman" pitchFamily="18" charset="0"/>
-                      </a:endParaRPr>
-                    </a:p>
-                  </a:txBody>
-                  <a:tcPr>
-                    <a:lnL w="12700" cap="flat" cmpd="sng" algn="ctr">
-                      <a:solidFill>
-                        <a:schemeClr val="tx1"/>
-                      </a:solidFill>
-                      <a:prstDash val="solid"/>
-                      <a:round/>
-                      <a:headEnd type="none" w="med" len="med"/>
-                      <a:tailEnd type="none" w="med" len="med"/>
-                    </a:lnL>
-                    <a:lnR w="12700" cap="flat" cmpd="sng" algn="ctr">
-                      <a:solidFill>
-                        <a:schemeClr val="tx1"/>
-                      </a:solidFill>
-                      <a:prstDash val="solid"/>
-                      <a:round/>
-                      <a:headEnd type="none" w="med" len="med"/>
-                      <a:tailEnd type="none" w="med" len="med"/>
-                    </a:lnR>
-                    <a:lnT w="12700" cap="flat" cmpd="sng" algn="ctr">
-                      <a:solidFill>
-                        <a:schemeClr val="tx1"/>
-                      </a:solidFill>
-                      <a:prstDash val="solid"/>
-                      <a:round/>
-                      <a:headEnd type="none" w="med" len="med"/>
-                      <a:tailEnd type="none" w="med" len="med"/>
-                    </a:lnT>
-                    <a:lnB w="12700" cap="flat" cmpd="sng" algn="ctr">
-                      <a:solidFill>
-                        <a:schemeClr val="tx1"/>
-                      </a:solidFill>
-                      <a:prstDash val="solid"/>
-                      <a:round/>
-                      <a:headEnd type="none" w="med" len="med"/>
-                      <a:tailEnd type="none" w="med" len="med"/>
-                    </a:lnB>
-                  </a:tcPr>
-                </a:tc>
-                <a:tc>
-                  <a:txBody>
-                    <a:bodyPr/>
-                    <a:lstStyle/>
-                    <a:p>
-                      <a:r>
-                        <a:rPr lang="en-IN" sz="1400" dirty="0" smtClean="0">
-                          <a:latin typeface="Times New Roman" pitchFamily="18" charset="0"/>
-                          <a:cs typeface="Times New Roman" pitchFamily="18" charset="0"/>
-                        </a:rPr>
-                        <a:t>IEEE TRANSACTIONS ON LEARNING TECHNOLOGIES, APRIL-JUNE 2014</a:t>
-                      </a:r>
-                      <a:endParaRPr lang="en-US" sz="1400" dirty="0">
-                        <a:latin typeface="Times New Roman" pitchFamily="18" charset="0"/>
-                        <a:cs typeface="Times New Roman" pitchFamily="18" charset="0"/>
-                      </a:endParaRPr>
-                    </a:p>
-                  </a:txBody>
-                  <a:tcPr>
-                    <a:lnL w="12700" cap="flat" cmpd="sng" algn="ctr">
-                      <a:solidFill>
-                        <a:schemeClr val="tx1"/>
-                      </a:solidFill>
-                      <a:prstDash val="solid"/>
-                      <a:round/>
-                      <a:headEnd type="none" w="med" len="med"/>
-                      <a:tailEnd type="none" w="med" len="med"/>
-                    </a:lnL>
-                    <a:lnR w="12700" cap="flat" cmpd="sng" algn="ctr">
-                      <a:solidFill>
-                        <a:schemeClr val="tx1"/>
-                      </a:solidFill>
-                      <a:prstDash val="solid"/>
-                      <a:round/>
-                      <a:headEnd type="none" w="med" len="med"/>
-                      <a:tailEnd type="none" w="med" len="med"/>
-                    </a:lnR>
-                    <a:lnT w="12700" cap="flat" cmpd="sng" algn="ctr">
-                      <a:solidFill>
-                        <a:schemeClr val="tx1"/>
-                      </a:solidFill>
-                      <a:prstDash val="solid"/>
-                      <a:round/>
-                      <a:headEnd type="none" w="med" len="med"/>
-                      <a:tailEnd type="none" w="med" len="med"/>
-                    </a:lnT>
-                    <a:lnB w="12700" cap="flat" cmpd="sng" algn="ctr">
-                      <a:solidFill>
-                        <a:schemeClr val="tx1"/>
-                      </a:solidFill>
-                      <a:prstDash val="solid"/>
-                      <a:round/>
-                      <a:headEnd type="none" w="med" len="med"/>
-                      <a:tailEnd type="none" w="med" len="med"/>
-                    </a:lnB>
-                  </a:tcPr>
-                </a:tc>
-                <a:tc>
-                  <a:txBody>
-                    <a:bodyPr/>
-                    <a:lstStyle/>
-                    <a:p>
-                      <a:r>
-                        <a:rPr lang="en-IN" sz="1400" kern="1200" baseline="0" dirty="0" smtClean="0">
-                          <a:solidFill>
-                            <a:schemeClr val="dk1"/>
-                          </a:solidFill>
-                          <a:latin typeface="Times New Roman" panose="02020603050405020304" pitchFamily="18" charset="0"/>
-                          <a:ea typeface="+mn-ea"/>
-                          <a:cs typeface="Times New Roman" panose="02020603050405020304" pitchFamily="18" charset="0"/>
-                        </a:rPr>
-                        <a:t> presents an approach for automated video indexing and video search in large lecture video archives</a:t>
-                      </a:r>
-                      <a:endParaRPr lang="en-US" sz="1400" kern="1200" baseline="0" dirty="0">
-                        <a:solidFill>
-                          <a:schemeClr val="dk1"/>
-                        </a:solidFill>
-                        <a:latin typeface="Times New Roman" panose="02020603050405020304" pitchFamily="18" charset="0"/>
-                        <a:ea typeface="+mn-ea"/>
-                        <a:cs typeface="Times New Roman" panose="02020603050405020304" pitchFamily="18" charset="0"/>
-                      </a:endParaRPr>
-                    </a:p>
-                  </a:txBody>
-                  <a:tcPr>
-                    <a:lnL w="12700" cap="flat" cmpd="sng" algn="ctr">
-                      <a:solidFill>
-                        <a:schemeClr val="tx1"/>
-                      </a:solidFill>
-                      <a:prstDash val="solid"/>
-                      <a:round/>
-                      <a:headEnd type="none" w="med" len="med"/>
-                      <a:tailEnd type="none" w="med" len="med"/>
-                    </a:lnL>
-                    <a:lnR w="12700" cap="flat" cmpd="sng" algn="ctr">
-                      <a:solidFill>
-                        <a:schemeClr val="tx1"/>
-                      </a:solidFill>
-                      <a:prstDash val="solid"/>
-                      <a:round/>
-                      <a:headEnd type="none" w="med" len="med"/>
-                      <a:tailEnd type="none" w="med" len="med"/>
-                    </a:lnR>
-                    <a:lnT w="12700" cap="flat" cmpd="sng" algn="ctr">
-                      <a:solidFill>
-                        <a:schemeClr val="tx1"/>
-                      </a:solidFill>
-                      <a:prstDash val="solid"/>
-                      <a:round/>
-                      <a:headEnd type="none" w="med" len="med"/>
-                      <a:tailEnd type="none" w="med" len="med"/>
-                    </a:lnT>
-                    <a:lnB w="12700" cap="flat" cmpd="sng" algn="ctr">
-                      <a:solidFill>
-                        <a:schemeClr val="tx1"/>
-                      </a:solidFill>
-                      <a:prstDash val="solid"/>
-                      <a:round/>
-                      <a:headEnd type="none" w="med" len="med"/>
-                      <a:tailEnd type="none" w="med" len="med"/>
-                    </a:lnB>
-                  </a:tcPr>
-                </a:tc>
-              </a:tr>
-              <a:tr h="990600">
-                <a:tc>
-                  <a:txBody>
-                    <a:bodyPr/>
-                    <a:lstStyle/>
-                    <a:p>
-                      <a:r>
-                        <a:rPr lang="en-US" sz="1400" dirty="0" smtClean="0">
-                          <a:latin typeface="Times New Roman" pitchFamily="18" charset="0"/>
-                          <a:cs typeface="Times New Roman" pitchFamily="18" charset="0"/>
-                        </a:rPr>
-                        <a:t>2</a:t>
-                      </a:r>
-                      <a:endParaRPr lang="en-US" sz="1400" dirty="0">
-                        <a:latin typeface="Times New Roman" pitchFamily="18" charset="0"/>
-                        <a:cs typeface="Times New Roman" pitchFamily="18" charset="0"/>
-                      </a:endParaRPr>
-                    </a:p>
-                  </a:txBody>
-                  <a:tcPr>
-                    <a:lnL w="12700" cap="flat" cmpd="sng" algn="ctr">
-                      <a:solidFill>
-                        <a:schemeClr val="tx1"/>
-                      </a:solidFill>
-                      <a:prstDash val="solid"/>
-                      <a:round/>
-                      <a:headEnd type="none" w="med" len="med"/>
-                      <a:tailEnd type="none" w="med" len="med"/>
-                    </a:lnL>
-                    <a:lnR w="12700" cap="flat" cmpd="sng" algn="ctr">
-                      <a:solidFill>
-                        <a:schemeClr val="tx1"/>
-                      </a:solidFill>
-                      <a:prstDash val="solid"/>
-                      <a:round/>
-                      <a:headEnd type="none" w="med" len="med"/>
-                      <a:tailEnd type="none" w="med" len="med"/>
-                    </a:lnR>
-                    <a:lnT w="12700" cap="flat" cmpd="sng" algn="ctr">
-                      <a:solidFill>
-                        <a:schemeClr val="tx1"/>
-                      </a:solidFill>
-                      <a:prstDash val="solid"/>
-                      <a:round/>
-                      <a:headEnd type="none" w="med" len="med"/>
-                      <a:tailEnd type="none" w="med" len="med"/>
-                    </a:lnT>
-                    <a:lnB w="12700" cap="flat" cmpd="sng" algn="ctr">
-                      <a:solidFill>
-                        <a:schemeClr val="tx1"/>
-                      </a:solidFill>
-                      <a:prstDash val="solid"/>
-                      <a:round/>
-                      <a:headEnd type="none" w="med" len="med"/>
-                      <a:tailEnd type="none" w="med" len="med"/>
-                    </a:lnB>
-                  </a:tcPr>
-                </a:tc>
-                <a:tc>
-                  <a:txBody>
-                    <a:bodyPr/>
-                    <a:lstStyle/>
-                    <a:p>
-                      <a:endParaRPr lang="en-US" sz="1400" dirty="0">
-                        <a:latin typeface="Times New Roman" pitchFamily="18" charset="0"/>
-                        <a:cs typeface="Times New Roman" pitchFamily="18" charset="0"/>
-                      </a:endParaRPr>
-                    </a:p>
-                  </a:txBody>
-                  <a:tcPr>
-                    <a:lnL w="12700" cap="flat" cmpd="sng" algn="ctr">
-                      <a:solidFill>
-                        <a:schemeClr val="tx1"/>
-                      </a:solidFill>
-                      <a:prstDash val="solid"/>
-                      <a:round/>
-                      <a:headEnd type="none" w="med" len="med"/>
-                      <a:tailEnd type="none" w="med" len="med"/>
-                    </a:lnL>
-                    <a:lnR w="12700" cap="flat" cmpd="sng" algn="ctr">
-                      <a:solidFill>
-                        <a:schemeClr val="tx1"/>
-                      </a:solidFill>
-                      <a:prstDash val="solid"/>
-                      <a:round/>
-                      <a:headEnd type="none" w="med" len="med"/>
-                      <a:tailEnd type="none" w="med" len="med"/>
-                    </a:lnR>
-                    <a:lnT w="12700" cap="flat" cmpd="sng" algn="ctr">
-                      <a:solidFill>
-                        <a:schemeClr val="tx1"/>
-                      </a:solidFill>
-                      <a:prstDash val="solid"/>
-                      <a:round/>
-                      <a:headEnd type="none" w="med" len="med"/>
-                      <a:tailEnd type="none" w="med" len="med"/>
-                    </a:lnT>
-                    <a:lnB w="12700" cap="flat" cmpd="sng" algn="ctr">
-                      <a:solidFill>
-                        <a:schemeClr val="tx1"/>
-                      </a:solidFill>
-                      <a:prstDash val="solid"/>
-                      <a:round/>
-                      <a:headEnd type="none" w="med" len="med"/>
-                      <a:tailEnd type="none" w="med" len="med"/>
-                    </a:lnB>
-                  </a:tcPr>
-                </a:tc>
-                <a:tc>
-                  <a:txBody>
-                    <a:bodyPr/>
-                    <a:lstStyle/>
-                    <a:p>
-                      <a:endParaRPr lang="en-US" sz="1400" dirty="0">
-                        <a:latin typeface="Times New Roman" pitchFamily="18" charset="0"/>
-                        <a:cs typeface="Times New Roman" pitchFamily="18" charset="0"/>
-                      </a:endParaRPr>
-                    </a:p>
-                  </a:txBody>
-                  <a:tcPr>
-                    <a:lnL w="12700" cap="flat" cmpd="sng" algn="ctr">
-                      <a:solidFill>
-                        <a:schemeClr val="tx1"/>
-                      </a:solidFill>
-                      <a:prstDash val="solid"/>
-                      <a:round/>
-                      <a:headEnd type="none" w="med" len="med"/>
-                      <a:tailEnd type="none" w="med" len="med"/>
-                    </a:lnL>
-                    <a:lnR w="12700" cap="flat" cmpd="sng" algn="ctr">
-                      <a:solidFill>
-                        <a:schemeClr val="tx1"/>
-                      </a:solidFill>
-                      <a:prstDash val="solid"/>
-                      <a:round/>
-                      <a:headEnd type="none" w="med" len="med"/>
-                      <a:tailEnd type="none" w="med" len="med"/>
-                    </a:lnR>
-                    <a:lnT w="12700" cap="flat" cmpd="sng" algn="ctr">
-                      <a:solidFill>
-                        <a:schemeClr val="tx1"/>
-                      </a:solidFill>
-                      <a:prstDash val="solid"/>
-                      <a:round/>
-                      <a:headEnd type="none" w="med" len="med"/>
-                      <a:tailEnd type="none" w="med" len="med"/>
-                    </a:lnT>
-                    <a:lnB w="12700" cap="flat" cmpd="sng" algn="ctr">
-                      <a:solidFill>
-                        <a:schemeClr val="tx1"/>
-                      </a:solidFill>
-                      <a:prstDash val="solid"/>
-                      <a:round/>
-                      <a:headEnd type="none" w="med" len="med"/>
-                      <a:tailEnd type="none" w="med" len="med"/>
-                    </a:lnB>
-                  </a:tcPr>
-                </a:tc>
-                <a:tc>
-                  <a:txBody>
-                    <a:bodyPr/>
-                    <a:lstStyle/>
-                    <a:p>
-                      <a:endParaRPr lang="en-US" sz="1400" dirty="0">
-                        <a:latin typeface="Times New Roman" pitchFamily="18" charset="0"/>
-                        <a:cs typeface="Times New Roman" pitchFamily="18" charset="0"/>
-                      </a:endParaRPr>
-                    </a:p>
-                  </a:txBody>
-                  <a:tcPr>
-                    <a:lnL w="12700" cap="flat" cmpd="sng" algn="ctr">
-                      <a:solidFill>
-                        <a:schemeClr val="tx1"/>
-                      </a:solidFill>
-                      <a:prstDash val="solid"/>
-                      <a:round/>
-                      <a:headEnd type="none" w="med" len="med"/>
-                      <a:tailEnd type="none" w="med" len="med"/>
-                    </a:lnL>
-                    <a:lnR w="12700" cap="flat" cmpd="sng" algn="ctr">
-                      <a:solidFill>
-                        <a:schemeClr val="tx1"/>
-                      </a:solidFill>
-                      <a:prstDash val="solid"/>
-                      <a:round/>
-                      <a:headEnd type="none" w="med" len="med"/>
-                      <a:tailEnd type="none" w="med" len="med"/>
-                    </a:lnR>
-                    <a:lnT w="12700" cap="flat" cmpd="sng" algn="ctr">
-                      <a:solidFill>
-                        <a:schemeClr val="tx1"/>
-                      </a:solidFill>
-                      <a:prstDash val="solid"/>
-                      <a:round/>
-                      <a:headEnd type="none" w="med" len="med"/>
-                      <a:tailEnd type="none" w="med" len="med"/>
-                    </a:lnT>
-                    <a:lnB w="12700" cap="flat" cmpd="sng" algn="ctr">
-                      <a:solidFill>
-                        <a:schemeClr val="tx1"/>
-                      </a:solidFill>
-                      <a:prstDash val="solid"/>
-                      <a:round/>
-                      <a:headEnd type="none" w="med" len="med"/>
-                      <a:tailEnd type="none" w="med" len="med"/>
-                    </a:lnB>
-                  </a:tcPr>
-                </a:tc>
-                <a:tc>
-                  <a:txBody>
-                    <a:bodyPr/>
-                    <a:lstStyle/>
-                    <a:p>
-                      <a:endParaRPr lang="en-US" sz="1400" kern="1200" baseline="0" dirty="0">
-                        <a:solidFill>
-                          <a:schemeClr val="dk1"/>
-                        </a:solidFill>
-                        <a:latin typeface="Times New Roman" panose="02020603050405020304" pitchFamily="18" charset="0"/>
-                        <a:ea typeface="+mn-ea"/>
-                        <a:cs typeface="Times New Roman" panose="02020603050405020304" pitchFamily="18" charset="0"/>
-                      </a:endParaRPr>
-                    </a:p>
-                  </a:txBody>
-                  <a:tcPr>
-                    <a:lnL w="12700" cap="flat" cmpd="sng" algn="ctr">
-                      <a:solidFill>
-                        <a:schemeClr val="tx1"/>
-                      </a:solidFill>
-                      <a:prstDash val="solid"/>
-                      <a:round/>
-                      <a:headEnd type="none" w="med" len="med"/>
-                      <a:tailEnd type="none" w="med" len="med"/>
-                    </a:lnL>
-                    <a:lnR w="12700" cap="flat" cmpd="sng" algn="ctr">
-                      <a:solidFill>
-                        <a:schemeClr val="tx1"/>
-                      </a:solidFill>
-                      <a:prstDash val="solid"/>
-                      <a:round/>
-                      <a:headEnd type="none" w="med" len="med"/>
-                      <a:tailEnd type="none" w="med" len="med"/>
-                    </a:lnR>
-                    <a:lnT w="12700" cap="flat" cmpd="sng" algn="ctr">
-                      <a:solidFill>
-                        <a:schemeClr val="tx1"/>
-                      </a:solidFill>
-                      <a:prstDash val="solid"/>
-                      <a:round/>
-                      <a:headEnd type="none" w="med" len="med"/>
-                      <a:tailEnd type="none" w="med" len="med"/>
-                    </a:lnT>
-                    <a:lnB w="12700" cap="flat" cmpd="sng" algn="ctr">
-                      <a:solidFill>
-                        <a:schemeClr val="tx1"/>
-                      </a:solidFill>
-                      <a:prstDash val="solid"/>
-                      <a:round/>
-                      <a:headEnd type="none" w="med" len="med"/>
-                      <a:tailEnd type="none" w="med" len="med"/>
-                    </a:lnB>
-                  </a:tcPr>
-                </a:tc>
-              </a:tr>
-              <a:tr h="951115">
-                <a:tc>
-                  <a:txBody>
-                    <a:bodyPr/>
-                    <a:lstStyle/>
-                    <a:p>
-                      <a:r>
-                        <a:rPr lang="en-US" sz="1400" dirty="0" smtClean="0">
-                          <a:latin typeface="Times New Roman" pitchFamily="18" charset="0"/>
-                          <a:cs typeface="Times New Roman" pitchFamily="18" charset="0"/>
-                        </a:rPr>
-                        <a:t>3</a:t>
-                      </a:r>
-                      <a:endParaRPr lang="en-US" sz="1400" dirty="0">
-                        <a:latin typeface="Times New Roman" pitchFamily="18" charset="0"/>
-                        <a:cs typeface="Times New Roman" pitchFamily="18" charset="0"/>
-                      </a:endParaRPr>
-                    </a:p>
-                  </a:txBody>
-                  <a:tcPr>
-                    <a:lnL w="12700" cap="flat" cmpd="sng" algn="ctr">
-                      <a:solidFill>
-                        <a:schemeClr val="tx1"/>
-                      </a:solidFill>
-                      <a:prstDash val="solid"/>
-                      <a:round/>
-                      <a:headEnd type="none" w="med" len="med"/>
-                      <a:tailEnd type="none" w="med" len="med"/>
-                    </a:lnL>
-                    <a:lnR w="12700" cap="flat" cmpd="sng" algn="ctr">
-                      <a:solidFill>
-                        <a:schemeClr val="tx1"/>
-                      </a:solidFill>
-                      <a:prstDash val="solid"/>
-                      <a:round/>
-                      <a:headEnd type="none" w="med" len="med"/>
-                      <a:tailEnd type="none" w="med" len="med"/>
-                    </a:lnR>
-                    <a:lnT w="12700" cap="flat" cmpd="sng" algn="ctr">
-                      <a:solidFill>
-                        <a:schemeClr val="tx1"/>
-                      </a:solidFill>
-                      <a:prstDash val="solid"/>
-                      <a:round/>
-                      <a:headEnd type="none" w="med" len="med"/>
-                      <a:tailEnd type="none" w="med" len="med"/>
-                    </a:lnT>
-                    <a:lnB w="12700" cap="flat" cmpd="sng" algn="ctr">
-                      <a:solidFill>
-                        <a:schemeClr val="tx1"/>
-                      </a:solidFill>
-                      <a:prstDash val="solid"/>
-                      <a:round/>
-                      <a:headEnd type="none" w="med" len="med"/>
-                      <a:tailEnd type="none" w="med" len="med"/>
-                    </a:lnB>
-                  </a:tcPr>
-                </a:tc>
-                <a:tc>
-                  <a:txBody>
-                    <a:bodyPr/>
-                    <a:lstStyle/>
-                    <a:p>
-                      <a:endParaRPr lang="en-US" sz="1400" dirty="0">
-                        <a:latin typeface="Times New Roman" pitchFamily="18" charset="0"/>
-                        <a:cs typeface="Times New Roman" pitchFamily="18" charset="0"/>
-                      </a:endParaRPr>
-                    </a:p>
-                  </a:txBody>
-                  <a:tcPr>
-                    <a:lnL w="12700" cap="flat" cmpd="sng" algn="ctr">
-                      <a:solidFill>
-                        <a:schemeClr val="tx1"/>
-                      </a:solidFill>
-                      <a:prstDash val="solid"/>
-                      <a:round/>
-                      <a:headEnd type="none" w="med" len="med"/>
-                      <a:tailEnd type="none" w="med" len="med"/>
-                    </a:lnL>
-                    <a:lnR w="12700" cap="flat" cmpd="sng" algn="ctr">
-                      <a:solidFill>
-                        <a:schemeClr val="tx1"/>
-                      </a:solidFill>
-                      <a:prstDash val="solid"/>
-                      <a:round/>
-                      <a:headEnd type="none" w="med" len="med"/>
-                      <a:tailEnd type="none" w="med" len="med"/>
-                    </a:lnR>
-                    <a:lnT w="12700" cap="flat" cmpd="sng" algn="ctr">
-                      <a:solidFill>
-                        <a:schemeClr val="tx1"/>
-                      </a:solidFill>
-                      <a:prstDash val="solid"/>
-                      <a:round/>
-                      <a:headEnd type="none" w="med" len="med"/>
-                      <a:tailEnd type="none" w="med" len="med"/>
-                    </a:lnT>
-                    <a:lnB w="12700" cap="flat" cmpd="sng" algn="ctr">
-                      <a:solidFill>
-                        <a:schemeClr val="tx1"/>
-                      </a:solidFill>
-                      <a:prstDash val="solid"/>
-                      <a:round/>
-                      <a:headEnd type="none" w="med" len="med"/>
-                      <a:tailEnd type="none" w="med" len="med"/>
-                    </a:lnB>
-                  </a:tcPr>
-                </a:tc>
-                <a:tc>
-                  <a:txBody>
-                    <a:bodyPr/>
-                    <a:lstStyle/>
-                    <a:p>
-                      <a:endParaRPr lang="en-US" sz="1400" dirty="0">
-                        <a:latin typeface="Times New Roman" pitchFamily="18" charset="0"/>
-                        <a:cs typeface="Times New Roman" pitchFamily="18" charset="0"/>
-                      </a:endParaRPr>
-                    </a:p>
-                  </a:txBody>
-                  <a:tcPr>
-                    <a:lnL w="12700" cap="flat" cmpd="sng" algn="ctr">
-                      <a:solidFill>
-                        <a:schemeClr val="tx1"/>
-                      </a:solidFill>
-                      <a:prstDash val="solid"/>
-                      <a:round/>
-                      <a:headEnd type="none" w="med" len="med"/>
-                      <a:tailEnd type="none" w="med" len="med"/>
-                    </a:lnL>
-                    <a:lnR w="12700" cap="flat" cmpd="sng" algn="ctr">
-                      <a:solidFill>
-                        <a:schemeClr val="tx1"/>
-                      </a:solidFill>
-                      <a:prstDash val="solid"/>
-                      <a:round/>
-                      <a:headEnd type="none" w="med" len="med"/>
-                      <a:tailEnd type="none" w="med" len="med"/>
-                    </a:lnR>
-                    <a:lnT w="12700" cap="flat" cmpd="sng" algn="ctr">
-                      <a:solidFill>
-                        <a:schemeClr val="tx1"/>
-                      </a:solidFill>
-                      <a:prstDash val="solid"/>
-                      <a:round/>
-                      <a:headEnd type="none" w="med" len="med"/>
-                      <a:tailEnd type="none" w="med" len="med"/>
-                    </a:lnT>
-                    <a:lnB w="12700" cap="flat" cmpd="sng" algn="ctr">
-                      <a:solidFill>
-                        <a:schemeClr val="tx1"/>
-                      </a:solidFill>
-                      <a:prstDash val="solid"/>
-                      <a:round/>
-                      <a:headEnd type="none" w="med" len="med"/>
-                      <a:tailEnd type="none" w="med" len="med"/>
-                    </a:lnB>
-                  </a:tcPr>
-                </a:tc>
-                <a:tc>
-                  <a:txBody>
-                    <a:bodyPr/>
-                    <a:lstStyle/>
-                    <a:p>
-                      <a:endParaRPr lang="en-US" sz="1400" dirty="0">
-                        <a:latin typeface="Times New Roman" pitchFamily="18" charset="0"/>
-                        <a:cs typeface="Times New Roman" pitchFamily="18" charset="0"/>
-                      </a:endParaRPr>
-                    </a:p>
-                  </a:txBody>
-                  <a:tcPr>
-                    <a:lnL w="12700" cap="flat" cmpd="sng" algn="ctr">
-                      <a:solidFill>
-                        <a:schemeClr val="tx1"/>
-                      </a:solidFill>
-                      <a:prstDash val="solid"/>
-                      <a:round/>
-                      <a:headEnd type="none" w="med" len="med"/>
-                      <a:tailEnd type="none" w="med" len="med"/>
-                    </a:lnL>
-                    <a:lnR w="12700" cap="flat" cmpd="sng" algn="ctr">
-                      <a:solidFill>
-                        <a:schemeClr val="tx1"/>
-                      </a:solidFill>
-                      <a:prstDash val="solid"/>
-                      <a:round/>
-                      <a:headEnd type="none" w="med" len="med"/>
-                      <a:tailEnd type="none" w="med" len="med"/>
-                    </a:lnR>
-                    <a:lnT w="12700" cap="flat" cmpd="sng" algn="ctr">
-                      <a:solidFill>
-                        <a:schemeClr val="tx1"/>
-                      </a:solidFill>
-                      <a:prstDash val="solid"/>
-                      <a:round/>
-                      <a:headEnd type="none" w="med" len="med"/>
-                      <a:tailEnd type="none" w="med" len="med"/>
-                    </a:lnT>
-                    <a:lnB w="12700" cap="flat" cmpd="sng" algn="ctr">
-                      <a:solidFill>
-                        <a:schemeClr val="tx1"/>
-                      </a:solidFill>
-                      <a:prstDash val="solid"/>
-                      <a:round/>
-                      <a:headEnd type="none" w="med" len="med"/>
-                      <a:tailEnd type="none" w="med" len="med"/>
-                    </a:lnB>
-                  </a:tcPr>
-                </a:tc>
-                <a:tc>
-                  <a:txBody>
-                    <a:bodyPr/>
-                    <a:lstStyle/>
-                    <a:p>
-                      <a:endParaRPr lang="en-US" sz="1400" kern="1200" baseline="0" dirty="0" smtClean="0">
-                        <a:solidFill>
-                          <a:schemeClr val="dk1"/>
-                        </a:solidFill>
-                        <a:latin typeface="Times New Roman" panose="02020603050405020304" pitchFamily="18" charset="0"/>
-                        <a:ea typeface="+mn-ea"/>
-                        <a:cs typeface="Times New Roman" panose="02020603050405020304" pitchFamily="18" charset="0"/>
-                      </a:endParaRPr>
-                    </a:p>
-                  </a:txBody>
-                  <a:tcPr>
-                    <a:lnL w="12700" cap="flat" cmpd="sng" algn="ctr">
-                      <a:solidFill>
-                        <a:schemeClr val="tx1"/>
-                      </a:solidFill>
-                      <a:prstDash val="solid"/>
-                      <a:round/>
-                      <a:headEnd type="none" w="med" len="med"/>
-                      <a:tailEnd type="none" w="med" len="med"/>
-                    </a:lnL>
-                    <a:lnR w="12700" cap="flat" cmpd="sng" algn="ctr">
-                      <a:solidFill>
-                        <a:schemeClr val="tx1"/>
-                      </a:solidFill>
-                      <a:prstDash val="solid"/>
-                      <a:round/>
-                      <a:headEnd type="none" w="med" len="med"/>
-                      <a:tailEnd type="none" w="med" len="med"/>
-                    </a:lnR>
-                    <a:lnT w="12700" cap="flat" cmpd="sng" algn="ctr">
-                      <a:solidFill>
-                        <a:schemeClr val="tx1"/>
-                      </a:solidFill>
-                      <a:prstDash val="solid"/>
-                      <a:round/>
-                      <a:headEnd type="none" w="med" len="med"/>
-                      <a:tailEnd type="none" w="med" len="med"/>
-                    </a:lnT>
-                    <a:lnB w="12700" cap="flat" cmpd="sng" algn="ctr">
-                      <a:solidFill>
-                        <a:schemeClr val="tx1"/>
-                      </a:solidFill>
-                      <a:prstDash val="solid"/>
-                      <a:round/>
-                      <a:headEnd type="none" w="med" len="med"/>
-                      <a:tailEnd type="none" w="med" len="med"/>
-                    </a:lnB>
-                  </a:tcPr>
-                </a:tc>
-              </a:tr>
-            </a:tbl>
-          </a:graphicData>
-        </a:graphic>
-      </p:graphicFrame>
+      <p:sp>
+        <p:nvSpPr>
+          <p:cNvPr id="5" name="TextBox 4">
+            <a:extLst>
+              <a:ext uri="{FF2B5EF4-FFF2-40B4-BE49-F238E27FC236}">
+                <a16:creationId xmlns:a16="http://schemas.microsoft.com/office/drawing/2014/main" id="{C1373FC9-3FA4-47F2-8E31-F98A921ECCD8}"/>
+              </a:ext>
+            </a:extLst>
+          </p:cNvPr>
+          <p:cNvSpPr txBox="1"/>
+          <p:nvPr/>
+        </p:nvSpPr>
+        <p:spPr>
+          <a:xfrm>
+            <a:off x="179512" y="1700808"/>
+            <a:ext cx="8424936" cy="4524315"/>
+          </a:xfrm>
+          <a:prstGeom prst="rect">
+            <a:avLst/>
+          </a:prstGeom>
+          <a:noFill/>
+        </p:spPr>
+        <p:txBody>
+          <a:bodyPr wrap="square" rtlCol="0">
+            <a:spAutoFit/>
+          </a:bodyPr>
+          <a:lstStyle/>
+          <a:p>
+            <a:pPr marL="285750" indent="-285750">
+              <a:buFont typeface="Arial" panose="020B0604020202020204" pitchFamily="34" charset="0"/>
+              <a:buChar char="•"/>
+            </a:pPr>
+            <a:r>
+              <a:rPr lang="en-IN" b="0" i="0" dirty="0">
+                <a:solidFill>
+                  <a:srgbClr val="2F3039"/>
+                </a:solidFill>
+                <a:effectLst/>
+                <a:latin typeface="Open Sans" panose="020B0606030504020204" pitchFamily="34" charset="0"/>
+              </a:rPr>
+              <a:t>There are about 20,000 tree species in the world. India has one of the largest tree treasuries in the world followed by the US.</a:t>
+            </a:r>
+          </a:p>
+          <a:p>
+            <a:pPr marL="285750" indent="-285750">
+              <a:buFont typeface="Arial" panose="020B0604020202020204" pitchFamily="34" charset="0"/>
+              <a:buChar char="•"/>
+            </a:pPr>
+            <a:endParaRPr lang="en-IN" dirty="0">
+              <a:solidFill>
+                <a:srgbClr val="2F3039"/>
+              </a:solidFill>
+              <a:latin typeface="Open Sans" panose="020B0606030504020204" pitchFamily="34" charset="0"/>
+            </a:endParaRPr>
+          </a:p>
+          <a:p>
+            <a:pPr marL="285750" indent="-285750">
+              <a:buFont typeface="Arial" panose="020B0604020202020204" pitchFamily="34" charset="0"/>
+              <a:buChar char="•"/>
+            </a:pPr>
+            <a:r>
+              <a:rPr lang="en-IN" b="1" i="0" dirty="0">
+                <a:solidFill>
+                  <a:srgbClr val="2F3039"/>
+                </a:solidFill>
+                <a:effectLst/>
+                <a:latin typeface="Open Sans" panose="020B0606030504020204" pitchFamily="34" charset="0"/>
+              </a:rPr>
+              <a:t>Incredible Facts About Trees</a:t>
+            </a:r>
+          </a:p>
+          <a:p>
+            <a:pPr marL="285750" indent="-285750">
+              <a:buFont typeface="Arial" panose="020B0604020202020204" pitchFamily="34" charset="0"/>
+              <a:buChar char="•"/>
+            </a:pPr>
+            <a:r>
+              <a:rPr lang="en-IN" b="1" i="0" dirty="0">
+                <a:solidFill>
+                  <a:srgbClr val="2F3039"/>
+                </a:solidFill>
+                <a:effectLst/>
+                <a:latin typeface="Open Sans" panose="020B0606030504020204" pitchFamily="34" charset="0"/>
+              </a:rPr>
+              <a:t>Oldest</a:t>
+            </a:r>
+          </a:p>
+          <a:p>
+            <a:pPr marL="285750" indent="-285750">
+              <a:buFont typeface="Arial" panose="020B0604020202020204" pitchFamily="34" charset="0"/>
+              <a:buChar char="•"/>
+            </a:pPr>
+            <a:r>
+              <a:rPr lang="en-IN" b="1" i="0" dirty="0">
+                <a:solidFill>
+                  <a:srgbClr val="2F3039"/>
+                </a:solidFill>
+                <a:effectLst/>
+                <a:latin typeface="Open Sans" panose="020B0606030504020204" pitchFamily="34" charset="0"/>
+              </a:rPr>
+              <a:t>Slowest</a:t>
+            </a:r>
+          </a:p>
+          <a:p>
+            <a:pPr marL="285750" indent="-285750">
+              <a:buFont typeface="Arial" panose="020B0604020202020204" pitchFamily="34" charset="0"/>
+              <a:buChar char="•"/>
+            </a:pPr>
+            <a:r>
+              <a:rPr lang="en-IN" b="1" i="0" dirty="0">
+                <a:solidFill>
+                  <a:srgbClr val="2F3039"/>
+                </a:solidFill>
+                <a:effectLst/>
+                <a:latin typeface="Open Sans" panose="020B0606030504020204" pitchFamily="34" charset="0"/>
+              </a:rPr>
+              <a:t>Tallest</a:t>
+            </a:r>
+          </a:p>
+          <a:p>
+            <a:pPr marL="285750" indent="-285750">
+              <a:buFont typeface="Arial" panose="020B0604020202020204" pitchFamily="34" charset="0"/>
+              <a:buChar char="•"/>
+            </a:pPr>
+            <a:r>
+              <a:rPr lang="en-IN" b="1" i="0" dirty="0">
+                <a:solidFill>
+                  <a:srgbClr val="2F3039"/>
+                </a:solidFill>
+                <a:effectLst/>
+                <a:latin typeface="Open Sans" panose="020B0606030504020204" pitchFamily="34" charset="0"/>
+              </a:rPr>
+              <a:t>Most Massive</a:t>
+            </a:r>
+          </a:p>
+          <a:p>
+            <a:pPr marL="285750" indent="-285750">
+              <a:buFont typeface="Arial" panose="020B0604020202020204" pitchFamily="34" charset="0"/>
+              <a:buChar char="•"/>
+            </a:pPr>
+            <a:r>
+              <a:rPr lang="en-IN" b="1" i="0" dirty="0">
+                <a:solidFill>
+                  <a:srgbClr val="2F3039"/>
+                </a:solidFill>
+                <a:effectLst/>
+                <a:latin typeface="Open Sans" panose="020B0606030504020204" pitchFamily="34" charset="0"/>
+              </a:rPr>
+              <a:t>Deepest Roots</a:t>
+            </a:r>
+          </a:p>
+          <a:p>
+            <a:pPr marL="285750" indent="-285750">
+              <a:buFont typeface="Arial" panose="020B0604020202020204" pitchFamily="34" charset="0"/>
+              <a:buChar char="•"/>
+            </a:pPr>
+            <a:r>
+              <a:rPr lang="en-IN" b="1" i="0" dirty="0">
+                <a:solidFill>
+                  <a:srgbClr val="2F3039"/>
+                </a:solidFill>
+                <a:effectLst/>
+                <a:latin typeface="Open Sans" panose="020B0606030504020204" pitchFamily="34" charset="0"/>
+              </a:rPr>
+              <a:t>Fastest Growing</a:t>
+            </a:r>
+          </a:p>
+          <a:p>
+            <a:pPr marL="285750" indent="-285750">
+              <a:buFont typeface="Arial" panose="020B0604020202020204" pitchFamily="34" charset="0"/>
+              <a:buChar char="•"/>
+            </a:pPr>
+            <a:r>
+              <a:rPr lang="en-IN" b="1" i="0" dirty="0">
+                <a:solidFill>
+                  <a:srgbClr val="2F3039"/>
+                </a:solidFill>
+                <a:effectLst/>
+                <a:latin typeface="Open Sans" panose="020B0606030504020204" pitchFamily="34" charset="0"/>
+              </a:rPr>
+              <a:t>Greatest Girth</a:t>
+            </a:r>
+          </a:p>
+          <a:p>
+            <a:pPr marL="285750" indent="-285750">
+              <a:buFont typeface="Arial" panose="020B0604020202020204" pitchFamily="34" charset="0"/>
+              <a:buChar char="•"/>
+            </a:pPr>
+            <a:r>
+              <a:rPr lang="en-IN" b="1" i="0" dirty="0">
+                <a:solidFill>
+                  <a:srgbClr val="2F3039"/>
+                </a:solidFill>
+                <a:effectLst/>
+                <a:latin typeface="Open Sans" panose="020B0606030504020204" pitchFamily="34" charset="0"/>
+              </a:rPr>
+              <a:t>Most Dangerous</a:t>
+            </a:r>
+          </a:p>
+          <a:p>
+            <a:pPr marL="285750" indent="-285750">
+              <a:buFont typeface="Arial" panose="020B0604020202020204" pitchFamily="34" charset="0"/>
+              <a:buChar char="•"/>
+            </a:pPr>
+            <a:endParaRPr lang="en-IN" b="0" i="0" dirty="0">
+              <a:solidFill>
+                <a:srgbClr val="2F3039"/>
+              </a:solidFill>
+              <a:effectLst/>
+              <a:latin typeface="Open Sans" panose="020B0606030504020204" pitchFamily="34" charset="0"/>
+            </a:endParaRPr>
+          </a:p>
+          <a:p>
+            <a:pPr marL="285750" indent="-285750">
+              <a:buFont typeface="Arial" panose="020B0604020202020204" pitchFamily="34" charset="0"/>
+              <a:buChar char="•"/>
+            </a:pPr>
+            <a:endParaRPr lang="en-IN" dirty="0">
+              <a:solidFill>
+                <a:srgbClr val="2F3039"/>
+              </a:solidFill>
+              <a:latin typeface="Open Sans" panose="020B0606030504020204" pitchFamily="34" charset="0"/>
+            </a:endParaRPr>
+          </a:p>
+          <a:p>
+            <a:pPr marL="285750" indent="-285750">
+              <a:buFont typeface="Arial" panose="020B0604020202020204" pitchFamily="34" charset="0"/>
+              <a:buChar char="•"/>
+            </a:pPr>
+            <a:endParaRPr lang="en-IN" b="0" i="0" dirty="0">
+              <a:solidFill>
+                <a:srgbClr val="2F3039"/>
+              </a:solidFill>
+              <a:effectLst/>
+              <a:latin typeface="Open Sans" panose="020B0606030504020204" pitchFamily="34" charset="0"/>
+            </a:endParaRPr>
+          </a:p>
+          <a:p>
+            <a:endParaRPr lang="en-IN" dirty="0"/>
+          </a:p>
+        </p:txBody>
+      </p:sp>
     </p:spTree>
     <p:extLst>
       <p:ext uri="{BB962C8B-B14F-4D97-AF65-F5344CB8AC3E}">
@@ -17520,13 +16325,6 @@
   <p:clrMapOvr>
     <a:masterClrMapping/>
   </p:clrMapOvr>
-  <p:timing>
-    <p:tnLst>
-      <p:par>
-        <p:cTn id="1" dur="indefinite" restart="never" nodeType="tmRoot"/>
-      </p:par>
-    </p:tnLst>
-  </p:timing>
 </p:sld>
 </file>
 
@@ -17565,23 +16363,12 @@
           <a:lstStyle/>
           <a:p>
             <a:r>
-              <a:rPr lang="en-US" sz="3600" dirty="0" smtClean="0">
+              <a:rPr lang="en-US" sz="3600" dirty="0">
                 <a:latin typeface="Times New Roman" panose="02020603050405020304" pitchFamily="18" charset="0"/>
                 <a:cs typeface="Times New Roman" panose="02020603050405020304" pitchFamily="18" charset="0"/>
               </a:rPr>
-              <a:t>   </a:t>
-            </a:r>
-            <a:r>
-              <a:rPr lang="en-US" sz="3600" dirty="0" smtClean="0">
-                <a:latin typeface="Times New Roman" panose="02020603050405020304" pitchFamily="18" charset="0"/>
-                <a:cs typeface="Times New Roman" panose="02020603050405020304" pitchFamily="18" charset="0"/>
-              </a:rPr>
-              <a:t>Problem Description</a:t>
-            </a:r>
-            <a:endParaRPr lang="en-US" sz="3600" dirty="0">
-              <a:latin typeface="Times New Roman" panose="02020603050405020304" pitchFamily="18" charset="0"/>
-              <a:cs typeface="Times New Roman" panose="02020603050405020304" pitchFamily="18" charset="0"/>
-            </a:endParaRPr>
+              <a:t>   Problem Description</a:t>
+            </a:r>
           </a:p>
         </p:txBody>
       </p:sp>
@@ -17606,7 +16393,7 @@
           <a:lstStyle/>
           <a:p>
             <a:r>
-              <a:rPr lang="en-IN" dirty="0" smtClean="0"/>
+              <a:rPr lang="en-IN" dirty="0"/>
               <a:t>Playing Subset of Lecture Videos by Comparing Text Query with Associated Slides</a:t>
             </a:r>
             <a:endParaRPr lang="en-US" dirty="0"/>
@@ -17670,7 +16457,7 @@
               <a:buNone/>
             </a:pPr>
             <a:r>
-              <a:rPr lang="en-US" altLang="ko-KR" sz="2200" b="1" dirty="0" smtClean="0">
+              <a:rPr lang="en-US" altLang="ko-KR" sz="2200" b="1" dirty="0">
                 <a:latin typeface="Times New Roman" panose="02020603050405020304" pitchFamily="18" charset="0"/>
                 <a:ea typeface="굴림" charset="-127"/>
                 <a:cs typeface="Times New Roman" panose="02020603050405020304" pitchFamily="18" charset="0"/>
@@ -17683,56 +16470,32 @@
               <a:buNone/>
             </a:pPr>
             <a:r>
-              <a:rPr lang="en-US" altLang="ko-KR" sz="2200" dirty="0" smtClean="0">
-                <a:latin typeface="Times New Roman" panose="02020603050405020304" pitchFamily="18" charset="0"/>
-                <a:ea typeface="굴림" charset="-127"/>
-                <a:cs typeface="Times New Roman" panose="02020603050405020304" pitchFamily="18" charset="0"/>
-              </a:rPr>
-              <a:t>     </a:t>
-            </a:r>
-            <a:r>
-              <a:rPr lang="en-US" altLang="ko-KR" sz="2200" dirty="0" smtClean="0">
-                <a:latin typeface="Times New Roman" panose="02020603050405020304" pitchFamily="18" charset="0"/>
-                <a:ea typeface="굴림" charset="-127"/>
-                <a:cs typeface="Times New Roman" panose="02020603050405020304" pitchFamily="18" charset="0"/>
-              </a:rPr>
-              <a:t>Example: </a:t>
-            </a:r>
-          </a:p>
-          <a:p>
-            <a:pPr marL="0" lvl="1" indent="0" algn="just">
-              <a:buNone/>
-            </a:pPr>
-            <a:r>
               <a:rPr lang="en-US" altLang="ko-KR" sz="2200" dirty="0">
                 <a:latin typeface="Times New Roman" panose="02020603050405020304" pitchFamily="18" charset="0"/>
                 <a:ea typeface="굴림" charset="-127"/>
                 <a:cs typeface="Times New Roman" panose="02020603050405020304" pitchFamily="18" charset="0"/>
               </a:rPr>
-              <a:t>	</a:t>
-            </a:r>
-            <a:r>
-              <a:rPr lang="en-US" altLang="ko-KR" sz="2200" dirty="0" smtClean="0">
+              <a:t>     Example: </a:t>
+            </a:r>
+          </a:p>
+          <a:p>
+            <a:pPr marL="0" lvl="1" indent="0" algn="just">
+              <a:buNone/>
+            </a:pPr>
+            <a:r>
+              <a:rPr lang="en-US" altLang="ko-KR" sz="2200" dirty="0">
                 <a:latin typeface="Times New Roman" panose="02020603050405020304" pitchFamily="18" charset="0"/>
                 <a:ea typeface="굴림" charset="-127"/>
                 <a:cs typeface="Times New Roman" panose="02020603050405020304" pitchFamily="18" charset="0"/>
               </a:rPr>
-              <a:t>To </a:t>
-            </a:r>
-            <a:r>
-              <a:rPr lang="en-US" altLang="ko-KR" sz="2200" dirty="0" smtClean="0">
-                <a:latin typeface="Times New Roman" panose="02020603050405020304" pitchFamily="18" charset="0"/>
-                <a:ea typeface="굴림" charset="-127"/>
-                <a:cs typeface="Times New Roman" panose="02020603050405020304" pitchFamily="18" charset="0"/>
-              </a:rPr>
-              <a:t>improve the search and navigation feature of lecture video,        metadata is extracted using video analysis method for efficient and effective search mechanism within a lecture video. </a:t>
+              <a:t>	To improve the search and navigation feature of lecture video,        metadata is extracted using video analysis method for efficient and effective search mechanism within a lecture video. </a:t>
             </a:r>
           </a:p>
           <a:p>
             <a:pPr marL="0" lvl="1" indent="0">
               <a:buNone/>
             </a:pPr>
-            <a:endParaRPr lang="en-US" altLang="ko-KR" sz="2200" dirty="0" smtClean="0">
+            <a:endParaRPr lang="en-US" altLang="ko-KR" sz="2200" dirty="0">
               <a:latin typeface="Times New Roman" panose="02020603050405020304" pitchFamily="18" charset="0"/>
               <a:ea typeface="굴림" charset="-127"/>
               <a:cs typeface="Times New Roman" panose="02020603050405020304" pitchFamily="18" charset="0"/>
@@ -17743,18 +16506,13 @@
               <a:buNone/>
             </a:pPr>
             <a:r>
-              <a:rPr lang="en-US" altLang="ko-KR" sz="2200" b="1" dirty="0" smtClean="0">
+              <a:rPr lang="en-US" altLang="ko-KR" sz="2200" b="1" dirty="0">
                 <a:latin typeface="Times New Roman" panose="02020603050405020304" pitchFamily="18" charset="0"/>
                 <a:ea typeface="굴림" charset="-127"/>
                 <a:cs typeface="Times New Roman" panose="02020603050405020304" pitchFamily="18" charset="0"/>
               </a:rPr>
               <a:t>Problem Solution</a:t>
             </a:r>
-            <a:endParaRPr lang="en-US" altLang="ko-KR" sz="2200" b="1" dirty="0" smtClean="0">
-              <a:latin typeface="Times New Roman" panose="02020603050405020304" pitchFamily="18" charset="0"/>
-              <a:ea typeface="굴림" charset="-127"/>
-              <a:cs typeface="Times New Roman" panose="02020603050405020304" pitchFamily="18" charset="0"/>
-            </a:endParaRPr>
           </a:p>
           <a:p>
             <a:pPr marL="0" indent="0" algn="just">
@@ -17769,7 +16527,7 @@
             <a:pPr marL="0" lvl="1" indent="0">
               <a:buNone/>
             </a:pPr>
-            <a:endParaRPr lang="en-US" altLang="ko-KR" sz="2400" dirty="0" smtClean="0">
+            <a:endParaRPr lang="en-US" altLang="ko-KR" sz="2400" dirty="0">
               <a:latin typeface="Times New Roman" panose="02020603050405020304" pitchFamily="18" charset="0"/>
               <a:ea typeface="굴림" charset="-127"/>
               <a:cs typeface="Times New Roman" panose="02020603050405020304" pitchFamily="18" charset="0"/>
@@ -17779,7 +16537,7 @@
             <a:pPr marL="0" lvl="1" indent="0">
               <a:buNone/>
             </a:pPr>
-            <a:endParaRPr lang="en-US" altLang="ko-KR" sz="2400" dirty="0" smtClean="0">
+            <a:endParaRPr lang="en-US" altLang="ko-KR" sz="2400" dirty="0">
               <a:latin typeface="Times New Roman" panose="02020603050405020304" pitchFamily="18" charset="0"/>
               <a:ea typeface="굴림" charset="-127"/>
               <a:cs typeface="Times New Roman" panose="02020603050405020304" pitchFamily="18" charset="0"/>
@@ -17808,13 +16566,13 @@
           <a:lstStyle/>
           <a:p>
             <a:r>
-              <a:rPr lang="en-US" dirty="0" smtClean="0"/>
+              <a:rPr lang="en-US" dirty="0"/>
               <a:t>                                  </a:t>
             </a:r>
             <a:fld id="{10930C44-1396-41A0-98BE-16DFDB8B27E4}" type="datetime1">
               <a:rPr lang="en-US" smtClean="0"/>
               <a:pPr/>
-              <a:t>29/05/2021</a:t>
+              <a:t>4/30/2022</a:t>
             </a:fld>
             <a:endParaRPr lang="en-US" dirty="0"/>
           </a:p>
@@ -17879,13 +16637,6 @@
   <p:clrMapOvr>
     <a:masterClrMapping/>
   </p:clrMapOvr>
-  <p:timing>
-    <p:tnLst>
-      <p:par>
-        <p:cTn id="1" dur="indefinite" restart="never" nodeType="tmRoot"/>
-      </p:par>
-    </p:tnLst>
-  </p:timing>
 </p:sld>
 </file>
 
@@ -17924,23 +16675,12 @@
           <a:lstStyle/>
           <a:p>
             <a:r>
-              <a:rPr lang="en-IN" sz="3600" dirty="0" smtClean="0">
+              <a:rPr lang="en-IN" sz="3600" dirty="0">
                 <a:latin typeface="Times New Roman" panose="02020603050405020304" pitchFamily="18" charset="0"/>
                 <a:cs typeface="Times New Roman" panose="02020603050405020304" pitchFamily="18" charset="0"/>
               </a:rPr>
-              <a:t>   </a:t>
-            </a:r>
-            <a:r>
-              <a:rPr lang="en-IN" sz="3600" dirty="0" smtClean="0">
-                <a:latin typeface="Times New Roman" panose="02020603050405020304" pitchFamily="18" charset="0"/>
-                <a:cs typeface="Times New Roman" panose="02020603050405020304" pitchFamily="18" charset="0"/>
-              </a:rPr>
-              <a:t>Proposed System</a:t>
-            </a:r>
-            <a:endParaRPr lang="en-IN" sz="3600" dirty="0">
-              <a:latin typeface="Times New Roman" panose="02020603050405020304" pitchFamily="18" charset="0"/>
-              <a:cs typeface="Times New Roman" panose="02020603050405020304" pitchFamily="18" charset="0"/>
-            </a:endParaRPr>
+              <a:t>   Proposed System</a:t>
+            </a:r>
           </a:p>
         </p:txBody>
       </p:sp>
@@ -17965,7 +16705,7 @@
           <a:lstStyle/>
           <a:p>
             <a:r>
-              <a:rPr lang="en-IN" dirty="0" smtClean="0">
+              <a:rPr lang="en-IN" dirty="0">
                 <a:latin typeface="Times New Roman" panose="02020603050405020304" pitchFamily="18" charset="0"/>
                 <a:cs typeface="Times New Roman" panose="02020603050405020304" pitchFamily="18" charset="0"/>
               </a:rPr>
@@ -18032,16 +16772,12 @@
           <a:lstStyle/>
           <a:p>
             <a:r>
-              <a:rPr lang="en-IN" dirty="0" smtClean="0">
+              <a:rPr lang="en-IN" dirty="0">
                 <a:latin typeface="Times New Roman" panose="02020603050405020304" pitchFamily="18" charset="0"/>
                 <a:cs typeface="Times New Roman" panose="02020603050405020304" pitchFamily="18" charset="0"/>
               </a:rPr>
               <a:t>Figure 1: System Architecture Diagram</a:t>
             </a:r>
-            <a:endParaRPr lang="en-IN" dirty="0">
-              <a:latin typeface="Times New Roman" panose="02020603050405020304" pitchFamily="18" charset="0"/>
-              <a:cs typeface="Times New Roman" panose="02020603050405020304" pitchFamily="18" charset="0"/>
-            </a:endParaRPr>
           </a:p>
         </p:txBody>
       </p:sp>
@@ -18066,13 +16802,13 @@
           <a:lstStyle/>
           <a:p>
             <a:r>
-              <a:rPr lang="en-US" dirty="0" smtClean="0"/>
+              <a:rPr lang="en-US" dirty="0"/>
               <a:t>                                  </a:t>
             </a:r>
             <a:fld id="{008454E2-00F7-4753-8245-C92DBC5C0D69}" type="datetime1">
               <a:rPr lang="en-US" smtClean="0"/>
               <a:pPr/>
-              <a:t>29/05/2021</a:t>
+              <a:t>4/30/2022</a:t>
             </a:fld>
             <a:endParaRPr lang="en-US" dirty="0"/>
           </a:p>
@@ -18144,10 +16880,143 @@
         </p:nvSpPr>
         <p:spPr/>
         <p:txBody>
-          <a:bodyPr/>
-          <a:lstStyle/>
-          <a:p>
-            <a:endParaRPr lang="en-US"/>
+          <a:bodyPr>
+            <a:normAutofit fontScale="47500" lnSpcReduction="20000"/>
+          </a:bodyPr>
+          <a:lstStyle/>
+          <a:p>
+            <a:pPr algn="l"/>
+            <a:r>
+              <a:rPr lang="en-IN" b="1" i="0" dirty="0">
+                <a:solidFill>
+                  <a:srgbClr val="333333"/>
+                </a:solidFill>
+                <a:effectLst/>
+                <a:latin typeface="Roboto" panose="02000000000000000000" pitchFamily="2" charset="0"/>
+              </a:rPr>
+              <a:t>In a nutshell, here's how our online tree plantation services work:</a:t>
+            </a:r>
+            <a:r>
+              <a:rPr lang="en-IN" b="0" i="0" dirty="0">
+                <a:solidFill>
+                  <a:srgbClr val="333333"/>
+                </a:solidFill>
+                <a:effectLst/>
+                <a:latin typeface="Roboto" panose="02000000000000000000" pitchFamily="2" charset="0"/>
+              </a:rPr>
+              <a:t>1. You call us on our phone number listed on the website.</a:t>
+            </a:r>
+          </a:p>
+          <a:p>
+            <a:pPr algn="l"/>
+            <a:r>
+              <a:rPr lang="en-IN" b="0" i="0" dirty="0">
+                <a:solidFill>
+                  <a:srgbClr val="333333"/>
+                </a:solidFill>
+                <a:effectLst/>
+                <a:latin typeface="Roboto" panose="02000000000000000000" pitchFamily="2" charset="0"/>
+              </a:rPr>
+              <a:t>2. We discuss with you all the available options regarding online tree plantation.</a:t>
+            </a:r>
+          </a:p>
+          <a:p>
+            <a:pPr algn="l"/>
+            <a:r>
+              <a:rPr lang="en-IN" b="0" i="0" dirty="0">
+                <a:solidFill>
+                  <a:srgbClr val="333333"/>
+                </a:solidFill>
+                <a:effectLst/>
+                <a:latin typeface="Roboto" panose="02000000000000000000" pitchFamily="2" charset="0"/>
+              </a:rPr>
+              <a:t>3. You take a decision according to your budget and timeline.</a:t>
+            </a:r>
+          </a:p>
+          <a:p>
+            <a:pPr algn="l"/>
+            <a:r>
+              <a:rPr lang="en-IN" b="0" i="0" dirty="0">
+                <a:solidFill>
+                  <a:srgbClr val="333333"/>
+                </a:solidFill>
+                <a:effectLst/>
+                <a:latin typeface="Roboto" panose="02000000000000000000" pitchFamily="2" charset="0"/>
+              </a:rPr>
+              <a:t>4. We plant the saplings on your behalf.</a:t>
+            </a:r>
+          </a:p>
+          <a:p>
+            <a:pPr algn="l"/>
+            <a:br>
+              <a:rPr lang="en-IN" dirty="0"/>
+            </a:br>
+            <a:r>
+              <a:rPr lang="en-IN" b="0" i="0" dirty="0">
+                <a:solidFill>
+                  <a:srgbClr val="333333"/>
+                </a:solidFill>
+                <a:effectLst/>
+                <a:latin typeface="Roboto" panose="02000000000000000000" pitchFamily="2" charset="0"/>
+              </a:rPr>
+              <a:t>Yes, it's that straightforward. As it's a service to the nature, we really like to keep it simple. We've been providing online tree plantation services for 3 years in and around Pune. Many companies and families have been a part of our tree plantation drives in Pune. Now we want to help you too.</a:t>
+            </a:r>
+          </a:p>
+          <a:p>
+            <a:pPr algn="l"/>
+            <a:br>
+              <a:rPr lang="en-IN" dirty="0"/>
+            </a:br>
+            <a:r>
+              <a:rPr lang="en-IN" b="0" i="0" dirty="0">
+                <a:solidFill>
+                  <a:srgbClr val="333333"/>
+                </a:solidFill>
+                <a:effectLst/>
+                <a:latin typeface="Roboto" panose="02000000000000000000" pitchFamily="2" charset="0"/>
+              </a:rPr>
+              <a:t>Tree plantation is a very noble job. It's like having your own child. By planting a tree with Nelda, you are giving life to a tree which will benefit our nation and world for the generations to come. Also, planting a tree with our online plantation services is more than just its environmental impact. It's about your support to our volunteers who are working hard throughout the year. It's also about the positive message you spread within your network by showcasing a good deed. It's about the hundreds of people you inspire in the society to do the same.</a:t>
+            </a:r>
+          </a:p>
+          <a:p>
+            <a:pPr algn="l"/>
+            <a:br>
+              <a:rPr lang="en-IN" dirty="0"/>
+            </a:br>
+            <a:r>
+              <a:rPr lang="en-IN" b="0" i="0" dirty="0">
+                <a:solidFill>
+                  <a:srgbClr val="333333"/>
+                </a:solidFill>
+                <a:effectLst/>
+                <a:latin typeface="Roboto" panose="02000000000000000000" pitchFamily="2" charset="0"/>
+              </a:rPr>
+              <a:t>At Nelda, we're eagerly waiting for your call for </a:t>
+            </a:r>
+            <a:r>
+              <a:rPr lang="en-IN" b="0" i="0" u="none" strike="noStrike" dirty="0">
+                <a:solidFill>
+                  <a:srgbClr val="56A044"/>
+                </a:solidFill>
+                <a:effectLst/>
+                <a:latin typeface="Roboto" panose="02000000000000000000" pitchFamily="2" charset="0"/>
+                <a:hlinkClick r:id="rId4"/>
+              </a:rPr>
+              <a:t>online tree plantation services</a:t>
+            </a:r>
+            <a:r>
+              <a:rPr lang="en-IN" b="0" i="0" dirty="0">
+                <a:solidFill>
+                  <a:srgbClr val="333333"/>
+                </a:solidFill>
+                <a:effectLst/>
+                <a:latin typeface="Roboto" panose="02000000000000000000" pitchFamily="2" charset="0"/>
+              </a:rPr>
+              <a:t>. Please take a minute of your time to talk to our team regarding the possible options. We'll be happy to help you every way we can.</a:t>
+            </a:r>
+          </a:p>
+          <a:p>
+            <a:endParaRPr lang="en-US" dirty="0"/>
           </a:p>
         </p:txBody>
       </p:sp>
@@ -18161,13 +17030,6 @@
   <p:clrMapOvr>
     <a:masterClrMapping/>
   </p:clrMapOvr>
-  <p:timing>
-    <p:tnLst>
-      <p:par>
-        <p:cTn id="1" dur="indefinite" restart="never" nodeType="tmRoot"/>
-      </p:par>
-    </p:tnLst>
-  </p:timing>
 </p:sld>
 </file>
 
@@ -18204,14 +17066,14 @@
           <a:lstStyle/>
           <a:p>
             <a:r>
-              <a:rPr lang="en-IN" dirty="0" smtClean="0">
+              <a:rPr lang="en-IN" dirty="0">
                 <a:latin typeface="Times New Roman" panose="02020603050405020304" pitchFamily="18" charset="0"/>
                 <a:cs typeface="Times New Roman" panose="02020603050405020304" pitchFamily="18" charset="0"/>
               </a:rPr>
               <a:t>   </a:t>
             </a:r>
             <a:r>
-              <a:rPr lang="en-IN" sz="3600" dirty="0" smtClean="0">
+              <a:rPr lang="en-IN" sz="3600" dirty="0">
                 <a:latin typeface="Times New Roman" panose="02020603050405020304" pitchFamily="18" charset="0"/>
                 <a:cs typeface="Times New Roman" panose="02020603050405020304" pitchFamily="18" charset="0"/>
               </a:rPr>
@@ -18247,7 +17109,7 @@
             <a:fld id="{50026CB2-BE88-4DA1-AF16-95AD2428938C}" type="datetime1">
               <a:rPr lang="en-US" smtClean="0"/>
               <a:pPr/>
-              <a:t>29/05/2021</a:t>
+              <a:t>4/30/2022</a:t>
             </a:fld>
             <a:endParaRPr lang="en-US" dirty="0"/>
           </a:p>
@@ -18274,7 +17136,7 @@
           <a:lstStyle/>
           <a:p>
             <a:r>
-              <a:rPr lang="en-IN" dirty="0" smtClean="0"/>
+              <a:rPr lang="en-IN" dirty="0"/>
               <a:t>Playing Subset of Lecture Videos by Comparing Text Query with Associated Slides</a:t>
             </a:r>
             <a:endParaRPr lang="en-US" dirty="0"/>
@@ -18312,34 +17174,41 @@
           </a:p>
         </p:txBody>
       </p:sp>
-      <p:sp>
-        <p:nvSpPr>
-          <p:cNvPr id="6" name="Content Placeholder 5"/>
-          <p:cNvSpPr>
-            <a:spLocks noGrp="1"/>
-          </p:cNvSpPr>
+      <p:pic>
+        <p:nvPicPr>
+          <p:cNvPr id="9" name="Content Placeholder 8">
+            <a:extLst>
+              <a:ext uri="{FF2B5EF4-FFF2-40B4-BE49-F238E27FC236}">
+                <a16:creationId xmlns:a16="http://schemas.microsoft.com/office/drawing/2014/main" id="{871BF5B2-155F-49C8-8A88-8F9E8F0B8C3B}"/>
+              </a:ext>
+            </a:extLst>
+          </p:cNvPr>
+          <p:cNvPicPr>
+            <a:picLocks noGrp="1" noChangeAspect="1"/>
+          </p:cNvPicPr>
           <p:nvPr>
             <p:ph sz="quarter" idx="1"/>
           </p:nvPr>
-        </p:nvSpPr>
-        <p:spPr/>
-        <p:txBody>
-          <a:bodyPr>
-            <a:normAutofit/>
-          </a:bodyPr>
-          <a:lstStyle/>
-          <a:p>
-            <a:pPr lvl="1">
-              <a:buFont typeface="Wingdings" panose="05000000000000000000" pitchFamily="2" charset="2"/>
-              <a:buChar char="q"/>
-            </a:pPr>
-            <a:endParaRPr lang="en-IN" sz="1800" dirty="0" smtClean="0">
-              <a:latin typeface="Times New Roman" panose="02020603050405020304" pitchFamily="18" charset="0"/>
-              <a:cs typeface="Times New Roman" panose="02020603050405020304" pitchFamily="18" charset="0"/>
-            </a:endParaRPr>
-          </a:p>
-        </p:txBody>
-      </p:sp>
+        </p:nvPicPr>
+        <p:blipFill>
+          <a:blip r:embed="rId3">
+            <a:extLst>
+              <a:ext uri="{28A0092B-C50C-407E-A947-70E740481C1C}">
+                <a14:useLocalDpi xmlns:a14="http://schemas.microsoft.com/office/drawing/2010/main" val="0"/>
+              </a:ext>
+            </a:extLst>
+          </a:blip>
+          <a:stretch>
+            <a:fillRect/>
+          </a:stretch>
+        </p:blipFill>
+        <p:spPr>
+          <a:xfrm>
+            <a:off x="3491880" y="1628800"/>
+            <a:ext cx="5053676" cy="3295143"/>
+          </a:xfrm>
+        </p:spPr>
+      </p:pic>
       <p:pic>
         <p:nvPicPr>
           <p:cNvPr id="7" name="Picture 2"/>
@@ -18349,7 +17218,7 @@
           <p:nvPr/>
         </p:nvPicPr>
         <p:blipFill>
-          <a:blip r:embed="rId3">
+          <a:blip r:embed="rId4">
             <a:extLst>
               <a:ext uri="{28A0092B-C50C-407E-A947-70E740481C1C}">
                 <a14:useLocalDpi xmlns:a14="http://schemas.microsoft.com/office/drawing/2010/main" val="0"/>
@@ -18404,13 +17273,6 @@
   <p:clrMapOvr>
     <a:masterClrMapping/>
   </p:clrMapOvr>
-  <p:timing>
-    <p:tnLst>
-      <p:par>
-        <p:cTn id="1" dur="indefinite" restart="never" nodeType="tmRoot"/>
-      </p:par>
-    </p:tnLst>
-  </p:timing>
 </p:sld>
 </file>
 
@@ -18948,7 +17810,7 @@
   <a:extraClrSchemeLst/>
   <a:extLst>
     <a:ext uri="{05A4C25C-085E-4340-85A3-A5531E510DB2}">
-      <thm15:themeFamily xmlns:thm15="http://schemas.microsoft.com/office/thememl/2012/main" xmlns="" name="Office Theme" id="{62F939B6-93AF-4DB8-9C6B-D6C7DFDC589F}" vid="{4A3C46E8-61CC-4603-A589-7422A47A8E4A}"/>
+      <thm15:themeFamily xmlns:thm15="http://schemas.microsoft.com/office/thememl/2012/main" name="Office Theme" id="{62F939B6-93AF-4DB8-9C6B-D6C7DFDC589F}" vid="{4A3C46E8-61CC-4603-A589-7422A47A8E4A}"/>
     </a:ext>
   </a:extLst>
 </a:theme>
@@ -19209,7 +18071,7 @@
   <a:extraClrSchemeLst/>
   <a:extLst>
     <a:ext uri="{05A4C25C-085E-4340-85A3-A5531E510DB2}">
-      <thm15:themeFamily xmlns:thm15="http://schemas.microsoft.com/office/thememl/2012/main" xmlns="" name="Office Theme" id="{62F939B6-93AF-4DB8-9C6B-D6C7DFDC589F}" vid="{4A3C46E8-61CC-4603-A589-7422A47A8E4A}"/>
+      <thm15:themeFamily xmlns:thm15="http://schemas.microsoft.com/office/thememl/2012/main" name="Office Theme" id="{62F939B6-93AF-4DB8-9C6B-D6C7DFDC589F}" vid="{4A3C46E8-61CC-4603-A589-7422A47A8E4A}"/>
     </a:ext>
   </a:extLst>
 </a:theme>

--- a/PBL Presentation Format.pptx
+++ b/PBL Presentation Format.pptx
@@ -7,10 +7,10 @@
     <p:sldMasterId id="2147483734" r:id="rId3"/>
   </p:sldMasterIdLst>
   <p:notesMasterIdLst>
-    <p:notesMasterId r:id="rId18"/>
+    <p:notesMasterId r:id="rId19"/>
   </p:notesMasterIdLst>
   <p:handoutMasterIdLst>
-    <p:handoutMasterId r:id="rId19"/>
+    <p:handoutMasterId r:id="rId20"/>
   </p:handoutMasterIdLst>
   <p:sldIdLst>
     <p:sldId id="316" r:id="rId4"/>
@@ -18,15 +18,16 @@
     <p:sldId id="258" r:id="rId6"/>
     <p:sldId id="375" r:id="rId7"/>
     <p:sldId id="257" r:id="rId8"/>
-    <p:sldId id="373" r:id="rId9"/>
-    <p:sldId id="260" r:id="rId10"/>
-    <p:sldId id="353" r:id="rId11"/>
-    <p:sldId id="360" r:id="rId12"/>
-    <p:sldId id="364" r:id="rId13"/>
-    <p:sldId id="374" r:id="rId14"/>
-    <p:sldId id="301" r:id="rId15"/>
-    <p:sldId id="279" r:id="rId16"/>
-    <p:sldId id="321" r:id="rId17"/>
+    <p:sldId id="377" r:id="rId9"/>
+    <p:sldId id="373" r:id="rId10"/>
+    <p:sldId id="260" r:id="rId11"/>
+    <p:sldId id="353" r:id="rId12"/>
+    <p:sldId id="360" r:id="rId13"/>
+    <p:sldId id="364" r:id="rId14"/>
+    <p:sldId id="374" r:id="rId15"/>
+    <p:sldId id="301" r:id="rId16"/>
+    <p:sldId id="279" r:id="rId17"/>
+    <p:sldId id="321" r:id="rId18"/>
   </p:sldIdLst>
   <p:sldSz cx="9144000" cy="6858000" type="screen4x3"/>
   <p:notesSz cx="6858000" cy="9144000"/>
@@ -809,7 +810,7 @@
           <a:bodyPr/>
           <a:lstStyle/>
           <a:p>
-            <a:endParaRPr lang="en-IN"/>
+            <a:endParaRPr lang="en-IN" dirty="0"/>
           </a:p>
         </p:txBody>
       </p:sp>
@@ -829,10 +830,9 @@
           <a:lstStyle/>
           <a:p>
             <a:r>
-              <a:rPr lang="en-US"/>
+              <a:rPr lang="en-US" dirty="0"/>
               <a:t>Detection of shill reviews</a:t>
             </a:r>
-            <a:endParaRPr lang="en-US" dirty="0"/>
           </a:p>
         </p:txBody>
       </p:sp>
@@ -852,10 +852,9 @@
           <a:lstStyle/>
           <a:p>
             <a:r>
-              <a:rPr lang="en-US"/>
+              <a:rPr lang="en-US" dirty="0"/>
               <a:t>DYPCOE</a:t>
             </a:r>
-            <a:endParaRPr lang="en-US" dirty="0"/>
           </a:p>
         </p:txBody>
       </p:sp>
@@ -960,10 +959,9 @@
           <a:lstStyle/>
           <a:p>
             <a:r>
-              <a:rPr lang="en-US"/>
+              <a:rPr lang="en-US" dirty="0"/>
               <a:t>Detection of shill reviews</a:t>
             </a:r>
-            <a:endParaRPr lang="en-US" dirty="0"/>
           </a:p>
         </p:txBody>
       </p:sp>
@@ -983,10 +981,9 @@
           <a:lstStyle/>
           <a:p>
             <a:r>
-              <a:rPr lang="en-US"/>
+              <a:rPr lang="en-US" dirty="0"/>
               <a:t>DYPCOE</a:t>
             </a:r>
-            <a:endParaRPr lang="en-US" dirty="0"/>
           </a:p>
         </p:txBody>
       </p:sp>
@@ -1071,7 +1068,7 @@
           <a:bodyPr/>
           <a:lstStyle/>
           <a:p>
-            <a:endParaRPr lang="en-IN"/>
+            <a:endParaRPr lang="en-IN" dirty="0"/>
           </a:p>
         </p:txBody>
       </p:sp>
@@ -1091,10 +1088,9 @@
           <a:lstStyle/>
           <a:p>
             <a:r>
-              <a:rPr lang="en-US"/>
+              <a:rPr lang="en-US" dirty="0"/>
               <a:t>Detection of shill reviews</a:t>
             </a:r>
-            <a:endParaRPr lang="en-US" dirty="0"/>
           </a:p>
         </p:txBody>
       </p:sp>
@@ -1114,10 +1110,9 @@
           <a:lstStyle/>
           <a:p>
             <a:r>
-              <a:rPr lang="en-US"/>
+              <a:rPr lang="en-US" dirty="0"/>
               <a:t>DYPCOE</a:t>
             </a:r>
-            <a:endParaRPr lang="en-US" dirty="0"/>
           </a:p>
         </p:txBody>
       </p:sp>
@@ -1204,7 +1199,7 @@
           </a:bodyPr>
           <a:lstStyle/>
           <a:p>
-            <a:endParaRPr lang="en-US"/>
+            <a:endParaRPr lang="en-US" dirty="0"/>
           </a:p>
         </p:txBody>
       </p:sp>
@@ -1248,10 +1243,9 @@
           <a:lstStyle/>
           <a:p>
             <a:r>
-              <a:rPr lang="en-US"/>
+              <a:rPr lang="en-US" dirty="0"/>
               <a:t>Detection of shill reviews</a:t>
             </a:r>
-            <a:endParaRPr lang="en-US" dirty="0"/>
           </a:p>
         </p:txBody>
       </p:sp>
@@ -1271,10 +1265,9 @@
           <a:lstStyle/>
           <a:p>
             <a:r>
-              <a:rPr lang="en-US"/>
+              <a:rPr lang="en-US" dirty="0"/>
               <a:t>DYPCOE</a:t>
             </a:r>
-            <a:endParaRPr lang="en-US" dirty="0"/>
           </a:p>
         </p:txBody>
       </p:sp>
@@ -1335,7 +1328,7 @@
           <a:bodyPr/>
           <a:lstStyle/>
           <a:p>
-            <a:endParaRPr lang="en-IN"/>
+            <a:endParaRPr lang="en-IN" dirty="0"/>
           </a:p>
         </p:txBody>
       </p:sp>
@@ -1355,10 +1348,9 @@
           <a:lstStyle/>
           <a:p>
             <a:r>
-              <a:rPr lang="en-US"/>
+              <a:rPr lang="en-US" dirty="0"/>
               <a:t>Detection of shill reviews</a:t>
             </a:r>
-            <a:endParaRPr lang="en-US" dirty="0"/>
           </a:p>
         </p:txBody>
       </p:sp>
@@ -1378,10 +1370,9 @@
           <a:lstStyle/>
           <a:p>
             <a:r>
-              <a:rPr lang="en-US"/>
+              <a:rPr lang="en-US" dirty="0"/>
               <a:t>DYPCOE</a:t>
             </a:r>
-            <a:endParaRPr lang="en-US" dirty="0"/>
           </a:p>
         </p:txBody>
       </p:sp>
@@ -1403,7 +1394,7 @@
             <a:fld id="{6ECDD55A-AD5B-4B1B-A674-9D05498C136A}" type="slidenum">
               <a:rPr lang="en-US" smtClean="0"/>
               <a:pPr/>
-              <a:t>6</a:t>
+              <a:t>7</a:t>
             </a:fld>
             <a:endParaRPr lang="en-US" dirty="0"/>
           </a:p>
@@ -1468,7 +1459,7 @@
           </a:bodyPr>
           <a:lstStyle/>
           <a:p>
-            <a:endParaRPr lang="en-US"/>
+            <a:endParaRPr lang="en-US" dirty="0"/>
           </a:p>
         </p:txBody>
       </p:sp>
@@ -1488,10 +1479,9 @@
           <a:lstStyle/>
           <a:p>
             <a:r>
-              <a:rPr lang="en-US"/>
+              <a:rPr lang="en-US" dirty="0"/>
               <a:t>Detection of shill reviews</a:t>
             </a:r>
-            <a:endParaRPr lang="en-US" dirty="0"/>
           </a:p>
         </p:txBody>
       </p:sp>
@@ -1513,7 +1503,7 @@
             <a:fld id="{6ECDD55A-AD5B-4B1B-A674-9D05498C136A}" type="slidenum">
               <a:rPr lang="en-US" smtClean="0"/>
               <a:pPr/>
-              <a:t>7</a:t>
+              <a:t>8</a:t>
             </a:fld>
             <a:endParaRPr lang="en-US" dirty="0"/>
           </a:p>
@@ -1535,10 +1525,9 @@
           <a:lstStyle/>
           <a:p>
             <a:r>
-              <a:rPr lang="en-US"/>
+              <a:rPr lang="en-US" dirty="0"/>
               <a:t>DYPCOE</a:t>
             </a:r>
-            <a:endParaRPr lang="en-US" dirty="0"/>
           </a:p>
         </p:txBody>
       </p:sp>
@@ -1599,7 +1588,7 @@
           <a:bodyPr/>
           <a:lstStyle/>
           <a:p>
-            <a:endParaRPr lang="en-IN"/>
+            <a:endParaRPr lang="en-IN" dirty="0"/>
           </a:p>
         </p:txBody>
       </p:sp>
@@ -1619,10 +1608,9 @@
           <a:lstStyle/>
           <a:p>
             <a:r>
-              <a:rPr lang="en-US"/>
+              <a:rPr lang="en-US" dirty="0"/>
               <a:t>Detection of shill reviews</a:t>
             </a:r>
-            <a:endParaRPr lang="en-US" dirty="0"/>
           </a:p>
         </p:txBody>
       </p:sp>
@@ -1642,10 +1630,9 @@
           <a:lstStyle/>
           <a:p>
             <a:r>
-              <a:rPr lang="en-US"/>
+              <a:rPr lang="en-US" dirty="0"/>
               <a:t>DYPCOE</a:t>
             </a:r>
-            <a:endParaRPr lang="en-US" dirty="0"/>
           </a:p>
         </p:txBody>
       </p:sp>
@@ -1667,7 +1654,7 @@
             <a:fld id="{6ECDD55A-AD5B-4B1B-A674-9D05498C136A}" type="slidenum">
               <a:rPr lang="en-US" smtClean="0"/>
               <a:pPr/>
-              <a:t>8</a:t>
+              <a:t>9</a:t>
             </a:fld>
             <a:endParaRPr lang="en-US" dirty="0"/>
           </a:p>
@@ -1750,10 +1737,9 @@
           <a:lstStyle/>
           <a:p>
             <a:r>
-              <a:rPr lang="en-US"/>
+              <a:rPr lang="en-US" dirty="0"/>
               <a:t>Detection of shill reviews</a:t>
             </a:r>
-            <a:endParaRPr lang="en-US" dirty="0"/>
           </a:p>
         </p:txBody>
       </p:sp>
@@ -1773,10 +1759,9 @@
           <a:lstStyle/>
           <a:p>
             <a:r>
-              <a:rPr lang="en-US"/>
+              <a:rPr lang="en-US" dirty="0"/>
               <a:t>DYPCOE</a:t>
             </a:r>
-            <a:endParaRPr lang="en-US" dirty="0"/>
           </a:p>
         </p:txBody>
       </p:sp>
@@ -1798,7 +1783,7 @@
             <a:fld id="{6ECDD55A-AD5B-4B1B-A674-9D05498C136A}" type="slidenum">
               <a:rPr lang="en-US" smtClean="0"/>
               <a:pPr/>
-              <a:t>9</a:t>
+              <a:t>10</a:t>
             </a:fld>
             <a:endParaRPr lang="en-US" dirty="0"/>
           </a:p>
@@ -1881,7 +1866,7 @@
           <a:lstStyle/>
           <a:p>
             <a:pPr algn="ctr" eaLnBrk="1" latinLnBrk="0" hangingPunct="1"/>
-            <a:endParaRPr kumimoji="0" lang="en-US"/>
+            <a:endParaRPr kumimoji="0" lang="en-US" dirty="0"/>
           </a:p>
         </p:txBody>
       </p:sp>
@@ -1929,7 +1914,7 @@
           <a:lstStyle/>
           <a:p>
             <a:pPr algn="ctr" eaLnBrk="1" latinLnBrk="0" hangingPunct="1"/>
-            <a:endParaRPr kumimoji="0" lang="en-US"/>
+            <a:endParaRPr kumimoji="0" lang="en-US" dirty="0"/>
           </a:p>
         </p:txBody>
       </p:sp>
@@ -1977,7 +1962,7 @@
           <a:lstStyle/>
           <a:p>
             <a:pPr algn="ctr" eaLnBrk="1" latinLnBrk="0" hangingPunct="1"/>
-            <a:endParaRPr kumimoji="0" lang="en-US"/>
+            <a:endParaRPr kumimoji="0" lang="en-US" dirty="0"/>
           </a:p>
         </p:txBody>
       </p:sp>
@@ -2142,7 +2127,7 @@
           </a:lstStyle>
           <a:p>
             <a:r>
-              <a:rPr lang="en-IN"/>
+              <a:rPr lang="en-IN" dirty="0"/>
               <a:t>Playing Subset of Lecture Videos by Comparing Text Query with Associated Slides</a:t>
             </a:r>
             <a:endParaRPr lang="en-US" dirty="0"/>
@@ -7800,7 +7785,7 @@
           <a:lstStyle/>
           <a:p>
             <a:pPr algn="ctr" eaLnBrk="1" latinLnBrk="0" hangingPunct="1"/>
-            <a:endParaRPr kumimoji="0" lang="en-US"/>
+            <a:endParaRPr kumimoji="0" lang="en-US" dirty="0"/>
           </a:p>
         </p:txBody>
       </p:sp>
@@ -7848,7 +7833,7 @@
           <a:lstStyle/>
           <a:p>
             <a:pPr algn="ctr" eaLnBrk="1" latinLnBrk="0" hangingPunct="1"/>
-            <a:endParaRPr kumimoji="0" lang="en-US"/>
+            <a:endParaRPr kumimoji="0" lang="en-US" dirty="0"/>
           </a:p>
         </p:txBody>
       </p:sp>
@@ -7896,7 +7881,7 @@
           <a:lstStyle/>
           <a:p>
             <a:pPr algn="ctr" eaLnBrk="1" latinLnBrk="0" hangingPunct="1"/>
-            <a:endParaRPr kumimoji="0" lang="en-US"/>
+            <a:endParaRPr kumimoji="0" lang="en-US" dirty="0"/>
           </a:p>
         </p:txBody>
       </p:sp>
@@ -8015,7 +8000,7 @@
           <a:lstStyle/>
           <a:p>
             <a:r>
-              <a:rPr lang="en-IN"/>
+              <a:rPr lang="en-IN" dirty="0"/>
               <a:t>Playing Subset of Lecture Videos by Comparing Text Query with Associated Slides</a:t>
             </a:r>
             <a:endParaRPr lang="en-US" dirty="0"/>
@@ -9370,7 +9355,7 @@
           <a:lstStyle/>
           <a:p>
             <a:r>
-              <a:rPr lang="en-IN"/>
+              <a:rPr lang="en-IN" dirty="0"/>
               <a:t>Playing Subset of Lecture Videos by Comparing Text Query with Associated Slides</a:t>
             </a:r>
             <a:endParaRPr lang="en-US" dirty="0"/>
@@ -9617,7 +9602,7 @@
           <a:lstStyle/>
           <a:p>
             <a:r>
-              <a:rPr lang="en-IN"/>
+              <a:rPr lang="en-IN" dirty="0"/>
               <a:t>Playing Subset of Lecture Videos by Comparing Text Query with Associated Slides</a:t>
             </a:r>
             <a:endParaRPr lang="en-US" dirty="0"/>
@@ -9797,7 +9782,7 @@
           <a:lstStyle/>
           <a:p>
             <a:r>
-              <a:rPr lang="en-IN"/>
+              <a:rPr lang="en-IN" dirty="0"/>
               <a:t>Playing Subset of Lecture Videos by Comparing Text Query with Associated Slides</a:t>
             </a:r>
             <a:endParaRPr lang="en-US" dirty="0"/>
@@ -10885,7 +10870,7 @@
           </a:lstStyle>
           <a:p>
             <a:r>
-              <a:rPr lang="en-IN"/>
+              <a:rPr lang="en-IN" dirty="0"/>
               <a:t>Playing Subset of Lecture Videos by Comparing Text Query with Associated Slides</a:t>
             </a:r>
             <a:endParaRPr lang="en-US" dirty="0"/>
@@ -10934,7 +10919,7 @@
           <a:lstStyle/>
           <a:p>
             <a:pPr algn="ctr" eaLnBrk="1" latinLnBrk="0" hangingPunct="1"/>
-            <a:endParaRPr kumimoji="0" lang="en-US"/>
+            <a:endParaRPr kumimoji="0" lang="en-US" dirty="0"/>
           </a:p>
         </p:txBody>
       </p:sp>
@@ -10982,7 +10967,7 @@
           <a:lstStyle/>
           <a:p>
             <a:pPr algn="ctr" eaLnBrk="1" latinLnBrk="0" hangingPunct="1"/>
-            <a:endParaRPr kumimoji="0" lang="en-US"/>
+            <a:endParaRPr kumimoji="0" lang="en-US" dirty="0"/>
           </a:p>
         </p:txBody>
       </p:sp>
@@ -11030,7 +11015,7 @@
           <a:lstStyle/>
           <a:p>
             <a:pPr algn="ctr" eaLnBrk="1" latinLnBrk="0" hangingPunct="1"/>
-            <a:endParaRPr kumimoji="0" lang="en-US"/>
+            <a:endParaRPr kumimoji="0" lang="en-US" dirty="0"/>
           </a:p>
         </p:txBody>
       </p:sp>
@@ -11532,7 +11517,7 @@
               <a:pPr/>
               <a:t>4/30/2022</a:t>
             </a:fld>
-            <a:endParaRPr lang="en-IN"/>
+            <a:endParaRPr lang="en-IN" dirty="0"/>
           </a:p>
         </p:txBody>
       </p:sp>
@@ -11570,7 +11555,7 @@
           </a:lstStyle>
           <a:p>
             <a:r>
-              <a:rPr lang="en-IN"/>
+              <a:rPr lang="en-IN" dirty="0"/>
               <a:t>Playing Subset of Lecture Videos by Comparing Text Query with Associated Slides</a:t>
             </a:r>
           </a:p>
@@ -11614,7 +11599,7 @@
               <a:pPr/>
               <a:t>‹#›</a:t>
             </a:fld>
-            <a:endParaRPr lang="en-IN"/>
+            <a:endParaRPr lang="en-IN" dirty="0"/>
           </a:p>
         </p:txBody>
       </p:sp>
@@ -12078,7 +12063,7 @@
               <a:pPr/>
               <a:t>4/30/2022</a:t>
             </a:fld>
-            <a:endParaRPr lang="en-IN"/>
+            <a:endParaRPr lang="en-IN" dirty="0"/>
           </a:p>
         </p:txBody>
       </p:sp>
@@ -12116,7 +12101,7 @@
           </a:lstStyle>
           <a:p>
             <a:r>
-              <a:rPr lang="en-IN"/>
+              <a:rPr lang="en-IN" dirty="0"/>
               <a:t>Playing Subset of Lecture Videos by Comparing Text Query with Associated Slides</a:t>
             </a:r>
           </a:p>
@@ -12160,7 +12145,7 @@
               <a:pPr/>
               <a:t>‹#›</a:t>
             </a:fld>
-            <a:endParaRPr lang="en-IN"/>
+            <a:endParaRPr lang="en-IN" dirty="0"/>
           </a:p>
         </p:txBody>
       </p:sp>
@@ -12496,8 +12481,8 @@
         </p:nvSpPr>
         <p:spPr>
           <a:xfrm>
-            <a:off x="6096000" y="4934775"/>
-            <a:ext cx="2438400" cy="962743"/>
+            <a:off x="5580113" y="4581128"/>
+            <a:ext cx="3540984" cy="1152128"/>
           </a:xfrm>
           <a:prstGeom prst="rect">
             <a:avLst/>
@@ -12527,7 +12512,7 @@
                 <a:latin typeface="Times New Roman" pitchFamily="18" charset="0"/>
                 <a:cs typeface="Times New Roman" pitchFamily="18" charset="0"/>
               </a:rPr>
-              <a:t>    	  </a:t>
+              <a:t>    	 </a:t>
             </a:r>
             <a:r>
               <a:rPr lang="en-US" sz="2000" kern="0" dirty="0">
@@ -12561,7 +12546,27 @@
                 <a:latin typeface="Times New Roman" pitchFamily="18" charset="0"/>
                 <a:cs typeface="Times New Roman" pitchFamily="18" charset="0"/>
               </a:rPr>
-              <a:t>       Guide Name</a:t>
+              <a:t>       Mrs. </a:t>
+            </a:r>
+            <a:r>
+              <a:rPr lang="en-US" sz="2000" kern="0" dirty="0" err="1">
+                <a:solidFill>
+                  <a:srgbClr val="09096D"/>
+                </a:solidFill>
+                <a:latin typeface="Times New Roman" pitchFamily="18" charset="0"/>
+                <a:cs typeface="Times New Roman" pitchFamily="18" charset="0"/>
+              </a:rPr>
+              <a:t>Himani</a:t>
+            </a:r>
+            <a:r>
+              <a:rPr lang="en-US" sz="2000" kern="0" dirty="0">
+                <a:solidFill>
+                  <a:srgbClr val="09096D"/>
+                </a:solidFill>
+                <a:latin typeface="Times New Roman" pitchFamily="18" charset="0"/>
+                <a:cs typeface="Times New Roman" pitchFamily="18" charset="0"/>
+              </a:rPr>
+              <a:t> Patel</a:t>
             </a:r>
             <a:r>
               <a:rPr lang="en-US" sz="2400" kern="0" dirty="0">
@@ -12571,8 +12576,25 @@
                 <a:latin typeface="Times New Roman" pitchFamily="18" charset="0"/>
                 <a:cs typeface="Times New Roman" pitchFamily="18" charset="0"/>
               </a:rPr>
-              <a:t>	</a:t>
-            </a:r>
+              <a:t> </a:t>
+            </a:r>
+            <a:r>
+              <a:rPr lang="en-US" sz="2000" kern="0" dirty="0">
+                <a:solidFill>
+                  <a:srgbClr val="09096D"/>
+                </a:solidFill>
+                <a:latin typeface="Times New Roman" pitchFamily="18" charset="0"/>
+                <a:cs typeface="Times New Roman" pitchFamily="18" charset="0"/>
+              </a:rPr>
+              <a:t>Mam</a:t>
+            </a:r>
+            <a:endParaRPr lang="en-US" sz="2400" kern="0" dirty="0">
+              <a:solidFill>
+                <a:srgbClr val="09096D"/>
+              </a:solidFill>
+              <a:latin typeface="Times New Roman" pitchFamily="18" charset="0"/>
+              <a:cs typeface="Times New Roman" pitchFamily="18" charset="0"/>
+            </a:endParaRPr>
           </a:p>
           <a:p>
             <a:pPr marL="342900" indent="-342900" algn="ctr">
@@ -12706,7 +12728,7 @@
         </p:spPr>
         <p:txBody>
           <a:bodyPr vert="horz" lIns="91440" tIns="45720" rIns="91440" bIns="45720" rtlCol="0" anchor="ctr">
-            <a:normAutofit/>
+            <a:normAutofit lnSpcReduction="10000"/>
           </a:bodyPr>
           <a:lstStyle>
             <a:lvl1pPr algn="ctr" defTabSz="914400" rtl="0" eaLnBrk="1" latinLnBrk="0" hangingPunct="1">
@@ -12726,7 +12748,7 @@
           </a:lstStyle>
           <a:p>
             <a:r>
-              <a:rPr lang="en-US" sz="3200" dirty="0">
+              <a:rPr lang="en-US" sz="2800" dirty="0">
                 <a:solidFill>
                   <a:srgbClr val="09096D"/>
                 </a:solidFill>
@@ -12737,7 +12759,7 @@
           </a:p>
           <a:p>
             <a:r>
-              <a:rPr lang="en-US" sz="3200" dirty="0">
+              <a:rPr lang="en-US" sz="2800" dirty="0">
                 <a:solidFill>
                   <a:srgbClr val="09096D"/>
                 </a:solidFill>
@@ -12748,13 +12770,24 @@
           </a:p>
           <a:p>
             <a:r>
-              <a:rPr lang="en-US" sz="3200" dirty="0">
+              <a:rPr lang="en-US" sz="3200" b="1" dirty="0">
                 <a:solidFill>
                   <a:srgbClr val="C00000"/>
                 </a:solidFill>
                 <a:latin typeface="Times New Roman" pitchFamily="18" charset="0"/>
               </a:rPr>
-              <a:t>Title</a:t>
+              <a:t>Grow Green </a:t>
+            </a:r>
+          </a:p>
+          <a:p>
+            <a:r>
+              <a:rPr lang="en-US" sz="3200" b="1" dirty="0">
+                <a:solidFill>
+                  <a:srgbClr val="C00000"/>
+                </a:solidFill>
+                <a:latin typeface="Times New Roman" pitchFamily="18" charset="0"/>
+              </a:rPr>
+              <a:t>Tree Plantation Website</a:t>
             </a:r>
           </a:p>
         </p:txBody>
@@ -12791,8 +12824,8 @@
         </p:nvSpPr>
         <p:spPr>
           <a:xfrm>
-            <a:off x="457200" y="4934776"/>
-            <a:ext cx="2114536" cy="1046440"/>
+            <a:off x="119941" y="4141858"/>
+            <a:ext cx="1810544" cy="707886"/>
           </a:xfrm>
           <a:prstGeom prst="rect">
             <a:avLst/>
@@ -12825,7 +12858,7 @@
                 <a:latin typeface="Times New Roman" pitchFamily="18" charset="0"/>
                 <a:cs typeface="Times New Roman" pitchFamily="18" charset="0"/>
               </a:rPr>
-              <a:t>   Presented By:</a:t>
+              <a:t> Presented By:</a:t>
             </a:r>
           </a:p>
           <a:p>
@@ -12841,40 +12874,13 @@
               </a:buClr>
               <a:defRPr/>
             </a:pPr>
-            <a:r>
-              <a:rPr lang="en-IN" sz="2000" kern="0" dirty="0">
-                <a:solidFill>
-                  <a:srgbClr val="09096D"/>
-                </a:solidFill>
-                <a:latin typeface="Times New Roman" pitchFamily="18" charset="0"/>
-                <a:cs typeface="Times New Roman" pitchFamily="18" charset="0"/>
-              </a:rPr>
-              <a:t> Name</a:t>
-            </a:r>
-          </a:p>
-          <a:p>
-            <a:pPr marL="342900" indent="-342900">
-              <a:lnSpc>
-                <a:spcPct val="90000"/>
-              </a:lnSpc>
-              <a:spcBef>
-                <a:spcPct val="20000"/>
-              </a:spcBef>
-              <a:buClr>
-                <a:schemeClr val="hlink"/>
-              </a:buClr>
-              <a:defRPr/>
-            </a:pPr>
-            <a:r>
-              <a:rPr lang="en-IN" sz="2000" kern="0" dirty="0">
-                <a:solidFill>
-                  <a:srgbClr val="09096D"/>
-                </a:solidFill>
-                <a:latin typeface="Times New Roman" pitchFamily="18" charset="0"/>
-                <a:cs typeface="Times New Roman" pitchFamily="18" charset="0"/>
-              </a:rPr>
-              <a:t> Seat No</a:t>
-            </a:r>
+            <a:endParaRPr lang="en-IN" sz="2000" kern="0" dirty="0">
+              <a:solidFill>
+                <a:srgbClr val="09096D"/>
+              </a:solidFill>
+              <a:latin typeface="Times New Roman" pitchFamily="18" charset="0"/>
+              <a:cs typeface="Times New Roman" pitchFamily="18" charset="0"/>
+            </a:endParaRPr>
           </a:p>
         </p:txBody>
       </p:sp>
@@ -12981,6 +12987,231 @@
           </a:p>
         </p:txBody>
       </p:sp>
+      <p:graphicFrame>
+        <p:nvGraphicFramePr>
+          <p:cNvPr id="3" name="Table 5">
+            <a:extLst>
+              <a:ext uri="{FF2B5EF4-FFF2-40B4-BE49-F238E27FC236}">
+                <a16:creationId xmlns:a16="http://schemas.microsoft.com/office/drawing/2014/main" id="{26F4AB51-B7F3-487F-AB70-8173481F4C76}"/>
+              </a:ext>
+            </a:extLst>
+          </p:cNvPr>
+          <p:cNvGraphicFramePr>
+            <a:graphicFrameLocks noGrp="1"/>
+          </p:cNvGraphicFramePr>
+          <p:nvPr>
+            <p:extLst>
+              <p:ext uri="{D42A27DB-BD31-4B8C-83A1-F6EECF244321}">
+                <p14:modId xmlns:p14="http://schemas.microsoft.com/office/powerpoint/2010/main" val="2287335610"/>
+              </p:ext>
+            </p:extLst>
+          </p:nvPr>
+        </p:nvGraphicFramePr>
+        <p:xfrm>
+          <a:off x="323528" y="4581128"/>
+          <a:ext cx="4824536" cy="1854200"/>
+        </p:xfrm>
+        <a:graphic>
+          <a:graphicData uri="http://schemas.openxmlformats.org/drawingml/2006/table">
+            <a:tbl>
+              <a:tblPr firstRow="1" bandRow="1">
+                <a:tableStyleId>{5C22544A-7EE6-4342-B048-85BDC9FD1C3A}</a:tableStyleId>
+              </a:tblPr>
+              <a:tblGrid>
+                <a:gridCol w="2412268">
+                  <a:extLst>
+                    <a:ext uri="{9D8B030D-6E8A-4147-A177-3AD203B41FA5}">
+                      <a16:colId xmlns:a16="http://schemas.microsoft.com/office/drawing/2014/main" val="1391822652"/>
+                    </a:ext>
+                  </a:extLst>
+                </a:gridCol>
+                <a:gridCol w="2412268">
+                  <a:extLst>
+                    <a:ext uri="{9D8B030D-6E8A-4147-A177-3AD203B41FA5}">
+                      <a16:colId xmlns:a16="http://schemas.microsoft.com/office/drawing/2014/main" val="2909921300"/>
+                    </a:ext>
+                  </a:extLst>
+                </a:gridCol>
+              </a:tblGrid>
+              <a:tr h="370840">
+                <a:tc>
+                  <a:txBody>
+                    <a:bodyPr/>
+                    <a:lstStyle/>
+                    <a:p>
+                      <a:r>
+                        <a:rPr lang="en-US" dirty="0"/>
+                        <a:t>Name</a:t>
+                      </a:r>
+                      <a:endParaRPr lang="en-IN" dirty="0"/>
+                    </a:p>
+                  </a:txBody>
+                  <a:tcPr/>
+                </a:tc>
+                <a:tc>
+                  <a:txBody>
+                    <a:bodyPr/>
+                    <a:lstStyle/>
+                    <a:p>
+                      <a:r>
+                        <a:rPr lang="en-US" dirty="0"/>
+                        <a:t>Seat no</a:t>
+                      </a:r>
+                      <a:endParaRPr lang="en-IN" dirty="0"/>
+                    </a:p>
+                  </a:txBody>
+                  <a:tcPr/>
+                </a:tc>
+                <a:extLst>
+                  <a:ext uri="{0D108BD9-81ED-4DB2-BD59-A6C34878D82A}">
+                    <a16:rowId xmlns:a16="http://schemas.microsoft.com/office/drawing/2014/main" val="1328936934"/>
+                  </a:ext>
+                </a:extLst>
+              </a:tr>
+              <a:tr h="370840">
+                <a:tc>
+                  <a:txBody>
+                    <a:bodyPr/>
+                    <a:lstStyle/>
+                    <a:p>
+                      <a:r>
+                        <a:rPr lang="en-US" dirty="0"/>
+                        <a:t>Kalpesh Pawar</a:t>
+                      </a:r>
+                      <a:endParaRPr lang="en-IN" dirty="0"/>
+                    </a:p>
+                  </a:txBody>
+                  <a:tcPr/>
+                </a:tc>
+                <a:tc>
+                  <a:txBody>
+                    <a:bodyPr/>
+                    <a:lstStyle/>
+                    <a:p>
+                      <a:r>
+                        <a:rPr lang="en-IN" dirty="0"/>
+                        <a:t>S190088501</a:t>
+                      </a:r>
+                    </a:p>
+                  </a:txBody>
+                  <a:tcPr/>
+                </a:tc>
+                <a:extLst>
+                  <a:ext uri="{0D108BD9-81ED-4DB2-BD59-A6C34878D82A}">
+                    <a16:rowId xmlns:a16="http://schemas.microsoft.com/office/drawing/2014/main" val="2233013343"/>
+                  </a:ext>
+                </a:extLst>
+              </a:tr>
+              <a:tr h="370840">
+                <a:tc>
+                  <a:txBody>
+                    <a:bodyPr/>
+                    <a:lstStyle/>
+                    <a:p>
+                      <a:r>
+                        <a:rPr lang="en-US" dirty="0"/>
+                        <a:t>Rasika Ghadge</a:t>
+                      </a:r>
+                      <a:endParaRPr lang="en-IN" dirty="0"/>
+                    </a:p>
+                  </a:txBody>
+                  <a:tcPr/>
+                </a:tc>
+                <a:tc>
+                  <a:txBody>
+                    <a:bodyPr/>
+                    <a:lstStyle/>
+                    <a:p>
+                      <a:r>
+                        <a:rPr lang="en-IN" dirty="0"/>
+                        <a:t>S190088549</a:t>
+                      </a:r>
+                    </a:p>
+                  </a:txBody>
+                  <a:tcPr/>
+                </a:tc>
+                <a:extLst>
+                  <a:ext uri="{0D108BD9-81ED-4DB2-BD59-A6C34878D82A}">
+                    <a16:rowId xmlns:a16="http://schemas.microsoft.com/office/drawing/2014/main" val="4218616125"/>
+                  </a:ext>
+                </a:extLst>
+              </a:tr>
+              <a:tr h="370840">
+                <a:tc>
+                  <a:txBody>
+                    <a:bodyPr/>
+                    <a:lstStyle/>
+                    <a:p>
+                      <a:r>
+                        <a:rPr lang="en-US" dirty="0"/>
+                        <a:t>Suraj </a:t>
+                      </a:r>
+                      <a:r>
+                        <a:rPr lang="en-US" dirty="0" err="1"/>
+                        <a:t>Pisal</a:t>
+                      </a:r>
+                      <a:endParaRPr lang="en-IN" dirty="0"/>
+                    </a:p>
+                  </a:txBody>
+                  <a:tcPr/>
+                </a:tc>
+                <a:tc>
+                  <a:txBody>
+                    <a:bodyPr/>
+                    <a:lstStyle/>
+                    <a:p>
+                      <a:r>
+                        <a:rPr lang="en-IN" dirty="0"/>
+                        <a:t>S190088612</a:t>
+                      </a:r>
+                    </a:p>
+                  </a:txBody>
+                  <a:tcPr/>
+                </a:tc>
+                <a:extLst>
+                  <a:ext uri="{0D108BD9-81ED-4DB2-BD59-A6C34878D82A}">
+                    <a16:rowId xmlns:a16="http://schemas.microsoft.com/office/drawing/2014/main" val="3962716783"/>
+                  </a:ext>
+                </a:extLst>
+              </a:tr>
+              <a:tr h="370840">
+                <a:tc>
+                  <a:txBody>
+                    <a:bodyPr/>
+                    <a:lstStyle/>
+                    <a:p>
+                      <a:r>
+                        <a:rPr lang="en-US" dirty="0"/>
+                        <a:t>Pradnya Barve</a:t>
+                      </a:r>
+                      <a:endParaRPr lang="en-IN" dirty="0"/>
+                    </a:p>
+                  </a:txBody>
+                  <a:tcPr/>
+                </a:tc>
+                <a:tc>
+                  <a:txBody>
+                    <a:bodyPr/>
+                    <a:lstStyle/>
+                    <a:p>
+                      <a:r>
+                        <a:rPr lang="en-IN" dirty="0"/>
+                        <a:t>S190088613</a:t>
+                      </a:r>
+                    </a:p>
+                  </a:txBody>
+                  <a:tcPr/>
+                </a:tc>
+                <a:extLst>
+                  <a:ext uri="{0D108BD9-81ED-4DB2-BD59-A6C34878D82A}">
+                    <a16:rowId xmlns:a16="http://schemas.microsoft.com/office/drawing/2014/main" val="3060053806"/>
+                  </a:ext>
+                </a:extLst>
+              </a:tr>
+            </a:tbl>
+          </a:graphicData>
+        </a:graphic>
+      </p:graphicFrame>
     </p:spTree>
     <p:extLst>
       <p:ext uri="{BB962C8B-B14F-4D97-AF65-F5344CB8AC3E}">
@@ -13023,18 +13254,27 @@
         </p:nvSpPr>
         <p:spPr/>
         <p:txBody>
-          <a:bodyPr>
-            <a:normAutofit/>
-          </a:bodyPr>
-          <a:lstStyle/>
-          <a:p>
+          <a:bodyPr/>
+          <a:lstStyle/>
+          <a:p>
+            <a:r>
+              <a:rPr lang="en-IN" dirty="0">
+                <a:latin typeface="Times New Roman" panose="02020603050405020304" pitchFamily="18" charset="0"/>
+                <a:cs typeface="Times New Roman" panose="02020603050405020304" pitchFamily="18" charset="0"/>
+              </a:rPr>
+              <a:t>   </a:t>
+            </a:r>
             <a:r>
               <a:rPr lang="en-IN" sz="3600" dirty="0">
                 <a:latin typeface="Times New Roman" panose="02020603050405020304" pitchFamily="18" charset="0"/>
                 <a:cs typeface="Times New Roman" panose="02020603050405020304" pitchFamily="18" charset="0"/>
               </a:rPr>
-              <a:t>   Data Flow Diagram/ER Diagram</a:t>
-            </a:r>
+              <a:t>System Block Diagram</a:t>
+            </a:r>
+            <a:endParaRPr lang="en-IN" sz="2400" dirty="0">
+              <a:latin typeface="Times New Roman" panose="02020603050405020304" pitchFamily="18" charset="0"/>
+              <a:cs typeface="Times New Roman" panose="02020603050405020304" pitchFamily="18" charset="0"/>
+            </a:endParaRPr>
           </a:p>
         </p:txBody>
       </p:sp>
@@ -13050,58 +13290,20 @@
         </p:nvSpPr>
         <p:spPr>
           <a:xfrm>
-            <a:off x="7696200" y="6477000"/>
-            <a:ext cx="1066800" cy="136525"/>
-          </a:xfrm>
-        </p:spPr>
-        <p:txBody>
-          <a:bodyPr/>
-          <a:lstStyle/>
-          <a:p>
-            <a:r>
-              <a:rPr lang="en-US" dirty="0"/>
-              <a:t>                                  </a:t>
-            </a:r>
-            <a:fld id="{58E1DC1D-91A1-4139-BC08-1203120DC967}" type="datetime1">
+            <a:off x="7620000" y="6477000"/>
+            <a:ext cx="1143000" cy="381000"/>
+          </a:xfrm>
+        </p:spPr>
+        <p:txBody>
+          <a:bodyPr/>
+          <a:lstStyle/>
+          <a:p>
+            <a:fld id="{50026CB2-BE88-4DA1-AF16-95AD2428938C}" type="datetime1">
               <a:rPr lang="en-US" smtClean="0"/>
               <a:pPr/>
               <a:t>4/30/2022</a:t>
             </a:fld>
             <a:endParaRPr lang="en-US" dirty="0"/>
-          </a:p>
-        </p:txBody>
-      </p:sp>
-      <p:sp>
-        <p:nvSpPr>
-          <p:cNvPr id="4" name="Footer Placeholder 3"/>
-          <p:cNvSpPr>
-            <a:spLocks noGrp="1"/>
-          </p:cNvSpPr>
-          <p:nvPr>
-            <p:ph type="ftr" sz="quarter" idx="11"/>
-          </p:nvPr>
-        </p:nvSpPr>
-        <p:spPr>
-          <a:xfrm>
-            <a:off x="609600" y="6477000"/>
-            <a:ext cx="6934200" cy="381000"/>
-          </a:xfrm>
-        </p:spPr>
-        <p:txBody>
-          <a:bodyPr/>
-          <a:lstStyle/>
-          <a:p>
-            <a:r>
-              <a:rPr lang="en-IN" dirty="0">
-                <a:latin typeface="Times New Roman" panose="02020603050405020304" pitchFamily="18" charset="0"/>
-                <a:cs typeface="Times New Roman" panose="02020603050405020304" pitchFamily="18" charset="0"/>
-              </a:rPr>
-              <a:t>Playing Subset of Lecture Videos by Comparing Text Query with Associated Slides</a:t>
-            </a:r>
-            <a:endParaRPr lang="en-US" dirty="0">
-              <a:latin typeface="Times New Roman" panose="02020603050405020304" pitchFamily="18" charset="0"/>
-              <a:cs typeface="Times New Roman" panose="02020603050405020304" pitchFamily="18" charset="0"/>
-            </a:endParaRPr>
           </a:p>
         </p:txBody>
       </p:sp>
@@ -13133,65 +13335,6 @@
               <a:t>10</a:t>
             </a:fld>
             <a:endParaRPr lang="en-US" dirty="0"/>
-          </a:p>
-        </p:txBody>
-      </p:sp>
-      <p:sp>
-        <p:nvSpPr>
-          <p:cNvPr id="6" name="Content Placeholder 5"/>
-          <p:cNvSpPr>
-            <a:spLocks noGrp="1"/>
-          </p:cNvSpPr>
-          <p:nvPr>
-            <p:ph sz="quarter" idx="1"/>
-          </p:nvPr>
-        </p:nvSpPr>
-        <p:spPr>
-          <a:xfrm>
-            <a:off x="457200" y="1600200"/>
-            <a:ext cx="8308848" cy="4566320"/>
-          </a:xfrm>
-        </p:spPr>
-        <p:txBody>
-          <a:bodyPr>
-            <a:normAutofit/>
-          </a:bodyPr>
-          <a:lstStyle/>
-          <a:p>
-            <a:pPr marL="0" indent="0">
-              <a:buNone/>
-            </a:pPr>
-            <a:endParaRPr lang="en-IN" sz="2400" dirty="0">
-              <a:latin typeface="Times New Roman" panose="02020603050405020304" pitchFamily="18" charset="0"/>
-              <a:cs typeface="Times New Roman" panose="02020603050405020304" pitchFamily="18" charset="0"/>
-            </a:endParaRPr>
-          </a:p>
-          <a:p>
-            <a:endParaRPr lang="en-IN" sz="2400" dirty="0">
-              <a:latin typeface="Times New Roman" panose="02020603050405020304" pitchFamily="18" charset="0"/>
-              <a:cs typeface="Times New Roman" panose="02020603050405020304" pitchFamily="18" charset="0"/>
-            </a:endParaRPr>
-          </a:p>
-          <a:p>
-            <a:pPr marL="0" indent="0">
-              <a:buNone/>
-            </a:pPr>
-            <a:endParaRPr lang="en-IN" sz="2400" dirty="0">
-              <a:latin typeface="Times New Roman" panose="02020603050405020304" pitchFamily="18" charset="0"/>
-              <a:cs typeface="Times New Roman" panose="02020603050405020304" pitchFamily="18" charset="0"/>
-            </a:endParaRPr>
-          </a:p>
-          <a:p>
-            <a:pPr marL="0" indent="0">
-              <a:buNone/>
-            </a:pPr>
-            <a:r>
-              <a:rPr lang="en-IN" sz="2400" dirty="0">
-                <a:latin typeface="Times New Roman" panose="02020603050405020304" pitchFamily="18" charset="0"/>
-                <a:cs typeface="Times New Roman" panose="02020603050405020304" pitchFamily="18" charset="0"/>
-              </a:rPr>
-              <a:t>      </a:t>
-            </a:r>
           </a:p>
         </p:txBody>
       </p:sp>
@@ -13204,7 +13347,7 @@
           <p:nvPr/>
         </p:nvPicPr>
         <p:blipFill>
-          <a:blip r:embed="rId2">
+          <a:blip r:embed="rId3">
             <a:extLst>
               <a:ext uri="{28A0092B-C50C-407E-A947-70E740481C1C}">
                 <a14:useLocalDpi xmlns:a14="http://schemas.microsoft.com/office/drawing/2010/main" val="0"/>
@@ -13251,38 +13394,102 @@
       </p:pic>
       <p:pic>
         <p:nvPicPr>
-          <p:cNvPr id="9" name="Picture 8">
+          <p:cNvPr id="1026" name="Picture 2" descr="Guidance for successful tree planting initiatives - Brancalion - 2020 -  Journal of Applied Ecology - Wiley Online Library">
             <a:extLst>
               <a:ext uri="{FF2B5EF4-FFF2-40B4-BE49-F238E27FC236}">
-                <a16:creationId xmlns:a16="http://schemas.microsoft.com/office/drawing/2014/main" id="{D4846630-8D2B-494C-8B42-16541B41B26B}"/>
+                <a16:creationId xmlns:a16="http://schemas.microsoft.com/office/drawing/2014/main" id="{C22660E8-4121-40D1-9394-7354E0A6C595}"/>
               </a:ext>
             </a:extLst>
           </p:cNvPr>
           <p:cNvPicPr>
-            <a:picLocks noChangeAspect="1"/>
+            <a:picLocks noChangeAspect="1" noChangeArrowheads="1"/>
           </p:cNvPicPr>
           <p:nvPr/>
         </p:nvPicPr>
         <p:blipFill>
-          <a:blip r:embed="rId3"/>
+          <a:blip r:embed="rId4">
+            <a:extLst>
+              <a:ext uri="{28A0092B-C50C-407E-A947-70E740481C1C}">
+                <a14:useLocalDpi xmlns:a14="http://schemas.microsoft.com/office/drawing/2010/main" val="0"/>
+              </a:ext>
+            </a:extLst>
+          </a:blip>
+          <a:srcRect/>
           <a:stretch>
             <a:fillRect/>
           </a:stretch>
         </p:blipFill>
-        <p:spPr>
-          <a:xfrm>
-            <a:off x="1397995" y="1086366"/>
-            <a:ext cx="6348010" cy="5235394"/>
+        <p:spPr bwMode="auto">
+          <a:xfrm>
+            <a:off x="2286000" y="1877218"/>
+            <a:ext cx="4572000" cy="3105150"/>
           </a:xfrm>
           <a:prstGeom prst="rect">
             <a:avLst/>
           </a:prstGeom>
+          <a:noFill/>
+          <a:extLst>
+            <a:ext uri="{909E8E84-426E-40DD-AFC4-6F175D3DCCD1}">
+              <a14:hiddenFill xmlns:a14="http://schemas.microsoft.com/office/drawing/2010/main">
+                <a:solidFill>
+                  <a:srgbClr val="FFFFFF"/>
+                </a:solidFill>
+              </a14:hiddenFill>
+            </a:ext>
+          </a:extLst>
+        </p:spPr>
+      </p:pic>
+      <p:pic>
+        <p:nvPicPr>
+          <p:cNvPr id="1028" name="Picture 4" descr="Remote Sensing | Free Full-Text | Health Assessment of Eucalyptus Trees  Using Siamese Network from Google Street and Ground Truth Images | HTML">
+            <a:extLst>
+              <a:ext uri="{FF2B5EF4-FFF2-40B4-BE49-F238E27FC236}">
+                <a16:creationId xmlns:a16="http://schemas.microsoft.com/office/drawing/2014/main" id="{0772C8A1-46E8-43ED-B530-D8FA5B175CD0}"/>
+              </a:ext>
+            </a:extLst>
+          </p:cNvPr>
+          <p:cNvPicPr>
+            <a:picLocks noChangeAspect="1" noChangeArrowheads="1"/>
+          </p:cNvPicPr>
+          <p:nvPr/>
+        </p:nvPicPr>
+        <p:blipFill>
+          <a:blip r:embed="rId5" cstate="print">
+            <a:extLst>
+              <a:ext uri="{28A0092B-C50C-407E-A947-70E740481C1C}">
+                <a14:useLocalDpi xmlns:a14="http://schemas.microsoft.com/office/drawing/2010/main" val="0"/>
+              </a:ext>
+            </a:extLst>
+          </a:blip>
+          <a:srcRect/>
+          <a:stretch>
+            <a:fillRect/>
+          </a:stretch>
+        </p:blipFill>
+        <p:spPr bwMode="auto">
+          <a:xfrm>
+            <a:off x="0" y="1681077"/>
+            <a:ext cx="9144000" cy="5173663"/>
+          </a:xfrm>
+          <a:prstGeom prst="rect">
+            <a:avLst/>
+          </a:prstGeom>
+          <a:noFill/>
+          <a:extLst>
+            <a:ext uri="{909E8E84-426E-40DD-AFC4-6F175D3DCCD1}">
+              <a14:hiddenFill xmlns:a14="http://schemas.microsoft.com/office/drawing/2010/main">
+                <a:solidFill>
+                  <a:srgbClr val="FFFFFF"/>
+                </a:solidFill>
+              </a14:hiddenFill>
+            </a:ext>
+          </a:extLst>
         </p:spPr>
       </p:pic>
     </p:spTree>
     <p:extLst>
       <p:ext uri="{BB962C8B-B14F-4D97-AF65-F5344CB8AC3E}">
-        <p14:creationId xmlns:p14="http://schemas.microsoft.com/office/powerpoint/2010/main" val="614093633"/>
+        <p14:creationId xmlns:p14="http://schemas.microsoft.com/office/powerpoint/2010/main" val="3411970280"/>
       </p:ext>
     </p:extLst>
   </p:cSld>
@@ -13331,7 +13538,7 @@
                 <a:latin typeface="Times New Roman" panose="02020603050405020304" pitchFamily="18" charset="0"/>
                 <a:cs typeface="Times New Roman" panose="02020603050405020304" pitchFamily="18" charset="0"/>
               </a:rPr>
-              <a:t>   Implementation Details</a:t>
+              <a:t>   Data Flow Diagram</a:t>
             </a:r>
           </a:p>
         </p:txBody>
@@ -13348,8 +13555,8 @@
         </p:nvSpPr>
         <p:spPr>
           <a:xfrm>
-            <a:off x="7696200" y="6248400"/>
-            <a:ext cx="1066800" cy="365125"/>
+            <a:off x="7696200" y="6477000"/>
+            <a:ext cx="1066800" cy="136525"/>
           </a:xfrm>
         </p:spPr>
         <p:txBody>
@@ -13371,40 +13578,6 @@
       </p:sp>
       <p:sp>
         <p:nvSpPr>
-          <p:cNvPr id="4" name="Footer Placeholder 3"/>
-          <p:cNvSpPr>
-            <a:spLocks noGrp="1"/>
-          </p:cNvSpPr>
-          <p:nvPr>
-            <p:ph type="ftr" sz="quarter" idx="11"/>
-          </p:nvPr>
-        </p:nvSpPr>
-        <p:spPr>
-          <a:xfrm>
-            <a:off x="609600" y="6477000"/>
-            <a:ext cx="6324600" cy="228600"/>
-          </a:xfrm>
-        </p:spPr>
-        <p:txBody>
-          <a:bodyPr/>
-          <a:lstStyle/>
-          <a:p>
-            <a:r>
-              <a:rPr lang="en-IN" dirty="0">
-                <a:latin typeface="Times New Roman" panose="02020603050405020304" pitchFamily="18" charset="0"/>
-                <a:cs typeface="Times New Roman" panose="02020603050405020304" pitchFamily="18" charset="0"/>
-              </a:rPr>
-              <a:t>Playing Subset of Lecture Videos by Comparing Text Query with Associated Slides</a:t>
-            </a:r>
-            <a:endParaRPr lang="en-US" dirty="0">
-              <a:latin typeface="Times New Roman" panose="02020603050405020304" pitchFamily="18" charset="0"/>
-              <a:cs typeface="Times New Roman" panose="02020603050405020304" pitchFamily="18" charset="0"/>
-            </a:endParaRPr>
-          </a:p>
-        </p:txBody>
-      </p:sp>
-      <p:sp>
-        <p:nvSpPr>
           <p:cNvPr id="5" name="Slide Number Placeholder 4"/>
           <p:cNvSpPr>
             <a:spLocks noGrp="1"/>
@@ -13444,17 +13617,37 @@
             <p:ph sz="quarter" idx="1"/>
           </p:nvPr>
         </p:nvSpPr>
-        <p:spPr/>
+        <p:spPr>
+          <a:xfrm>
+            <a:off x="457200" y="1600200"/>
+            <a:ext cx="8308848" cy="4566320"/>
+          </a:xfrm>
+        </p:spPr>
         <p:txBody>
           <a:bodyPr>
             <a:normAutofit/>
           </a:bodyPr>
           <a:lstStyle/>
           <a:p>
-            <a:pPr marL="0" indent="0" algn="just">
+            <a:pPr marL="0" indent="0">
               <a:buNone/>
             </a:pPr>
-            <a:endParaRPr lang="en-IN" sz="2000" b="1" dirty="0">
+            <a:endParaRPr lang="en-IN" sz="2400" dirty="0">
+              <a:latin typeface="Times New Roman" panose="02020603050405020304" pitchFamily="18" charset="0"/>
+              <a:cs typeface="Times New Roman" panose="02020603050405020304" pitchFamily="18" charset="0"/>
+            </a:endParaRPr>
+          </a:p>
+          <a:p>
+            <a:endParaRPr lang="en-IN" sz="2400" dirty="0">
+              <a:latin typeface="Times New Roman" panose="02020603050405020304" pitchFamily="18" charset="0"/>
+              <a:cs typeface="Times New Roman" panose="02020603050405020304" pitchFamily="18" charset="0"/>
+            </a:endParaRPr>
+          </a:p>
+          <a:p>
+            <a:pPr marL="0" indent="0">
+              <a:buNone/>
+            </a:pPr>
+            <a:endParaRPr lang="en-IN" sz="2400" dirty="0">
               <a:latin typeface="Times New Roman" panose="02020603050405020304" pitchFamily="18" charset="0"/>
               <a:cs typeface="Times New Roman" panose="02020603050405020304" pitchFamily="18" charset="0"/>
             </a:endParaRPr>
@@ -13527,128 +13720,12 @@
           </a:extLst>
         </p:spPr>
       </p:pic>
-      <p:sp>
-        <p:nvSpPr>
-          <p:cNvPr id="9" name="TextBox 8">
+      <p:pic>
+        <p:nvPicPr>
+          <p:cNvPr id="9" name="Picture 8">
             <a:extLst>
               <a:ext uri="{FF2B5EF4-FFF2-40B4-BE49-F238E27FC236}">
-                <a16:creationId xmlns:a16="http://schemas.microsoft.com/office/drawing/2014/main" id="{0C317FC0-3BC7-44B7-81B9-AE33939A7DA8}"/>
-              </a:ext>
-            </a:extLst>
-          </p:cNvPr>
-          <p:cNvSpPr txBox="1"/>
-          <p:nvPr/>
-        </p:nvSpPr>
-        <p:spPr>
-          <a:xfrm>
-            <a:off x="295503" y="1497205"/>
-            <a:ext cx="6480048" cy="4524315"/>
-          </a:xfrm>
-          <a:prstGeom prst="rect">
-            <a:avLst/>
-          </a:prstGeom>
-          <a:noFill/>
-        </p:spPr>
-        <p:txBody>
-          <a:bodyPr wrap="square">
-            <a:spAutoFit/>
-          </a:bodyPr>
-          <a:lstStyle/>
-          <a:p>
-            <a:pPr algn="l" fontAlgn="base"/>
-            <a:r>
-              <a:rPr lang="en-IN" b="0" i="0" dirty="0">
-                <a:solidFill>
-                  <a:srgbClr val="333333"/>
-                </a:solidFill>
-                <a:effectLst/>
-                <a:latin typeface="Gotham Narrow Medium"/>
-              </a:rPr>
-              <a:t>Strategy</a:t>
-            </a:r>
-          </a:p>
-          <a:p>
-            <a:pPr algn="l"/>
-            <a:r>
-              <a:rPr lang="en-IN" b="0" i="0" dirty="0">
-                <a:solidFill>
-                  <a:srgbClr val="333333"/>
-                </a:solidFill>
-                <a:effectLst/>
-                <a:latin typeface="Gotham Narrow Book"/>
-              </a:rPr>
-              <a:t>Planting trees and ensuring that the survival rate is high is one of the responsibilities that The Art of Living takes seriously. The trees we have planted have a 90% survival rate. This has been possible because of our 3- step strategy:</a:t>
-            </a:r>
-          </a:p>
-          <a:p>
-            <a:pPr algn="l" fontAlgn="base">
-              <a:buFont typeface="Arial" panose="020B0604020202020204" pitchFamily="34" charset="0"/>
-              <a:buChar char="•"/>
-            </a:pPr>
-            <a:r>
-              <a:rPr lang="en-IN" b="0" i="0" dirty="0">
-                <a:solidFill>
-                  <a:srgbClr val="333333"/>
-                </a:solidFill>
-                <a:effectLst/>
-                <a:latin typeface="Gotham Narrow Book"/>
-              </a:rPr>
-              <a:t>Planting saplings and plants and using drip irrigation</a:t>
-            </a:r>
-          </a:p>
-          <a:p>
-            <a:pPr algn="l" fontAlgn="base">
-              <a:buFont typeface="Arial" panose="020B0604020202020204" pitchFamily="34" charset="0"/>
-              <a:buChar char="•"/>
-            </a:pPr>
-            <a:r>
-              <a:rPr lang="en-IN" b="0" i="0" dirty="0">
-                <a:solidFill>
-                  <a:srgbClr val="333333"/>
-                </a:solidFill>
-                <a:effectLst/>
-                <a:latin typeface="Gotham Narrow Book"/>
-              </a:rPr>
-              <a:t>Digging deep trenches to protect from animals</a:t>
-            </a:r>
-          </a:p>
-          <a:p>
-            <a:pPr algn="l" fontAlgn="base">
-              <a:buFont typeface="Arial" panose="020B0604020202020204" pitchFamily="34" charset="0"/>
-              <a:buChar char="•"/>
-            </a:pPr>
-            <a:r>
-              <a:rPr lang="en-IN" b="0" i="0" dirty="0">
-                <a:solidFill>
-                  <a:srgbClr val="333333"/>
-                </a:solidFill>
-                <a:effectLst/>
-                <a:latin typeface="Gotham Narrow Book"/>
-              </a:rPr>
-              <a:t>Daily monitoring to avoid unforeseen mishaps</a:t>
-            </a:r>
-          </a:p>
-          <a:p>
-            <a:pPr algn="l"/>
-            <a:r>
-              <a:rPr lang="en-IN" b="0" i="0" dirty="0">
-                <a:solidFill>
-                  <a:srgbClr val="333333"/>
-                </a:solidFill>
-                <a:effectLst/>
-                <a:latin typeface="Gotham Narrow Book"/>
-              </a:rPr>
-              <a:t>Drip irrigation systems bring down water footprint and thereby maintenance costs significantly. Creation of deep trenches helps in reducing sapling protection costs significantly as compared to building individual tree guards around each sapling to protect them from being local cattle. These trenches help in harvesting rainwater and thereby keeping soil moisture content high season, which is very critical for the high survival rate of saplings.</a:t>
-            </a:r>
-          </a:p>
-        </p:txBody>
-      </p:sp>
-      <p:pic>
-        <p:nvPicPr>
-          <p:cNvPr id="11" name="Picture 10">
-            <a:extLst>
-              <a:ext uri="{FF2B5EF4-FFF2-40B4-BE49-F238E27FC236}">
-                <a16:creationId xmlns:a16="http://schemas.microsoft.com/office/drawing/2014/main" id="{D24C9476-3401-4165-9050-D042423A7B5C}"/>
+                <a16:creationId xmlns:a16="http://schemas.microsoft.com/office/drawing/2014/main" id="{D4846630-8D2B-494C-8B42-16541B41B26B}"/>
               </a:ext>
             </a:extLst>
           </p:cNvPr>
@@ -13665,8 +13742,37 @@
         </p:blipFill>
         <p:spPr>
           <a:xfrm>
-            <a:off x="4036611" y="859198"/>
-            <a:ext cx="5342083" cy="4320914"/>
+            <a:off x="-1825" y="1605825"/>
+            <a:ext cx="6348010" cy="5252173"/>
+          </a:xfrm>
+          <a:prstGeom prst="rect">
+            <a:avLst/>
+          </a:prstGeom>
+        </p:spPr>
+      </p:pic>
+      <p:pic>
+        <p:nvPicPr>
+          <p:cNvPr id="10" name="Picture 9">
+            <a:extLst>
+              <a:ext uri="{FF2B5EF4-FFF2-40B4-BE49-F238E27FC236}">
+                <a16:creationId xmlns:a16="http://schemas.microsoft.com/office/drawing/2014/main" id="{9B23F185-B6F9-4BFF-A4E7-CD1626BFCD51}"/>
+              </a:ext>
+            </a:extLst>
+          </p:cNvPr>
+          <p:cNvPicPr>
+            <a:picLocks noChangeAspect="1"/>
+          </p:cNvPicPr>
+          <p:nvPr/>
+        </p:nvPicPr>
+        <p:blipFill rotWithShape="1">
+          <a:blip r:embed="rId4"/>
+          <a:srcRect l="10022" t="4224" r="21233" b="20528"/>
+          <a:stretch/>
+        </p:blipFill>
+        <p:spPr>
+          <a:xfrm>
+            <a:off x="5784029" y="2161224"/>
+            <a:ext cx="3359971" cy="2851952"/>
           </a:xfrm>
           <a:prstGeom prst="rect">
             <a:avLst/>
@@ -13676,7 +13782,7 @@
     </p:spTree>
     <p:extLst>
       <p:ext uri="{BB962C8B-B14F-4D97-AF65-F5344CB8AC3E}">
-        <p14:creationId xmlns:p14="http://schemas.microsoft.com/office/powerpoint/2010/main" val="1178828973"/>
+        <p14:creationId xmlns:p14="http://schemas.microsoft.com/office/powerpoint/2010/main" val="614093633"/>
       </p:ext>
     </p:extLst>
   </p:cSld>
@@ -13725,42 +13831,47 @@
                 <a:latin typeface="Times New Roman" panose="02020603050405020304" pitchFamily="18" charset="0"/>
                 <a:cs typeface="Times New Roman" panose="02020603050405020304" pitchFamily="18" charset="0"/>
               </a:rPr>
-              <a:t>   Conclusion</a:t>
-            </a:r>
-          </a:p>
-        </p:txBody>
-      </p:sp>
-      <p:sp>
-        <p:nvSpPr>
-          <p:cNvPr id="3" name="Footer Placeholder 2"/>
-          <p:cNvSpPr>
-            <a:spLocks noGrp="1"/>
-          </p:cNvSpPr>
-          <p:nvPr>
-            <p:ph type="ftr" sz="quarter" idx="11"/>
+              <a:t>   Implementation Details</a:t>
+            </a:r>
+          </a:p>
+        </p:txBody>
+      </p:sp>
+      <p:sp>
+        <p:nvSpPr>
+          <p:cNvPr id="3" name="Date Placeholder 2"/>
+          <p:cNvSpPr>
+            <a:spLocks noGrp="1"/>
+          </p:cNvSpPr>
+          <p:nvPr>
+            <p:ph type="dt" sz="half" idx="10"/>
           </p:nvPr>
         </p:nvSpPr>
         <p:spPr>
           <a:xfrm>
-            <a:off x="609600" y="6477000"/>
-            <a:ext cx="6629400" cy="304800"/>
-          </a:xfrm>
-        </p:spPr>
-        <p:txBody>
-          <a:bodyPr/>
-          <a:lstStyle/>
-          <a:p>
-            <a:r>
-              <a:rPr lang="en-IN" dirty="0"/>
-              <a:t>Playing Subset of Lecture Videos by Comparing Text Query with Associated Slides</a:t>
-            </a:r>
+            <a:off x="7696200" y="6248400"/>
+            <a:ext cx="1066800" cy="365125"/>
+          </a:xfrm>
+        </p:spPr>
+        <p:txBody>
+          <a:bodyPr/>
+          <a:lstStyle/>
+          <a:p>
+            <a:r>
+              <a:rPr lang="en-US" dirty="0"/>
+              <a:t>                                  </a:t>
+            </a:r>
+            <a:fld id="{58E1DC1D-91A1-4139-BC08-1203120DC967}" type="datetime1">
+              <a:rPr lang="en-US" smtClean="0"/>
+              <a:pPr/>
+              <a:t>4/30/2022</a:t>
+            </a:fld>
             <a:endParaRPr lang="en-US" dirty="0"/>
           </a:p>
         </p:txBody>
       </p:sp>
       <p:sp>
         <p:nvSpPr>
-          <p:cNvPr id="4" name="Slide Number Placeholder 3"/>
+          <p:cNvPr id="5" name="Slide Number Placeholder 4"/>
           <p:cNvSpPr>
             <a:spLocks noGrp="1"/>
           </p:cNvSpPr>
@@ -13791,7 +13902,7 @@
       </p:sp>
       <p:sp>
         <p:nvSpPr>
-          <p:cNvPr id="5" name="Content Placeholder 4"/>
+          <p:cNvPr id="6" name="Content Placeholder 5"/>
           <p:cNvSpPr>
             <a:spLocks noGrp="1"/>
           </p:cNvSpPr>
@@ -13809,40 +13920,22 @@
             <a:pPr marL="0" indent="0" algn="just">
               <a:buNone/>
             </a:pPr>
-            <a:endParaRPr lang="en-IN" dirty="0"/>
-          </a:p>
-        </p:txBody>
-      </p:sp>
-      <p:sp>
-        <p:nvSpPr>
-          <p:cNvPr id="6" name="Date Placeholder 5"/>
-          <p:cNvSpPr>
-            <a:spLocks noGrp="1"/>
-          </p:cNvSpPr>
-          <p:nvPr>
-            <p:ph type="dt" sz="half" idx="10"/>
-          </p:nvPr>
-        </p:nvSpPr>
-        <p:spPr>
-          <a:xfrm>
-            <a:off x="7620000" y="6477000"/>
-            <a:ext cx="1143000" cy="136525"/>
-          </a:xfrm>
-        </p:spPr>
-        <p:txBody>
-          <a:bodyPr/>
-          <a:lstStyle/>
-          <a:p>
-            <a:r>
-              <a:rPr lang="en-US" dirty="0"/>
-              <a:t>                                  </a:t>
-            </a:r>
-            <a:fld id="{2D739922-1A12-4CE3-9A0E-8E44DFA7D15A}" type="datetime1">
-              <a:rPr lang="en-US" smtClean="0"/>
-              <a:pPr/>
-              <a:t>4/30/2022</a:t>
-            </a:fld>
-            <a:endParaRPr lang="en-US" dirty="0"/>
+            <a:endParaRPr lang="en-IN" sz="2000" b="1" dirty="0">
+              <a:latin typeface="Times New Roman" panose="02020603050405020304" pitchFamily="18" charset="0"/>
+              <a:cs typeface="Times New Roman" panose="02020603050405020304" pitchFamily="18" charset="0"/>
+            </a:endParaRPr>
+          </a:p>
+          <a:p>
+            <a:pPr marL="0" indent="0">
+              <a:buNone/>
+            </a:pPr>
+            <a:r>
+              <a:rPr lang="en-IN" sz="2400" dirty="0">
+                <a:latin typeface="Times New Roman" panose="02020603050405020304" pitchFamily="18" charset="0"/>
+                <a:cs typeface="Times New Roman" panose="02020603050405020304" pitchFamily="18" charset="0"/>
+              </a:rPr>
+              <a:t>      </a:t>
+            </a:r>
           </a:p>
         </p:txBody>
       </p:sp>
@@ -13900,10 +13993,167 @@
           </a:extLst>
         </p:spPr>
       </p:pic>
+      <p:sp>
+        <p:nvSpPr>
+          <p:cNvPr id="9" name="TextBox 8">
+            <a:extLst>
+              <a:ext uri="{FF2B5EF4-FFF2-40B4-BE49-F238E27FC236}">
+                <a16:creationId xmlns:a16="http://schemas.microsoft.com/office/drawing/2014/main" id="{0C317FC0-3BC7-44B7-81B9-AE33939A7DA8}"/>
+              </a:ext>
+            </a:extLst>
+          </p:cNvPr>
+          <p:cNvSpPr txBox="1"/>
+          <p:nvPr/>
+        </p:nvSpPr>
+        <p:spPr>
+          <a:xfrm>
+            <a:off x="14772" y="1543878"/>
+            <a:ext cx="9129227" cy="5151218"/>
+          </a:xfrm>
+          <a:prstGeom prst="rect">
+            <a:avLst/>
+          </a:prstGeom>
+          <a:noFill/>
+        </p:spPr>
+        <p:txBody>
+          <a:bodyPr wrap="square">
+            <a:spAutoFit/>
+          </a:bodyPr>
+          <a:lstStyle/>
+          <a:p>
+            <a:pPr algn="just" fontAlgn="base"/>
+            <a:r>
+              <a:rPr lang="en-IN" sz="2400" b="1" i="0" dirty="0">
+                <a:solidFill>
+                  <a:srgbClr val="333333"/>
+                </a:solidFill>
+                <a:effectLst/>
+                <a:latin typeface="Gotham Narrow Medium"/>
+              </a:rPr>
+              <a:t>Strategy</a:t>
+            </a:r>
+          </a:p>
+          <a:p>
+            <a:pPr algn="just" fontAlgn="base"/>
+            <a:endParaRPr lang="en-IN" sz="2000" b="1" i="0" dirty="0">
+              <a:solidFill>
+                <a:srgbClr val="333333"/>
+              </a:solidFill>
+              <a:effectLst/>
+              <a:latin typeface="Gotham Narrow Medium"/>
+            </a:endParaRPr>
+          </a:p>
+          <a:p>
+            <a:pPr algn="just">
+              <a:lnSpc>
+                <a:spcPct val="150000"/>
+              </a:lnSpc>
+            </a:pPr>
+            <a:r>
+              <a:rPr lang="en-IN" sz="1600" b="0" i="0" dirty="0">
+                <a:solidFill>
+                  <a:srgbClr val="333333"/>
+                </a:solidFill>
+                <a:effectLst/>
+                <a:latin typeface="Gotham Narrow Book"/>
+              </a:rPr>
+              <a:t>Planting trees and ensuring that the survival rate is high is one of the responsibilities that The Art of Living takes seriously. The trees we have planted have a 90% survival rate. This has been possible because of our 3- step strategy:</a:t>
+            </a:r>
+          </a:p>
+          <a:p>
+            <a:pPr algn="just" fontAlgn="base">
+              <a:lnSpc>
+                <a:spcPct val="150000"/>
+              </a:lnSpc>
+              <a:buFont typeface="Arial" panose="020B0604020202020204" pitchFamily="34" charset="0"/>
+              <a:buChar char="•"/>
+            </a:pPr>
+            <a:r>
+              <a:rPr lang="en-IN" sz="1600" b="0" i="0" dirty="0">
+                <a:solidFill>
+                  <a:srgbClr val="333333"/>
+                </a:solidFill>
+                <a:effectLst/>
+                <a:latin typeface="Gotham Narrow Book"/>
+              </a:rPr>
+              <a:t>Planting saplings and plants and using drip irrigation</a:t>
+            </a:r>
+          </a:p>
+          <a:p>
+            <a:pPr algn="just" fontAlgn="base">
+              <a:lnSpc>
+                <a:spcPct val="150000"/>
+              </a:lnSpc>
+              <a:buFont typeface="Arial" panose="020B0604020202020204" pitchFamily="34" charset="0"/>
+              <a:buChar char="•"/>
+            </a:pPr>
+            <a:r>
+              <a:rPr lang="en-IN" sz="1600" b="0" i="0" dirty="0">
+                <a:solidFill>
+                  <a:srgbClr val="333333"/>
+                </a:solidFill>
+                <a:effectLst/>
+                <a:latin typeface="Gotham Narrow Book"/>
+              </a:rPr>
+              <a:t>Digging deep trenches to protect from animals</a:t>
+            </a:r>
+          </a:p>
+          <a:p>
+            <a:pPr algn="just" fontAlgn="base">
+              <a:lnSpc>
+                <a:spcPct val="150000"/>
+              </a:lnSpc>
+              <a:buFont typeface="Arial" panose="020B0604020202020204" pitchFamily="34" charset="0"/>
+              <a:buChar char="•"/>
+            </a:pPr>
+            <a:r>
+              <a:rPr lang="en-IN" sz="1600" b="0" i="0" dirty="0">
+                <a:solidFill>
+                  <a:srgbClr val="333333"/>
+                </a:solidFill>
+                <a:effectLst/>
+                <a:latin typeface="Gotham Narrow Book"/>
+              </a:rPr>
+              <a:t>Daily monitoring to avoid unforeseen mishaps</a:t>
+            </a:r>
+          </a:p>
+          <a:p>
+            <a:pPr algn="just" fontAlgn="base">
+              <a:lnSpc>
+                <a:spcPct val="150000"/>
+              </a:lnSpc>
+            </a:pPr>
+            <a:endParaRPr lang="en-IN" sz="1600" b="0" i="0" dirty="0">
+              <a:solidFill>
+                <a:srgbClr val="333333"/>
+              </a:solidFill>
+              <a:effectLst/>
+              <a:latin typeface="Gotham Narrow Book"/>
+            </a:endParaRPr>
+          </a:p>
+          <a:p>
+            <a:pPr algn="just">
+              <a:lnSpc>
+                <a:spcPct val="150000"/>
+              </a:lnSpc>
+            </a:pPr>
+            <a:r>
+              <a:rPr lang="en-IN" sz="1600" b="0" i="0" dirty="0">
+                <a:solidFill>
+                  <a:srgbClr val="333333"/>
+                </a:solidFill>
+                <a:effectLst/>
+                <a:latin typeface="Gotham Narrow Book"/>
+              </a:rPr>
+              <a:t>Drip irrigation systems bring down water footprint and thereby maintenance costs significantly. Creation of deep trenches helps in reducing sapling protection costs significantly as compared to building individual tree guards around each sapling to protect them from being local cattle. These trenches help in harvesting rainwater and thereby keeping soil moisture content high season, which is very critical for the high survival rate of saplings.</a:t>
+            </a:r>
+          </a:p>
+        </p:txBody>
+      </p:sp>
     </p:spTree>
     <p:extLst>
       <p:ext uri="{BB962C8B-B14F-4D97-AF65-F5344CB8AC3E}">
-        <p14:creationId xmlns:p14="http://schemas.microsoft.com/office/powerpoint/2010/main" val="2007365380"/>
+        <p14:creationId xmlns:p14="http://schemas.microsoft.com/office/powerpoint/2010/main" val="1178828973"/>
       </p:ext>
     </p:extLst>
   </p:cSld>
@@ -13940,60 +14190,20 @@
             <p:ph type="title"/>
           </p:nvPr>
         </p:nvSpPr>
-        <p:spPr>
-          <a:xfrm>
-            <a:off x="304800" y="-304800"/>
-            <a:ext cx="8229600" cy="1143000"/>
-          </a:xfrm>
-        </p:spPr>
+        <p:spPr/>
         <p:txBody>
           <a:bodyPr>
-            <a:normAutofit fontScale="90000"/>
+            <a:normAutofit/>
           </a:bodyPr>
           <a:lstStyle/>
           <a:p>
-            <a:br>
-              <a:rPr lang="en-US" dirty="0"/>
-            </a:br>
-            <a:r>
-              <a:rPr lang="en-US" dirty="0"/>
-              <a:t>     </a:t>
-            </a:r>
-            <a:r>
-              <a:rPr lang="en-US" sz="4000" dirty="0">
+            <a:r>
+              <a:rPr lang="en-IN" sz="3600" dirty="0">
                 <a:latin typeface="Times New Roman" panose="02020603050405020304" pitchFamily="18" charset="0"/>
                 <a:cs typeface="Times New Roman" panose="02020603050405020304" pitchFamily="18" charset="0"/>
               </a:rPr>
-              <a:t>References</a:t>
-            </a:r>
-          </a:p>
-        </p:txBody>
-      </p:sp>
-      <p:sp>
-        <p:nvSpPr>
-          <p:cNvPr id="5" name="Footer Placeholder 4"/>
-          <p:cNvSpPr>
-            <a:spLocks noGrp="1"/>
-          </p:cNvSpPr>
-          <p:nvPr>
-            <p:ph type="ftr" sz="quarter" idx="11"/>
-          </p:nvPr>
-        </p:nvSpPr>
-        <p:spPr>
-          <a:xfrm>
-            <a:off x="609600" y="6477000"/>
-            <a:ext cx="6781800" cy="304800"/>
-          </a:xfrm>
-        </p:spPr>
-        <p:txBody>
-          <a:bodyPr/>
-          <a:lstStyle/>
-          <a:p>
-            <a:r>
-              <a:rPr lang="en-IN" dirty="0"/>
-              <a:t>Playing Subset of Lecture Videos by Comparing Text Query with Associated Slides</a:t>
-            </a:r>
-            <a:endParaRPr lang="en-US" dirty="0"/>
+              <a:t>   Conclusion</a:t>
+            </a:r>
           </a:p>
         </p:txBody>
       </p:sp>
@@ -14030,7 +14240,7 @@
       </p:sp>
       <p:sp>
         <p:nvSpPr>
-          <p:cNvPr id="3" name="Content Placeholder 2"/>
+          <p:cNvPr id="5" name="Content Placeholder 4"/>
           <p:cNvSpPr>
             <a:spLocks noGrp="1"/>
           </p:cNvSpPr>
@@ -14038,218 +14248,37 @@
             <p:ph sz="quarter" idx="1"/>
           </p:nvPr>
         </p:nvSpPr>
-        <p:spPr>
-          <a:xfrm>
-            <a:off x="228600" y="609600"/>
-            <a:ext cx="8458200" cy="5867400"/>
-          </a:xfrm>
-        </p:spPr>
+        <p:spPr/>
         <p:txBody>
           <a:bodyPr>
-            <a:noAutofit/>
+            <a:normAutofit lnSpcReduction="10000"/>
           </a:bodyPr>
           <a:lstStyle/>
           <a:p>
-            <a:pPr>
+            <a:pPr marL="0" indent="0" algn="just">
               <a:buNone/>
             </a:pPr>
-            <a:endParaRPr lang="en-US" sz="1800" dirty="0">
-              <a:latin typeface="+mj-lt"/>
-              <a:cs typeface="Aharoni" pitchFamily="2" charset="-79"/>
-            </a:endParaRPr>
-          </a:p>
-          <a:p>
-            <a:pPr>
-              <a:buNone/>
-            </a:pPr>
-            <a:endParaRPr lang="en-US" sz="1800" dirty="0">
-              <a:latin typeface="+mj-lt"/>
-              <a:cs typeface="Aharoni" pitchFamily="2" charset="-79"/>
-            </a:endParaRPr>
-          </a:p>
-          <a:p>
-            <a:pPr algn="just">
-              <a:buNone/>
-            </a:pPr>
-            <a:endParaRPr lang="en-US" sz="1800" dirty="0">
-              <a:latin typeface="+mj-lt"/>
-              <a:cs typeface="Aharoni" pitchFamily="2" charset="-79"/>
-            </a:endParaRPr>
-          </a:p>
-          <a:p>
-            <a:pPr>
-              <a:buNone/>
-            </a:pPr>
-            <a:r>
-              <a:rPr lang="en-US" sz="1800" dirty="0">
-                <a:latin typeface="+mj-lt"/>
-                <a:cs typeface="Aharoni" pitchFamily="2" charset="-79"/>
-                <a:hlinkClick r:id="rId2"/>
+            <a:r>
+              <a:rPr lang="en-US" b="0" i="0" dirty="0">
+                <a:effectLst/>
+                <a:latin typeface="Minion Pro"/>
               </a:rPr>
-              <a:t>https://www.nelda.org.in/</a:t>
-            </a:r>
-            <a:endParaRPr lang="en-US" sz="1800" dirty="0">
-              <a:latin typeface="+mj-lt"/>
-              <a:cs typeface="Aharoni" pitchFamily="2" charset="-79"/>
-            </a:endParaRPr>
-          </a:p>
-          <a:p>
-            <a:pPr>
-              <a:buNone/>
-            </a:pPr>
-            <a:r>
-              <a:rPr lang="en-US" sz="1800" dirty="0">
-                <a:latin typeface="+mj-lt"/>
-                <a:cs typeface="Aharoni" pitchFamily="2" charset="-79"/>
-                <a:hlinkClick r:id="rId3"/>
+              <a:t>Trees have a lot of importance in our lives, and it provides seamless service for the environment. we have somehow not protected them and perhaps that is why as on today we are being affected by global warming, severe pollution and other ill effects of </a:t>
+            </a:r>
+            <a:r>
+              <a:rPr lang="en-US" dirty="0">
+                <a:latin typeface="Minion Pro"/>
               </a:rPr>
-              <a:t>https://sankalptaru.org/</a:t>
-            </a:r>
-            <a:endParaRPr lang="en-US" sz="1800" dirty="0">
-              <a:latin typeface="+mj-lt"/>
-              <a:cs typeface="Aharoni" pitchFamily="2" charset="-79"/>
-            </a:endParaRPr>
-          </a:p>
-          <a:p>
-            <a:pPr>
-              <a:buNone/>
-            </a:pPr>
-            <a:r>
-              <a:rPr lang="en-US" sz="1800" dirty="0">
-                <a:latin typeface="+mj-lt"/>
-                <a:cs typeface="Aharoni" pitchFamily="2" charset="-79"/>
-                <a:hlinkClick r:id="rId4"/>
+              <a:t>deforestation</a:t>
+            </a:r>
+            <a:r>
+              <a:rPr lang="en-US" b="0" i="0" dirty="0">
+                <a:effectLst/>
+                <a:latin typeface="Minion Pro"/>
               </a:rPr>
-              <a:t>https://catchfoundation.in/plantenance/</a:t>
-            </a:r>
-            <a:endParaRPr lang="en-US" sz="1800" dirty="0">
-              <a:latin typeface="+mj-lt"/>
-              <a:cs typeface="Aharoni" pitchFamily="2" charset="-79"/>
-            </a:endParaRPr>
-          </a:p>
-          <a:p>
-            <a:pPr>
-              <a:buNone/>
-            </a:pPr>
-            <a:r>
-              <a:rPr lang="en-US" sz="1800" dirty="0">
-                <a:latin typeface="+mj-lt"/>
-                <a:cs typeface="Aharoni" pitchFamily="2" charset="-79"/>
-                <a:hlinkClick r:id="rId5"/>
-              </a:rPr>
-              <a:t>https://en.wikipedia.org/wiki/Tree_planting</a:t>
-            </a:r>
-            <a:endParaRPr lang="en-US" sz="1800" dirty="0">
-              <a:latin typeface="+mj-lt"/>
-              <a:cs typeface="Aharoni" pitchFamily="2" charset="-79"/>
-            </a:endParaRPr>
-          </a:p>
-          <a:p>
-            <a:pPr>
-              <a:buNone/>
-            </a:pPr>
-            <a:r>
-              <a:rPr lang="en-US" sz="1800" dirty="0">
-                <a:latin typeface="+mj-lt"/>
-                <a:cs typeface="Aharoni" pitchFamily="2" charset="-79"/>
-                <a:hlinkClick r:id="rId6"/>
-              </a:rPr>
-              <a:t>https://treesisters.org/blog/how-to-start-your-own-tree-planting-project</a:t>
-            </a:r>
-            <a:endParaRPr lang="en-US" sz="1800" dirty="0">
-              <a:latin typeface="+mj-lt"/>
-              <a:cs typeface="Aharoni" pitchFamily="2" charset="-79"/>
-            </a:endParaRPr>
-          </a:p>
-          <a:p>
-            <a:pPr>
-              <a:buNone/>
-            </a:pPr>
-            <a:r>
-              <a:rPr lang="en-US" sz="1800" dirty="0">
-                <a:latin typeface="+mj-lt"/>
-                <a:cs typeface="Aharoni" pitchFamily="2" charset="-79"/>
-                <a:hlinkClick r:id="rId7"/>
-              </a:rPr>
-              <a:t>https://www.artofliving.org/in-en/projects/tree-planting</a:t>
-            </a:r>
-            <a:endParaRPr lang="en-US" sz="1800" dirty="0">
-              <a:latin typeface="+mj-lt"/>
-              <a:cs typeface="Aharoni" pitchFamily="2" charset="-79"/>
-            </a:endParaRPr>
-          </a:p>
-          <a:p>
-            <a:pPr>
-              <a:buNone/>
-            </a:pPr>
-            <a:r>
-              <a:rPr lang="en-US" sz="1800" dirty="0">
-                <a:latin typeface="+mj-lt"/>
-                <a:cs typeface="Aharoni" pitchFamily="2" charset="-79"/>
-                <a:hlinkClick r:id="rId8"/>
-              </a:rPr>
-              <a:t>http://www.cmseducation.org/environment/treeplantation.html</a:t>
-            </a:r>
-            <a:endParaRPr lang="en-US" sz="1800" dirty="0">
-              <a:latin typeface="+mj-lt"/>
-              <a:cs typeface="Aharoni" pitchFamily="2" charset="-79"/>
-            </a:endParaRPr>
-          </a:p>
-          <a:p>
-            <a:pPr>
-              <a:buNone/>
-            </a:pPr>
-            <a:r>
-              <a:rPr lang="en-US" sz="1800" dirty="0">
-                <a:latin typeface="+mj-lt"/>
-                <a:cs typeface="Aharoni" pitchFamily="2" charset="-79"/>
-                <a:hlinkClick r:id="rId9"/>
-              </a:rPr>
-              <a:t>https://www.grow-trees.com/projects.php</a:t>
-            </a:r>
-            <a:endParaRPr lang="en-US" sz="1800" dirty="0">
-              <a:latin typeface="+mj-lt"/>
-              <a:cs typeface="Aharoni" pitchFamily="2" charset="-79"/>
-            </a:endParaRPr>
-          </a:p>
-          <a:p>
-            <a:pPr>
-              <a:buNone/>
-            </a:pPr>
-            <a:endParaRPr lang="en-US" sz="1800" dirty="0">
-              <a:latin typeface="+mj-lt"/>
-              <a:cs typeface="Aharoni" pitchFamily="2" charset="-79"/>
-            </a:endParaRPr>
-          </a:p>
-          <a:p>
-            <a:pPr>
-              <a:buNone/>
-            </a:pPr>
-            <a:endParaRPr lang="en-US" sz="1800" dirty="0">
-              <a:latin typeface="+mj-lt"/>
-              <a:cs typeface="Aharoni" pitchFamily="2" charset="-79"/>
-            </a:endParaRPr>
-          </a:p>
-          <a:p>
-            <a:pPr>
-              <a:buNone/>
-            </a:pPr>
-            <a:endParaRPr lang="en-US" sz="1800" dirty="0">
-              <a:latin typeface="+mj-lt"/>
-              <a:cs typeface="Aharoni" pitchFamily="2" charset="-79"/>
-            </a:endParaRPr>
-          </a:p>
-          <a:p>
-            <a:pPr>
-              <a:buNone/>
-            </a:pPr>
-            <a:r>
-              <a:rPr lang="en-US" sz="1800" dirty="0">
-                <a:latin typeface="+mj-lt"/>
-                <a:cs typeface="Aharoni" pitchFamily="2" charset="-79"/>
-              </a:rPr>
-              <a:t>.</a:t>
-            </a:r>
+              <a:t>. Trees should be treated and nurtured nicely so that human beings can survive on this planet. We should encourage others to plant more and more trees. It is for our own betterment and the sooner we understand this the better it is for us.</a:t>
+            </a:r>
+            <a:endParaRPr lang="en-IN" dirty="0"/>
           </a:p>
         </p:txBody>
       </p:sp>
@@ -14277,7 +14306,7 @@
               <a:rPr lang="en-US" dirty="0"/>
               <a:t>                                  </a:t>
             </a:r>
-            <a:fld id="{A7155BC5-7D3D-481F-AB77-8C8C82728F9D}" type="datetime1">
+            <a:fld id="{2D739922-1A12-4CE3-9A0E-8E44DFA7D15A}" type="datetime1">
               <a:rPr lang="en-US" smtClean="0"/>
               <a:pPr/>
               <a:t>4/30/2022</a:t>
@@ -14295,7 +14324,7 @@
           <p:nvPr/>
         </p:nvPicPr>
         <p:blipFill>
-          <a:blip r:embed="rId10">
+          <a:blip r:embed="rId2">
             <a:extLst>
               <a:ext uri="{28A0092B-C50C-407E-A947-70E740481C1C}">
                 <a14:useLocalDpi xmlns:a14="http://schemas.microsoft.com/office/drawing/2010/main" val="0"/>
@@ -14341,6 +14370,11 @@
         </p:spPr>
       </p:pic>
     </p:spTree>
+    <p:extLst>
+      <p:ext uri="{BB962C8B-B14F-4D97-AF65-F5344CB8AC3E}">
+        <p14:creationId xmlns:p14="http://schemas.microsoft.com/office/powerpoint/2010/main" val="2007365380"/>
+      </p:ext>
+    </p:extLst>
   </p:cSld>
   <p:clrMapOvr>
     <a:masterClrMapping/>
@@ -14367,6 +14401,441 @@
       </p:grpSpPr>
       <p:sp>
         <p:nvSpPr>
+          <p:cNvPr id="2" name="Title 1"/>
+          <p:cNvSpPr>
+            <a:spLocks noGrp="1"/>
+          </p:cNvSpPr>
+          <p:nvPr>
+            <p:ph type="title"/>
+          </p:nvPr>
+        </p:nvSpPr>
+        <p:spPr>
+          <a:xfrm>
+            <a:off x="304800" y="-304800"/>
+            <a:ext cx="8229600" cy="1143000"/>
+          </a:xfrm>
+        </p:spPr>
+        <p:txBody>
+          <a:bodyPr>
+            <a:normAutofit fontScale="90000"/>
+          </a:bodyPr>
+          <a:lstStyle/>
+          <a:p>
+            <a:br>
+              <a:rPr lang="en-US" dirty="0"/>
+            </a:br>
+            <a:r>
+              <a:rPr lang="en-US" dirty="0"/>
+              <a:t>     </a:t>
+            </a:r>
+            <a:r>
+              <a:rPr lang="en-US" sz="4000" dirty="0">
+                <a:latin typeface="Times New Roman" panose="02020603050405020304" pitchFamily="18" charset="0"/>
+                <a:cs typeface="Times New Roman" panose="02020603050405020304" pitchFamily="18" charset="0"/>
+              </a:rPr>
+              <a:t>References</a:t>
+            </a:r>
+          </a:p>
+        </p:txBody>
+      </p:sp>
+      <p:sp>
+        <p:nvSpPr>
+          <p:cNvPr id="5" name="Footer Placeholder 4"/>
+          <p:cNvSpPr>
+            <a:spLocks noGrp="1"/>
+          </p:cNvSpPr>
+          <p:nvPr>
+            <p:ph type="ftr" sz="quarter" idx="11"/>
+          </p:nvPr>
+        </p:nvSpPr>
+        <p:spPr>
+          <a:xfrm>
+            <a:off x="609600" y="6477000"/>
+            <a:ext cx="6781800" cy="304800"/>
+          </a:xfrm>
+        </p:spPr>
+        <p:txBody>
+          <a:bodyPr/>
+          <a:lstStyle/>
+          <a:p>
+            <a:r>
+              <a:rPr lang="en-IN" dirty="0"/>
+              <a:t>Playing Subset of Lecture Videos by Comparing Text Query with Associated Slides</a:t>
+            </a:r>
+            <a:endParaRPr lang="en-US" dirty="0"/>
+          </a:p>
+        </p:txBody>
+      </p:sp>
+      <p:sp>
+        <p:nvSpPr>
+          <p:cNvPr id="4" name="Slide Number Placeholder 3"/>
+          <p:cNvSpPr>
+            <a:spLocks noGrp="1"/>
+          </p:cNvSpPr>
+          <p:nvPr>
+            <p:ph type="sldNum" sz="quarter" idx="12"/>
+          </p:nvPr>
+        </p:nvSpPr>
+        <p:spPr>
+          <a:xfrm>
+            <a:off x="0" y="1272222"/>
+            <a:ext cx="533400" cy="244476"/>
+          </a:xfrm>
+        </p:spPr>
+        <p:txBody>
+          <a:bodyPr>
+            <a:normAutofit fontScale="85000" lnSpcReduction="20000"/>
+          </a:bodyPr>
+          <a:lstStyle/>
+          <a:p>
+            <a:fld id="{71F31EB7-BBA7-4029-A716-8DC7C9AAD42F}" type="slidenum">
+              <a:rPr lang="en-US" smtClean="0"/>
+              <a:pPr/>
+              <a:t>14</a:t>
+            </a:fld>
+            <a:endParaRPr lang="en-US" dirty="0"/>
+          </a:p>
+        </p:txBody>
+      </p:sp>
+      <p:sp>
+        <p:nvSpPr>
+          <p:cNvPr id="3" name="Content Placeholder 2"/>
+          <p:cNvSpPr>
+            <a:spLocks noGrp="1"/>
+          </p:cNvSpPr>
+          <p:nvPr>
+            <p:ph sz="quarter" idx="1"/>
+          </p:nvPr>
+        </p:nvSpPr>
+        <p:spPr>
+          <a:xfrm>
+            <a:off x="228600" y="609600"/>
+            <a:ext cx="8458200" cy="5867400"/>
+          </a:xfrm>
+        </p:spPr>
+        <p:txBody>
+          <a:bodyPr>
+            <a:noAutofit/>
+          </a:bodyPr>
+          <a:lstStyle/>
+          <a:p>
+            <a:pPr>
+              <a:buNone/>
+            </a:pPr>
+            <a:endParaRPr lang="en-US" sz="1800" dirty="0">
+              <a:latin typeface="+mj-lt"/>
+              <a:cs typeface="Aharoni" pitchFamily="2" charset="-79"/>
+            </a:endParaRPr>
+          </a:p>
+          <a:p>
+            <a:pPr>
+              <a:buNone/>
+            </a:pPr>
+            <a:endParaRPr lang="en-US" sz="1800" dirty="0">
+              <a:latin typeface="+mj-lt"/>
+              <a:cs typeface="Aharoni" pitchFamily="2" charset="-79"/>
+            </a:endParaRPr>
+          </a:p>
+          <a:p>
+            <a:pPr algn="just">
+              <a:buNone/>
+            </a:pPr>
+            <a:endParaRPr lang="en-US" sz="1800" dirty="0">
+              <a:latin typeface="+mj-lt"/>
+              <a:cs typeface="Aharoni" pitchFamily="2" charset="-79"/>
+            </a:endParaRPr>
+          </a:p>
+          <a:p>
+            <a:pPr>
+              <a:buNone/>
+            </a:pPr>
+            <a:r>
+              <a:rPr lang="en-US" sz="1800" dirty="0">
+                <a:latin typeface="+mj-lt"/>
+                <a:cs typeface="Aharoni" pitchFamily="2" charset="-79"/>
+                <a:hlinkClick r:id="rId2"/>
+              </a:rPr>
+              <a:t>https://www.nelda.org.in/</a:t>
+            </a:r>
+            <a:endParaRPr lang="en-US" sz="1800" dirty="0">
+              <a:latin typeface="+mj-lt"/>
+              <a:cs typeface="Aharoni" pitchFamily="2" charset="-79"/>
+            </a:endParaRPr>
+          </a:p>
+          <a:p>
+            <a:pPr>
+              <a:buNone/>
+            </a:pPr>
+            <a:r>
+              <a:rPr lang="en-US" sz="1800" dirty="0">
+                <a:latin typeface="+mj-lt"/>
+                <a:cs typeface="Aharoni" pitchFamily="2" charset="-79"/>
+                <a:hlinkClick r:id="rId3"/>
+              </a:rPr>
+              <a:t>https://sankalptaru.org/</a:t>
+            </a:r>
+            <a:endParaRPr lang="en-US" sz="1800" dirty="0">
+              <a:latin typeface="+mj-lt"/>
+              <a:cs typeface="Aharoni" pitchFamily="2" charset="-79"/>
+            </a:endParaRPr>
+          </a:p>
+          <a:p>
+            <a:pPr>
+              <a:buNone/>
+            </a:pPr>
+            <a:r>
+              <a:rPr lang="en-US" sz="1800" dirty="0">
+                <a:latin typeface="+mj-lt"/>
+                <a:cs typeface="Aharoni" pitchFamily="2" charset="-79"/>
+                <a:hlinkClick r:id="rId4"/>
+              </a:rPr>
+              <a:t>https://catchfoundation.in/plantenance/</a:t>
+            </a:r>
+            <a:endParaRPr lang="en-US" sz="1800" dirty="0">
+              <a:latin typeface="+mj-lt"/>
+              <a:cs typeface="Aharoni" pitchFamily="2" charset="-79"/>
+            </a:endParaRPr>
+          </a:p>
+          <a:p>
+            <a:pPr>
+              <a:buNone/>
+            </a:pPr>
+            <a:r>
+              <a:rPr lang="en-US" sz="1800" dirty="0">
+                <a:latin typeface="+mj-lt"/>
+                <a:cs typeface="Aharoni" pitchFamily="2" charset="-79"/>
+                <a:hlinkClick r:id="rId5"/>
+              </a:rPr>
+              <a:t>https://en.wikipedia.org/wiki/Tree_planting</a:t>
+            </a:r>
+            <a:endParaRPr lang="en-US" sz="1800" dirty="0">
+              <a:latin typeface="+mj-lt"/>
+              <a:cs typeface="Aharoni" pitchFamily="2" charset="-79"/>
+            </a:endParaRPr>
+          </a:p>
+          <a:p>
+            <a:pPr>
+              <a:buNone/>
+            </a:pPr>
+            <a:r>
+              <a:rPr lang="en-US" sz="1800" dirty="0">
+                <a:latin typeface="+mj-lt"/>
+                <a:cs typeface="Aharoni" pitchFamily="2" charset="-79"/>
+                <a:hlinkClick r:id="rId6"/>
+              </a:rPr>
+              <a:t>https://treesisters.org/blog/how-to-start-your-own-tree-planting-project</a:t>
+            </a:r>
+            <a:endParaRPr lang="en-US" sz="1800" dirty="0">
+              <a:latin typeface="+mj-lt"/>
+              <a:cs typeface="Aharoni" pitchFamily="2" charset="-79"/>
+            </a:endParaRPr>
+          </a:p>
+          <a:p>
+            <a:pPr>
+              <a:buNone/>
+            </a:pPr>
+            <a:r>
+              <a:rPr lang="en-US" sz="1800" dirty="0">
+                <a:latin typeface="+mj-lt"/>
+                <a:cs typeface="Aharoni" pitchFamily="2" charset="-79"/>
+                <a:hlinkClick r:id="rId7"/>
+              </a:rPr>
+              <a:t>https://www.artofliving.org/in-en/projects/tree-planting</a:t>
+            </a:r>
+            <a:endParaRPr lang="en-US" sz="1800" dirty="0">
+              <a:latin typeface="+mj-lt"/>
+              <a:cs typeface="Aharoni" pitchFamily="2" charset="-79"/>
+            </a:endParaRPr>
+          </a:p>
+          <a:p>
+            <a:pPr>
+              <a:buNone/>
+            </a:pPr>
+            <a:r>
+              <a:rPr lang="en-US" sz="1800" dirty="0">
+                <a:latin typeface="+mj-lt"/>
+                <a:cs typeface="Aharoni" pitchFamily="2" charset="-79"/>
+                <a:hlinkClick r:id="rId8"/>
+              </a:rPr>
+              <a:t>http://www.cmseducation.org/environment/treeplantation.html</a:t>
+            </a:r>
+            <a:endParaRPr lang="en-US" sz="1800" dirty="0">
+              <a:latin typeface="+mj-lt"/>
+              <a:cs typeface="Aharoni" pitchFamily="2" charset="-79"/>
+            </a:endParaRPr>
+          </a:p>
+          <a:p>
+            <a:pPr>
+              <a:buNone/>
+            </a:pPr>
+            <a:r>
+              <a:rPr lang="en-US" sz="1800" dirty="0">
+                <a:latin typeface="+mj-lt"/>
+                <a:cs typeface="Aharoni" pitchFamily="2" charset="-79"/>
+                <a:hlinkClick r:id="rId9"/>
+              </a:rPr>
+              <a:t>https://www.grow-trees.com/projects.php</a:t>
+            </a:r>
+            <a:endParaRPr lang="en-US" sz="1800" dirty="0">
+              <a:latin typeface="+mj-lt"/>
+              <a:cs typeface="Aharoni" pitchFamily="2" charset="-79"/>
+            </a:endParaRPr>
+          </a:p>
+          <a:p>
+            <a:pPr>
+              <a:buNone/>
+            </a:pPr>
+            <a:endParaRPr lang="en-US" sz="1800" dirty="0">
+              <a:latin typeface="+mj-lt"/>
+              <a:cs typeface="Aharoni" pitchFamily="2" charset="-79"/>
+            </a:endParaRPr>
+          </a:p>
+          <a:p>
+            <a:pPr>
+              <a:buNone/>
+            </a:pPr>
+            <a:endParaRPr lang="en-US" sz="1800" dirty="0">
+              <a:latin typeface="+mj-lt"/>
+              <a:cs typeface="Aharoni" pitchFamily="2" charset="-79"/>
+            </a:endParaRPr>
+          </a:p>
+          <a:p>
+            <a:pPr>
+              <a:buNone/>
+            </a:pPr>
+            <a:endParaRPr lang="en-US" sz="1800" dirty="0">
+              <a:latin typeface="+mj-lt"/>
+              <a:cs typeface="Aharoni" pitchFamily="2" charset="-79"/>
+            </a:endParaRPr>
+          </a:p>
+          <a:p>
+            <a:pPr>
+              <a:buNone/>
+            </a:pPr>
+            <a:r>
+              <a:rPr lang="en-US" sz="1800" dirty="0">
+                <a:latin typeface="+mj-lt"/>
+                <a:cs typeface="Aharoni" pitchFamily="2" charset="-79"/>
+              </a:rPr>
+              <a:t>.</a:t>
+            </a:r>
+          </a:p>
+        </p:txBody>
+      </p:sp>
+      <p:sp>
+        <p:nvSpPr>
+          <p:cNvPr id="6" name="Date Placeholder 5"/>
+          <p:cNvSpPr>
+            <a:spLocks noGrp="1"/>
+          </p:cNvSpPr>
+          <p:nvPr>
+            <p:ph type="dt" sz="half" idx="10"/>
+          </p:nvPr>
+        </p:nvSpPr>
+        <p:spPr>
+          <a:xfrm>
+            <a:off x="7620000" y="6477000"/>
+            <a:ext cx="1143000" cy="136525"/>
+          </a:xfrm>
+        </p:spPr>
+        <p:txBody>
+          <a:bodyPr/>
+          <a:lstStyle/>
+          <a:p>
+            <a:r>
+              <a:rPr lang="en-US" dirty="0"/>
+              <a:t>                                  </a:t>
+            </a:r>
+            <a:fld id="{A7155BC5-7D3D-481F-AB77-8C8C82728F9D}" type="datetime1">
+              <a:rPr lang="en-US" smtClean="0"/>
+              <a:pPr/>
+              <a:t>4/30/2022</a:t>
+            </a:fld>
+            <a:endParaRPr lang="en-US" dirty="0"/>
+          </a:p>
+        </p:txBody>
+      </p:sp>
+      <p:pic>
+        <p:nvPicPr>
+          <p:cNvPr id="7" name="Picture 2"/>
+          <p:cNvPicPr>
+            <a:picLocks noChangeAspect="1" noChangeArrowheads="1"/>
+          </p:cNvPicPr>
+          <p:nvPr/>
+        </p:nvPicPr>
+        <p:blipFill>
+          <a:blip r:embed="rId10">
+            <a:extLst>
+              <a:ext uri="{28A0092B-C50C-407E-A947-70E740481C1C}">
+                <a14:useLocalDpi xmlns:a14="http://schemas.microsoft.com/office/drawing/2010/main" val="0"/>
+              </a:ext>
+            </a:extLst>
+          </a:blip>
+          <a:srcRect/>
+          <a:stretch>
+            <a:fillRect/>
+          </a:stretch>
+        </p:blipFill>
+        <p:spPr bwMode="auto">
+          <a:xfrm>
+            <a:off x="2" y="1"/>
+            <a:ext cx="1025154" cy="908719"/>
+          </a:xfrm>
+          <a:prstGeom prst="rect">
+            <a:avLst/>
+          </a:prstGeom>
+          <a:noFill/>
+          <a:ln>
+            <a:noFill/>
+          </a:ln>
+          <a:extLst>
+            <a:ext uri="{909E8E84-426E-40DD-AFC4-6F175D3DCCD1}">
+              <a14:hiddenFill xmlns:a14="http://schemas.microsoft.com/office/drawing/2010/main">
+                <a:solidFill>
+                  <a:schemeClr val="accent1"/>
+                </a:solidFill>
+              </a14:hiddenFill>
+            </a:ext>
+            <a:ext uri="{91240B29-F687-4F45-9708-019B960494DF}">
+              <a14:hiddenLine xmlns:a14="http://schemas.microsoft.com/office/drawing/2010/main" w="9525">
+                <a:solidFill>
+                  <a:schemeClr val="tx1"/>
+                </a:solidFill>
+                <a:miter lim="800000"/>
+                <a:headEnd/>
+                <a:tailEnd/>
+              </a14:hiddenLine>
+            </a:ext>
+          </a:extLst>
+        </p:spPr>
+      </p:pic>
+    </p:spTree>
+  </p:cSld>
+  <p:clrMapOvr>
+    <a:masterClrMapping/>
+  </p:clrMapOvr>
+</p:sld>
+</file>
+
+<file path=ppt/slides/slide15.xml><?xml version="1.0" encoding="utf-8"?>
+<p:sld xmlns:a="http://schemas.openxmlformats.org/drawingml/2006/main" xmlns:r="http://schemas.openxmlformats.org/officeDocument/2006/relationships" xmlns:p="http://schemas.openxmlformats.org/presentationml/2006/main">
+  <p:cSld>
+    <p:spTree>
+      <p:nvGrpSpPr>
+        <p:cNvPr id="1" name=""/>
+        <p:cNvGrpSpPr/>
+        <p:nvPr/>
+      </p:nvGrpSpPr>
+      <p:grpSpPr>
+        <a:xfrm>
+          <a:off x="0" y="0"/>
+          <a:ext cx="0" cy="0"/>
+          <a:chOff x="0" y="0"/>
+          <a:chExt cx="0" cy="0"/>
+        </a:xfrm>
+      </p:grpSpPr>
+      <p:sp>
+        <p:nvSpPr>
           <p:cNvPr id="4" name="Date Placeholder 3"/>
           <p:cNvSpPr>
             <a:spLocks noGrp="1"/>
@@ -14435,7 +14904,7 @@
             <a:fld id="{C1257DC8-DAC5-42FB-BB8D-1F1437D73A46}" type="slidenum">
               <a:rPr lang="en-US" smtClean="0"/>
               <a:pPr/>
-              <a:t>14</a:t>
+              <a:t>15</a:t>
             </a:fld>
             <a:endParaRPr lang="en-US" dirty="0"/>
           </a:p>
@@ -14624,13 +15093,19 @@
             <p:ph type="title"/>
           </p:nvPr>
         </p:nvSpPr>
-        <p:spPr/>
+        <p:spPr>
+          <a:xfrm>
+            <a:off x="495300" y="184067"/>
+            <a:ext cx="8153400" cy="990600"/>
+          </a:xfrm>
+        </p:spPr>
         <p:txBody>
           <a:bodyPr>
             <a:normAutofit/>
           </a:bodyPr>
           <a:lstStyle/>
           <a:p>
+            <a:pPr algn="ctr"/>
             <a:r>
               <a:rPr lang="en-IN" sz="3600" dirty="0">
                 <a:latin typeface="Times New Roman" panose="02020603050405020304" pitchFamily="18" charset="0"/>
@@ -14653,8 +15128,8 @@
         </p:nvSpPr>
         <p:spPr>
           <a:xfrm>
-            <a:off x="2771799" y="6525344"/>
-            <a:ext cx="2232249" cy="198950"/>
+            <a:off x="1835697" y="6525344"/>
+            <a:ext cx="3168352" cy="216024"/>
           </a:xfrm>
         </p:spPr>
         <p:txBody>
@@ -14666,7 +15141,7 @@
                 <a:latin typeface="Times New Roman" panose="02020603050405020304" pitchFamily="18" charset="0"/>
                 <a:cs typeface="Times New Roman" panose="02020603050405020304" pitchFamily="18" charset="0"/>
               </a:rPr>
-              <a:t>Title of Project</a:t>
+              <a:t>Grow Green – Tree Plantation website</a:t>
             </a:r>
             <a:endParaRPr lang="en-US" dirty="0">
               <a:latin typeface="Times New Roman" panose="02020603050405020304" pitchFamily="18" charset="0"/>
@@ -14718,7 +15193,7 @@
         </p:nvSpPr>
         <p:spPr>
           <a:xfrm>
-            <a:off x="612648" y="1516698"/>
+            <a:off x="612648" y="1749957"/>
             <a:ext cx="8153400" cy="4579302"/>
           </a:xfrm>
         </p:spPr>
@@ -14728,8 +15203,90 @@
           </a:bodyPr>
           <a:lstStyle/>
           <a:p>
-            <a:r>
-              <a:rPr lang="en-IN" sz="1800" dirty="0">
+            <a:pPr>
+              <a:buFont typeface="Wingdings" panose="05000000000000000000" pitchFamily="2" charset="2"/>
+              <a:buChar char="Ø"/>
+            </a:pPr>
+            <a:r>
+              <a:rPr lang="en-IN" sz="2400" dirty="0">
+                <a:latin typeface="Times New Roman" panose="02020603050405020304" pitchFamily="18" charset="0"/>
+                <a:cs typeface="Times New Roman" panose="02020603050405020304" pitchFamily="18" charset="0"/>
+              </a:rPr>
+              <a:t>Motivation</a:t>
+            </a:r>
+          </a:p>
+          <a:p>
+            <a:pPr>
+              <a:buFont typeface="Wingdings" panose="05000000000000000000" pitchFamily="2" charset="2"/>
+              <a:buChar char="Ø"/>
+            </a:pPr>
+            <a:r>
+              <a:rPr lang="en-IN" sz="2400" dirty="0">
+                <a:latin typeface="Times New Roman" panose="02020603050405020304" pitchFamily="18" charset="0"/>
+                <a:cs typeface="Times New Roman" panose="02020603050405020304" pitchFamily="18" charset="0"/>
+              </a:rPr>
+              <a:t>Objective</a:t>
+            </a:r>
+          </a:p>
+          <a:p>
+            <a:pPr>
+              <a:buFont typeface="Wingdings" panose="05000000000000000000" pitchFamily="2" charset="2"/>
+              <a:buChar char="Ø"/>
+            </a:pPr>
+            <a:r>
+              <a:rPr lang="en-IN" sz="2400" dirty="0">
+                <a:latin typeface="Times New Roman" panose="02020603050405020304" pitchFamily="18" charset="0"/>
+                <a:cs typeface="Times New Roman" panose="02020603050405020304" pitchFamily="18" charset="0"/>
+              </a:rPr>
+              <a:t>Introduction</a:t>
+            </a:r>
+          </a:p>
+          <a:p>
+            <a:pPr>
+              <a:buFont typeface="Wingdings" panose="05000000000000000000" pitchFamily="2" charset="2"/>
+              <a:buChar char="Ø"/>
+            </a:pPr>
+            <a:r>
+              <a:rPr lang="en-IN" sz="2400" dirty="0">
+                <a:latin typeface="Times New Roman" panose="02020603050405020304" pitchFamily="18" charset="0"/>
+                <a:cs typeface="Times New Roman" panose="02020603050405020304" pitchFamily="18" charset="0"/>
+              </a:rPr>
+              <a:t>Literature Survey</a:t>
+            </a:r>
+          </a:p>
+          <a:p>
+            <a:pPr>
+              <a:buFont typeface="Wingdings" panose="05000000000000000000" pitchFamily="2" charset="2"/>
+              <a:buChar char="Ø"/>
+            </a:pPr>
+            <a:r>
+              <a:rPr lang="en-IN" sz="2400" dirty="0">
+                <a:latin typeface="Times New Roman" panose="02020603050405020304" pitchFamily="18" charset="0"/>
+                <a:cs typeface="Times New Roman" panose="02020603050405020304" pitchFamily="18" charset="0"/>
+              </a:rPr>
+              <a:t>Problem Description</a:t>
+            </a:r>
+          </a:p>
+          <a:p>
+            <a:pPr>
+              <a:buFont typeface="Wingdings" panose="05000000000000000000" pitchFamily="2" charset="2"/>
+              <a:buChar char="Ø"/>
+            </a:pPr>
+            <a:r>
+              <a:rPr lang="en-IN" sz="2400" dirty="0">
+                <a:latin typeface="Times New Roman" panose="02020603050405020304" pitchFamily="18" charset="0"/>
+                <a:cs typeface="Times New Roman" panose="02020603050405020304" pitchFamily="18" charset="0"/>
+              </a:rPr>
+              <a:t>Proposed System</a:t>
+            </a:r>
+          </a:p>
+          <a:p>
+            <a:pPr>
+              <a:buFont typeface="Wingdings" panose="05000000000000000000" pitchFamily="2" charset="2"/>
+              <a:buChar char="Ø"/>
+            </a:pPr>
+            <a:r>
+              <a:rPr lang="en-IN" sz="2400" dirty="0">
                 <a:latin typeface="Times New Roman" panose="02020603050405020304" pitchFamily="18" charset="0"/>
                 <a:cs typeface="Times New Roman" panose="02020603050405020304" pitchFamily="18" charset="0"/>
               </a:rPr>
@@ -14737,33 +15294,54 @@
             </a:r>
           </a:p>
           <a:p>
-            <a:r>
-              <a:rPr lang="en-IN" sz="1800" dirty="0">
+            <a:pPr>
+              <a:buFont typeface="Wingdings" panose="05000000000000000000" pitchFamily="2" charset="2"/>
+              <a:buChar char="Ø"/>
+            </a:pPr>
+            <a:r>
+              <a:rPr lang="en-IN" sz="2400" dirty="0">
                 <a:latin typeface="Times New Roman" panose="02020603050405020304" pitchFamily="18" charset="0"/>
                 <a:cs typeface="Times New Roman" panose="02020603050405020304" pitchFamily="18" charset="0"/>
               </a:rPr>
-              <a:t>Introduction</a:t>
-            </a:r>
-          </a:p>
-          <a:p>
-            <a:r>
-              <a:rPr lang="en-IN" sz="1800" dirty="0">
+              <a:t>Implementation Details</a:t>
+            </a:r>
+          </a:p>
+          <a:p>
+            <a:pPr>
+              <a:buFont typeface="Wingdings" panose="05000000000000000000" pitchFamily="2" charset="2"/>
+              <a:buChar char="Ø"/>
+            </a:pPr>
+            <a:r>
+              <a:rPr lang="en-IN" sz="2400" dirty="0">
                 <a:latin typeface="Times New Roman" panose="02020603050405020304" pitchFamily="18" charset="0"/>
                 <a:cs typeface="Times New Roman" panose="02020603050405020304" pitchFamily="18" charset="0"/>
               </a:rPr>
-              <a:t>Literature Survey</a:t>
-            </a:r>
-          </a:p>
-          <a:p>
-            <a:r>
-              <a:rPr lang="en-IN" sz="1800" dirty="0">
+              <a:t>Conclusion</a:t>
+            </a:r>
+          </a:p>
+          <a:p>
+            <a:pPr>
+              <a:buFont typeface="Wingdings" panose="05000000000000000000" pitchFamily="2" charset="2"/>
+              <a:buChar char="Ø"/>
+            </a:pPr>
+            <a:r>
+              <a:rPr lang="en-IN" sz="2400" dirty="0">
                 <a:latin typeface="Times New Roman" panose="02020603050405020304" pitchFamily="18" charset="0"/>
                 <a:cs typeface="Times New Roman" panose="02020603050405020304" pitchFamily="18" charset="0"/>
               </a:rPr>
-              <a:t>Motivation</a:t>
-            </a:r>
-          </a:p>
-          <a:p>
+              <a:t>References</a:t>
+            </a:r>
+          </a:p>
+          <a:p>
+            <a:endParaRPr lang="en-IN" sz="1800" dirty="0">
+              <a:latin typeface="Times New Roman" panose="02020603050405020304" pitchFamily="18" charset="0"/>
+              <a:cs typeface="Times New Roman" panose="02020603050405020304" pitchFamily="18" charset="0"/>
+            </a:endParaRPr>
+          </a:p>
+          <a:p>
+            <a:pPr marL="0" indent="0">
+              <a:buNone/>
+            </a:pPr>
             <a:r>
               <a:rPr lang="en-IN" sz="1800" dirty="0">
                 <a:latin typeface="Times New Roman" panose="02020603050405020304" pitchFamily="18" charset="0"/>
@@ -14786,7 +15364,7 @@
         </p:nvSpPr>
         <p:spPr>
           <a:xfrm>
-            <a:off x="7620000" y="6248400"/>
+            <a:off x="7623048" y="6342781"/>
             <a:ext cx="1143000" cy="365125"/>
           </a:xfrm>
         </p:spPr>
@@ -14796,7 +15374,7 @@
           <a:p>
             <a:r>
               <a:rPr lang="en-US" dirty="0"/>
-              <a:t>                                             Date</a:t>
+              <a:t>    4/30/2022                                         </a:t>
             </a:r>
           </a:p>
         </p:txBody>
@@ -14887,40 +15465,6 @@
       </p:grpSpPr>
       <p:sp>
         <p:nvSpPr>
-          <p:cNvPr id="6" name="Footer Placeholder 5"/>
-          <p:cNvSpPr>
-            <a:spLocks noGrp="1"/>
-          </p:cNvSpPr>
-          <p:nvPr>
-            <p:ph type="ftr" sz="quarter" idx="11"/>
-          </p:nvPr>
-        </p:nvSpPr>
-        <p:spPr>
-          <a:xfrm>
-            <a:off x="609600" y="6477000"/>
-            <a:ext cx="6400800" cy="304800"/>
-          </a:xfrm>
-        </p:spPr>
-        <p:txBody>
-          <a:bodyPr/>
-          <a:lstStyle/>
-          <a:p>
-            <a:r>
-              <a:rPr lang="en-IN" dirty="0">
-                <a:latin typeface="Times New Roman" panose="02020603050405020304" pitchFamily="18" charset="0"/>
-                <a:cs typeface="Times New Roman" panose="02020603050405020304" pitchFamily="18" charset="0"/>
-              </a:rPr>
-              <a:t>Playing Subset of Lecture Videos by Comparing Text Query with Associated Slides</a:t>
-            </a:r>
-            <a:endParaRPr lang="en-US" dirty="0">
-              <a:latin typeface="Times New Roman" panose="02020603050405020304" pitchFamily="18" charset="0"/>
-              <a:cs typeface="Times New Roman" panose="02020603050405020304" pitchFamily="18" charset="0"/>
-            </a:endParaRPr>
-          </a:p>
-        </p:txBody>
-      </p:sp>
-      <p:sp>
-        <p:nvSpPr>
           <p:cNvPr id="5" name="Slide Number Placeholder 4"/>
           <p:cNvSpPr>
             <a:spLocks noGrp="1"/>
@@ -14971,7 +15515,7 @@
               <a:buNone/>
             </a:pPr>
             <a:r>
-              <a:rPr lang="en-US" altLang="ko-KR" sz="2000" dirty="0">
+              <a:rPr lang="en-US" altLang="ko-KR" sz="2400" b="1" dirty="0">
                 <a:latin typeface="Times New Roman" panose="02020603050405020304" pitchFamily="18" charset="0"/>
                 <a:ea typeface="굴림" charset="-127"/>
                 <a:cs typeface="Times New Roman" panose="02020603050405020304" pitchFamily="18" charset="0"/>
@@ -14984,7 +15528,7 @@
               <a:buNone/>
             </a:pPr>
             <a:r>
-              <a:rPr lang="en-IN" sz="1200" b="1" i="0" dirty="0">
+              <a:rPr lang="en-IN" sz="1400" b="1" i="0" dirty="0">
                 <a:solidFill>
                   <a:srgbClr val="4A4A4A"/>
                 </a:solidFill>
@@ -14995,8 +15539,9 @@
             </a:r>
           </a:p>
           <a:p>
-            <a:r>
-              <a:rPr lang="en-IN" sz="1800" b="0" i="0" dirty="0">
+            <a:pPr algn="just"/>
+            <a:r>
+              <a:rPr lang="en-IN" sz="2000" b="0" i="0" dirty="0">
                 <a:solidFill>
                   <a:srgbClr val="4A4A4A"/>
                 </a:solidFill>
@@ -15005,14 +15550,49 @@
               </a:rPr>
               <a:t>We are on the mission to create a healthy, green and clean planet through tree plantation. Along with our diligent greening efforts, we strive to uplift and assist the rural communities, while promoting extensive agriculture across the nation and making it a happy-green paradise.</a:t>
             </a:r>
-          </a:p>
-          <a:p>
-            <a:endParaRPr lang="en-IN" sz="1800" dirty="0">
+            <a:endParaRPr lang="en-IN" sz="2000" dirty="0">
               <a:solidFill>
                 <a:srgbClr val="4A4A4A"/>
               </a:solidFill>
               <a:latin typeface="LucidaGrande"/>
             </a:endParaRPr>
+          </a:p>
+          <a:p>
+            <a:endParaRPr lang="en-IN" sz="2000" b="0" i="0" dirty="0">
+              <a:solidFill>
+                <a:srgbClr val="4A4A4A"/>
+              </a:solidFill>
+              <a:effectLst/>
+              <a:latin typeface="LucidaGrande"/>
+            </a:endParaRPr>
+          </a:p>
+          <a:p>
+            <a:pPr marL="0" indent="0">
+              <a:buNone/>
+            </a:pPr>
+            <a:r>
+              <a:rPr lang="en-IN" sz="1400" b="1" i="0" dirty="0">
+                <a:solidFill>
+                  <a:srgbClr val="4A4A4A"/>
+                </a:solidFill>
+                <a:effectLst/>
+                <a:latin typeface="Merriweather-Bold"/>
+              </a:rPr>
+              <a:t>Our Vision</a:t>
+            </a:r>
+          </a:p>
+          <a:p>
+            <a:pPr algn="just"/>
+            <a:r>
+              <a:rPr lang="en-IN" sz="2000" b="0" i="0" dirty="0">
+                <a:solidFill>
+                  <a:srgbClr val="4A4A4A"/>
+                </a:solidFill>
+                <a:effectLst/>
+                <a:latin typeface="LucidaGrande"/>
+              </a:rPr>
+              <a:t>We work with a vision of developing lush-green and bio-diverse sustainable world for the future generations by igniting a huge environmental revolution through trees. With our each healthy sapling, we intend to create a repository for a rich ecological bio diverse planet.</a:t>
+            </a:r>
           </a:p>
           <a:p>
             <a:endParaRPr lang="en-IN" sz="1800" b="0" i="0" dirty="0">
@@ -15024,39 +15604,6 @@
             </a:endParaRPr>
           </a:p>
           <a:p>
-            <a:r>
-              <a:rPr lang="en-IN" sz="1100" b="1" i="0" dirty="0">
-                <a:solidFill>
-                  <a:srgbClr val="4A4A4A"/>
-                </a:solidFill>
-                <a:effectLst/>
-                <a:latin typeface="Merriweather-Bold"/>
-              </a:rPr>
-              <a:t>Our Vision</a:t>
-            </a:r>
-          </a:p>
-          <a:p>
-            <a:r>
-              <a:rPr lang="en-IN" sz="1400" b="0" i="0" dirty="0">
-                <a:solidFill>
-                  <a:srgbClr val="4A4A4A"/>
-                </a:solidFill>
-                <a:effectLst/>
-                <a:latin typeface="LucidaGrande"/>
-              </a:rPr>
-              <a:t>We work with a vision of developing lush-green and bio-diverse sustainable world for the future generations by igniting a huge environmental revolution through trees. With our each healthy sapling, we intend to create a repository for a rich ecological bio diverse planet.</a:t>
-            </a:r>
-          </a:p>
-          <a:p>
-            <a:endParaRPr lang="en-IN" sz="1800" b="0" i="0" dirty="0">
-              <a:solidFill>
-                <a:srgbClr val="4A4A4A"/>
-              </a:solidFill>
-              <a:effectLst/>
-              <a:latin typeface="LucidaGrande"/>
-            </a:endParaRPr>
-          </a:p>
-          <a:p>
             <a:pPr marL="0" indent="0">
               <a:buNone/>
             </a:pPr>
@@ -15078,13 +15625,19 @@
             <p:ph type="title"/>
           </p:nvPr>
         </p:nvSpPr>
-        <p:spPr/>
+        <p:spPr>
+          <a:xfrm>
+            <a:off x="490745" y="244475"/>
+            <a:ext cx="8153400" cy="990600"/>
+          </a:xfrm>
+        </p:spPr>
         <p:txBody>
           <a:bodyPr>
             <a:normAutofit/>
           </a:bodyPr>
           <a:lstStyle/>
           <a:p>
+            <a:pPr algn="ctr"/>
             <a:r>
               <a:rPr lang="en-US" sz="3600" dirty="0">
                 <a:latin typeface="Times New Roman" panose="02020603050405020304" pitchFamily="18" charset="0"/>
@@ -15121,7 +15674,7 @@
           <a:lstStyle/>
           <a:p>
             <a:r>
-              <a:rPr lang="en-US"/>
+              <a:rPr lang="en-US" dirty="0"/>
               <a:t>                                  </a:t>
             </a:r>
             <a:fld id="{BB1F038C-35AA-4562-B12B-3A8619885937}" type="datetime1">
@@ -15222,13 +15775,19 @@
             <p:ph type="title"/>
           </p:nvPr>
         </p:nvSpPr>
-        <p:spPr/>
+        <p:spPr>
+          <a:xfrm>
+            <a:off x="495300" y="244475"/>
+            <a:ext cx="8153400" cy="990600"/>
+          </a:xfrm>
+        </p:spPr>
         <p:txBody>
           <a:bodyPr>
             <a:normAutofit/>
           </a:bodyPr>
           <a:lstStyle/>
           <a:p>
+            <a:pPr algn="ctr"/>
             <a:r>
               <a:rPr lang="en-IN" sz="3600" dirty="0">
                 <a:latin typeface="Times New Roman" panose="02020603050405020304" pitchFamily="18" charset="0"/>
@@ -15236,40 +15795,6 @@
               </a:rPr>
               <a:t>   Objective</a:t>
             </a:r>
-          </a:p>
-        </p:txBody>
-      </p:sp>
-      <p:sp>
-        <p:nvSpPr>
-          <p:cNvPr id="3" name="Footer Placeholder 2"/>
-          <p:cNvSpPr>
-            <a:spLocks noGrp="1"/>
-          </p:cNvSpPr>
-          <p:nvPr>
-            <p:ph type="ftr" sz="quarter" idx="11"/>
-          </p:nvPr>
-        </p:nvSpPr>
-        <p:spPr>
-          <a:xfrm>
-            <a:off x="-152400" y="6477000"/>
-            <a:ext cx="7239000" cy="381000"/>
-          </a:xfrm>
-        </p:spPr>
-        <p:txBody>
-          <a:bodyPr/>
-          <a:lstStyle/>
-          <a:p>
-            <a:r>
-              <a:rPr lang="en-IN" dirty="0">
-                <a:latin typeface="Times New Roman" panose="02020603050405020304" pitchFamily="18" charset="0"/>
-                <a:cs typeface="Times New Roman" panose="02020603050405020304" pitchFamily="18" charset="0"/>
-              </a:rPr>
-              <a:t>Playing Subset of Lecture Videos by Comparing Text Query with Associated Slides</a:t>
-            </a:r>
-            <a:endParaRPr lang="en-US" dirty="0">
-              <a:latin typeface="Times New Roman" panose="02020603050405020304" pitchFamily="18" charset="0"/>
-              <a:cs typeface="Times New Roman" panose="02020603050405020304" pitchFamily="18" charset="0"/>
-            </a:endParaRPr>
           </a:p>
         </p:txBody>
       </p:sp>
@@ -15325,7 +15850,7 @@
           <a:lstStyle/>
           <a:p>
             <a:r>
-              <a:rPr lang="en-US"/>
+              <a:rPr lang="en-US" dirty="0"/>
               <a:t>                                             </a:t>
             </a:r>
             <a:fld id="{D91455EF-DF09-4351-A64D-FFE571EDA9B9}" type="datetime1">
@@ -15403,44 +15928,48 @@
         </p:nvSpPr>
         <p:spPr/>
         <p:txBody>
-          <a:bodyPr/>
-          <a:lstStyle/>
-          <a:p>
-            <a:r>
-              <a:rPr lang="en-US" dirty="0"/>
+          <a:bodyPr>
+            <a:normAutofit/>
+          </a:bodyPr>
+          <a:lstStyle/>
+          <a:p>
+            <a:pPr marL="0" indent="0">
+              <a:buNone/>
+            </a:pPr>
+            <a:r>
+              <a:rPr lang="en-US" sz="3200" b="1" dirty="0"/>
               <a:t>Our moto:</a:t>
             </a:r>
           </a:p>
           <a:p>
-            <a:pPr algn="ctr"/>
-            <a:r>
-              <a:rPr lang="en-IN" b="1" i="0" dirty="0">
-                <a:solidFill>
-                  <a:srgbClr val="FF0000"/>
-                </a:solidFill>
+            <a:pPr marL="0" indent="0">
+              <a:buNone/>
+            </a:pPr>
+            <a:endParaRPr lang="en-US" dirty="0"/>
+          </a:p>
+          <a:p>
+            <a:pPr marL="0" indent="0" algn="ctr">
+              <a:buNone/>
+            </a:pPr>
+            <a:r>
+              <a:rPr lang="en-IN" sz="4400" i="1" dirty="0">
                 <a:effectLst/>
-                <a:latin typeface="Merriweather-Bold"/>
+                <a:latin typeface="French Script MT" panose="03020402040607040605" pitchFamily="66" charset="0"/>
               </a:rPr>
-              <a:t>We are crazy nature-centric enthusiasts,</a:t>
+              <a:t>“We are crazy nature- centric enthusiasts,</a:t>
             </a:r>
             <a:br>
-              <a:rPr lang="en-IN" b="1" i="0" dirty="0">
-                <a:solidFill>
-                  <a:srgbClr val="FF0000"/>
-                </a:solidFill>
+              <a:rPr lang="en-IN" sz="4400" i="1" dirty="0">
                 <a:effectLst/>
-                <a:latin typeface="Merriweather-Bold"/>
+                <a:latin typeface="French Script MT" panose="03020402040607040605" pitchFamily="66" charset="0"/>
               </a:rPr>
             </a:br>
             <a:r>
-              <a:rPr lang="en-IN" b="1" i="0" dirty="0">
-                <a:solidFill>
-                  <a:srgbClr val="FF0000"/>
-                </a:solidFill>
+              <a:rPr lang="en-IN" sz="4400" i="1" dirty="0">
                 <a:effectLst/>
-                <a:latin typeface="Merriweather-Bold"/>
+                <a:latin typeface="French Script MT" panose="03020402040607040605" pitchFamily="66" charset="0"/>
               </a:rPr>
-              <a:t>planting trees for the people, by the people!</a:t>
+              <a:t>planting trees for the people, by the people!”</a:t>
             </a:r>
           </a:p>
           <a:p>
@@ -15488,11 +16017,17 @@
             <p:ph type="title"/>
           </p:nvPr>
         </p:nvSpPr>
-        <p:spPr/>
-        <p:txBody>
-          <a:bodyPr/>
-          <a:lstStyle/>
-          <a:p>
+        <p:spPr>
+          <a:xfrm>
+            <a:off x="497633" y="222109"/>
+            <a:ext cx="8153400" cy="990600"/>
+          </a:xfrm>
+        </p:spPr>
+        <p:txBody>
+          <a:bodyPr/>
+          <a:lstStyle/>
+          <a:p>
+            <a:pPr algn="ctr"/>
             <a:r>
               <a:rPr lang="en-US" dirty="0">
                 <a:latin typeface="Times New Roman" panose="02020603050405020304" pitchFamily="18" charset="0"/>
@@ -15510,40 +16045,6 @@
       </p:sp>
       <p:sp>
         <p:nvSpPr>
-          <p:cNvPr id="5" name="Footer Placeholder 4"/>
-          <p:cNvSpPr>
-            <a:spLocks noGrp="1"/>
-          </p:cNvSpPr>
-          <p:nvPr>
-            <p:ph type="ftr" sz="quarter" idx="11"/>
-          </p:nvPr>
-        </p:nvSpPr>
-        <p:spPr>
-          <a:xfrm>
-            <a:off x="609600" y="6477000"/>
-            <a:ext cx="6705600" cy="381000"/>
-          </a:xfrm>
-        </p:spPr>
-        <p:txBody>
-          <a:bodyPr/>
-          <a:lstStyle/>
-          <a:p>
-            <a:r>
-              <a:rPr lang="en-IN" dirty="0">
-                <a:latin typeface="Times New Roman" panose="02020603050405020304" pitchFamily="18" charset="0"/>
-                <a:cs typeface="Times New Roman" panose="02020603050405020304" pitchFamily="18" charset="0"/>
-              </a:rPr>
-              <a:t>Playing Subset of Lecture Videos by Comparing Text Query with Associated Slides</a:t>
-            </a:r>
-            <a:endParaRPr lang="en-US" dirty="0">
-              <a:latin typeface="Times New Roman" panose="02020603050405020304" pitchFamily="18" charset="0"/>
-              <a:cs typeface="Times New Roman" panose="02020603050405020304" pitchFamily="18" charset="0"/>
-            </a:endParaRPr>
-          </a:p>
-        </p:txBody>
-      </p:sp>
-      <p:sp>
-        <p:nvSpPr>
           <p:cNvPr id="4" name="Slide Number Placeholder 3"/>
           <p:cNvSpPr>
             <a:spLocks noGrp="1"/>
@@ -15585,8 +16086,8 @@
         </p:nvSpPr>
         <p:spPr>
           <a:xfrm>
-            <a:off x="612648" y="1600200"/>
-            <a:ext cx="8153400" cy="4724400"/>
+            <a:off x="609600" y="1516697"/>
+            <a:ext cx="8153400" cy="5341301"/>
           </a:xfrm>
         </p:spPr>
         <p:txBody>
@@ -15599,7 +16100,7 @@
               <a:buNone/>
             </a:pPr>
             <a:r>
-              <a:rPr lang="en-US" altLang="ko-KR" sz="1000" dirty="0">
+              <a:rPr lang="en-US" altLang="ko-KR" sz="2400" b="1" dirty="0">
                 <a:latin typeface="Times New Roman" panose="02020603050405020304" pitchFamily="18" charset="0"/>
                 <a:ea typeface="굴림" charset="-127"/>
                 <a:cs typeface="Times New Roman" panose="02020603050405020304" pitchFamily="18" charset="0"/>
@@ -15608,9 +16109,20 @@
             </a:r>
           </a:p>
           <a:p>
-            <a:pPr algn="l"/>
-            <a:r>
-              <a:rPr lang="en-IN" sz="900" b="1" i="0" dirty="0">
+            <a:pPr marL="0" indent="0" algn="l">
+              <a:buNone/>
+            </a:pPr>
+            <a:r>
+              <a:rPr lang="en-IN" sz="1800" b="1" dirty="0">
+                <a:solidFill>
+                  <a:srgbClr val="2F3039"/>
+                </a:solidFill>
+                <a:latin typeface="Open Sans" panose="020B0606030504020204" pitchFamily="34" charset="0"/>
+              </a:rPr>
+              <a:t>       </a:t>
+            </a:r>
+            <a:r>
+              <a:rPr lang="en-IN" sz="2000" b="1" i="0" dirty="0">
                 <a:solidFill>
                   <a:srgbClr val="2F3039"/>
                 </a:solidFill>
@@ -15621,9 +16133,21 @@
             </a:r>
           </a:p>
           <a:p>
-            <a:pPr algn="l"/>
-            <a:r>
-              <a:rPr lang="en-IN" sz="900" b="0" i="0" dirty="0">
+            <a:pPr marL="0" indent="0" algn="l">
+              <a:buNone/>
+            </a:pPr>
+            <a:endParaRPr lang="en-IN" sz="1400" b="1" i="0" dirty="0">
+              <a:solidFill>
+                <a:srgbClr val="2F3039"/>
+              </a:solidFill>
+              <a:effectLst/>
+              <a:latin typeface="Open Sans" panose="020B0606030504020204" pitchFamily="34" charset="0"/>
+            </a:endParaRPr>
+          </a:p>
+          <a:p>
+            <a:pPr algn="just"/>
+            <a:r>
+              <a:rPr lang="en-IN" sz="1800" b="0" i="0" dirty="0">
                 <a:solidFill>
                   <a:srgbClr val="2F3039"/>
                 </a:solidFill>
@@ -15634,9 +16158,9 @@
             </a:r>
           </a:p>
           <a:p>
-            <a:pPr algn="l"/>
-            <a:r>
-              <a:rPr lang="en-IN" sz="900" b="0" i="0" dirty="0">
+            <a:pPr algn="just"/>
+            <a:r>
+              <a:rPr lang="en-IN" sz="1800" b="0" i="0" dirty="0">
                 <a:solidFill>
                   <a:srgbClr val="2F3039"/>
                 </a:solidFill>
@@ -15647,9 +16171,9 @@
             </a:r>
           </a:p>
           <a:p>
-            <a:pPr algn="l"/>
-            <a:r>
-              <a:rPr lang="en-IN" sz="900" b="0" i="0" dirty="0">
+            <a:pPr algn="just"/>
+            <a:r>
+              <a:rPr lang="en-IN" sz="1800" b="0" i="0" dirty="0">
                 <a:solidFill>
                   <a:srgbClr val="2F3039"/>
                 </a:solidFill>
@@ -15660,9 +16184,9 @@
             </a:r>
           </a:p>
           <a:p>
-            <a:pPr algn="l"/>
-            <a:r>
-              <a:rPr lang="en-IN" sz="900" b="0" i="0" dirty="0">
+            <a:pPr algn="just"/>
+            <a:r>
+              <a:rPr lang="en-IN" sz="1800" b="0" i="0" dirty="0">
                 <a:solidFill>
                   <a:srgbClr val="2F3039"/>
                 </a:solidFill>
@@ -15673,9 +16197,9 @@
             </a:r>
           </a:p>
           <a:p>
-            <a:pPr algn="l"/>
-            <a:r>
-              <a:rPr lang="en-IN" sz="900" b="0" i="0" dirty="0">
+            <a:pPr algn="just"/>
+            <a:r>
+              <a:rPr lang="en-IN" sz="1800" b="0" i="0" dirty="0">
                 <a:solidFill>
                   <a:srgbClr val="2F3039"/>
                 </a:solidFill>
@@ -15686,9 +16210,9 @@
             </a:r>
           </a:p>
           <a:p>
-            <a:pPr algn="l"/>
-            <a:r>
-              <a:rPr lang="en-IN" sz="900" b="0" i="0" dirty="0">
+            <a:pPr algn="just"/>
+            <a:r>
+              <a:rPr lang="en-IN" sz="1800" b="0" i="0" dirty="0">
                 <a:solidFill>
                   <a:srgbClr val="2F3039"/>
                 </a:solidFill>
@@ -15699,98 +16223,10 @@
             </a:r>
           </a:p>
           <a:p>
-            <a:pPr algn="l"/>
-            <a:r>
-              <a:rPr lang="en-IN" sz="900" b="0" i="0" dirty="0">
-                <a:solidFill>
-                  <a:srgbClr val="2F3039"/>
-                </a:solidFill>
-                <a:effectLst/>
-                <a:latin typeface="Open Sans" panose="020B0606030504020204" pitchFamily="34" charset="0"/>
-              </a:rPr>
-              <a:t>Trees lower air temperature and induce rainfall by evaporating water from their leaves.</a:t>
-            </a:r>
-          </a:p>
-          <a:p>
-            <a:pPr algn="l"/>
-            <a:r>
-              <a:rPr lang="en-IN" sz="900" b="0" i="0" dirty="0">
-                <a:solidFill>
-                  <a:srgbClr val="2F3039"/>
-                </a:solidFill>
-                <a:effectLst/>
-                <a:latin typeface="Open Sans" panose="020B0606030504020204" pitchFamily="34" charset="0"/>
-              </a:rPr>
-              <a:t>Trees provide food, shade and shelter to humans and wildlife.</a:t>
-            </a:r>
-          </a:p>
-          <a:p>
-            <a:pPr algn="l"/>
-            <a:r>
-              <a:rPr lang="en-IN" sz="900" b="0" i="0" dirty="0">
-                <a:solidFill>
-                  <a:srgbClr val="2F3039"/>
-                </a:solidFill>
-                <a:effectLst/>
-                <a:latin typeface="Open Sans" panose="020B0606030504020204" pitchFamily="34" charset="0"/>
-              </a:rPr>
-              <a:t>Trees offer protection from the downward fall of rain, sleet and hail as well as reduce storm run-off and the possibility of flooding.</a:t>
-            </a:r>
-          </a:p>
-          <a:p>
-            <a:pPr algn="l"/>
-            <a:r>
-              <a:rPr lang="en-IN" sz="900" b="0" i="0" dirty="0">
-                <a:solidFill>
-                  <a:srgbClr val="2F3039"/>
-                </a:solidFill>
-                <a:effectLst/>
-                <a:latin typeface="Open Sans" panose="020B0606030504020204" pitchFamily="34" charset="0"/>
-              </a:rPr>
-              <a:t>Trees act as sound barriers to reduce noise pollution.</a:t>
-            </a:r>
-          </a:p>
-          <a:p>
-            <a:pPr algn="l"/>
-            <a:r>
-              <a:rPr lang="en-IN" sz="900" b="0" i="0" dirty="0">
-                <a:solidFill>
-                  <a:srgbClr val="2F3039"/>
-                </a:solidFill>
-                <a:effectLst/>
-                <a:latin typeface="Open Sans" panose="020B0606030504020204" pitchFamily="34" charset="0"/>
-              </a:rPr>
-              <a:t>Trees play a major role in helping to conserve the intensity of the Earth's magnetic field.</a:t>
-            </a:r>
-          </a:p>
-          <a:p>
-            <a:pPr algn="l"/>
-            <a:r>
-              <a:rPr lang="en-IN" sz="900" b="0" i="0" u="none" strike="noStrike" dirty="0">
-                <a:solidFill>
-                  <a:srgbClr val="2F3039"/>
-                </a:solidFill>
-                <a:effectLst/>
-                <a:latin typeface="Open Sans" panose="020B0606030504020204" pitchFamily="34" charset="0"/>
-              </a:rPr>
-              <a:t>Trees beautify the landscape.</a:t>
-            </a:r>
-          </a:p>
-          <a:p>
-            <a:br>
-              <a:rPr lang="en-IN" sz="100" dirty="0"/>
-            </a:br>
-            <a:endParaRPr lang="en-US" altLang="ko-KR" sz="100" dirty="0">
-              <a:latin typeface="Times New Roman" panose="02020603050405020304" pitchFamily="18" charset="0"/>
-              <a:ea typeface="굴림" charset="-127"/>
-              <a:cs typeface="Times New Roman" panose="02020603050405020304" pitchFamily="18" charset="0"/>
-            </a:endParaRPr>
-          </a:p>
-          <a:p>
-            <a:pPr marL="0" indent="0">
+            <a:pPr marL="0" indent="0" algn="just">
               <a:buNone/>
             </a:pPr>
-            <a:endParaRPr lang="en-US" altLang="ko-KR" sz="100" dirty="0">
+            <a:endParaRPr lang="en-US" altLang="ko-KR" sz="700" dirty="0">
               <a:latin typeface="Times New Roman" panose="02020603050405020304" pitchFamily="18" charset="0"/>
               <a:ea typeface="굴림" charset="-127"/>
               <a:cs typeface="Times New Roman" panose="02020603050405020304" pitchFamily="18" charset="0"/>
@@ -15923,7 +16359,13 @@
       </p:grpSpPr>
       <p:sp>
         <p:nvSpPr>
-          <p:cNvPr id="2" name="Title 1"/>
+          <p:cNvPr id="2" name="Title 1">
+            <a:extLst>
+              <a:ext uri="{FF2B5EF4-FFF2-40B4-BE49-F238E27FC236}">
+                <a16:creationId xmlns:a16="http://schemas.microsoft.com/office/drawing/2014/main" id="{6BB2960F-D71A-4338-8895-98DD1662728E}"/>
+              </a:ext>
+            </a:extLst>
+          </p:cNvPr>
           <p:cNvSpPr>
             <a:spLocks noGrp="1"/>
           </p:cNvSpPr>
@@ -15931,52 +16373,205 @@
             <p:ph type="title"/>
           </p:nvPr>
         </p:nvSpPr>
+        <p:spPr>
+          <a:xfrm>
+            <a:off x="495300" y="205422"/>
+            <a:ext cx="8153400" cy="990600"/>
+          </a:xfrm>
+        </p:spPr>
+        <p:txBody>
+          <a:bodyPr/>
+          <a:lstStyle/>
+          <a:p>
+            <a:pPr algn="ctr"/>
+            <a:r>
+              <a:rPr lang="en-US" dirty="0"/>
+              <a:t>Introduction</a:t>
+            </a:r>
+            <a:endParaRPr lang="en-IN" dirty="0"/>
+          </a:p>
+        </p:txBody>
+      </p:sp>
+      <p:sp>
+        <p:nvSpPr>
+          <p:cNvPr id="3" name="Content Placeholder 2">
+            <a:extLst>
+              <a:ext uri="{FF2B5EF4-FFF2-40B4-BE49-F238E27FC236}">
+                <a16:creationId xmlns:a16="http://schemas.microsoft.com/office/drawing/2014/main" id="{A8615C13-CE53-44DD-BE04-2CB2B1345560}"/>
+              </a:ext>
+            </a:extLst>
+          </p:cNvPr>
+          <p:cNvSpPr>
+            <a:spLocks noGrp="1"/>
+          </p:cNvSpPr>
+          <p:nvPr>
+            <p:ph sz="quarter" idx="1"/>
+          </p:nvPr>
+        </p:nvSpPr>
+        <p:spPr>
+          <a:xfrm>
+            <a:off x="609600" y="1752601"/>
+            <a:ext cx="8153400" cy="4495800"/>
+          </a:xfrm>
+        </p:spPr>
+        <p:txBody>
+          <a:bodyPr>
+            <a:normAutofit fontScale="40000" lnSpcReduction="20000"/>
+          </a:bodyPr>
+          <a:lstStyle/>
+          <a:p>
+            <a:pPr algn="l">
+              <a:lnSpc>
+                <a:spcPct val="120000"/>
+              </a:lnSpc>
+            </a:pPr>
+            <a:r>
+              <a:rPr lang="en-IN" sz="4900" b="0" i="0" dirty="0">
+                <a:solidFill>
+                  <a:srgbClr val="2F3039"/>
+                </a:solidFill>
+                <a:effectLst/>
+                <a:latin typeface="Open Sans" panose="020B0606030504020204" pitchFamily="34" charset="0"/>
+                <a:ea typeface="Open Sans" panose="020B0606030504020204" pitchFamily="34" charset="0"/>
+                <a:cs typeface="Open Sans" panose="020B0606030504020204" pitchFamily="34" charset="0"/>
+              </a:rPr>
+              <a:t>Trees lower air temperature and induce rainfall by evaporating water from their leaves.</a:t>
+            </a:r>
+          </a:p>
+          <a:p>
+            <a:pPr algn="l">
+              <a:lnSpc>
+                <a:spcPct val="120000"/>
+              </a:lnSpc>
+            </a:pPr>
+            <a:r>
+              <a:rPr lang="en-IN" sz="4900" b="0" i="0" dirty="0">
+                <a:solidFill>
+                  <a:srgbClr val="2F3039"/>
+                </a:solidFill>
+                <a:effectLst/>
+                <a:latin typeface="Open Sans" panose="020B0606030504020204" pitchFamily="34" charset="0"/>
+                <a:ea typeface="Open Sans" panose="020B0606030504020204" pitchFamily="34" charset="0"/>
+                <a:cs typeface="Open Sans" panose="020B0606030504020204" pitchFamily="34" charset="0"/>
+              </a:rPr>
+              <a:t>Trees provide food, shade and shelter to humans and wildlife.</a:t>
+            </a:r>
+          </a:p>
+          <a:p>
+            <a:pPr algn="l">
+              <a:lnSpc>
+                <a:spcPct val="120000"/>
+              </a:lnSpc>
+            </a:pPr>
+            <a:r>
+              <a:rPr lang="en-IN" sz="4900" b="0" i="0" dirty="0">
+                <a:solidFill>
+                  <a:srgbClr val="2F3039"/>
+                </a:solidFill>
+                <a:effectLst/>
+                <a:latin typeface="Open Sans" panose="020B0606030504020204" pitchFamily="34" charset="0"/>
+                <a:ea typeface="Open Sans" panose="020B0606030504020204" pitchFamily="34" charset="0"/>
+                <a:cs typeface="Open Sans" panose="020B0606030504020204" pitchFamily="34" charset="0"/>
+              </a:rPr>
+              <a:t>Trees offer protection from the downward fall of rain, sleet and hail as well as reduce storm run-off and the possibility of flooding.</a:t>
+            </a:r>
+          </a:p>
+          <a:p>
+            <a:pPr algn="l">
+              <a:lnSpc>
+                <a:spcPct val="120000"/>
+              </a:lnSpc>
+            </a:pPr>
+            <a:r>
+              <a:rPr lang="en-IN" sz="4900" b="0" i="0" dirty="0">
+                <a:solidFill>
+                  <a:srgbClr val="2F3039"/>
+                </a:solidFill>
+                <a:effectLst/>
+                <a:latin typeface="Open Sans" panose="020B0606030504020204" pitchFamily="34" charset="0"/>
+                <a:ea typeface="Open Sans" panose="020B0606030504020204" pitchFamily="34" charset="0"/>
+                <a:cs typeface="Open Sans" panose="020B0606030504020204" pitchFamily="34" charset="0"/>
+              </a:rPr>
+              <a:t>Trees act as sound barriers to reduce noise pollution.</a:t>
+            </a:r>
+          </a:p>
+          <a:p>
+            <a:pPr algn="l">
+              <a:lnSpc>
+                <a:spcPct val="120000"/>
+              </a:lnSpc>
+            </a:pPr>
+            <a:r>
+              <a:rPr lang="en-IN" sz="4900" b="0" i="0" dirty="0">
+                <a:solidFill>
+                  <a:srgbClr val="2F3039"/>
+                </a:solidFill>
+                <a:effectLst/>
+                <a:latin typeface="Open Sans" panose="020B0606030504020204" pitchFamily="34" charset="0"/>
+                <a:ea typeface="Open Sans" panose="020B0606030504020204" pitchFamily="34" charset="0"/>
+                <a:cs typeface="Open Sans" panose="020B0606030504020204" pitchFamily="34" charset="0"/>
+              </a:rPr>
+              <a:t>Trees play a major role in helping to conserve the intensity of the Earth's magnetic field.</a:t>
+            </a:r>
+          </a:p>
+          <a:p>
+            <a:pPr algn="l">
+              <a:lnSpc>
+                <a:spcPct val="120000"/>
+              </a:lnSpc>
+            </a:pPr>
+            <a:r>
+              <a:rPr lang="en-IN" sz="4900" b="0" i="0" u="none" strike="noStrike" dirty="0">
+                <a:solidFill>
+                  <a:srgbClr val="2F3039"/>
+                </a:solidFill>
+                <a:effectLst/>
+                <a:latin typeface="Open Sans" panose="020B0606030504020204" pitchFamily="34" charset="0"/>
+                <a:ea typeface="Open Sans" panose="020B0606030504020204" pitchFamily="34" charset="0"/>
+                <a:cs typeface="Open Sans" panose="020B0606030504020204" pitchFamily="34" charset="0"/>
+              </a:rPr>
+              <a:t>Trees beautify the landscape.</a:t>
+            </a:r>
+            <a:br>
+              <a:rPr lang="en-IN" sz="3200" dirty="0">
+                <a:latin typeface="Open Sans" panose="020B0606030504020204" pitchFamily="34" charset="0"/>
+                <a:ea typeface="Open Sans" panose="020B0606030504020204" pitchFamily="34" charset="0"/>
+                <a:cs typeface="Open Sans" panose="020B0606030504020204" pitchFamily="34" charset="0"/>
+              </a:rPr>
+            </a:br>
+            <a:endParaRPr lang="en-US" altLang="ko-KR" sz="3200" dirty="0">
+              <a:latin typeface="Open Sans" panose="020B0606030504020204" pitchFamily="34" charset="0"/>
+              <a:ea typeface="Open Sans" panose="020B0606030504020204" pitchFamily="34" charset="0"/>
+              <a:cs typeface="Open Sans" panose="020B0606030504020204" pitchFamily="34" charset="0"/>
+            </a:endParaRPr>
+          </a:p>
+          <a:p>
+            <a:endParaRPr lang="en-IN" dirty="0"/>
+          </a:p>
+        </p:txBody>
+      </p:sp>
+      <p:sp>
+        <p:nvSpPr>
+          <p:cNvPr id="4" name="Date Placeholder 3">
+            <a:extLst>
+              <a:ext uri="{FF2B5EF4-FFF2-40B4-BE49-F238E27FC236}">
+                <a16:creationId xmlns:a16="http://schemas.microsoft.com/office/drawing/2014/main" id="{F7F16EFA-15B6-44FC-9C32-168651C484AE}"/>
+              </a:ext>
+            </a:extLst>
+          </p:cNvPr>
+          <p:cNvSpPr>
+            <a:spLocks noGrp="1"/>
+          </p:cNvSpPr>
+          <p:nvPr>
+            <p:ph type="dt" sz="half" idx="10"/>
+          </p:nvPr>
+        </p:nvSpPr>
         <p:spPr/>
         <p:txBody>
-          <a:bodyPr>
-            <a:normAutofit/>
-          </a:bodyPr>
-          <a:lstStyle/>
-          <a:p>
-            <a:r>
-              <a:rPr lang="en-IN" sz="3600" dirty="0">
-                <a:latin typeface="Times New Roman" panose="02020603050405020304" pitchFamily="18" charset="0"/>
-                <a:cs typeface="Times New Roman" panose="02020603050405020304" pitchFamily="18" charset="0"/>
-              </a:rPr>
-              <a:t>   Literature Survey</a:t>
-            </a:r>
-            <a:endParaRPr lang="en-IN" sz="2800" dirty="0">
-              <a:latin typeface="Times New Roman" panose="02020603050405020304" pitchFamily="18" charset="0"/>
-              <a:cs typeface="Times New Roman" panose="02020603050405020304" pitchFamily="18" charset="0"/>
-            </a:endParaRPr>
-          </a:p>
-        </p:txBody>
-      </p:sp>
-      <p:sp>
-        <p:nvSpPr>
-          <p:cNvPr id="3" name="Date Placeholder 2"/>
-          <p:cNvSpPr>
-            <a:spLocks noGrp="1"/>
-          </p:cNvSpPr>
-          <p:nvPr>
-            <p:ph type="dt" sz="half" idx="10"/>
-          </p:nvPr>
-        </p:nvSpPr>
-        <p:spPr>
-          <a:xfrm>
-            <a:off x="7543800" y="6248400"/>
-            <a:ext cx="1219200" cy="365125"/>
-          </a:xfrm>
-        </p:spPr>
-        <p:txBody>
-          <a:bodyPr/>
-          <a:lstStyle/>
-          <a:p>
-            <a:r>
-              <a:rPr lang="en-US"/>
-              <a:t>                                  </a:t>
-            </a:r>
-            <a:fld id="{3A9BC858-ACB1-4E44-8086-23DD406869B0}" type="datetime1">
+          <a:bodyPr/>
+          <a:lstStyle/>
+          <a:p>
+            <a:fld id="{E3F3D2C4-B264-461B-BA60-3413D14760D1}" type="datetime1">
               <a:rPr lang="en-US" smtClean="0"/>
               <a:pPr/>
               <a:t>4/30/2022</a:t>
@@ -15987,48 +16582,54 @@
       </p:sp>
       <p:sp>
         <p:nvSpPr>
-          <p:cNvPr id="4" name="Footer Placeholder 3"/>
-          <p:cNvSpPr>
-            <a:spLocks noGrp="1"/>
-          </p:cNvSpPr>
-          <p:nvPr>
-            <p:ph type="ftr" sz="quarter" idx="11"/>
-          </p:nvPr>
-        </p:nvSpPr>
-        <p:spPr>
-          <a:xfrm>
-            <a:off x="609600" y="6467564"/>
-            <a:ext cx="6324600" cy="209729"/>
-          </a:xfrm>
-        </p:spPr>
-        <p:txBody>
-          <a:bodyPr/>
-          <a:lstStyle/>
-          <a:p>
-            <a:r>
-              <a:rPr lang="en-IN" dirty="0">
-                <a:latin typeface="Times New Roman" panose="02020603050405020304" pitchFamily="18" charset="0"/>
-                <a:cs typeface="Times New Roman" panose="02020603050405020304" pitchFamily="18" charset="0"/>
-              </a:rPr>
-              <a:t>Playing Subset of Lecture Videos by Comparing Text Query with Associated Slides</a:t>
-            </a:r>
-            <a:endParaRPr lang="en-US" dirty="0">
-              <a:latin typeface="Times New Roman" panose="02020603050405020304" pitchFamily="18" charset="0"/>
-              <a:cs typeface="Times New Roman" panose="02020603050405020304" pitchFamily="18" charset="0"/>
-            </a:endParaRPr>
+          <p:cNvPr id="6" name="Slide Number Placeholder 5">
+            <a:extLst>
+              <a:ext uri="{FF2B5EF4-FFF2-40B4-BE49-F238E27FC236}">
+                <a16:creationId xmlns:a16="http://schemas.microsoft.com/office/drawing/2014/main" id="{F3515069-2F28-4FCF-B620-469134FE7C87}"/>
+              </a:ext>
+            </a:extLst>
+          </p:cNvPr>
+          <p:cNvSpPr>
+            <a:spLocks noGrp="1"/>
+          </p:cNvSpPr>
+          <p:nvPr>
+            <p:ph type="sldNum" sz="quarter" idx="12"/>
+          </p:nvPr>
+        </p:nvSpPr>
+        <p:spPr/>
+        <p:txBody>
+          <a:bodyPr>
+            <a:normAutofit fontScale="85000" lnSpcReduction="20000"/>
+          </a:bodyPr>
+          <a:lstStyle/>
+          <a:p>
+            <a:fld id="{71F31EB7-BBA7-4029-A716-8DC7C9AAD42F}" type="slidenum">
+              <a:rPr lang="en-US" smtClean="0"/>
+              <a:pPr/>
+              <a:t>6</a:t>
+            </a:fld>
+            <a:endParaRPr lang="en-US" dirty="0"/>
           </a:p>
         </p:txBody>
       </p:sp>
       <p:pic>
         <p:nvPicPr>
-          <p:cNvPr id="7" name="Picture 2"/>
+          <p:cNvPr id="8" name="Picture 2">
+            <a:extLst>
+              <a:ext uri="{FF2B5EF4-FFF2-40B4-BE49-F238E27FC236}">
+                <a16:creationId xmlns:a16="http://schemas.microsoft.com/office/drawing/2014/main" id="{58EFA021-7091-4944-BCE2-6916F70B4406}"/>
+              </a:ext>
+            </a:extLst>
+          </p:cNvPr>
           <p:cNvPicPr>
-            <a:picLocks noChangeAspect="1" noChangeArrowheads="1"/>
+            <a:picLocks noGrp="1" noChangeAspect="1" noChangeArrowheads="1"/>
           </p:cNvPicPr>
-          <p:nvPr/>
+          <p:nvPr>
+            <p:ph sz="quarter" idx="13"/>
+          </p:nvPr>
         </p:nvPicPr>
         <p:blipFill>
-          <a:blip r:embed="rId3">
+          <a:blip r:embed="rId2">
             <a:extLst>
               <a:ext uri="{28A0092B-C50C-407E-A947-70E740481C1C}">
                 <a14:useLocalDpi xmlns:a14="http://schemas.microsoft.com/office/drawing/2010/main" val="0"/>
@@ -16042,8 +16643,8 @@
         </p:blipFill>
         <p:spPr bwMode="auto">
           <a:xfrm>
-            <a:off x="2" y="1"/>
-            <a:ext cx="1025154" cy="908719"/>
+            <a:off x="0" y="0"/>
+            <a:ext cx="866019" cy="914400"/>
           </a:xfrm>
           <a:prstGeom prst="rect">
             <a:avLst/>
@@ -16073,252 +16674,10 @@
           </a:extLst>
         </p:spPr>
       </p:pic>
-      <p:sp>
-        <p:nvSpPr>
-          <p:cNvPr id="5" name="TextBox 4">
-            <a:extLst>
-              <a:ext uri="{FF2B5EF4-FFF2-40B4-BE49-F238E27FC236}">
-                <a16:creationId xmlns:a16="http://schemas.microsoft.com/office/drawing/2014/main" id="{C1373FC9-3FA4-47F2-8E31-F98A921ECCD8}"/>
-              </a:ext>
-            </a:extLst>
-          </p:cNvPr>
-          <p:cNvSpPr txBox="1"/>
-          <p:nvPr/>
-        </p:nvSpPr>
-        <p:spPr>
-          <a:xfrm>
-            <a:off x="179512" y="1700808"/>
-            <a:ext cx="8424936" cy="4524315"/>
-          </a:xfrm>
-          <a:prstGeom prst="rect">
-            <a:avLst/>
-          </a:prstGeom>
-          <a:noFill/>
-        </p:spPr>
-        <p:txBody>
-          <a:bodyPr wrap="square" rtlCol="0">
-            <a:spAutoFit/>
-          </a:bodyPr>
-          <a:lstStyle/>
-          <a:p>
-            <a:pPr marL="285750" indent="-285750">
-              <a:buFont typeface="Arial" panose="020B0604020202020204" pitchFamily="34" charset="0"/>
-              <a:buChar char="•"/>
-            </a:pPr>
-            <a:r>
-              <a:rPr lang="en-IN" b="0" i="0" dirty="0">
-                <a:solidFill>
-                  <a:srgbClr val="2F3039"/>
-                </a:solidFill>
-                <a:effectLst/>
-                <a:latin typeface="Open Sans" panose="020B0606030504020204" pitchFamily="34" charset="0"/>
-              </a:rPr>
-              <a:t>There are about 20,000 tree species in the world. India has one of the largest tree treasuries in the world followed by the US.</a:t>
-            </a:r>
-          </a:p>
-          <a:p>
-            <a:pPr marL="285750" indent="-285750">
-              <a:buFont typeface="Arial" panose="020B0604020202020204" pitchFamily="34" charset="0"/>
-              <a:buChar char="•"/>
-            </a:pPr>
-            <a:endParaRPr lang="en-IN" dirty="0">
-              <a:solidFill>
-                <a:srgbClr val="2F3039"/>
-              </a:solidFill>
-              <a:latin typeface="Open Sans" panose="020B0606030504020204" pitchFamily="34" charset="0"/>
-            </a:endParaRPr>
-          </a:p>
-          <a:p>
-            <a:pPr marL="285750" indent="-285750">
-              <a:buFont typeface="Arial" panose="020B0604020202020204" pitchFamily="34" charset="0"/>
-              <a:buChar char="•"/>
-            </a:pPr>
-            <a:r>
-              <a:rPr lang="en-IN" b="1" i="0" dirty="0">
-                <a:solidFill>
-                  <a:srgbClr val="2F3039"/>
-                </a:solidFill>
-                <a:effectLst/>
-                <a:latin typeface="Open Sans" panose="020B0606030504020204" pitchFamily="34" charset="0"/>
-              </a:rPr>
-              <a:t>Incredible Facts About Trees</a:t>
-            </a:r>
-          </a:p>
-          <a:p>
-            <a:pPr marL="285750" indent="-285750">
-              <a:buFont typeface="Arial" panose="020B0604020202020204" pitchFamily="34" charset="0"/>
-              <a:buChar char="•"/>
-            </a:pPr>
-            <a:r>
-              <a:rPr lang="en-IN" b="1" i="0" dirty="0">
-                <a:solidFill>
-                  <a:srgbClr val="2F3039"/>
-                </a:solidFill>
-                <a:effectLst/>
-                <a:latin typeface="Open Sans" panose="020B0606030504020204" pitchFamily="34" charset="0"/>
-              </a:rPr>
-              <a:t>Oldest</a:t>
-            </a:r>
-          </a:p>
-          <a:p>
-            <a:pPr marL="285750" indent="-285750">
-              <a:buFont typeface="Arial" panose="020B0604020202020204" pitchFamily="34" charset="0"/>
-              <a:buChar char="•"/>
-            </a:pPr>
-            <a:r>
-              <a:rPr lang="en-IN" b="1" i="0" dirty="0">
-                <a:solidFill>
-                  <a:srgbClr val="2F3039"/>
-                </a:solidFill>
-                <a:effectLst/>
-                <a:latin typeface="Open Sans" panose="020B0606030504020204" pitchFamily="34" charset="0"/>
-              </a:rPr>
-              <a:t>Slowest</a:t>
-            </a:r>
-          </a:p>
-          <a:p>
-            <a:pPr marL="285750" indent="-285750">
-              <a:buFont typeface="Arial" panose="020B0604020202020204" pitchFamily="34" charset="0"/>
-              <a:buChar char="•"/>
-            </a:pPr>
-            <a:r>
-              <a:rPr lang="en-IN" b="1" i="0" dirty="0">
-                <a:solidFill>
-                  <a:srgbClr val="2F3039"/>
-                </a:solidFill>
-                <a:effectLst/>
-                <a:latin typeface="Open Sans" panose="020B0606030504020204" pitchFamily="34" charset="0"/>
-              </a:rPr>
-              <a:t>Tallest</a:t>
-            </a:r>
-          </a:p>
-          <a:p>
-            <a:pPr marL="285750" indent="-285750">
-              <a:buFont typeface="Arial" panose="020B0604020202020204" pitchFamily="34" charset="0"/>
-              <a:buChar char="•"/>
-            </a:pPr>
-            <a:r>
-              <a:rPr lang="en-IN" b="1" i="0" dirty="0">
-                <a:solidFill>
-                  <a:srgbClr val="2F3039"/>
-                </a:solidFill>
-                <a:effectLst/>
-                <a:latin typeface="Open Sans" panose="020B0606030504020204" pitchFamily="34" charset="0"/>
-              </a:rPr>
-              <a:t>Most Massive</a:t>
-            </a:r>
-          </a:p>
-          <a:p>
-            <a:pPr marL="285750" indent="-285750">
-              <a:buFont typeface="Arial" panose="020B0604020202020204" pitchFamily="34" charset="0"/>
-              <a:buChar char="•"/>
-            </a:pPr>
-            <a:r>
-              <a:rPr lang="en-IN" b="1" i="0" dirty="0">
-                <a:solidFill>
-                  <a:srgbClr val="2F3039"/>
-                </a:solidFill>
-                <a:effectLst/>
-                <a:latin typeface="Open Sans" panose="020B0606030504020204" pitchFamily="34" charset="0"/>
-              </a:rPr>
-              <a:t>Deepest Roots</a:t>
-            </a:r>
-          </a:p>
-          <a:p>
-            <a:pPr marL="285750" indent="-285750">
-              <a:buFont typeface="Arial" panose="020B0604020202020204" pitchFamily="34" charset="0"/>
-              <a:buChar char="•"/>
-            </a:pPr>
-            <a:r>
-              <a:rPr lang="en-IN" b="1" i="0" dirty="0">
-                <a:solidFill>
-                  <a:srgbClr val="2F3039"/>
-                </a:solidFill>
-                <a:effectLst/>
-                <a:latin typeface="Open Sans" panose="020B0606030504020204" pitchFamily="34" charset="0"/>
-              </a:rPr>
-              <a:t>Fastest Growing</a:t>
-            </a:r>
-          </a:p>
-          <a:p>
-            <a:pPr marL="285750" indent="-285750">
-              <a:buFont typeface="Arial" panose="020B0604020202020204" pitchFamily="34" charset="0"/>
-              <a:buChar char="•"/>
-            </a:pPr>
-            <a:r>
-              <a:rPr lang="en-IN" b="1" i="0" dirty="0">
-                <a:solidFill>
-                  <a:srgbClr val="2F3039"/>
-                </a:solidFill>
-                <a:effectLst/>
-                <a:latin typeface="Open Sans" panose="020B0606030504020204" pitchFamily="34" charset="0"/>
-              </a:rPr>
-              <a:t>Greatest Girth</a:t>
-            </a:r>
-          </a:p>
-          <a:p>
-            <a:pPr marL="285750" indent="-285750">
-              <a:buFont typeface="Arial" panose="020B0604020202020204" pitchFamily="34" charset="0"/>
-              <a:buChar char="•"/>
-            </a:pPr>
-            <a:r>
-              <a:rPr lang="en-IN" b="1" i="0" dirty="0">
-                <a:solidFill>
-                  <a:srgbClr val="2F3039"/>
-                </a:solidFill>
-                <a:effectLst/>
-                <a:latin typeface="Open Sans" panose="020B0606030504020204" pitchFamily="34" charset="0"/>
-              </a:rPr>
-              <a:t>Most Dangerous</a:t>
-            </a:r>
-          </a:p>
-          <a:p>
-            <a:pPr marL="285750" indent="-285750">
-              <a:buFont typeface="Arial" panose="020B0604020202020204" pitchFamily="34" charset="0"/>
-              <a:buChar char="•"/>
-            </a:pPr>
-            <a:endParaRPr lang="en-IN" b="0" i="0" dirty="0">
-              <a:solidFill>
-                <a:srgbClr val="2F3039"/>
-              </a:solidFill>
-              <a:effectLst/>
-              <a:latin typeface="Open Sans" panose="020B0606030504020204" pitchFamily="34" charset="0"/>
-            </a:endParaRPr>
-          </a:p>
-          <a:p>
-            <a:pPr marL="285750" indent="-285750">
-              <a:buFont typeface="Arial" panose="020B0604020202020204" pitchFamily="34" charset="0"/>
-              <a:buChar char="•"/>
-            </a:pPr>
-            <a:endParaRPr lang="en-IN" dirty="0">
-              <a:solidFill>
-                <a:srgbClr val="2F3039"/>
-              </a:solidFill>
-              <a:latin typeface="Open Sans" panose="020B0606030504020204" pitchFamily="34" charset="0"/>
-            </a:endParaRPr>
-          </a:p>
-          <a:p>
-            <a:pPr marL="285750" indent="-285750">
-              <a:buFont typeface="Arial" panose="020B0604020202020204" pitchFamily="34" charset="0"/>
-              <a:buChar char="•"/>
-            </a:pPr>
-            <a:endParaRPr lang="en-IN" b="0" i="0" dirty="0">
-              <a:solidFill>
-                <a:srgbClr val="2F3039"/>
-              </a:solidFill>
-              <a:effectLst/>
-              <a:latin typeface="Open Sans" panose="020B0606030504020204" pitchFamily="34" charset="0"/>
-            </a:endParaRPr>
-          </a:p>
-          <a:p>
-            <a:endParaRPr lang="en-IN" dirty="0"/>
-          </a:p>
-        </p:txBody>
-      </p:sp>
     </p:spTree>
     <p:extLst>
       <p:ext uri="{BB962C8B-B14F-4D97-AF65-F5344CB8AC3E}">
-        <p14:creationId xmlns:p14="http://schemas.microsoft.com/office/powerpoint/2010/main" val="3336221290"/>
+        <p14:creationId xmlns:p14="http://schemas.microsoft.com/office/powerpoint/2010/main" val="90321313"/>
       </p:ext>
     </p:extLst>
   </p:cSld>
@@ -16355,199 +16714,36 @@
             <p:ph type="title"/>
           </p:nvPr>
         </p:nvSpPr>
-        <p:spPr/>
+        <p:spPr>
+          <a:xfrm>
+            <a:off x="495300" y="203270"/>
+            <a:ext cx="8153400" cy="990600"/>
+          </a:xfrm>
+        </p:spPr>
         <p:txBody>
           <a:bodyPr>
             <a:normAutofit/>
           </a:bodyPr>
           <a:lstStyle/>
           <a:p>
-            <a:r>
-              <a:rPr lang="en-US" sz="3600" dirty="0">
+            <a:pPr algn="ctr"/>
+            <a:r>
+              <a:rPr lang="en-IN" sz="3600" dirty="0">
                 <a:latin typeface="Times New Roman" panose="02020603050405020304" pitchFamily="18" charset="0"/>
                 <a:cs typeface="Times New Roman" panose="02020603050405020304" pitchFamily="18" charset="0"/>
               </a:rPr>
-              <a:t>   Problem Description</a:t>
-            </a:r>
-          </a:p>
-        </p:txBody>
-      </p:sp>
-      <p:sp>
-        <p:nvSpPr>
-          <p:cNvPr id="5" name="Footer Placeholder 4"/>
-          <p:cNvSpPr>
-            <a:spLocks noGrp="1"/>
-          </p:cNvSpPr>
-          <p:nvPr>
-            <p:ph type="ftr" sz="quarter" idx="11"/>
-          </p:nvPr>
-        </p:nvSpPr>
-        <p:spPr>
-          <a:xfrm>
-            <a:off x="609600" y="6470932"/>
-            <a:ext cx="6553200" cy="387068"/>
-          </a:xfrm>
-        </p:spPr>
-        <p:txBody>
-          <a:bodyPr/>
-          <a:lstStyle/>
-          <a:p>
-            <a:r>
-              <a:rPr lang="en-IN" dirty="0"/>
-              <a:t>Playing Subset of Lecture Videos by Comparing Text Query with Associated Slides</a:t>
-            </a:r>
-            <a:endParaRPr lang="en-US" dirty="0"/>
-          </a:p>
-        </p:txBody>
-      </p:sp>
-      <p:sp>
-        <p:nvSpPr>
-          <p:cNvPr id="4" name="Slide Number Placeholder 3"/>
-          <p:cNvSpPr>
-            <a:spLocks noGrp="1"/>
-          </p:cNvSpPr>
-          <p:nvPr>
-            <p:ph type="sldNum" sz="quarter" idx="12"/>
-          </p:nvPr>
-        </p:nvSpPr>
-        <p:spPr>
-          <a:xfrm>
-            <a:off x="0" y="1272222"/>
-            <a:ext cx="533400" cy="244476"/>
-          </a:xfrm>
-        </p:spPr>
-        <p:txBody>
-          <a:bodyPr>
-            <a:normAutofit fontScale="85000" lnSpcReduction="20000"/>
-          </a:bodyPr>
-          <a:lstStyle/>
-          <a:p>
-            <a:fld id="{71F31EB7-BBA7-4029-A716-8DC7C9AAD42F}" type="slidenum">
-              <a:rPr lang="en-US" smtClean="0"/>
-              <a:pPr/>
-              <a:t>7</a:t>
-            </a:fld>
-            <a:endParaRPr lang="en-US" dirty="0"/>
-          </a:p>
-        </p:txBody>
-      </p:sp>
-      <p:sp>
-        <p:nvSpPr>
-          <p:cNvPr id="3" name="Content Placeholder 2"/>
-          <p:cNvSpPr>
-            <a:spLocks noGrp="1"/>
-          </p:cNvSpPr>
-          <p:nvPr>
-            <p:ph sz="quarter" idx="1"/>
-          </p:nvPr>
-        </p:nvSpPr>
-        <p:spPr>
-          <a:xfrm>
-            <a:off x="647817" y="1752406"/>
-            <a:ext cx="8153400" cy="4408046"/>
-          </a:xfrm>
-        </p:spPr>
-        <p:txBody>
-          <a:bodyPr>
-            <a:normAutofit/>
-          </a:bodyPr>
-          <a:lstStyle/>
-          <a:p>
-            <a:pPr marL="0" lvl="1" indent="0">
-              <a:buNone/>
-            </a:pPr>
-            <a:r>
-              <a:rPr lang="en-US" altLang="ko-KR" sz="2200" b="1" dirty="0">
-                <a:latin typeface="Times New Roman" panose="02020603050405020304" pitchFamily="18" charset="0"/>
-                <a:ea typeface="굴림" charset="-127"/>
-                <a:cs typeface="Times New Roman" panose="02020603050405020304" pitchFamily="18" charset="0"/>
-              </a:rPr>
-              <a:t>Problem Statement:</a:t>
-            </a:r>
-          </a:p>
-          <a:p>
-            <a:pPr marL="0" lvl="1" indent="0" algn="just">
-              <a:buNone/>
-            </a:pPr>
-            <a:r>
-              <a:rPr lang="en-US" altLang="ko-KR" sz="2200" dirty="0">
-                <a:latin typeface="Times New Roman" panose="02020603050405020304" pitchFamily="18" charset="0"/>
-                <a:ea typeface="굴림" charset="-127"/>
-                <a:cs typeface="Times New Roman" panose="02020603050405020304" pitchFamily="18" charset="0"/>
-              </a:rPr>
-              <a:t>     Example: </a:t>
-            </a:r>
-          </a:p>
-          <a:p>
-            <a:pPr marL="0" lvl="1" indent="0" algn="just">
-              <a:buNone/>
-            </a:pPr>
-            <a:r>
-              <a:rPr lang="en-US" altLang="ko-KR" sz="2200" dirty="0">
-                <a:latin typeface="Times New Roman" panose="02020603050405020304" pitchFamily="18" charset="0"/>
-                <a:ea typeface="굴림" charset="-127"/>
-                <a:cs typeface="Times New Roman" panose="02020603050405020304" pitchFamily="18" charset="0"/>
-              </a:rPr>
-              <a:t>	To improve the search and navigation feature of lecture video,        metadata is extracted using video analysis method for efficient and effective search mechanism within a lecture video. </a:t>
-            </a:r>
-          </a:p>
-          <a:p>
-            <a:pPr marL="0" lvl="1" indent="0">
-              <a:buNone/>
-            </a:pPr>
-            <a:endParaRPr lang="en-US" altLang="ko-KR" sz="2200" dirty="0">
-              <a:latin typeface="Times New Roman" panose="02020603050405020304" pitchFamily="18" charset="0"/>
-              <a:ea typeface="굴림" charset="-127"/>
-              <a:cs typeface="Times New Roman" panose="02020603050405020304" pitchFamily="18" charset="0"/>
-            </a:endParaRPr>
-          </a:p>
-          <a:p>
-            <a:pPr marL="0" lvl="1" indent="0">
-              <a:buNone/>
-            </a:pPr>
-            <a:r>
-              <a:rPr lang="en-US" altLang="ko-KR" sz="2200" b="1" dirty="0">
-                <a:latin typeface="Times New Roman" panose="02020603050405020304" pitchFamily="18" charset="0"/>
-                <a:ea typeface="굴림" charset="-127"/>
-                <a:cs typeface="Times New Roman" panose="02020603050405020304" pitchFamily="18" charset="0"/>
-              </a:rPr>
-              <a:t>Problem Solution</a:t>
-            </a:r>
-          </a:p>
-          <a:p>
-            <a:pPr marL="0" indent="0" algn="just">
-              <a:buNone/>
-            </a:pPr>
-            <a:endParaRPr lang="en-US" sz="2200" dirty="0">
+              <a:t>   Literature Survey</a:t>
+            </a:r>
+            <a:endParaRPr lang="en-IN" sz="2800" dirty="0">
               <a:latin typeface="Times New Roman" panose="02020603050405020304" pitchFamily="18" charset="0"/>
               <a:cs typeface="Times New Roman" panose="02020603050405020304" pitchFamily="18" charset="0"/>
             </a:endParaRPr>
           </a:p>
-          <a:p>
-            <a:pPr marL="0" lvl="1" indent="0">
-              <a:buNone/>
-            </a:pPr>
-            <a:endParaRPr lang="en-US" altLang="ko-KR" sz="2400" dirty="0">
-              <a:latin typeface="Times New Roman" panose="02020603050405020304" pitchFamily="18" charset="0"/>
-              <a:ea typeface="굴림" charset="-127"/>
-              <a:cs typeface="Times New Roman" panose="02020603050405020304" pitchFamily="18" charset="0"/>
-            </a:endParaRPr>
-          </a:p>
-          <a:p>
-            <a:pPr marL="0" lvl="1" indent="0">
-              <a:buNone/>
-            </a:pPr>
-            <a:endParaRPr lang="en-US" altLang="ko-KR" sz="2400" dirty="0">
-              <a:latin typeface="Times New Roman" panose="02020603050405020304" pitchFamily="18" charset="0"/>
-              <a:ea typeface="굴림" charset="-127"/>
-              <a:cs typeface="Times New Roman" panose="02020603050405020304" pitchFamily="18" charset="0"/>
-            </a:endParaRPr>
-          </a:p>
-        </p:txBody>
-      </p:sp>
-      <p:sp>
-        <p:nvSpPr>
-          <p:cNvPr id="6" name="Date Placeholder 5"/>
+        </p:txBody>
+      </p:sp>
+      <p:sp>
+        <p:nvSpPr>
+          <p:cNvPr id="3" name="Date Placeholder 2"/>
           <p:cNvSpPr>
             <a:spLocks noGrp="1"/>
           </p:cNvSpPr>
@@ -16557,8 +16753,8 @@
         </p:nvSpPr>
         <p:spPr>
           <a:xfrm>
-            <a:off x="7620000" y="6470932"/>
-            <a:ext cx="1143000" cy="142593"/>
+            <a:off x="7543800" y="6248400"/>
+            <a:ext cx="1219200" cy="365125"/>
           </a:xfrm>
         </p:spPr>
         <p:txBody>
@@ -16569,7 +16765,7 @@
               <a:rPr lang="en-US" dirty="0"/>
               <a:t>                                  </a:t>
             </a:r>
-            <a:fld id="{10930C44-1396-41A0-98BE-16DFDB8B27E4}" type="datetime1">
+            <a:fld id="{3A9BC858-ACB1-4E44-8086-23DD406869B0}" type="datetime1">
               <a:rPr lang="en-US" smtClean="0"/>
               <a:pPr/>
               <a:t>4/30/2022</a:t>
@@ -16632,7 +16828,250 @@
           </a:extLst>
         </p:spPr>
       </p:pic>
+      <p:sp>
+        <p:nvSpPr>
+          <p:cNvPr id="5" name="TextBox 4">
+            <a:extLst>
+              <a:ext uri="{FF2B5EF4-FFF2-40B4-BE49-F238E27FC236}">
+                <a16:creationId xmlns:a16="http://schemas.microsoft.com/office/drawing/2014/main" id="{C1373FC9-3FA4-47F2-8E31-F98A921ECCD8}"/>
+              </a:ext>
+            </a:extLst>
+          </p:cNvPr>
+          <p:cNvSpPr txBox="1"/>
+          <p:nvPr/>
+        </p:nvSpPr>
+        <p:spPr>
+          <a:xfrm>
+            <a:off x="179512" y="1700808"/>
+            <a:ext cx="8424936" cy="4524315"/>
+          </a:xfrm>
+          <a:prstGeom prst="rect">
+            <a:avLst/>
+          </a:prstGeom>
+          <a:noFill/>
+        </p:spPr>
+        <p:txBody>
+          <a:bodyPr wrap="square" rtlCol="0">
+            <a:spAutoFit/>
+          </a:bodyPr>
+          <a:lstStyle/>
+          <a:p>
+            <a:r>
+              <a:rPr lang="en-IN" b="0" i="0" dirty="0">
+                <a:solidFill>
+                  <a:srgbClr val="2F3039"/>
+                </a:solidFill>
+                <a:effectLst/>
+                <a:latin typeface="Open Sans" panose="020B0606030504020204" pitchFamily="34" charset="0"/>
+              </a:rPr>
+              <a:t>There are about 20,000 tree species in the world. India has one of the largest tree treasuries in the world followed by the US.</a:t>
+            </a:r>
+          </a:p>
+          <a:p>
+            <a:pPr marL="285750" indent="-285750">
+              <a:buFont typeface="Arial" panose="020B0604020202020204" pitchFamily="34" charset="0"/>
+              <a:buChar char="•"/>
+            </a:pPr>
+            <a:endParaRPr lang="en-IN" dirty="0">
+              <a:solidFill>
+                <a:srgbClr val="2F3039"/>
+              </a:solidFill>
+              <a:latin typeface="Open Sans" panose="020B0606030504020204" pitchFamily="34" charset="0"/>
+            </a:endParaRPr>
+          </a:p>
+          <a:p>
+            <a:pPr marL="285750" indent="-285750">
+              <a:buFont typeface="Arial" panose="020B0604020202020204" pitchFamily="34" charset="0"/>
+              <a:buChar char="•"/>
+            </a:pPr>
+            <a:r>
+              <a:rPr lang="en-IN" b="1" i="0" dirty="0">
+                <a:solidFill>
+                  <a:srgbClr val="2F3039"/>
+                </a:solidFill>
+                <a:effectLst/>
+                <a:latin typeface="Open Sans" panose="020B0606030504020204" pitchFamily="34" charset="0"/>
+              </a:rPr>
+              <a:t>Incredible Facts About Trees</a:t>
+            </a:r>
+          </a:p>
+          <a:p>
+            <a:pPr marL="285750" indent="-285750">
+              <a:buFont typeface="Arial" panose="020B0604020202020204" pitchFamily="34" charset="0"/>
+              <a:buChar char="•"/>
+            </a:pPr>
+            <a:r>
+              <a:rPr lang="en-IN" b="1" i="0" dirty="0">
+                <a:solidFill>
+                  <a:srgbClr val="2F3039"/>
+                </a:solidFill>
+                <a:effectLst/>
+                <a:latin typeface="Open Sans" panose="020B0606030504020204" pitchFamily="34" charset="0"/>
+              </a:rPr>
+              <a:t>Oldest</a:t>
+            </a:r>
+          </a:p>
+          <a:p>
+            <a:pPr marL="285750" indent="-285750">
+              <a:buFont typeface="Arial" panose="020B0604020202020204" pitchFamily="34" charset="0"/>
+              <a:buChar char="•"/>
+            </a:pPr>
+            <a:r>
+              <a:rPr lang="en-IN" b="1" i="0" dirty="0">
+                <a:solidFill>
+                  <a:srgbClr val="2F3039"/>
+                </a:solidFill>
+                <a:effectLst/>
+                <a:latin typeface="Open Sans" panose="020B0606030504020204" pitchFamily="34" charset="0"/>
+              </a:rPr>
+              <a:t>Slowest</a:t>
+            </a:r>
+          </a:p>
+          <a:p>
+            <a:pPr marL="285750" indent="-285750">
+              <a:buFont typeface="Arial" panose="020B0604020202020204" pitchFamily="34" charset="0"/>
+              <a:buChar char="•"/>
+            </a:pPr>
+            <a:r>
+              <a:rPr lang="en-IN" b="1" i="0" dirty="0">
+                <a:solidFill>
+                  <a:srgbClr val="2F3039"/>
+                </a:solidFill>
+                <a:effectLst/>
+                <a:latin typeface="Open Sans" panose="020B0606030504020204" pitchFamily="34" charset="0"/>
+              </a:rPr>
+              <a:t>Tallest</a:t>
+            </a:r>
+          </a:p>
+          <a:p>
+            <a:pPr marL="285750" indent="-285750">
+              <a:buFont typeface="Arial" panose="020B0604020202020204" pitchFamily="34" charset="0"/>
+              <a:buChar char="•"/>
+            </a:pPr>
+            <a:r>
+              <a:rPr lang="en-IN" b="1" i="0" dirty="0">
+                <a:solidFill>
+                  <a:srgbClr val="2F3039"/>
+                </a:solidFill>
+                <a:effectLst/>
+                <a:latin typeface="Open Sans" panose="020B0606030504020204" pitchFamily="34" charset="0"/>
+              </a:rPr>
+              <a:t>Most Massive</a:t>
+            </a:r>
+          </a:p>
+          <a:p>
+            <a:pPr marL="285750" indent="-285750">
+              <a:buFont typeface="Arial" panose="020B0604020202020204" pitchFamily="34" charset="0"/>
+              <a:buChar char="•"/>
+            </a:pPr>
+            <a:r>
+              <a:rPr lang="en-IN" b="1" i="0" dirty="0">
+                <a:solidFill>
+                  <a:srgbClr val="2F3039"/>
+                </a:solidFill>
+                <a:effectLst/>
+                <a:latin typeface="Open Sans" panose="020B0606030504020204" pitchFamily="34" charset="0"/>
+              </a:rPr>
+              <a:t>Deepest Roots</a:t>
+            </a:r>
+          </a:p>
+          <a:p>
+            <a:pPr marL="285750" indent="-285750">
+              <a:buFont typeface="Arial" panose="020B0604020202020204" pitchFamily="34" charset="0"/>
+              <a:buChar char="•"/>
+            </a:pPr>
+            <a:r>
+              <a:rPr lang="en-IN" b="1" i="0" dirty="0">
+                <a:solidFill>
+                  <a:srgbClr val="2F3039"/>
+                </a:solidFill>
+                <a:effectLst/>
+                <a:latin typeface="Open Sans" panose="020B0606030504020204" pitchFamily="34" charset="0"/>
+              </a:rPr>
+              <a:t>Fastest Growing</a:t>
+            </a:r>
+          </a:p>
+          <a:p>
+            <a:pPr marL="285750" indent="-285750">
+              <a:buFont typeface="Arial" panose="020B0604020202020204" pitchFamily="34" charset="0"/>
+              <a:buChar char="•"/>
+            </a:pPr>
+            <a:r>
+              <a:rPr lang="en-IN" b="1" i="0" dirty="0">
+                <a:solidFill>
+                  <a:srgbClr val="2F3039"/>
+                </a:solidFill>
+                <a:effectLst/>
+                <a:latin typeface="Open Sans" panose="020B0606030504020204" pitchFamily="34" charset="0"/>
+              </a:rPr>
+              <a:t>Greatest Girth</a:t>
+            </a:r>
+          </a:p>
+          <a:p>
+            <a:pPr marL="285750" indent="-285750">
+              <a:buFont typeface="Arial" panose="020B0604020202020204" pitchFamily="34" charset="0"/>
+              <a:buChar char="•"/>
+            </a:pPr>
+            <a:r>
+              <a:rPr lang="en-IN" b="1" i="0" dirty="0">
+                <a:solidFill>
+                  <a:srgbClr val="2F3039"/>
+                </a:solidFill>
+                <a:effectLst/>
+                <a:latin typeface="Open Sans" panose="020B0606030504020204" pitchFamily="34" charset="0"/>
+              </a:rPr>
+              <a:t>Most Dangerous</a:t>
+            </a:r>
+          </a:p>
+          <a:p>
+            <a:pPr marL="285750" indent="-285750">
+              <a:buFont typeface="Arial" panose="020B0604020202020204" pitchFamily="34" charset="0"/>
+              <a:buChar char="•"/>
+            </a:pPr>
+            <a:endParaRPr lang="en-IN" b="0" i="0" dirty="0">
+              <a:solidFill>
+                <a:srgbClr val="2F3039"/>
+              </a:solidFill>
+              <a:effectLst/>
+              <a:latin typeface="Open Sans" panose="020B0606030504020204" pitchFamily="34" charset="0"/>
+            </a:endParaRPr>
+          </a:p>
+          <a:p>
+            <a:pPr marL="285750" indent="-285750">
+              <a:buFont typeface="Arial" panose="020B0604020202020204" pitchFamily="34" charset="0"/>
+              <a:buChar char="•"/>
+            </a:pPr>
+            <a:endParaRPr lang="en-IN" dirty="0">
+              <a:solidFill>
+                <a:srgbClr val="2F3039"/>
+              </a:solidFill>
+              <a:latin typeface="Open Sans" panose="020B0606030504020204" pitchFamily="34" charset="0"/>
+            </a:endParaRPr>
+          </a:p>
+          <a:p>
+            <a:pPr marL="285750" indent="-285750">
+              <a:buFont typeface="Arial" panose="020B0604020202020204" pitchFamily="34" charset="0"/>
+              <a:buChar char="•"/>
+            </a:pPr>
+            <a:endParaRPr lang="en-IN" b="0" i="0" dirty="0">
+              <a:solidFill>
+                <a:srgbClr val="2F3039"/>
+              </a:solidFill>
+              <a:effectLst/>
+              <a:latin typeface="Open Sans" panose="020B0606030504020204" pitchFamily="34" charset="0"/>
+            </a:endParaRPr>
+          </a:p>
+          <a:p>
+            <a:endParaRPr lang="en-IN" dirty="0"/>
+          </a:p>
+        </p:txBody>
+      </p:sp>
     </p:spTree>
+    <p:extLst>
+      <p:ext uri="{BB962C8B-B14F-4D97-AF65-F5344CB8AC3E}">
+        <p14:creationId xmlns:p14="http://schemas.microsoft.com/office/powerpoint/2010/main" val="3336221290"/>
+      </p:ext>
+    </p:extLst>
   </p:cSld>
   <p:clrMapOvr>
     <a:masterClrMapping/>
@@ -16675,46 +17114,12 @@
           <a:lstStyle/>
           <a:p>
             <a:r>
-              <a:rPr lang="en-IN" sz="3600" dirty="0">
+              <a:rPr lang="en-US" sz="3600" dirty="0">
                 <a:latin typeface="Times New Roman" panose="02020603050405020304" pitchFamily="18" charset="0"/>
                 <a:cs typeface="Times New Roman" panose="02020603050405020304" pitchFamily="18" charset="0"/>
               </a:rPr>
-              <a:t>   Proposed System</a:t>
-            </a:r>
-          </a:p>
-        </p:txBody>
-      </p:sp>
-      <p:sp>
-        <p:nvSpPr>
-          <p:cNvPr id="3" name="Footer Placeholder 2"/>
-          <p:cNvSpPr>
-            <a:spLocks noGrp="1"/>
-          </p:cNvSpPr>
-          <p:nvPr>
-            <p:ph type="ftr" sz="quarter" idx="11"/>
-          </p:nvPr>
-        </p:nvSpPr>
-        <p:spPr>
-          <a:xfrm>
-            <a:off x="609600" y="6477000"/>
-            <a:ext cx="6341353" cy="381000"/>
-          </a:xfrm>
-        </p:spPr>
-        <p:txBody>
-          <a:bodyPr/>
-          <a:lstStyle/>
-          <a:p>
-            <a:r>
-              <a:rPr lang="en-IN" dirty="0">
-                <a:latin typeface="Times New Roman" panose="02020603050405020304" pitchFamily="18" charset="0"/>
-                <a:cs typeface="Times New Roman" panose="02020603050405020304" pitchFamily="18" charset="0"/>
-              </a:rPr>
-              <a:t>Playing Subset of Lecture Videos by Comparing Text Query with Associated Slides</a:t>
-            </a:r>
-            <a:endParaRPr lang="en-US" dirty="0">
-              <a:latin typeface="Times New Roman" panose="02020603050405020304" pitchFamily="18" charset="0"/>
-              <a:cs typeface="Times New Roman" panose="02020603050405020304" pitchFamily="18" charset="0"/>
-            </a:endParaRPr>
+              <a:t>   Problem Description</a:t>
+            </a:r>
           </a:p>
         </p:txBody>
       </p:sp>
@@ -16751,39 +17156,147 @@
       </p:sp>
       <p:sp>
         <p:nvSpPr>
-          <p:cNvPr id="7" name="TextBox 6"/>
-          <p:cNvSpPr txBox="1"/>
-          <p:nvPr/>
+          <p:cNvPr id="3" name="Content Placeholder 2"/>
+          <p:cNvSpPr>
+            <a:spLocks noGrp="1"/>
+          </p:cNvSpPr>
+          <p:nvPr>
+            <p:ph sz="quarter" idx="1"/>
+          </p:nvPr>
         </p:nvSpPr>
         <p:spPr>
           <a:xfrm>
-            <a:off x="3124200" y="5943600"/>
-            <a:ext cx="3826753" cy="369332"/>
-          </a:xfrm>
-          <a:prstGeom prst="rect">
-            <a:avLst/>
-          </a:prstGeom>
-          <a:noFill/>
-        </p:spPr>
-        <p:txBody>
-          <a:bodyPr wrap="none" rtlCol="0">
-            <a:spAutoFit/>
+            <a:off x="647817" y="1752406"/>
+            <a:ext cx="8153400" cy="4408046"/>
+          </a:xfrm>
+        </p:spPr>
+        <p:txBody>
+          <a:bodyPr>
+            <a:normAutofit/>
           </a:bodyPr>
           <a:lstStyle/>
           <a:p>
-            <a:r>
-              <a:rPr lang="en-IN" dirty="0">
+            <a:pPr marL="0" lvl="1" indent="0">
+              <a:buNone/>
+            </a:pPr>
+            <a:r>
+              <a:rPr lang="en-US" altLang="ko-KR" sz="2000" b="1" dirty="0">
+                <a:latin typeface="Times New Roman" panose="02020603050405020304" pitchFamily="18" charset="0"/>
+                <a:ea typeface="굴림" charset="-127"/>
+                <a:cs typeface="Times New Roman" panose="02020603050405020304" pitchFamily="18" charset="0"/>
+              </a:rPr>
+              <a:t>Problem Statement:</a:t>
+            </a:r>
+          </a:p>
+          <a:p>
+            <a:pPr marL="0" lvl="1" indent="0" algn="just">
+              <a:buNone/>
+            </a:pPr>
+            <a:r>
+              <a:rPr lang="en-US" altLang="ko-KR" sz="2000" dirty="0">
+                <a:latin typeface="Times New Roman" panose="02020603050405020304" pitchFamily="18" charset="0"/>
+                <a:ea typeface="굴림" charset="-127"/>
+                <a:cs typeface="Times New Roman" panose="02020603050405020304" pitchFamily="18" charset="0"/>
+              </a:rPr>
+              <a:t>     </a:t>
+            </a:r>
+            <a:r>
+              <a:rPr lang="en-US" sz="2000" b="0" i="0" dirty="0">
+                <a:solidFill>
+                  <a:srgbClr val="202124"/>
+                </a:solidFill>
+                <a:effectLst/>
                 <a:latin typeface="Times New Roman" panose="02020603050405020304" pitchFamily="18" charset="0"/>
                 <a:cs typeface="Times New Roman" panose="02020603050405020304" pitchFamily="18" charset="0"/>
               </a:rPr>
-              <a:t>Figure 1: System Architecture Diagram</a:t>
-            </a:r>
-          </a:p>
-        </p:txBody>
-      </p:sp>
-      <p:sp>
-        <p:nvSpPr>
-          <p:cNvPr id="5" name="Date Placeholder 4"/>
+              <a:t>The purpose of tree plantation is </a:t>
+            </a:r>
+            <a:r>
+              <a:rPr lang="en-US" sz="2000" b="1" i="0" dirty="0">
+                <a:solidFill>
+                  <a:srgbClr val="202124"/>
+                </a:solidFill>
+                <a:effectLst/>
+                <a:latin typeface="Times New Roman" panose="02020603050405020304" pitchFamily="18" charset="0"/>
+                <a:cs typeface="Times New Roman" panose="02020603050405020304" pitchFamily="18" charset="0"/>
+              </a:rPr>
+              <a:t>to save the endangered environment and to beautify our life</a:t>
+            </a:r>
+            <a:r>
+              <a:rPr lang="en-US" sz="2000" b="0" i="0" dirty="0">
+                <a:solidFill>
+                  <a:srgbClr val="202124"/>
+                </a:solidFill>
+                <a:effectLst/>
+                <a:latin typeface="Times New Roman" panose="02020603050405020304" pitchFamily="18" charset="0"/>
+                <a:cs typeface="Times New Roman" panose="02020603050405020304" pitchFamily="18" charset="0"/>
+              </a:rPr>
+              <a:t>. Trees are valuable gifts of nature. </a:t>
+            </a:r>
+            <a:endParaRPr lang="en-US" altLang="ko-KR" sz="2000" dirty="0">
+              <a:latin typeface="Times New Roman" panose="02020603050405020304" pitchFamily="18" charset="0"/>
+              <a:ea typeface="굴림" charset="-127"/>
+              <a:cs typeface="Times New Roman" panose="02020603050405020304" pitchFamily="18" charset="0"/>
+            </a:endParaRPr>
+          </a:p>
+          <a:p>
+            <a:pPr marL="0" lvl="1" indent="0">
+              <a:buNone/>
+            </a:pPr>
+            <a:endParaRPr lang="en-US" altLang="ko-KR" sz="2000" b="1" dirty="0">
+              <a:latin typeface="Times New Roman" panose="02020603050405020304" pitchFamily="18" charset="0"/>
+              <a:ea typeface="굴림" charset="-127"/>
+              <a:cs typeface="Times New Roman" panose="02020603050405020304" pitchFamily="18" charset="0"/>
+            </a:endParaRPr>
+          </a:p>
+          <a:p>
+            <a:pPr marL="0" lvl="1" indent="0">
+              <a:buNone/>
+            </a:pPr>
+            <a:r>
+              <a:rPr lang="en-US" altLang="ko-KR" sz="2000" b="1" dirty="0">
+                <a:latin typeface="Times New Roman" panose="02020603050405020304" pitchFamily="18" charset="0"/>
+                <a:ea typeface="굴림" charset="-127"/>
+                <a:cs typeface="Times New Roman" panose="02020603050405020304" pitchFamily="18" charset="0"/>
+              </a:rPr>
+              <a:t>Problem Solution</a:t>
+            </a:r>
+          </a:p>
+          <a:p>
+            <a:pPr marL="0" indent="0" algn="just">
+              <a:buNone/>
+            </a:pPr>
+            <a:r>
+              <a:rPr lang="en-US" sz="2000" dirty="0">
+                <a:latin typeface="Times New Roman" panose="02020603050405020304" pitchFamily="18" charset="0"/>
+                <a:cs typeface="Times New Roman" panose="02020603050405020304" pitchFamily="18" charset="0"/>
+              </a:rPr>
+              <a:t>	We provide a platform where anyone can plant or donate a tree and </a:t>
+            </a:r>
+            <a:r>
+              <a:rPr lang="en-US" altLang="ko-KR" sz="2000" dirty="0">
+                <a:latin typeface="Times New Roman" panose="02020603050405020304" pitchFamily="18" charset="0"/>
+                <a:ea typeface="굴림" charset="-127"/>
+                <a:cs typeface="Times New Roman" panose="02020603050405020304" pitchFamily="18" charset="0"/>
+              </a:rPr>
+              <a:t>provide helping hand for saving our environment</a:t>
+            </a:r>
+          </a:p>
+          <a:p>
+            <a:pPr marL="0" lvl="1" indent="0">
+              <a:buNone/>
+            </a:pPr>
+            <a:endParaRPr lang="en-US" altLang="ko-KR" sz="2400" dirty="0">
+              <a:latin typeface="Times New Roman" panose="02020603050405020304" pitchFamily="18" charset="0"/>
+              <a:ea typeface="굴림" charset="-127"/>
+              <a:cs typeface="Times New Roman" panose="02020603050405020304" pitchFamily="18" charset="0"/>
+            </a:endParaRPr>
+          </a:p>
+        </p:txBody>
+      </p:sp>
+      <p:sp>
+        <p:nvSpPr>
+          <p:cNvPr id="6" name="Date Placeholder 5"/>
           <p:cNvSpPr>
             <a:spLocks noGrp="1"/>
           </p:cNvSpPr>
@@ -16793,8 +17306,8 @@
         </p:nvSpPr>
         <p:spPr>
           <a:xfrm>
-            <a:off x="7696200" y="6477000"/>
-            <a:ext cx="1066800" cy="136525"/>
+            <a:off x="7620000" y="6470932"/>
+            <a:ext cx="1143000" cy="142593"/>
           </a:xfrm>
         </p:spPr>
         <p:txBody>
@@ -16805,7 +17318,7 @@
               <a:rPr lang="en-US" dirty="0"/>
               <a:t>                                  </a:t>
             </a:r>
-            <a:fld id="{008454E2-00F7-4753-8245-C92DBC5C0D69}" type="datetime1">
+            <a:fld id="{10930C44-1396-41A0-98BE-16DFDB8B27E4}" type="datetime1">
               <a:rPr lang="en-US" smtClean="0"/>
               <a:pPr/>
               <a:t>4/30/2022</a:t>
@@ -16816,7 +17329,7 @@
       </p:sp>
       <p:pic>
         <p:nvPicPr>
-          <p:cNvPr id="9" name="Picture 2"/>
+          <p:cNvPr id="7" name="Picture 2"/>
           <p:cNvPicPr>
             <a:picLocks noChangeAspect="1" noChangeArrowheads="1"/>
           </p:cNvPicPr>
@@ -16838,7 +17351,7 @@
         <p:spPr bwMode="auto">
           <a:xfrm>
             <a:off x="2" y="1"/>
-            <a:ext cx="1018577" cy="902889"/>
+            <a:ext cx="1025154" cy="908719"/>
           </a:xfrm>
           <a:prstGeom prst="rect">
             <a:avLst/>
@@ -16868,164 +17381,43 @@
           </a:extLst>
         </p:spPr>
       </p:pic>
-      <p:sp>
-        <p:nvSpPr>
-          <p:cNvPr id="6" name="Content Placeholder 5"/>
-          <p:cNvSpPr>
-            <a:spLocks noGrp="1"/>
-          </p:cNvSpPr>
-          <p:nvPr>
-            <p:ph sz="quarter" idx="1"/>
-          </p:nvPr>
-        </p:nvSpPr>
-        <p:spPr/>
-        <p:txBody>
-          <a:bodyPr>
-            <a:normAutofit fontScale="47500" lnSpcReduction="20000"/>
-          </a:bodyPr>
-          <a:lstStyle/>
-          <a:p>
-            <a:pPr algn="l"/>
-            <a:r>
-              <a:rPr lang="en-IN" b="1" i="0" dirty="0">
-                <a:solidFill>
-                  <a:srgbClr val="333333"/>
-                </a:solidFill>
-                <a:effectLst/>
-                <a:latin typeface="Roboto" panose="02000000000000000000" pitchFamily="2" charset="0"/>
-              </a:rPr>
-              <a:t>In a nutshell, here's how our online tree plantation services work:</a:t>
-            </a:r>
-            <a:r>
-              <a:rPr lang="en-IN" b="0" i="0" dirty="0">
-                <a:solidFill>
-                  <a:srgbClr val="333333"/>
-                </a:solidFill>
-                <a:effectLst/>
-                <a:latin typeface="Roboto" panose="02000000000000000000" pitchFamily="2" charset="0"/>
-              </a:rPr>
-              <a:t>1. You call us on our phone number listed on the website.</a:t>
-            </a:r>
-          </a:p>
-          <a:p>
-            <a:pPr algn="l"/>
-            <a:r>
-              <a:rPr lang="en-IN" b="0" i="0" dirty="0">
-                <a:solidFill>
-                  <a:srgbClr val="333333"/>
-                </a:solidFill>
-                <a:effectLst/>
-                <a:latin typeface="Roboto" panose="02000000000000000000" pitchFamily="2" charset="0"/>
-              </a:rPr>
-              <a:t>2. We discuss with you all the available options regarding online tree plantation.</a:t>
-            </a:r>
-          </a:p>
-          <a:p>
-            <a:pPr algn="l"/>
-            <a:r>
-              <a:rPr lang="en-IN" b="0" i="0" dirty="0">
-                <a:solidFill>
-                  <a:srgbClr val="333333"/>
-                </a:solidFill>
-                <a:effectLst/>
-                <a:latin typeface="Roboto" panose="02000000000000000000" pitchFamily="2" charset="0"/>
-              </a:rPr>
-              <a:t>3. You take a decision according to your budget and timeline.</a:t>
-            </a:r>
-          </a:p>
-          <a:p>
-            <a:pPr algn="l"/>
-            <a:r>
-              <a:rPr lang="en-IN" b="0" i="0" dirty="0">
-                <a:solidFill>
-                  <a:srgbClr val="333333"/>
-                </a:solidFill>
-                <a:effectLst/>
-                <a:latin typeface="Roboto" panose="02000000000000000000" pitchFamily="2" charset="0"/>
-              </a:rPr>
-              <a:t>4. We plant the saplings on your behalf.</a:t>
-            </a:r>
-          </a:p>
-          <a:p>
-            <a:pPr algn="l"/>
-            <a:br>
-              <a:rPr lang="en-IN" dirty="0"/>
-            </a:br>
-            <a:r>
-              <a:rPr lang="en-IN" b="0" i="0" dirty="0">
-                <a:solidFill>
-                  <a:srgbClr val="333333"/>
-                </a:solidFill>
-                <a:effectLst/>
-                <a:latin typeface="Roboto" panose="02000000000000000000" pitchFamily="2" charset="0"/>
-              </a:rPr>
-              <a:t>Yes, it's that straightforward. As it's a service to the nature, we really like to keep it simple. We've been providing online tree plantation services for 3 years in and around Pune. Many companies and families have been a part of our tree plantation drives in Pune. Now we want to help you too.</a:t>
-            </a:r>
-          </a:p>
-          <a:p>
-            <a:pPr algn="l"/>
-            <a:br>
-              <a:rPr lang="en-IN" dirty="0"/>
-            </a:br>
-            <a:r>
-              <a:rPr lang="en-IN" b="0" i="0" dirty="0">
-                <a:solidFill>
-                  <a:srgbClr val="333333"/>
-                </a:solidFill>
-                <a:effectLst/>
-                <a:latin typeface="Roboto" panose="02000000000000000000" pitchFamily="2" charset="0"/>
-              </a:rPr>
-              <a:t>Tree plantation is a very noble job. It's like having your own child. By planting a tree with Nelda, you are giving life to a tree which will benefit our nation and world for the generations to come. Also, planting a tree with our online plantation services is more than just its environmental impact. It's about your support to our volunteers who are working hard throughout the year. It's also about the positive message you spread within your network by showcasing a good deed. It's about the hundreds of people you inspire in the society to do the same.</a:t>
-            </a:r>
-          </a:p>
-          <a:p>
-            <a:pPr algn="l"/>
-            <a:br>
-              <a:rPr lang="en-IN" dirty="0"/>
-            </a:br>
-            <a:r>
-              <a:rPr lang="en-IN" b="0" i="0" dirty="0">
-                <a:solidFill>
-                  <a:srgbClr val="333333"/>
-                </a:solidFill>
-                <a:effectLst/>
-                <a:latin typeface="Roboto" panose="02000000000000000000" pitchFamily="2" charset="0"/>
-              </a:rPr>
-              <a:t>At Nelda, we're eagerly waiting for your call for </a:t>
-            </a:r>
-            <a:r>
-              <a:rPr lang="en-IN" b="0" i="0" u="none" strike="noStrike" dirty="0">
-                <a:solidFill>
-                  <a:srgbClr val="56A044"/>
-                </a:solidFill>
-                <a:effectLst/>
-                <a:latin typeface="Roboto" panose="02000000000000000000" pitchFamily="2" charset="0"/>
-                <a:hlinkClick r:id="rId4"/>
-              </a:rPr>
-              <a:t>online tree plantation services</a:t>
-            </a:r>
-            <a:r>
-              <a:rPr lang="en-IN" b="0" i="0" dirty="0">
-                <a:solidFill>
-                  <a:srgbClr val="333333"/>
-                </a:solidFill>
-                <a:effectLst/>
-                <a:latin typeface="Roboto" panose="02000000000000000000" pitchFamily="2" charset="0"/>
-              </a:rPr>
-              <a:t>. Please take a minute of your time to talk to our team regarding the possible options. We'll be happy to help you every way we can.</a:t>
-            </a:r>
-          </a:p>
-          <a:p>
-            <a:endParaRPr lang="en-US" dirty="0"/>
-          </a:p>
-        </p:txBody>
-      </p:sp>
+      <p:pic>
+        <p:nvPicPr>
+          <p:cNvPr id="8" name="Content Placeholder 8">
+            <a:extLst>
+              <a:ext uri="{FF2B5EF4-FFF2-40B4-BE49-F238E27FC236}">
+                <a16:creationId xmlns:a16="http://schemas.microsoft.com/office/drawing/2014/main" id="{65ED5DAB-F9F0-4799-9DAE-3CD70B864C42}"/>
+              </a:ext>
+            </a:extLst>
+          </p:cNvPr>
+          <p:cNvPicPr>
+            <a:picLocks noChangeAspect="1"/>
+          </p:cNvPicPr>
+          <p:nvPr/>
+        </p:nvPicPr>
+        <p:blipFill>
+          <a:blip r:embed="rId4">
+            <a:extLst>
+              <a:ext uri="{28A0092B-C50C-407E-A947-70E740481C1C}">
+                <a14:useLocalDpi xmlns:a14="http://schemas.microsoft.com/office/drawing/2010/main" val="0"/>
+              </a:ext>
+            </a:extLst>
+          </a:blip>
+          <a:stretch>
+            <a:fillRect/>
+          </a:stretch>
+        </p:blipFill>
+        <p:spPr>
+          <a:xfrm>
+            <a:off x="2912537" y="4498372"/>
+            <a:ext cx="3318926" cy="2164035"/>
+          </a:xfrm>
+          <a:prstGeom prst="rect">
+            <a:avLst/>
+          </a:prstGeom>
+        </p:spPr>
+      </p:pic>
     </p:spTree>
-    <p:extLst>
-      <p:ext uri="{BB962C8B-B14F-4D97-AF65-F5344CB8AC3E}">
-        <p14:creationId xmlns:p14="http://schemas.microsoft.com/office/powerpoint/2010/main" val="2516689486"/>
-      </p:ext>
-    </p:extLst>
   </p:cSld>
   <p:clrMapOvr>
     <a:masterClrMapping/>
@@ -17062,90 +17454,24 @@
         </p:nvSpPr>
         <p:spPr/>
         <p:txBody>
-          <a:bodyPr/>
-          <a:lstStyle/>
-          <a:p>
-            <a:r>
-              <a:rPr lang="en-IN" dirty="0">
-                <a:latin typeface="Times New Roman" panose="02020603050405020304" pitchFamily="18" charset="0"/>
-                <a:cs typeface="Times New Roman" panose="02020603050405020304" pitchFamily="18" charset="0"/>
-              </a:rPr>
-              <a:t>   </a:t>
-            </a:r>
+          <a:bodyPr>
+            <a:normAutofit/>
+          </a:bodyPr>
+          <a:lstStyle/>
+          <a:p>
             <a:r>
               <a:rPr lang="en-IN" sz="3600" dirty="0">
                 <a:latin typeface="Times New Roman" panose="02020603050405020304" pitchFamily="18" charset="0"/>
                 <a:cs typeface="Times New Roman" panose="02020603050405020304" pitchFamily="18" charset="0"/>
               </a:rPr>
-              <a:t>System Block Diagram</a:t>
-            </a:r>
-            <a:endParaRPr lang="en-IN" sz="2400" dirty="0">
-              <a:latin typeface="Times New Roman" panose="02020603050405020304" pitchFamily="18" charset="0"/>
-              <a:cs typeface="Times New Roman" panose="02020603050405020304" pitchFamily="18" charset="0"/>
-            </a:endParaRPr>
-          </a:p>
-        </p:txBody>
-      </p:sp>
-      <p:sp>
-        <p:nvSpPr>
-          <p:cNvPr id="3" name="Date Placeholder 2"/>
-          <p:cNvSpPr>
-            <a:spLocks noGrp="1"/>
-          </p:cNvSpPr>
-          <p:nvPr>
-            <p:ph type="dt" sz="half" idx="10"/>
-          </p:nvPr>
-        </p:nvSpPr>
-        <p:spPr>
-          <a:xfrm>
-            <a:off x="7620000" y="6477000"/>
-            <a:ext cx="1143000" cy="381000"/>
-          </a:xfrm>
-        </p:spPr>
-        <p:txBody>
-          <a:bodyPr/>
-          <a:lstStyle/>
-          <a:p>
-            <a:fld id="{50026CB2-BE88-4DA1-AF16-95AD2428938C}" type="datetime1">
-              <a:rPr lang="en-US" smtClean="0"/>
-              <a:pPr/>
-              <a:t>4/30/2022</a:t>
-            </a:fld>
-            <a:endParaRPr lang="en-US" dirty="0"/>
-          </a:p>
-        </p:txBody>
-      </p:sp>
-      <p:sp>
-        <p:nvSpPr>
-          <p:cNvPr id="4" name="Footer Placeholder 3"/>
-          <p:cNvSpPr>
-            <a:spLocks noGrp="1"/>
-          </p:cNvSpPr>
-          <p:nvPr>
-            <p:ph type="ftr" sz="quarter" idx="11"/>
-          </p:nvPr>
-        </p:nvSpPr>
-        <p:spPr>
-          <a:xfrm>
-            <a:off x="609600" y="6477000"/>
-            <a:ext cx="6324600" cy="381000"/>
-          </a:xfrm>
-        </p:spPr>
-        <p:txBody>
-          <a:bodyPr/>
-          <a:lstStyle/>
-          <a:p>
-            <a:r>
-              <a:rPr lang="en-IN" dirty="0"/>
-              <a:t>Playing Subset of Lecture Videos by Comparing Text Query with Associated Slides</a:t>
-            </a:r>
-            <a:endParaRPr lang="en-US" dirty="0"/>
-          </a:p>
-        </p:txBody>
-      </p:sp>
-      <p:sp>
-        <p:nvSpPr>
-          <p:cNvPr id="5" name="Slide Number Placeholder 4"/>
+              <a:t>   Proposed System</a:t>
+            </a:r>
+          </a:p>
+        </p:txBody>
+      </p:sp>
+      <p:sp>
+        <p:nvSpPr>
+          <p:cNvPr id="4" name="Slide Number Placeholder 3"/>
           <p:cNvSpPr>
             <a:spLocks noGrp="1"/>
           </p:cNvSpPr>
@@ -17174,51 +17500,49 @@
           </a:p>
         </p:txBody>
       </p:sp>
+      <p:sp>
+        <p:nvSpPr>
+          <p:cNvPr id="5" name="Date Placeholder 4"/>
+          <p:cNvSpPr>
+            <a:spLocks noGrp="1"/>
+          </p:cNvSpPr>
+          <p:nvPr>
+            <p:ph type="dt" sz="half" idx="10"/>
+          </p:nvPr>
+        </p:nvSpPr>
+        <p:spPr>
+          <a:xfrm>
+            <a:off x="7696200" y="6477000"/>
+            <a:ext cx="1066800" cy="136525"/>
+          </a:xfrm>
+        </p:spPr>
+        <p:txBody>
+          <a:bodyPr/>
+          <a:lstStyle/>
+          <a:p>
+            <a:r>
+              <a:rPr lang="en-US" dirty="0"/>
+              <a:t>                                  </a:t>
+            </a:r>
+            <a:fld id="{008454E2-00F7-4753-8245-C92DBC5C0D69}" type="datetime1">
+              <a:rPr lang="en-US" smtClean="0"/>
+              <a:pPr/>
+              <a:t>4/30/2022</a:t>
+            </a:fld>
+            <a:endParaRPr lang="en-US" dirty="0"/>
+          </a:p>
+        </p:txBody>
+      </p:sp>
       <p:pic>
         <p:nvPicPr>
-          <p:cNvPr id="9" name="Content Placeholder 8">
-            <a:extLst>
-              <a:ext uri="{FF2B5EF4-FFF2-40B4-BE49-F238E27FC236}">
-                <a16:creationId xmlns:a16="http://schemas.microsoft.com/office/drawing/2014/main" id="{871BF5B2-155F-49C8-8A88-8F9E8F0B8C3B}"/>
-              </a:ext>
-            </a:extLst>
-          </p:cNvPr>
-          <p:cNvPicPr>
-            <a:picLocks noGrp="1" noChangeAspect="1"/>
-          </p:cNvPicPr>
-          <p:nvPr>
-            <p:ph sz="quarter" idx="1"/>
-          </p:nvPr>
-        </p:nvPicPr>
-        <p:blipFill>
-          <a:blip r:embed="rId3">
-            <a:extLst>
-              <a:ext uri="{28A0092B-C50C-407E-A947-70E740481C1C}">
-                <a14:useLocalDpi xmlns:a14="http://schemas.microsoft.com/office/drawing/2010/main" val="0"/>
-              </a:ext>
-            </a:extLst>
-          </a:blip>
-          <a:stretch>
-            <a:fillRect/>
-          </a:stretch>
-        </p:blipFill>
-        <p:spPr>
-          <a:xfrm>
-            <a:off x="3491880" y="1628800"/>
-            <a:ext cx="5053676" cy="3295143"/>
-          </a:xfrm>
-        </p:spPr>
-      </p:pic>
-      <p:pic>
-        <p:nvPicPr>
-          <p:cNvPr id="7" name="Picture 2"/>
+          <p:cNvPr id="9" name="Picture 2"/>
           <p:cNvPicPr>
             <a:picLocks noChangeAspect="1" noChangeArrowheads="1"/>
           </p:cNvPicPr>
           <p:nvPr/>
         </p:nvPicPr>
         <p:blipFill>
-          <a:blip r:embed="rId4">
+          <a:blip r:embed="rId3">
             <a:extLst>
               <a:ext uri="{28A0092B-C50C-407E-A947-70E740481C1C}">
                 <a14:useLocalDpi xmlns:a14="http://schemas.microsoft.com/office/drawing/2010/main" val="0"/>
@@ -17233,7 +17557,7 @@
         <p:spPr bwMode="auto">
           <a:xfrm>
             <a:off x="2" y="1"/>
-            <a:ext cx="1025154" cy="908719"/>
+            <a:ext cx="1018577" cy="902889"/>
           </a:xfrm>
           <a:prstGeom prst="rect">
             <a:avLst/>
@@ -17263,10 +17587,139 @@
           </a:extLst>
         </p:spPr>
       </p:pic>
+      <p:sp>
+        <p:nvSpPr>
+          <p:cNvPr id="6" name="Content Placeholder 5"/>
+          <p:cNvSpPr>
+            <a:spLocks noGrp="1"/>
+          </p:cNvSpPr>
+          <p:nvPr>
+            <p:ph sz="quarter" idx="1"/>
+          </p:nvPr>
+        </p:nvSpPr>
+        <p:spPr>
+          <a:xfrm>
+            <a:off x="612648" y="1600200"/>
+            <a:ext cx="8153400" cy="4876800"/>
+          </a:xfrm>
+        </p:spPr>
+        <p:txBody>
+          <a:bodyPr>
+            <a:normAutofit fontScale="25000" lnSpcReduction="20000"/>
+          </a:bodyPr>
+          <a:lstStyle/>
+          <a:p>
+            <a:pPr marL="0" indent="0" algn="just">
+              <a:buNone/>
+            </a:pPr>
+            <a:r>
+              <a:rPr lang="en-IN" sz="7200" b="1" i="0" dirty="0">
+                <a:solidFill>
+                  <a:srgbClr val="333333"/>
+                </a:solidFill>
+                <a:effectLst/>
+                <a:latin typeface="Roboto" panose="02000000000000000000" pitchFamily="2" charset="0"/>
+              </a:rPr>
+              <a:t>In a nutshell, here's how our online tree plantation services work:</a:t>
+            </a:r>
+          </a:p>
+          <a:p>
+            <a:pPr algn="just"/>
+            <a:r>
+              <a:rPr lang="en-IN" sz="7200" b="0" i="0" dirty="0">
+                <a:solidFill>
+                  <a:srgbClr val="333333"/>
+                </a:solidFill>
+                <a:effectLst/>
+                <a:latin typeface="Roboto" panose="02000000000000000000" pitchFamily="2" charset="0"/>
+              </a:rPr>
+              <a:t>1. You call us on our phone number listed on the website.</a:t>
+            </a:r>
+          </a:p>
+          <a:p>
+            <a:pPr algn="just"/>
+            <a:r>
+              <a:rPr lang="en-IN" sz="7200" b="0" i="0" dirty="0">
+                <a:solidFill>
+                  <a:srgbClr val="333333"/>
+                </a:solidFill>
+                <a:effectLst/>
+                <a:latin typeface="Roboto" panose="02000000000000000000" pitchFamily="2" charset="0"/>
+              </a:rPr>
+              <a:t>2. We discuss with you all the available options regarding online tree plantation.</a:t>
+            </a:r>
+          </a:p>
+          <a:p>
+            <a:pPr algn="just"/>
+            <a:r>
+              <a:rPr lang="en-IN" sz="7200" b="0" i="0" dirty="0">
+                <a:solidFill>
+                  <a:srgbClr val="333333"/>
+                </a:solidFill>
+                <a:effectLst/>
+                <a:latin typeface="Roboto" panose="02000000000000000000" pitchFamily="2" charset="0"/>
+              </a:rPr>
+              <a:t>3. You take a decision according to your budget and timeline.</a:t>
+            </a:r>
+          </a:p>
+          <a:p>
+            <a:pPr algn="just"/>
+            <a:r>
+              <a:rPr lang="en-IN" sz="7200" b="0" i="0" dirty="0">
+                <a:solidFill>
+                  <a:srgbClr val="333333"/>
+                </a:solidFill>
+                <a:effectLst/>
+                <a:latin typeface="Roboto" panose="02000000000000000000" pitchFamily="2" charset="0"/>
+              </a:rPr>
+              <a:t>4. We plant the saplings on your behalf.</a:t>
+            </a:r>
+          </a:p>
+          <a:p>
+            <a:pPr marL="0" indent="0" algn="just">
+              <a:buNone/>
+            </a:pPr>
+            <a:br>
+              <a:rPr lang="en-IN" sz="7200" dirty="0"/>
+            </a:br>
+            <a:r>
+              <a:rPr lang="en-IN" sz="7200" b="0" i="0" dirty="0">
+                <a:solidFill>
+                  <a:srgbClr val="333333"/>
+                </a:solidFill>
+                <a:effectLst/>
+                <a:latin typeface="Roboto" panose="02000000000000000000" pitchFamily="2" charset="0"/>
+              </a:rPr>
+              <a:t>Yes, it's that straightforward. As it's a service to the nature, we really like to keep it simple. </a:t>
+            </a:r>
+          </a:p>
+          <a:p>
+            <a:pPr marL="0" indent="0" algn="just">
+              <a:buNone/>
+            </a:pPr>
+            <a:br>
+              <a:rPr lang="en-IN" sz="7200" dirty="0"/>
+            </a:br>
+            <a:r>
+              <a:rPr lang="en-IN" sz="7200" b="0" i="0" dirty="0">
+                <a:solidFill>
+                  <a:srgbClr val="333333"/>
+                </a:solidFill>
+                <a:effectLst/>
+                <a:latin typeface="Roboto" panose="02000000000000000000" pitchFamily="2" charset="0"/>
+              </a:rPr>
+              <a:t>Tree plantation is a very noble job. It's like having your own child. By planting a tree you are giving life to a tree which will benefit our nation and world for the generations to come. Also, planting a tree with our online plantation services is more than just its environmental impact. It's also about the positive message you spread within your network by showcasing a good deed. It's about the hundreds of people you inspire in the society to do the same. We'll be happy to help you every way we can.</a:t>
+            </a:r>
+          </a:p>
+          <a:p>
+            <a:endParaRPr lang="en-US" dirty="0"/>
+          </a:p>
+        </p:txBody>
+      </p:sp>
     </p:spTree>
     <p:extLst>
       <p:ext uri="{BB962C8B-B14F-4D97-AF65-F5344CB8AC3E}">
-        <p14:creationId xmlns:p14="http://schemas.microsoft.com/office/powerpoint/2010/main" val="3411970280"/>
+        <p14:creationId xmlns:p14="http://schemas.microsoft.com/office/powerpoint/2010/main" val="2516689486"/>
       </p:ext>
     </p:extLst>
   </p:cSld>
